--- a/2.7 and 2.8 Documentation Template.pptx
+++ b/2.7 and 2.8 Documentation Template.pptx
@@ -5,21 +5,22 @@
     <p:sldMasterId id="2147483648" r:id="rId3"/>
   </p:sldMasterIdLst>
   <p:notesMasterIdLst>
-    <p:notesMasterId r:id="rId16"/>
+    <p:notesMasterId r:id="rId17"/>
   </p:notesMasterIdLst>
   <p:sldIdLst>
     <p:sldId id="256" r:id="rId4"/>
     <p:sldId id="258" r:id="rId5"/>
     <p:sldId id="272" r:id="rId6"/>
-    <p:sldId id="260" r:id="rId7"/>
-    <p:sldId id="268" r:id="rId8"/>
-    <p:sldId id="269" r:id="rId9"/>
-    <p:sldId id="274" r:id="rId10"/>
-    <p:sldId id="273" r:id="rId11"/>
-    <p:sldId id="263" r:id="rId12"/>
-    <p:sldId id="270" r:id="rId13"/>
-    <p:sldId id="261" r:id="rId14"/>
-    <p:sldId id="266" r:id="rId15"/>
+    <p:sldId id="275" r:id="rId7"/>
+    <p:sldId id="260" r:id="rId8"/>
+    <p:sldId id="268" r:id="rId9"/>
+    <p:sldId id="269" r:id="rId10"/>
+    <p:sldId id="274" r:id="rId11"/>
+    <p:sldId id="273" r:id="rId12"/>
+    <p:sldId id="263" r:id="rId13"/>
+    <p:sldId id="270" r:id="rId14"/>
+    <p:sldId id="261" r:id="rId15"/>
+    <p:sldId id="266" r:id="rId16"/>
   </p:sldIdLst>
   <p:sldSz cx="12192000" cy="6858000"/>
   <p:notesSz cx="6858000" cy="9144000"/>
@@ -208,7 +209,7 @@
           <a:p>
             <a:fld id="{F37D28C0-BEB6-42B0-A203-EEE1023219C4}" type="datetimeFigureOut">
               <a:rPr lang="en-NZ" smtClean="0"/>
-              <a:t>27/04/2023</a:t>
+              <a:t>1/05/2023</a:t>
             </a:fld>
             <a:endParaRPr lang="en-NZ"/>
           </a:p>
@@ -563,6 +564,115 @@
 </p:notes>
 </file>
 
+<file path=ppt/notesSlides/notesSlide10.xml><?xml version="1.0" encoding="utf-8"?>
+<p:notes xmlns:a="http://schemas.openxmlformats.org/drawingml/2006/main" xmlns:r="http://schemas.openxmlformats.org/officeDocument/2006/relationships" xmlns:p="http://schemas.openxmlformats.org/presentationml/2006/main">
+  <p:cSld>
+    <p:spTree>
+      <p:nvGrpSpPr>
+        <p:cNvPr id="1" name=""/>
+        <p:cNvGrpSpPr/>
+        <p:nvPr/>
+      </p:nvGrpSpPr>
+      <p:grpSpPr>
+        <a:xfrm>
+          <a:off x="0" y="0"/>
+          <a:ext cx="0" cy="0"/>
+          <a:chOff x="0" y="0"/>
+          <a:chExt cx="0" cy="0"/>
+        </a:xfrm>
+      </p:grpSpPr>
+      <p:sp>
+        <p:nvSpPr>
+          <p:cNvPr id="2" name="Slide Image Placeholder 1"/>
+          <p:cNvSpPr>
+            <a:spLocks noGrp="1" noRot="1" noChangeAspect="1"/>
+          </p:cNvSpPr>
+          <p:nvPr>
+            <p:ph type="sldImg"/>
+          </p:nvPr>
+        </p:nvSpPr>
+        <p:spPr/>
+      </p:sp>
+      <p:sp>
+        <p:nvSpPr>
+          <p:cNvPr id="3" name="Notes Placeholder 2"/>
+          <p:cNvSpPr>
+            <a:spLocks noGrp="1"/>
+          </p:cNvSpPr>
+          <p:nvPr>
+            <p:ph type="body" idx="1"/>
+          </p:nvPr>
+        </p:nvSpPr>
+        <p:spPr/>
+        <p:txBody>
+          <a:bodyPr/>
+          <a:lstStyle/>
+          <a:p>
+            <a:pPr marL="0" marR="0" lvl="0" indent="0" algn="l" defTabSz="914400" rtl="0" eaLnBrk="1" fontAlgn="auto" latinLnBrk="0" hangingPunct="1">
+              <a:lnSpc>
+                <a:spcPct val="100000"/>
+              </a:lnSpc>
+              <a:spcBef>
+                <a:spcPts val="0"/>
+              </a:spcBef>
+              <a:spcAft>
+                <a:spcPts val="0"/>
+              </a:spcAft>
+              <a:buClrTx/>
+              <a:buSzTx/>
+              <a:buFontTx/>
+              <a:buNone/>
+              <a:tabLst/>
+              <a:defRPr/>
+            </a:pPr>
+            <a:r>
+              <a:rPr lang="en-NZ" i="1" dirty="0">
+                <a:latin typeface="Arial" panose="020B0604020202020204" pitchFamily="34" charset="0"/>
+              </a:rPr>
+              <a:t>Discuss how the information from planning, testing and trialling of components assisted in the development of a high-quality outcome.</a:t>
+            </a:r>
+          </a:p>
+          <a:p>
+            <a:endParaRPr lang="en-NZ" dirty="0"/>
+          </a:p>
+        </p:txBody>
+      </p:sp>
+      <p:sp>
+        <p:nvSpPr>
+          <p:cNvPr id="4" name="Slide Number Placeholder 3"/>
+          <p:cNvSpPr>
+            <a:spLocks noGrp="1"/>
+          </p:cNvSpPr>
+          <p:nvPr>
+            <p:ph type="sldNum" sz="quarter" idx="5"/>
+          </p:nvPr>
+        </p:nvSpPr>
+        <p:spPr/>
+        <p:txBody>
+          <a:bodyPr/>
+          <a:lstStyle/>
+          <a:p>
+            <a:fld id="{D89B2B17-F4B1-4A14-AF99-5A366D45E74A}" type="slidenum">
+              <a:rPr lang="en-NZ" smtClean="0"/>
+              <a:t>13</a:t>
+            </a:fld>
+            <a:endParaRPr lang="en-NZ"/>
+          </a:p>
+        </p:txBody>
+      </p:sp>
+    </p:spTree>
+    <p:extLst>
+      <p:ext uri="{BB962C8B-B14F-4D97-AF65-F5344CB8AC3E}">
+        <p14:creationId xmlns:p14="http://schemas.microsoft.com/office/powerpoint/2010/main" val="1738331893"/>
+      </p:ext>
+    </p:extLst>
+  </p:cSld>
+  <p:clrMapOvr>
+    <a:masterClrMapping/>
+  </p:clrMapOvr>
+</p:notes>
+</file>
+
 <file path=ppt/notesSlides/notesSlide2.xml><?xml version="1.0" encoding="utf-8"?>
 <p:notes xmlns:a="http://schemas.openxmlformats.org/drawingml/2006/main" xmlns:r="http://schemas.openxmlformats.org/officeDocument/2006/relationships" xmlns:p="http://schemas.openxmlformats.org/presentationml/2006/main">
   <p:cSld>
@@ -607,6 +717,93 @@
           <a:bodyPr/>
           <a:lstStyle/>
           <a:p>
+            <a:r>
+              <a:rPr lang="en-NZ" dirty="0"/>
+              <a:t>Additional rows can be added by clicking in the last cell and then using the Tab key </a:t>
+            </a:r>
+          </a:p>
+        </p:txBody>
+      </p:sp>
+      <p:sp>
+        <p:nvSpPr>
+          <p:cNvPr id="4" name="Slide Number Placeholder 3"/>
+          <p:cNvSpPr>
+            <a:spLocks noGrp="1"/>
+          </p:cNvSpPr>
+          <p:nvPr>
+            <p:ph type="sldNum" sz="quarter" idx="5"/>
+          </p:nvPr>
+        </p:nvSpPr>
+        <p:spPr/>
+        <p:txBody>
+          <a:bodyPr/>
+          <a:lstStyle/>
+          <a:p>
+            <a:fld id="{D89B2B17-F4B1-4A14-AF99-5A366D45E74A}" type="slidenum">
+              <a:rPr lang="en-NZ" smtClean="0"/>
+              <a:t>4</a:t>
+            </a:fld>
+            <a:endParaRPr lang="en-NZ"/>
+          </a:p>
+        </p:txBody>
+      </p:sp>
+    </p:spTree>
+    <p:extLst>
+      <p:ext uri="{BB962C8B-B14F-4D97-AF65-F5344CB8AC3E}">
+        <p14:creationId xmlns:p14="http://schemas.microsoft.com/office/powerpoint/2010/main" val="376639331"/>
+      </p:ext>
+    </p:extLst>
+  </p:cSld>
+  <p:clrMapOvr>
+    <a:masterClrMapping/>
+  </p:clrMapOvr>
+</p:notes>
+</file>
+
+<file path=ppt/notesSlides/notesSlide3.xml><?xml version="1.0" encoding="utf-8"?>
+<p:notes xmlns:a="http://schemas.openxmlformats.org/drawingml/2006/main" xmlns:r="http://schemas.openxmlformats.org/officeDocument/2006/relationships" xmlns:p="http://schemas.openxmlformats.org/presentationml/2006/main">
+  <p:cSld>
+    <p:spTree>
+      <p:nvGrpSpPr>
+        <p:cNvPr id="1" name=""/>
+        <p:cNvGrpSpPr/>
+        <p:nvPr/>
+      </p:nvGrpSpPr>
+      <p:grpSpPr>
+        <a:xfrm>
+          <a:off x="0" y="0"/>
+          <a:ext cx="0" cy="0"/>
+          <a:chOff x="0" y="0"/>
+          <a:chExt cx="0" cy="0"/>
+        </a:xfrm>
+      </p:grpSpPr>
+      <p:sp>
+        <p:nvSpPr>
+          <p:cNvPr id="2" name="Slide Image Placeholder 1"/>
+          <p:cNvSpPr>
+            <a:spLocks noGrp="1" noRot="1" noChangeAspect="1"/>
+          </p:cNvSpPr>
+          <p:nvPr>
+            <p:ph type="sldImg"/>
+          </p:nvPr>
+        </p:nvSpPr>
+        <p:spPr/>
+      </p:sp>
+      <p:sp>
+        <p:nvSpPr>
+          <p:cNvPr id="3" name="Notes Placeholder 2"/>
+          <p:cNvSpPr>
+            <a:spLocks noGrp="1"/>
+          </p:cNvSpPr>
+          <p:nvPr>
+            <p:ph type="body" idx="1"/>
+          </p:nvPr>
+        </p:nvSpPr>
+        <p:spPr/>
+        <p:txBody>
+          <a:bodyPr/>
+          <a:lstStyle/>
+          <a:p>
             <a:pPr marL="0" marR="0" lvl="0" indent="0" algn="l" defTabSz="914400" rtl="0" eaLnBrk="1" fontAlgn="auto" latinLnBrk="0" hangingPunct="1">
               <a:lnSpc>
                 <a:spcPct val="100000"/>
@@ -678,7 +875,7 @@
           <a:p>
             <a:fld id="{D89B2B17-F4B1-4A14-AF99-5A366D45E74A}" type="slidenum">
               <a:rPr lang="en-NZ" smtClean="0"/>
-              <a:t>4</a:t>
+              <a:t>5</a:t>
             </a:fld>
             <a:endParaRPr lang="en-NZ"/>
           </a:p>
@@ -697,7 +894,7 @@
 </p:notes>
 </file>
 
-<file path=ppt/notesSlides/notesSlide3.xml><?xml version="1.0" encoding="utf-8"?>
+<file path=ppt/notesSlides/notesSlide4.xml><?xml version="1.0" encoding="utf-8"?>
 <p:notes xmlns:a="http://schemas.openxmlformats.org/drawingml/2006/main" xmlns:r="http://schemas.openxmlformats.org/officeDocument/2006/relationships" xmlns:p="http://schemas.openxmlformats.org/presentationml/2006/main" showMasterSp="0" showMasterPhAnim="0">
   <p:cSld>
     <p:spTree>
@@ -801,7 +998,7 @@
 </p:notes>
 </file>
 
-<file path=ppt/notesSlides/notesSlide4.xml><?xml version="1.0" encoding="utf-8"?>
+<file path=ppt/notesSlides/notesSlide5.xml><?xml version="1.0" encoding="utf-8"?>
 <p:notes xmlns:a="http://schemas.openxmlformats.org/drawingml/2006/main" xmlns:r="http://schemas.openxmlformats.org/officeDocument/2006/relationships" xmlns:p="http://schemas.openxmlformats.org/presentationml/2006/main" showMasterSp="0" showMasterPhAnim="0">
   <p:cSld>
     <p:spTree>
@@ -928,105 +1125,6 @@
 </p:notes>
 </file>
 
-<file path=ppt/notesSlides/notesSlide5.xml><?xml version="1.0" encoding="utf-8"?>
-<p:notes xmlns:a="http://schemas.openxmlformats.org/drawingml/2006/main" xmlns:r="http://schemas.openxmlformats.org/officeDocument/2006/relationships" xmlns:p="http://schemas.openxmlformats.org/presentationml/2006/main">
-  <p:cSld>
-    <p:spTree>
-      <p:nvGrpSpPr>
-        <p:cNvPr id="1" name=""/>
-        <p:cNvGrpSpPr/>
-        <p:nvPr/>
-      </p:nvGrpSpPr>
-      <p:grpSpPr>
-        <a:xfrm>
-          <a:off x="0" y="0"/>
-          <a:ext cx="0" cy="0"/>
-          <a:chOff x="0" y="0"/>
-          <a:chExt cx="0" cy="0"/>
-        </a:xfrm>
-      </p:grpSpPr>
-      <p:sp>
-        <p:nvSpPr>
-          <p:cNvPr id="2" name="Slide Image Placeholder 1"/>
-          <p:cNvSpPr>
-            <a:spLocks noGrp="1" noRot="1" noChangeAspect="1"/>
-          </p:cNvSpPr>
-          <p:nvPr>
-            <p:ph type="sldImg"/>
-          </p:nvPr>
-        </p:nvSpPr>
-        <p:spPr/>
-      </p:sp>
-      <p:sp>
-        <p:nvSpPr>
-          <p:cNvPr id="3" name="Notes Placeholder 2"/>
-          <p:cNvSpPr>
-            <a:spLocks noGrp="1"/>
-          </p:cNvSpPr>
-          <p:nvPr>
-            <p:ph type="body" idx="1"/>
-          </p:nvPr>
-        </p:nvSpPr>
-        <p:spPr/>
-        <p:txBody>
-          <a:bodyPr/>
-          <a:lstStyle/>
-          <a:p>
-            <a:pPr>
-              <a:lnSpc>
-                <a:spcPct val="115000"/>
-              </a:lnSpc>
-            </a:pPr>
-            <a:r>
-              <a:rPr lang="en-NZ" i="1" dirty="0">
-                <a:latin typeface="Arial" panose="020B0604020202020204" pitchFamily="34" charset="0"/>
-                <a:ea typeface="Arial" panose="020B0604020202020204" pitchFamily="34" charset="0"/>
-              </a:rPr>
-              <a:t>You must show the results of testing. For each component, include a screenshot proving it works.  You can also include notes about each test. </a:t>
-            </a:r>
-            <a:endParaRPr lang="en-NZ" dirty="0">
-              <a:latin typeface="Arial" panose="020B0604020202020204" pitchFamily="34" charset="0"/>
-              <a:ea typeface="Arial" panose="020B0604020202020204" pitchFamily="34" charset="0"/>
-            </a:endParaRPr>
-          </a:p>
-        </p:txBody>
-      </p:sp>
-      <p:sp>
-        <p:nvSpPr>
-          <p:cNvPr id="4" name="Slide Number Placeholder 3"/>
-          <p:cNvSpPr>
-            <a:spLocks noGrp="1"/>
-          </p:cNvSpPr>
-          <p:nvPr>
-            <p:ph type="sldNum" sz="quarter" idx="5"/>
-          </p:nvPr>
-        </p:nvSpPr>
-        <p:spPr/>
-        <p:txBody>
-          <a:bodyPr/>
-          <a:lstStyle/>
-          <a:p>
-            <a:fld id="{D89B2B17-F4B1-4A14-AF99-5A366D45E74A}" type="slidenum">
-              <a:rPr lang="en-NZ" smtClean="0"/>
-              <a:t>7</a:t>
-            </a:fld>
-            <a:endParaRPr lang="en-NZ"/>
-          </a:p>
-        </p:txBody>
-      </p:sp>
-    </p:spTree>
-    <p:extLst>
-      <p:ext uri="{BB962C8B-B14F-4D97-AF65-F5344CB8AC3E}">
-        <p14:creationId xmlns:p14="http://schemas.microsoft.com/office/powerpoint/2010/main" val="3683133660"/>
-      </p:ext>
-    </p:extLst>
-  </p:cSld>
-  <p:clrMapOvr>
-    <a:masterClrMapping/>
-  </p:clrMapOvr>
-</p:notes>
-</file>
-
 <file path=ppt/notesSlides/notesSlide6.xml><?xml version="1.0" encoding="utf-8"?>
 <p:notes xmlns:a="http://schemas.openxmlformats.org/drawingml/2006/main" xmlns:r="http://schemas.openxmlformats.org/officeDocument/2006/relationships" xmlns:p="http://schemas.openxmlformats.org/presentationml/2006/main">
   <p:cSld>
@@ -1071,25 +1169,22 @@
           <a:bodyPr/>
           <a:lstStyle/>
           <a:p>
-            <a:r>
-              <a:rPr lang="en-NZ" i="1" dirty="0"/>
-              <a:t>NOTE: Trialling needs to happen for </a:t>
-            </a:r>
-            <a:r>
-              <a:rPr lang="en-NZ" b="1" i="1" dirty="0"/>
-              <a:t>at least 2 </a:t>
-            </a:r>
-            <a:r>
-              <a:rPr lang="en-NZ" i="1" dirty="0"/>
-              <a:t>of your components but is not necessary for ALL components.</a:t>
-            </a:r>
-          </a:p>
-          <a:p>
-            <a:r>
-              <a:rPr lang="en" i="1" dirty="0"/>
-              <a:t>Trialling is not the same as testing. Trialling is about finding different ways of building the same component. Show evidence of  your trialling  here. Select one of your trials for further development and give reasons for your choice. </a:t>
-            </a:r>
-            <a:endParaRPr lang="en-NZ" dirty="0"/>
+            <a:pPr>
+              <a:lnSpc>
+                <a:spcPct val="115000"/>
+              </a:lnSpc>
+            </a:pPr>
+            <a:r>
+              <a:rPr lang="en-NZ" i="1" dirty="0">
+                <a:latin typeface="Arial" panose="020B0604020202020204" pitchFamily="34" charset="0"/>
+                <a:ea typeface="Arial" panose="020B0604020202020204" pitchFamily="34" charset="0"/>
+              </a:rPr>
+              <a:t>You must show the results of testing. For each component, include a screenshot proving it works.  You can also include notes about each test. </a:t>
+            </a:r>
+            <a:endParaRPr lang="en-NZ" dirty="0">
+              <a:latin typeface="Arial" panose="020B0604020202020204" pitchFamily="34" charset="0"/>
+              <a:ea typeface="Arial" panose="020B0604020202020204" pitchFamily="34" charset="0"/>
+            </a:endParaRPr>
           </a:p>
         </p:txBody>
       </p:sp>
@@ -1119,7 +1214,7 @@
     </p:spTree>
     <p:extLst>
       <p:ext uri="{BB962C8B-B14F-4D97-AF65-F5344CB8AC3E}">
-        <p14:creationId xmlns:p14="http://schemas.microsoft.com/office/powerpoint/2010/main" val="120689959"/>
+        <p14:creationId xmlns:p14="http://schemas.microsoft.com/office/powerpoint/2010/main" val="3683133660"/>
       </p:ext>
     </p:extLst>
   </p:cSld>
@@ -1173,29 +1268,23 @@
           <a:bodyPr/>
           <a:lstStyle/>
           <a:p>
-            <a:pPr marL="0" marR="0" lvl="0" indent="0" algn="l" defTabSz="914400" rtl="0" eaLnBrk="1" fontAlgn="auto" latinLnBrk="0" hangingPunct="1">
-              <a:lnSpc>
-                <a:spcPct val="100000"/>
-              </a:lnSpc>
-              <a:spcBef>
-                <a:spcPts val="0"/>
-              </a:spcBef>
-              <a:spcAft>
-                <a:spcPts val="0"/>
-              </a:spcAft>
-              <a:buClrTx/>
-              <a:buSzTx/>
-              <a:buFontTx/>
-              <a:buNone/>
-              <a:tabLst/>
-              <a:defRPr/>
-            </a:pPr>
-            <a:r>
-              <a:rPr lang="en-NZ" i="1" dirty="0">
-                <a:latin typeface="Arial" panose="020B0604020202020204" pitchFamily="34" charset="0"/>
-                <a:ea typeface="Arial" panose="020B0604020202020204" pitchFamily="34" charset="0"/>
-              </a:rPr>
-              <a:t>Show testing for your assembled outcome below.  This should include a test plan followed by screenshot proof.  </a:t>
+            <a:r>
+              <a:rPr lang="en-NZ" i="1" dirty="0"/>
+              <a:t>NOTE: Trialling needs to happen for </a:t>
+            </a:r>
+            <a:r>
+              <a:rPr lang="en-NZ" b="1" i="1" dirty="0"/>
+              <a:t>at least 2 </a:t>
+            </a:r>
+            <a:r>
+              <a:rPr lang="en-NZ" i="1" dirty="0"/>
+              <a:t>of your components but is not necessary for ALL components.</a:t>
+            </a:r>
+          </a:p>
+          <a:p>
+            <a:r>
+              <a:rPr lang="en" i="1" dirty="0"/>
+              <a:t>Trialling is not the same as testing. Trialling is about finding different ways of building the same component. Show evidence of  your trialling  here. Select one of your trials for further development and give reasons for your choice. </a:t>
             </a:r>
             <a:endParaRPr lang="en-NZ" dirty="0"/>
           </a:p>
@@ -1227,7 +1316,7 @@
     </p:spTree>
     <p:extLst>
       <p:ext uri="{BB962C8B-B14F-4D97-AF65-F5344CB8AC3E}">
-        <p14:creationId xmlns:p14="http://schemas.microsoft.com/office/powerpoint/2010/main" val="234755665"/>
+        <p14:creationId xmlns:p14="http://schemas.microsoft.com/office/powerpoint/2010/main" val="120689959"/>
       </p:ext>
     </p:extLst>
   </p:cSld>
@@ -1303,14 +1392,8 @@
                 <a:latin typeface="Arial" panose="020B0604020202020204" pitchFamily="34" charset="0"/>
                 <a:ea typeface="Arial" panose="020B0604020202020204" pitchFamily="34" charset="0"/>
               </a:rPr>
-              <a:t>Your version control evidence should go here.  This could be in the form of screenshots (both of your GitHub repository as well as your local project folder) as evidence of your incremental development.</a:t>
-            </a:r>
-            <a:endParaRPr lang="en-NZ" dirty="0">
-              <a:latin typeface="Arial" panose="020B0604020202020204" pitchFamily="34" charset="0"/>
-              <a:ea typeface="Arial" panose="020B0604020202020204" pitchFamily="34" charset="0"/>
-            </a:endParaRPr>
-          </a:p>
-          <a:p>
+              <a:t>Show testing for your assembled outcome below.  This should include a test plan followed by screenshot proof.  </a:t>
+            </a:r>
             <a:endParaRPr lang="en-NZ" dirty="0"/>
           </a:p>
         </p:txBody>
@@ -1332,7 +1415,7 @@
           <a:p>
             <a:fld id="{D89B2B17-F4B1-4A14-AF99-5A366D45E74A}" type="slidenum">
               <a:rPr lang="en-NZ" smtClean="0"/>
-              <a:t>11</a:t>
+              <a:t>10</a:t>
             </a:fld>
             <a:endParaRPr lang="en-NZ"/>
           </a:p>
@@ -1341,7 +1424,7 @@
     </p:spTree>
     <p:extLst>
       <p:ext uri="{BB962C8B-B14F-4D97-AF65-F5344CB8AC3E}">
-        <p14:creationId xmlns:p14="http://schemas.microsoft.com/office/powerpoint/2010/main" val="1431557508"/>
+        <p14:creationId xmlns:p14="http://schemas.microsoft.com/office/powerpoint/2010/main" val="234755665"/>
       </p:ext>
     </p:extLst>
   </p:cSld>
@@ -1415,9 +1498,14 @@
             <a:r>
               <a:rPr lang="en-NZ" i="1" dirty="0">
                 <a:latin typeface="Arial" panose="020B0604020202020204" pitchFamily="34" charset="0"/>
+                <a:ea typeface="Arial" panose="020B0604020202020204" pitchFamily="34" charset="0"/>
               </a:rPr>
-              <a:t>Discuss how the information from planning, testing and trialling of components assisted in the development of a high-quality outcome.</a:t>
-            </a:r>
+              <a:t>Your version control evidence should go here.  This could be in the form of screenshots (both of your GitHub repository as well as your local project folder) as evidence of your incremental development.</a:t>
+            </a:r>
+            <a:endParaRPr lang="en-NZ" dirty="0">
+              <a:latin typeface="Arial" panose="020B0604020202020204" pitchFamily="34" charset="0"/>
+              <a:ea typeface="Arial" panose="020B0604020202020204" pitchFamily="34" charset="0"/>
+            </a:endParaRPr>
           </a:p>
           <a:p>
             <a:endParaRPr lang="en-NZ" dirty="0"/>
@@ -1450,7 +1538,7 @@
     </p:spTree>
     <p:extLst>
       <p:ext uri="{BB962C8B-B14F-4D97-AF65-F5344CB8AC3E}">
-        <p14:creationId xmlns:p14="http://schemas.microsoft.com/office/powerpoint/2010/main" val="1738331893"/>
+        <p14:creationId xmlns:p14="http://schemas.microsoft.com/office/powerpoint/2010/main" val="1431557508"/>
       </p:ext>
     </p:extLst>
   </p:cSld>
@@ -1609,7 +1697,7 @@
           <a:p>
             <a:fld id="{9C4A4F43-1C06-40E6-8F87-8B286982E50E}" type="datetimeFigureOut">
               <a:rPr lang="en-NZ" smtClean="0"/>
-              <a:t>27/04/2023</a:t>
+              <a:t>1/05/2023</a:t>
             </a:fld>
             <a:endParaRPr lang="en-NZ" dirty="0"/>
           </a:p>
@@ -1809,7 +1897,7 @@
           <a:p>
             <a:fld id="{9C4A4F43-1C06-40E6-8F87-8B286982E50E}" type="datetimeFigureOut">
               <a:rPr lang="en-NZ" smtClean="0"/>
-              <a:t>27/04/2023</a:t>
+              <a:t>1/05/2023</a:t>
             </a:fld>
             <a:endParaRPr lang="en-NZ" dirty="0"/>
           </a:p>
@@ -2019,7 +2107,7 @@
           <a:p>
             <a:fld id="{9C4A4F43-1C06-40E6-8F87-8B286982E50E}" type="datetimeFigureOut">
               <a:rPr lang="en-NZ" smtClean="0"/>
-              <a:t>27/04/2023</a:t>
+              <a:t>1/05/2023</a:t>
             </a:fld>
             <a:endParaRPr lang="en-NZ" dirty="0"/>
           </a:p>
@@ -2578,7 +2666,7 @@
           <a:p>
             <a:fld id="{9C4A4F43-1C06-40E6-8F87-8B286982E50E}" type="datetimeFigureOut">
               <a:rPr lang="en-NZ" smtClean="0"/>
-              <a:t>27/04/2023</a:t>
+              <a:t>1/05/2023</a:t>
             </a:fld>
             <a:endParaRPr lang="en-NZ" dirty="0"/>
           </a:p>
@@ -2854,7 +2942,7 @@
           <a:p>
             <a:fld id="{9C4A4F43-1C06-40E6-8F87-8B286982E50E}" type="datetimeFigureOut">
               <a:rPr lang="en-NZ" smtClean="0"/>
-              <a:t>27/04/2023</a:t>
+              <a:t>1/05/2023</a:t>
             </a:fld>
             <a:endParaRPr lang="en-NZ" dirty="0"/>
           </a:p>
@@ -3122,7 +3210,7 @@
           <a:p>
             <a:fld id="{9C4A4F43-1C06-40E6-8F87-8B286982E50E}" type="datetimeFigureOut">
               <a:rPr lang="en-NZ" smtClean="0"/>
-              <a:t>27/04/2023</a:t>
+              <a:t>1/05/2023</a:t>
             </a:fld>
             <a:endParaRPr lang="en-NZ" dirty="0"/>
           </a:p>
@@ -3537,7 +3625,7 @@
           <a:p>
             <a:fld id="{9C4A4F43-1C06-40E6-8F87-8B286982E50E}" type="datetimeFigureOut">
               <a:rPr lang="en-NZ" smtClean="0"/>
-              <a:t>27/04/2023</a:t>
+              <a:t>1/05/2023</a:t>
             </a:fld>
             <a:endParaRPr lang="en-NZ" dirty="0"/>
           </a:p>
@@ -3679,7 +3767,7 @@
           <a:p>
             <a:fld id="{9C4A4F43-1C06-40E6-8F87-8B286982E50E}" type="datetimeFigureOut">
               <a:rPr lang="en-NZ" smtClean="0"/>
-              <a:t>27/04/2023</a:t>
+              <a:t>1/05/2023</a:t>
             </a:fld>
             <a:endParaRPr lang="en-NZ" dirty="0"/>
           </a:p>
@@ -3792,7 +3880,7 @@
           <a:p>
             <a:fld id="{9C4A4F43-1C06-40E6-8F87-8B286982E50E}" type="datetimeFigureOut">
               <a:rPr lang="en-NZ" smtClean="0"/>
-              <a:t>27/04/2023</a:t>
+              <a:t>1/05/2023</a:t>
             </a:fld>
             <a:endParaRPr lang="en-NZ" dirty="0"/>
           </a:p>
@@ -4105,7 +4193,7 @@
           <a:p>
             <a:fld id="{9C4A4F43-1C06-40E6-8F87-8B286982E50E}" type="datetimeFigureOut">
               <a:rPr lang="en-NZ" smtClean="0"/>
-              <a:t>27/04/2023</a:t>
+              <a:t>1/05/2023</a:t>
             </a:fld>
             <a:endParaRPr lang="en-NZ" dirty="0"/>
           </a:p>
@@ -4394,7 +4482,7 @@
           <a:p>
             <a:fld id="{9C4A4F43-1C06-40E6-8F87-8B286982E50E}" type="datetimeFigureOut">
               <a:rPr lang="en-NZ" smtClean="0"/>
-              <a:t>27/04/2023</a:t>
+              <a:t>1/05/2023</a:t>
             </a:fld>
             <a:endParaRPr lang="en-NZ" dirty="0"/>
           </a:p>
@@ -4637,7 +4725,7 @@
           <a:p>
             <a:fld id="{9C4A4F43-1C06-40E6-8F87-8B286982E50E}" type="datetimeFigureOut">
               <a:rPr lang="en-NZ" smtClean="0"/>
-              <a:t>27/04/2023</a:t>
+              <a:t>1/05/2023</a:t>
             </a:fld>
             <a:endParaRPr lang="en-NZ" dirty="0"/>
           </a:p>
@@ -5080,7 +5168,14 @@
           <a:p>
             <a:r>
               <a:rPr lang="en-NZ" dirty="0"/>
-              <a:t>Monster Cards Documentation</a:t>
+              <a:t>AS91896[2.7] AS91887[2.8]</a:t>
+            </a:r>
+            <a:br>
+              <a:rPr lang="en-NZ" dirty="0"/>
+            </a:br>
+            <a:r>
+              <a:rPr lang="en-NZ" dirty="0"/>
+              <a:t>Documentation</a:t>
             </a:r>
           </a:p>
         </p:txBody>
@@ -5130,6 +5225,120 @@
 </file>
 
 <file path=ppt/slides/slide10.xml><?xml version="1.0" encoding="utf-8"?>
+<p:sld xmlns:a="http://schemas.openxmlformats.org/drawingml/2006/main" xmlns:r="http://schemas.openxmlformats.org/officeDocument/2006/relationships" xmlns:p="http://schemas.openxmlformats.org/presentationml/2006/main">
+  <p:cSld>
+    <p:spTree>
+      <p:nvGrpSpPr>
+        <p:cNvPr id="1" name=""/>
+        <p:cNvGrpSpPr/>
+        <p:nvPr/>
+      </p:nvGrpSpPr>
+      <p:grpSpPr>
+        <a:xfrm>
+          <a:off x="0" y="0"/>
+          <a:ext cx="0" cy="0"/>
+          <a:chOff x="0" y="0"/>
+          <a:chExt cx="0" cy="0"/>
+        </a:xfrm>
+      </p:grpSpPr>
+      <p:sp>
+        <p:nvSpPr>
+          <p:cNvPr id="2" name="Title 1">
+            <a:extLst>
+              <a:ext uri="{FF2B5EF4-FFF2-40B4-BE49-F238E27FC236}">
+                <a16:creationId xmlns:a16="http://schemas.microsoft.com/office/drawing/2014/main" id="{183CAE4A-E189-4CAA-B3F5-7E97BC5188E3}"/>
+              </a:ext>
+            </a:extLst>
+          </p:cNvPr>
+          <p:cNvSpPr>
+            <a:spLocks noGrp="1"/>
+          </p:cNvSpPr>
+          <p:nvPr>
+            <p:ph type="title"/>
+          </p:nvPr>
+        </p:nvSpPr>
+        <p:spPr>
+          <a:xfrm>
+            <a:off x="838199" y="406400"/>
+            <a:ext cx="10515600" cy="583248"/>
+          </a:xfrm>
+        </p:spPr>
+        <p:txBody>
+          <a:bodyPr>
+            <a:normAutofit fontScale="90000"/>
+          </a:bodyPr>
+          <a:lstStyle/>
+          <a:p>
+            <a:r>
+              <a:rPr lang="en-NZ" sz="4000" dirty="0"/>
+              <a:t>Assembled Outcome Testing:</a:t>
+            </a:r>
+          </a:p>
+        </p:txBody>
+      </p:sp>
+      <p:sp>
+        <p:nvSpPr>
+          <p:cNvPr id="3" name="Rectangle 2">
+            <a:extLst>
+              <a:ext uri="{FF2B5EF4-FFF2-40B4-BE49-F238E27FC236}">
+                <a16:creationId xmlns:a16="http://schemas.microsoft.com/office/drawing/2014/main" id="{DB8F61FF-932E-477F-82DD-3F6BB93999C0}"/>
+              </a:ext>
+            </a:extLst>
+          </p:cNvPr>
+          <p:cNvSpPr/>
+          <p:nvPr/>
+        </p:nvSpPr>
+        <p:spPr>
+          <a:xfrm>
+            <a:off x="838199" y="1089283"/>
+            <a:ext cx="8767813" cy="702372"/>
+          </a:xfrm>
+          <a:prstGeom prst="rect">
+            <a:avLst/>
+          </a:prstGeom>
+        </p:spPr>
+        <p:txBody>
+          <a:bodyPr wrap="square">
+            <a:spAutoFit/>
+          </a:bodyPr>
+          <a:lstStyle/>
+          <a:p>
+            <a:pPr>
+              <a:lnSpc>
+                <a:spcPct val="115000"/>
+              </a:lnSpc>
+              <a:spcAft>
+                <a:spcPts val="0"/>
+              </a:spcAft>
+            </a:pPr>
+            <a:r>
+              <a:rPr lang="en-NZ" i="1" dirty="0">
+                <a:latin typeface="Arial" panose="020B0604020202020204" pitchFamily="34" charset="0"/>
+                <a:ea typeface="Arial" panose="020B0604020202020204" pitchFamily="34" charset="0"/>
+              </a:rPr>
+              <a:t>Show testing for your assembled outcome below.  This should include a test plan followed by screenshot proof.  </a:t>
+            </a:r>
+            <a:endParaRPr lang="en-NZ" dirty="0">
+              <a:latin typeface="Arial" panose="020B0604020202020204" pitchFamily="34" charset="0"/>
+              <a:ea typeface="Arial" panose="020B0604020202020204" pitchFamily="34" charset="0"/>
+            </a:endParaRPr>
+          </a:p>
+        </p:txBody>
+      </p:sp>
+    </p:spTree>
+    <p:extLst>
+      <p:ext uri="{BB962C8B-B14F-4D97-AF65-F5344CB8AC3E}">
+        <p14:creationId xmlns:p14="http://schemas.microsoft.com/office/powerpoint/2010/main" val="1084233196"/>
+      </p:ext>
+    </p:extLst>
+  </p:cSld>
+  <p:clrMapOvr>
+    <a:masterClrMapping/>
+  </p:clrMapOvr>
+</p:sld>
+</file>
+
+<file path=ppt/slides/slide11.xml><?xml version="1.0" encoding="utf-8"?>
 <p:sld xmlns:a="http://schemas.openxmlformats.org/drawingml/2006/main" xmlns:r="http://schemas.openxmlformats.org/officeDocument/2006/relationships" xmlns:p="http://schemas.openxmlformats.org/presentationml/2006/main">
   <p:cSld>
     <p:spTree>
@@ -5401,7 +5610,7 @@
 </p:sld>
 </file>
 
-<file path=ppt/slides/slide11.xml><?xml version="1.0" encoding="utf-8"?>
+<file path=ppt/slides/slide12.xml><?xml version="1.0" encoding="utf-8"?>
 <p:sld xmlns:a="http://schemas.openxmlformats.org/drawingml/2006/main" xmlns:r="http://schemas.openxmlformats.org/officeDocument/2006/relationships" xmlns:p="http://schemas.openxmlformats.org/presentationml/2006/main">
   <p:cSld>
     <p:spTree>
@@ -5515,7 +5724,7 @@
 </p:sld>
 </file>
 
-<file path=ppt/slides/slide12.xml><?xml version="1.0" encoding="utf-8"?>
+<file path=ppt/slides/slide13.xml><?xml version="1.0" encoding="utf-8"?>
 <p:sld xmlns:a="http://schemas.openxmlformats.org/drawingml/2006/main" xmlns:r="http://schemas.openxmlformats.org/officeDocument/2006/relationships" xmlns:p="http://schemas.openxmlformats.org/presentationml/2006/main">
   <p:cSld>
     <p:spTree>
@@ -5656,7 +5865,7 @@
           <a:p>
             <a:r>
               <a:rPr lang="en-NZ" b="1" dirty="0"/>
-              <a:t>[Overtype this with your program name]</a:t>
+              <a:t>[Monster_Cards_Internal]</a:t>
             </a:r>
             <a:endParaRPr lang="en-NZ" dirty="0"/>
           </a:p>
@@ -5678,8 +5887,8 @@
         </p:nvSpPr>
         <p:spPr>
           <a:xfrm>
-            <a:off x="1693460" y="1914475"/>
-            <a:ext cx="8520600" cy="1750800"/>
+            <a:off x="1693460" y="1914474"/>
+            <a:ext cx="8520600" cy="2009343"/>
           </a:xfrm>
           <a:prstGeom prst="rect">
             <a:avLst/>
@@ -5886,7 +6095,7 @@
                   <a:srgbClr val="274E13"/>
                 </a:solidFill>
               </a:rPr>
-              <a:t>Link to GitHub Repository: [here]</a:t>
+              <a:t>Link to GitHub Repository: </a:t>
             </a:r>
           </a:p>
           <a:p>
@@ -5904,6 +6113,14 @@
               <a:buFont typeface="Arial"/>
               <a:buNone/>
             </a:pPr>
+            <a:r>
+              <a:rPr lang="en-NZ" sz="2000" b="1" dirty="0">
+                <a:solidFill>
+                  <a:srgbClr val="FF0000"/>
+                </a:solidFill>
+              </a:rPr>
+              <a:t>[https://github.com/peter123321123321/Monster-Cards-Internal]</a:t>
+            </a:r>
             <a:endParaRPr lang="en-NZ" sz="2000" dirty="0">
               <a:solidFill>
                 <a:srgbClr val="274E13"/>
@@ -5930,7 +6147,7 @@
                   <a:srgbClr val="274E13"/>
                 </a:solidFill>
               </a:rPr>
-              <a:t>Links to Trello board / project management tools: [here]</a:t>
+              <a:t>Links to Trello board / project management tools:</a:t>
             </a:r>
           </a:p>
           <a:p>
@@ -5947,6 +6164,14 @@
               <a:buSzPts val="1100"/>
               <a:buNone/>
             </a:pPr>
+            <a:r>
+              <a:rPr lang="en-NZ" sz="2000" b="1" dirty="0">
+                <a:solidFill>
+                  <a:srgbClr val="FF0000"/>
+                </a:solidFill>
+              </a:rPr>
+              <a:t>[https://trello.com/b/HvmDrkWJ/monstercardsinternal]</a:t>
+            </a:r>
             <a:endParaRPr lang="en-NZ" sz="2000" b="1" dirty="0">
               <a:solidFill>
                 <a:srgbClr val="274E13"/>
@@ -5973,7 +6198,30 @@
                   <a:srgbClr val="274E13"/>
                 </a:solidFill>
               </a:rPr>
-              <a:t>Link to final version of your program: [here]</a:t>
+              <a:t>Link to final version of your program: </a:t>
+            </a:r>
+          </a:p>
+          <a:p>
+            <a:pPr marL="0" indent="0">
+              <a:lnSpc>
+                <a:spcPct val="100000"/>
+              </a:lnSpc>
+              <a:spcBef>
+                <a:spcPts val="0"/>
+              </a:spcBef>
+              <a:buClr>
+                <a:schemeClr val="dk1"/>
+              </a:buClr>
+              <a:buSzPts val="1100"/>
+              <a:buNone/>
+            </a:pPr>
+            <a:r>
+              <a:rPr lang="en-NZ" sz="2000" b="1" dirty="0">
+                <a:solidFill>
+                  <a:srgbClr val="274E13"/>
+                </a:solidFill>
+              </a:rPr>
+              <a:t>[]</a:t>
             </a:r>
           </a:p>
           <a:p>
@@ -6146,6 +6394,14 @@
 <file path=ppt/slides/slide3.xml><?xml version="1.0" encoding="utf-8"?>
 <p:sld xmlns:a="http://schemas.openxmlformats.org/drawingml/2006/main" xmlns:r="http://schemas.openxmlformats.org/officeDocument/2006/relationships" xmlns:p="http://schemas.openxmlformats.org/presentationml/2006/main">
   <p:cSld>
+    <p:bg>
+      <p:bgPr>
+        <a:solidFill>
+          <a:schemeClr val="bg1"/>
+        </a:solidFill>
+        <a:effectLst/>
+      </p:bgPr>
+    </p:bg>
     <p:spTree>
       <p:nvGrpSpPr>
         <p:cNvPr id="1" name=""/>
@@ -6160,46 +6416,247 @@
           <a:chExt cx="0" cy="0"/>
         </a:xfrm>
       </p:grpSpPr>
-      <p:sp>
-        <p:nvSpPr>
-          <p:cNvPr id="2" name="Title 1">
-            <a:extLst>
-              <a:ext uri="{FF2B5EF4-FFF2-40B4-BE49-F238E27FC236}">
-                <a16:creationId xmlns:a16="http://schemas.microsoft.com/office/drawing/2014/main" id="{0D168B5A-EFF4-4803-8DA6-5994B306EBAF}"/>
-              </a:ext>
-            </a:extLst>
-          </p:cNvPr>
-          <p:cNvSpPr>
-            <a:spLocks noGrp="1"/>
-          </p:cNvSpPr>
-          <p:nvPr>
-            <p:ph type="title"/>
+      <p:sp useBgFill="1">
+        <p:nvSpPr>
+          <p:cNvPr id="11" name="Rectangle 10">
+            <a:extLst>
+              <a:ext uri="{FF2B5EF4-FFF2-40B4-BE49-F238E27FC236}">
+                <a16:creationId xmlns:a16="http://schemas.microsoft.com/office/drawing/2014/main" id="{53B021B3-DE93-4AB7-8A18-CF5F1CED88B8}"/>
+              </a:ext>
+              <a:ext uri="{C183D7F6-B498-43B3-948B-1728B52AA6E4}">
+                <adec:decorative xmlns:adec="http://schemas.microsoft.com/office/drawing/2017/decorative" val="1"/>
+              </a:ext>
+            </a:extLst>
+          </p:cNvPr>
+          <p:cNvSpPr>
+            <a:spLocks noGrp="1" noRot="1" noChangeAspect="1" noMove="1" noResize="1" noEditPoints="1" noAdjustHandles="1" noChangeArrowheads="1" noChangeShapeType="1" noTextEdit="1"/>
+          </p:cNvSpPr>
+          <p:nvPr>
+            <p:extLst>
+              <p:ext uri="{386F3935-93C4-4BCD-93E2-E3B085C9AB24}">
+                <p16:designElem xmlns:p16="http://schemas.microsoft.com/office/powerpoint/2015/main" val="1"/>
+              </p:ext>
+            </p:extLst>
           </p:nvPr>
         </p:nvSpPr>
         <p:spPr>
           <a:xfrm>
-            <a:off x="838200" y="365125"/>
-            <a:ext cx="10515600" cy="559435"/>
+            <a:off x="0" y="0"/>
+            <a:ext cx="12192000" cy="6858000"/>
+          </a:xfrm>
+          <a:prstGeom prst="rect">
+            <a:avLst/>
+          </a:prstGeom>
+          <a:ln>
+            <a:noFill/>
+          </a:ln>
+        </p:spPr>
+        <p:style>
+          <a:lnRef idx="2">
+            <a:schemeClr val="accent1">
+              <a:shade val="50000"/>
+            </a:schemeClr>
+          </a:lnRef>
+          <a:fillRef idx="1">
+            <a:schemeClr val="accent1"/>
+          </a:fillRef>
+          <a:effectRef idx="0">
+            <a:schemeClr val="accent1"/>
+          </a:effectRef>
+          <a:fontRef idx="minor">
+            <a:schemeClr val="lt1"/>
+          </a:fontRef>
+        </p:style>
+        <p:txBody>
+          <a:bodyPr rtlCol="0" anchor="ctr"/>
+          <a:lstStyle/>
+          <a:p>
+            <a:pPr algn="ctr"/>
+            <a:endParaRPr lang="en-US"/>
+          </a:p>
+        </p:txBody>
+      </p:sp>
+      <p:sp>
+        <p:nvSpPr>
+          <p:cNvPr id="2" name="Title 1">
+            <a:extLst>
+              <a:ext uri="{FF2B5EF4-FFF2-40B4-BE49-F238E27FC236}">
+                <a16:creationId xmlns:a16="http://schemas.microsoft.com/office/drawing/2014/main" id="{0D168B5A-EFF4-4803-8DA6-5994B306EBAF}"/>
+              </a:ext>
+            </a:extLst>
+          </p:cNvPr>
+          <p:cNvSpPr>
+            <a:spLocks noGrp="1"/>
+          </p:cNvSpPr>
+          <p:nvPr>
+            <p:ph type="title"/>
+          </p:nvPr>
+        </p:nvSpPr>
+        <p:spPr>
+          <a:xfrm>
+            <a:off x="841248" y="256032"/>
+            <a:ext cx="10506456" cy="1014984"/>
           </a:xfrm>
         </p:spPr>
         <p:txBody>
-          <a:bodyPr>
-            <a:normAutofit fontScale="90000"/>
+          <a:bodyPr vert="horz" lIns="91440" tIns="45720" rIns="91440" bIns="45720" rtlCol="0" anchor="b">
+            <a:normAutofit/>
           </a:bodyPr>
           <a:lstStyle/>
           <a:p>
             <a:pPr>
-              <a:lnSpc>
-                <a:spcPct val="115000"/>
-              </a:lnSpc>
               <a:spcAft>
                 <a:spcPts val="0"/>
               </a:spcAft>
             </a:pPr>
             <a:r>
-              <a:rPr lang="en-NZ" dirty="0"/>
+              <a:rPr lang="en-US" kern="1200">
+                <a:solidFill>
+                  <a:schemeClr val="tx1"/>
+                </a:solidFill>
+                <a:latin typeface="+mj-lt"/>
+                <a:ea typeface="+mj-ea"/>
+                <a:cs typeface="+mj-cs"/>
+              </a:rPr>
               <a:t>Explain relevant Implications:</a:t>
             </a:r>
+          </a:p>
+        </p:txBody>
+      </p:sp>
+      <p:sp>
+        <p:nvSpPr>
+          <p:cNvPr id="13" name="Rectangle 12">
+            <a:extLst>
+              <a:ext uri="{FF2B5EF4-FFF2-40B4-BE49-F238E27FC236}">
+                <a16:creationId xmlns:a16="http://schemas.microsoft.com/office/drawing/2014/main" id="{52D502E5-F6B4-4D58-B4AE-FC466FF15EE8}"/>
+              </a:ext>
+              <a:ext uri="{C183D7F6-B498-43B3-948B-1728B52AA6E4}">
+                <adec:decorative xmlns:adec="http://schemas.microsoft.com/office/drawing/2017/decorative" val="1"/>
+              </a:ext>
+            </a:extLst>
+          </p:cNvPr>
+          <p:cNvSpPr>
+            <a:spLocks noGrp="1" noRot="1" noChangeAspect="1" noMove="1" noResize="1" noEditPoints="1" noAdjustHandles="1" noChangeArrowheads="1" noChangeShapeType="1" noTextEdit="1"/>
+          </p:cNvSpPr>
+          <p:nvPr>
+            <p:extLst>
+              <p:ext uri="{386F3935-93C4-4BCD-93E2-E3B085C9AB24}">
+                <p16:designElem xmlns:p16="http://schemas.microsoft.com/office/powerpoint/2015/main" val="1"/>
+              </p:ext>
+            </p:extLst>
+          </p:nvPr>
+        </p:nvSpPr>
+        <p:spPr>
+          <a:xfrm>
+            <a:off x="865953" y="1634502"/>
+            <a:ext cx="10451592" cy="18288"/>
+          </a:xfrm>
+          <a:prstGeom prst="rect">
+            <a:avLst/>
+          </a:prstGeom>
+          <a:solidFill>
+            <a:srgbClr val="D5D5D5"/>
+          </a:solidFill>
+          <a:ln w="3175">
+            <a:noFill/>
+          </a:ln>
+          <a:effectLst/>
+        </p:spPr>
+        <p:style>
+          <a:lnRef idx="2">
+            <a:schemeClr val="accent1">
+              <a:shade val="50000"/>
+            </a:schemeClr>
+          </a:lnRef>
+          <a:fillRef idx="1">
+            <a:schemeClr val="accent1"/>
+          </a:fillRef>
+          <a:effectRef idx="0">
+            <a:schemeClr val="accent1"/>
+          </a:effectRef>
+          <a:fontRef idx="minor">
+            <a:schemeClr val="lt1"/>
+          </a:fontRef>
+        </p:style>
+        <p:txBody>
+          <a:bodyPr rtlCol="0" anchor="ctr"/>
+          <a:lstStyle/>
+          <a:p>
+            <a:pPr algn="ctr"/>
+            <a:endParaRPr lang="en-US">
+              <a:solidFill>
+                <a:prstClr val="white"/>
+              </a:solidFill>
+              <a:latin typeface="Calibri" panose="020F0502020204030204"/>
+            </a:endParaRPr>
+          </a:p>
+        </p:txBody>
+      </p:sp>
+      <p:sp>
+        <p:nvSpPr>
+          <p:cNvPr id="15" name="Rectangle 14">
+            <a:extLst>
+              <a:ext uri="{FF2B5EF4-FFF2-40B4-BE49-F238E27FC236}">
+                <a16:creationId xmlns:a16="http://schemas.microsoft.com/office/drawing/2014/main" id="{9DECDBF4-02B6-4BB4-B65B-B8107AD6A9E8}"/>
+              </a:ext>
+              <a:ext uri="{C183D7F6-B498-43B3-948B-1728B52AA6E4}">
+                <adec:decorative xmlns:adec="http://schemas.microsoft.com/office/drawing/2017/decorative" val="1"/>
+              </a:ext>
+            </a:extLst>
+          </p:cNvPr>
+          <p:cNvSpPr>
+            <a:spLocks noGrp="1" noRot="1" noChangeAspect="1" noMove="1" noResize="1" noEditPoints="1" noAdjustHandles="1" noChangeArrowheads="1" noChangeShapeType="1" noTextEdit="1"/>
+          </p:cNvSpPr>
+          <p:nvPr>
+            <p:extLst>
+              <p:ext uri="{386F3935-93C4-4BCD-93E2-E3B085C9AB24}">
+                <p16:designElem xmlns:p16="http://schemas.microsoft.com/office/powerpoint/2015/main" val="1"/>
+              </p:ext>
+            </p:extLst>
+          </p:nvPr>
+        </p:nvSpPr>
+        <p:spPr>
+          <a:xfrm flipV="1">
+            <a:off x="841248" y="1538176"/>
+            <a:ext cx="1873457" cy="109814"/>
+          </a:xfrm>
+          <a:prstGeom prst="rect">
+            <a:avLst/>
+          </a:prstGeom>
+          <a:solidFill>
+            <a:schemeClr val="accent2"/>
+          </a:solidFill>
+          <a:ln>
+            <a:noFill/>
+          </a:ln>
+        </p:spPr>
+        <p:style>
+          <a:lnRef idx="2">
+            <a:schemeClr val="accent1">
+              <a:shade val="50000"/>
+            </a:schemeClr>
+          </a:lnRef>
+          <a:fillRef idx="1">
+            <a:schemeClr val="accent1"/>
+          </a:fillRef>
+          <a:effectRef idx="0">
+            <a:schemeClr val="accent1"/>
+          </a:effectRef>
+          <a:fontRef idx="minor">
+            <a:schemeClr val="lt1"/>
+          </a:fontRef>
+        </p:style>
+        <p:txBody>
+          <a:bodyPr rtlCol="0" anchor="ctr"/>
+          <a:lstStyle/>
+          <a:p>
+            <a:pPr algn="ctr"/>
+            <a:endParaRPr lang="en-US">
+              <a:solidFill>
+                <a:prstClr val="white"/>
+              </a:solidFill>
+              <a:latin typeface="Calibri" panose="020F0502020204030204"/>
+            </a:endParaRPr>
           </a:p>
         </p:txBody>
       </p:sp>
@@ -6217,8 +6674,8 @@
         </p:nvSpPr>
         <p:spPr>
           <a:xfrm>
-            <a:off x="726440" y="1028343"/>
-            <a:ext cx="9999846" cy="369332"/>
+            <a:off x="1078263" y="1915150"/>
+            <a:ext cx="9653340" cy="356534"/>
           </a:xfrm>
           <a:prstGeom prst="rect">
             <a:avLst/>
@@ -6230,27 +6687,24 @@
           </a:bodyPr>
           <a:lstStyle/>
           <a:p>
-            <a:pPr marL="0" marR="0" lvl="0" indent="0" algn="l" defTabSz="914400" rtl="0" eaLnBrk="1" fontAlgn="auto" latinLnBrk="0" hangingPunct="1">
-              <a:lnSpc>
-                <a:spcPct val="100000"/>
-              </a:lnSpc>
-              <a:spcBef>
-                <a:spcPts val="0"/>
-              </a:spcBef>
+            <a:pPr defTabSz="877824">
               <a:spcAft>
-                <a:spcPts val="0"/>
+                <a:spcPts val="600"/>
               </a:spcAft>
-              <a:buClrTx/>
-              <a:buSzTx/>
-              <a:buFontTx/>
-              <a:buNone/>
-              <a:tabLst/>
               <a:defRPr/>
             </a:pPr>
             <a:r>
-              <a:rPr lang="en-NZ" i="1" dirty="0"/>
+              <a:rPr lang="en-NZ" sz="1728" i="1" kern="1200" dirty="0">
+                <a:solidFill>
+                  <a:schemeClr val="tx1"/>
+                </a:solidFill>
+                <a:latin typeface="+mn-lt"/>
+                <a:ea typeface="+mn-ea"/>
+                <a:cs typeface="+mn-cs"/>
+              </a:rPr>
               <a:t>Additional rows can be added by clicking in the last cell and then using the Tab key </a:t>
             </a:r>
+            <a:endParaRPr lang="en-NZ" i="1" dirty="0"/>
           </a:p>
         </p:txBody>
       </p:sp>
@@ -6269,14 +6723,14 @@
           <p:nvPr>
             <p:extLst>
               <p:ext uri="{D42A27DB-BD31-4B8C-83A1-F6EECF244321}">
-                <p14:modId xmlns:p14="http://schemas.microsoft.com/office/powerpoint/2010/main" val="2310723820"/>
+                <p14:modId xmlns:p14="http://schemas.microsoft.com/office/powerpoint/2010/main" val="3861743078"/>
               </p:ext>
             </p:extLst>
           </p:nvPr>
         </p:nvGraphicFramePr>
         <p:xfrm>
-          <a:off x="589280" y="1574800"/>
-          <a:ext cx="10515600" cy="1854200"/>
+          <a:off x="1078263" y="2453788"/>
+          <a:ext cx="10515600" cy="3967480"/>
         </p:xfrm>
         <a:graphic>
           <a:graphicData uri="http://schemas.openxmlformats.org/drawingml/2006/table">
@@ -6344,7 +6798,12 @@
                     <a:bodyPr/>
                     <a:lstStyle/>
                     <a:p>
-                      <a:endParaRPr lang="en-NZ" dirty="0"/>
+                      <a:r>
+                        <a:rPr lang="en-NZ" sz="2500" b="1" dirty="0">
+                          <a:latin typeface="Bahnschrift Light" panose="020B0502040204020203" pitchFamily="34" charset="0"/>
+                        </a:rPr>
+                        <a:t>Usability</a:t>
+                      </a:r>
                     </a:p>
                   </a:txBody>
                   <a:tcPr/>
@@ -6354,7 +6813,27 @@
                     <a:bodyPr/>
                     <a:lstStyle/>
                     <a:p>
-                      <a:endParaRPr lang="en-NZ" dirty="0"/>
+                      <a:pPr lvl="0" algn="l">
+                        <a:lnSpc>
+                          <a:spcPct val="100000"/>
+                        </a:lnSpc>
+                        <a:spcBef>
+                          <a:spcPts val="0"/>
+                        </a:spcBef>
+                        <a:spcAft>
+                          <a:spcPts val="0"/>
+                        </a:spcAft>
+                        <a:buNone/>
+                      </a:pPr>
+                      <a:r>
+                        <a:rPr lang="en-NZ" sz="1600" b="0" i="0" u="none" strike="noStrike" noProof="0" dirty="0">
+                          <a:latin typeface="Bahnschrift Light" panose="020B0502040204020203" pitchFamily="34" charset="0"/>
+                        </a:rPr>
+                        <a:t>Usability is about making the program as easy to use as possible for the largest number of users. It considers things like are instructions clear so that the user can avoid and correct errors, and does it tell the user what is currently happening. It is important to minimize or eliminate frustration by eliminating the things that could cause frustration.</a:t>
+                      </a:r>
+                      <a:endParaRPr lang="en-NZ" sz="1600" dirty="0">
+                        <a:latin typeface="Bahnschrift Light" panose="020B0502040204020203" pitchFamily="34" charset="0"/>
+                      </a:endParaRPr>
                     </a:p>
                   </a:txBody>
                   <a:tcPr/>
@@ -6371,7 +6850,12 @@
                     <a:bodyPr/>
                     <a:lstStyle/>
                     <a:p>
-                      <a:endParaRPr lang="en-NZ" dirty="0"/>
+                      <a:r>
+                        <a:rPr lang="en-NZ" sz="2500" b="1" dirty="0">
+                          <a:latin typeface="Bahnschrift Light" panose="020B0502040204020203" pitchFamily="34" charset="0"/>
+                        </a:rPr>
+                        <a:t>Functionality</a:t>
+                      </a:r>
                     </a:p>
                   </a:txBody>
                   <a:tcPr/>
@@ -6381,7 +6865,38 @@
                     <a:bodyPr/>
                     <a:lstStyle/>
                     <a:p>
-                      <a:endParaRPr lang="en-NZ" dirty="0"/>
+                      <a:pPr marL="0" marR="0" lvl="0" indent="0" algn="l" defTabSz="914400" rtl="0" eaLnBrk="1" fontAlgn="auto" latinLnBrk="0" hangingPunct="1">
+                        <a:lnSpc>
+                          <a:spcPct val="100000"/>
+                        </a:lnSpc>
+                        <a:spcBef>
+                          <a:spcPts val="0"/>
+                        </a:spcBef>
+                        <a:spcAft>
+                          <a:spcPts val="0"/>
+                        </a:spcAft>
+                        <a:buClrTx/>
+                        <a:buSzTx/>
+                        <a:buFontTx/>
+                        <a:buNone/>
+                        <a:tabLst/>
+                        <a:defRPr/>
+                      </a:pPr>
+                      <a:r>
+                        <a:rPr lang="en-US" sz="1600" b="0" i="0" kern="1200" dirty="0">
+                          <a:solidFill>
+                            <a:schemeClr val="dk1"/>
+                          </a:solidFill>
+                          <a:effectLst/>
+                          <a:latin typeface="Bahnschrift Light" panose="020B0502040204020203" pitchFamily="34" charset="0"/>
+                          <a:ea typeface="+mn-ea"/>
+                          <a:cs typeface="+mn-cs"/>
+                        </a:rPr>
+                        <a:t>Functionality is making sure that the outcome works as intended. It should work for expected, unexpected, and boundary cases. For example, if the user is asked to input yes or no when asked a question. Along with expected cases, e.g., yes or no it. It should also works as intended If the user inputs unexpected cases, e.g., maybe or 1234. Another part of functionality is making the code as efficient as possible. This can be done by breaking large code problems into multiple subproblems.</a:t>
+                      </a:r>
+                      <a:endParaRPr lang="en-NZ" sz="1600" dirty="0">
+                        <a:latin typeface="Bahnschrift Light" panose="020B0502040204020203" pitchFamily="34" charset="0"/>
+                      </a:endParaRPr>
                     </a:p>
                   </a:txBody>
                   <a:tcPr/>
@@ -6389,60 +6904,6 @@
                 <a:extLst>
                   <a:ext uri="{0D108BD9-81ED-4DB2-BD59-A6C34878D82A}">
                     <a16:rowId xmlns:a16="http://schemas.microsoft.com/office/drawing/2014/main" val="845002142"/>
-                  </a:ext>
-                </a:extLst>
-              </a:tr>
-              <a:tr h="370840">
-                <a:tc>
-                  <a:txBody>
-                    <a:bodyPr/>
-                    <a:lstStyle/>
-                    <a:p>
-                      <a:endParaRPr lang="en-NZ" dirty="0"/>
-                    </a:p>
-                  </a:txBody>
-                  <a:tcPr/>
-                </a:tc>
-                <a:tc>
-                  <a:txBody>
-                    <a:bodyPr/>
-                    <a:lstStyle/>
-                    <a:p>
-                      <a:endParaRPr lang="en-NZ" dirty="0"/>
-                    </a:p>
-                  </a:txBody>
-                  <a:tcPr/>
-                </a:tc>
-                <a:extLst>
-                  <a:ext uri="{0D108BD9-81ED-4DB2-BD59-A6C34878D82A}">
-                    <a16:rowId xmlns:a16="http://schemas.microsoft.com/office/drawing/2014/main" val="1686164491"/>
-                  </a:ext>
-                </a:extLst>
-              </a:tr>
-              <a:tr h="370840">
-                <a:tc>
-                  <a:txBody>
-                    <a:bodyPr/>
-                    <a:lstStyle/>
-                    <a:p>
-                      <a:endParaRPr lang="en-NZ" dirty="0"/>
-                    </a:p>
-                  </a:txBody>
-                  <a:tcPr/>
-                </a:tc>
-                <a:tc>
-                  <a:txBody>
-                    <a:bodyPr/>
-                    <a:lstStyle/>
-                    <a:p>
-                      <a:endParaRPr lang="en-NZ" dirty="0"/>
-                    </a:p>
-                  </a:txBody>
-                  <a:tcPr/>
-                </a:tc>
-                <a:extLst>
-                  <a:ext uri="{0D108BD9-81ED-4DB2-BD59-A6C34878D82A}">
-                    <a16:rowId xmlns:a16="http://schemas.microsoft.com/office/drawing/2014/main" val="1038612699"/>
                   </a:ext>
                 </a:extLst>
               </a:tr>
@@ -6466,6 +6927,14 @@
 <file path=ppt/slides/slide4.xml><?xml version="1.0" encoding="utf-8"?>
 <p:sld xmlns:a="http://schemas.openxmlformats.org/drawingml/2006/main" xmlns:r="http://schemas.openxmlformats.org/officeDocument/2006/relationships" xmlns:p="http://schemas.openxmlformats.org/presentationml/2006/main">
   <p:cSld>
+    <p:bg>
+      <p:bgPr>
+        <a:solidFill>
+          <a:schemeClr val="bg1"/>
+        </a:solidFill>
+        <a:effectLst/>
+      </p:bgPr>
+    </p:bg>
     <p:spTree>
       <p:nvGrpSpPr>
         <p:cNvPr id="1" name=""/>
@@ -6480,6 +6949,538 @@
           <a:chExt cx="0" cy="0"/>
         </a:xfrm>
       </p:grpSpPr>
+      <p:sp useBgFill="1">
+        <p:nvSpPr>
+          <p:cNvPr id="11" name="Rectangle 10">
+            <a:extLst>
+              <a:ext uri="{FF2B5EF4-FFF2-40B4-BE49-F238E27FC236}">
+                <a16:creationId xmlns:a16="http://schemas.microsoft.com/office/drawing/2014/main" id="{53B021B3-DE93-4AB7-8A18-CF5F1CED88B8}"/>
+              </a:ext>
+              <a:ext uri="{C183D7F6-B498-43B3-948B-1728B52AA6E4}">
+                <adec:decorative xmlns:adec="http://schemas.microsoft.com/office/drawing/2017/decorative" val="1"/>
+              </a:ext>
+            </a:extLst>
+          </p:cNvPr>
+          <p:cNvSpPr>
+            <a:spLocks noGrp="1" noRot="1" noChangeAspect="1" noMove="1" noResize="1" noEditPoints="1" noAdjustHandles="1" noChangeArrowheads="1" noChangeShapeType="1" noTextEdit="1"/>
+          </p:cNvSpPr>
+          <p:nvPr>
+            <p:extLst>
+              <p:ext uri="{386F3935-93C4-4BCD-93E2-E3B085C9AB24}">
+                <p16:designElem xmlns:p16="http://schemas.microsoft.com/office/powerpoint/2015/main" val="1"/>
+              </p:ext>
+            </p:extLst>
+          </p:nvPr>
+        </p:nvSpPr>
+        <p:spPr>
+          <a:xfrm>
+            <a:off x="0" y="0"/>
+            <a:ext cx="12192000" cy="6858000"/>
+          </a:xfrm>
+          <a:prstGeom prst="rect">
+            <a:avLst/>
+          </a:prstGeom>
+          <a:ln>
+            <a:noFill/>
+          </a:ln>
+        </p:spPr>
+        <p:style>
+          <a:lnRef idx="2">
+            <a:schemeClr val="accent1">
+              <a:shade val="50000"/>
+            </a:schemeClr>
+          </a:lnRef>
+          <a:fillRef idx="1">
+            <a:schemeClr val="accent1"/>
+          </a:fillRef>
+          <a:effectRef idx="0">
+            <a:schemeClr val="accent1"/>
+          </a:effectRef>
+          <a:fontRef idx="minor">
+            <a:schemeClr val="lt1"/>
+          </a:fontRef>
+        </p:style>
+        <p:txBody>
+          <a:bodyPr rtlCol="0" anchor="ctr"/>
+          <a:lstStyle/>
+          <a:p>
+            <a:pPr algn="ctr"/>
+            <a:endParaRPr lang="en-US"/>
+          </a:p>
+        </p:txBody>
+      </p:sp>
+      <p:sp>
+        <p:nvSpPr>
+          <p:cNvPr id="2" name="Title 1">
+            <a:extLst>
+              <a:ext uri="{FF2B5EF4-FFF2-40B4-BE49-F238E27FC236}">
+                <a16:creationId xmlns:a16="http://schemas.microsoft.com/office/drawing/2014/main" id="{0D168B5A-EFF4-4803-8DA6-5994B306EBAF}"/>
+              </a:ext>
+            </a:extLst>
+          </p:cNvPr>
+          <p:cNvSpPr>
+            <a:spLocks noGrp="1"/>
+          </p:cNvSpPr>
+          <p:nvPr>
+            <p:ph type="title"/>
+          </p:nvPr>
+        </p:nvSpPr>
+        <p:spPr>
+          <a:xfrm>
+            <a:off x="841248" y="256032"/>
+            <a:ext cx="10506456" cy="1014984"/>
+          </a:xfrm>
+        </p:spPr>
+        <p:txBody>
+          <a:bodyPr vert="horz" lIns="91440" tIns="45720" rIns="91440" bIns="45720" rtlCol="0" anchor="b">
+            <a:normAutofit/>
+          </a:bodyPr>
+          <a:lstStyle/>
+          <a:p>
+            <a:pPr>
+              <a:spcAft>
+                <a:spcPts val="0"/>
+              </a:spcAft>
+            </a:pPr>
+            <a:r>
+              <a:rPr lang="en-US" kern="1200">
+                <a:solidFill>
+                  <a:schemeClr val="tx1"/>
+                </a:solidFill>
+                <a:latin typeface="+mj-lt"/>
+                <a:ea typeface="+mj-ea"/>
+                <a:cs typeface="+mj-cs"/>
+              </a:rPr>
+              <a:t>Explain relevant Implications:</a:t>
+            </a:r>
+          </a:p>
+        </p:txBody>
+      </p:sp>
+      <p:sp>
+        <p:nvSpPr>
+          <p:cNvPr id="13" name="Rectangle 12">
+            <a:extLst>
+              <a:ext uri="{FF2B5EF4-FFF2-40B4-BE49-F238E27FC236}">
+                <a16:creationId xmlns:a16="http://schemas.microsoft.com/office/drawing/2014/main" id="{52D502E5-F6B4-4D58-B4AE-FC466FF15EE8}"/>
+              </a:ext>
+              <a:ext uri="{C183D7F6-B498-43B3-948B-1728B52AA6E4}">
+                <adec:decorative xmlns:adec="http://schemas.microsoft.com/office/drawing/2017/decorative" val="1"/>
+              </a:ext>
+            </a:extLst>
+          </p:cNvPr>
+          <p:cNvSpPr>
+            <a:spLocks noGrp="1" noRot="1" noChangeAspect="1" noMove="1" noResize="1" noEditPoints="1" noAdjustHandles="1" noChangeArrowheads="1" noChangeShapeType="1" noTextEdit="1"/>
+          </p:cNvSpPr>
+          <p:nvPr>
+            <p:extLst>
+              <p:ext uri="{386F3935-93C4-4BCD-93E2-E3B085C9AB24}">
+                <p16:designElem xmlns:p16="http://schemas.microsoft.com/office/powerpoint/2015/main" val="1"/>
+              </p:ext>
+            </p:extLst>
+          </p:nvPr>
+        </p:nvSpPr>
+        <p:spPr>
+          <a:xfrm>
+            <a:off x="865953" y="1634502"/>
+            <a:ext cx="10451592" cy="18288"/>
+          </a:xfrm>
+          <a:prstGeom prst="rect">
+            <a:avLst/>
+          </a:prstGeom>
+          <a:solidFill>
+            <a:srgbClr val="D5D5D5"/>
+          </a:solidFill>
+          <a:ln w="3175">
+            <a:noFill/>
+          </a:ln>
+          <a:effectLst/>
+        </p:spPr>
+        <p:style>
+          <a:lnRef idx="2">
+            <a:schemeClr val="accent1">
+              <a:shade val="50000"/>
+            </a:schemeClr>
+          </a:lnRef>
+          <a:fillRef idx="1">
+            <a:schemeClr val="accent1"/>
+          </a:fillRef>
+          <a:effectRef idx="0">
+            <a:schemeClr val="accent1"/>
+          </a:effectRef>
+          <a:fontRef idx="minor">
+            <a:schemeClr val="lt1"/>
+          </a:fontRef>
+        </p:style>
+        <p:txBody>
+          <a:bodyPr rtlCol="0" anchor="ctr"/>
+          <a:lstStyle/>
+          <a:p>
+            <a:pPr algn="ctr"/>
+            <a:endParaRPr lang="en-US">
+              <a:solidFill>
+                <a:prstClr val="white"/>
+              </a:solidFill>
+              <a:latin typeface="Calibri" panose="020F0502020204030204"/>
+            </a:endParaRPr>
+          </a:p>
+        </p:txBody>
+      </p:sp>
+      <p:sp>
+        <p:nvSpPr>
+          <p:cNvPr id="15" name="Rectangle 14">
+            <a:extLst>
+              <a:ext uri="{FF2B5EF4-FFF2-40B4-BE49-F238E27FC236}">
+                <a16:creationId xmlns:a16="http://schemas.microsoft.com/office/drawing/2014/main" id="{9DECDBF4-02B6-4BB4-B65B-B8107AD6A9E8}"/>
+              </a:ext>
+              <a:ext uri="{C183D7F6-B498-43B3-948B-1728B52AA6E4}">
+                <adec:decorative xmlns:adec="http://schemas.microsoft.com/office/drawing/2017/decorative" val="1"/>
+              </a:ext>
+            </a:extLst>
+          </p:cNvPr>
+          <p:cNvSpPr>
+            <a:spLocks noGrp="1" noRot="1" noChangeAspect="1" noMove="1" noResize="1" noEditPoints="1" noAdjustHandles="1" noChangeArrowheads="1" noChangeShapeType="1" noTextEdit="1"/>
+          </p:cNvSpPr>
+          <p:nvPr>
+            <p:extLst>
+              <p:ext uri="{386F3935-93C4-4BCD-93E2-E3B085C9AB24}">
+                <p16:designElem xmlns:p16="http://schemas.microsoft.com/office/powerpoint/2015/main" val="1"/>
+              </p:ext>
+            </p:extLst>
+          </p:nvPr>
+        </p:nvSpPr>
+        <p:spPr>
+          <a:xfrm flipV="1">
+            <a:off x="841248" y="1538176"/>
+            <a:ext cx="1873457" cy="109814"/>
+          </a:xfrm>
+          <a:prstGeom prst="rect">
+            <a:avLst/>
+          </a:prstGeom>
+          <a:solidFill>
+            <a:schemeClr val="accent2"/>
+          </a:solidFill>
+          <a:ln>
+            <a:noFill/>
+          </a:ln>
+        </p:spPr>
+        <p:style>
+          <a:lnRef idx="2">
+            <a:schemeClr val="accent1">
+              <a:shade val="50000"/>
+            </a:schemeClr>
+          </a:lnRef>
+          <a:fillRef idx="1">
+            <a:schemeClr val="accent1"/>
+          </a:fillRef>
+          <a:effectRef idx="0">
+            <a:schemeClr val="accent1"/>
+          </a:effectRef>
+          <a:fontRef idx="minor">
+            <a:schemeClr val="lt1"/>
+          </a:fontRef>
+        </p:style>
+        <p:txBody>
+          <a:bodyPr rtlCol="0" anchor="ctr"/>
+          <a:lstStyle/>
+          <a:p>
+            <a:pPr algn="ctr"/>
+            <a:endParaRPr lang="en-US">
+              <a:solidFill>
+                <a:prstClr val="white"/>
+              </a:solidFill>
+              <a:latin typeface="Calibri" panose="020F0502020204030204"/>
+            </a:endParaRPr>
+          </a:p>
+        </p:txBody>
+      </p:sp>
+      <p:sp>
+        <p:nvSpPr>
+          <p:cNvPr id="5" name="Rectangle 4">
+            <a:extLst>
+              <a:ext uri="{FF2B5EF4-FFF2-40B4-BE49-F238E27FC236}">
+                <a16:creationId xmlns:a16="http://schemas.microsoft.com/office/drawing/2014/main" id="{ACAE53BB-FF7D-43E7-AF26-E5A3D9A837CF}"/>
+              </a:ext>
+            </a:extLst>
+          </p:cNvPr>
+          <p:cNvSpPr/>
+          <p:nvPr/>
+        </p:nvSpPr>
+        <p:spPr>
+          <a:xfrm>
+            <a:off x="1075844" y="1915150"/>
+            <a:ext cx="9217650" cy="358560"/>
+          </a:xfrm>
+          <a:prstGeom prst="rect">
+            <a:avLst/>
+          </a:prstGeom>
+        </p:spPr>
+        <p:txBody>
+          <a:bodyPr wrap="square">
+            <a:spAutoFit/>
+          </a:bodyPr>
+          <a:lstStyle/>
+          <a:p>
+            <a:pPr defTabSz="841248">
+              <a:spcAft>
+                <a:spcPts val="600"/>
+              </a:spcAft>
+              <a:defRPr/>
+            </a:pPr>
+            <a:r>
+              <a:rPr lang="en-NZ" sz="1730" i="1" kern="1200" dirty="0">
+                <a:solidFill>
+                  <a:schemeClr val="tx1"/>
+                </a:solidFill>
+                <a:latin typeface="+mn-lt"/>
+                <a:ea typeface="+mn-ea"/>
+                <a:cs typeface="+mn-cs"/>
+              </a:rPr>
+              <a:t>Additional rows can be added by clicking in the last cell and then using the Tab key </a:t>
+            </a:r>
+            <a:endParaRPr lang="en-NZ" sz="1730" i="1" dirty="0"/>
+          </a:p>
+        </p:txBody>
+      </p:sp>
+      <p:graphicFrame>
+        <p:nvGraphicFramePr>
+          <p:cNvPr id="6" name="Table 4">
+            <a:extLst>
+              <a:ext uri="{FF2B5EF4-FFF2-40B4-BE49-F238E27FC236}">
+                <a16:creationId xmlns:a16="http://schemas.microsoft.com/office/drawing/2014/main" id="{A02ECB3F-5E1A-4602-8844-49609D54ADF8}"/>
+              </a:ext>
+            </a:extLst>
+          </p:cNvPr>
+          <p:cNvGraphicFramePr>
+            <a:graphicFrameLocks noGrp="1"/>
+          </p:cNvGraphicFramePr>
+          <p:nvPr>
+            <p:extLst>
+              <p:ext uri="{D42A27DB-BD31-4B8C-83A1-F6EECF244321}">
+                <p14:modId xmlns:p14="http://schemas.microsoft.com/office/powerpoint/2010/main" val="3842682300"/>
+              </p:ext>
+            </p:extLst>
+          </p:nvPr>
+        </p:nvGraphicFramePr>
+        <p:xfrm>
+          <a:off x="1075844" y="2467427"/>
+          <a:ext cx="10515600" cy="3967480"/>
+        </p:xfrm>
+        <a:graphic>
+          <a:graphicData uri="http://schemas.openxmlformats.org/drawingml/2006/table">
+            <a:tbl>
+              <a:tblPr firstRow="1" bandRow="1">
+                <a:tableStyleId>{5C22544A-7EE6-4342-B048-85BDC9FD1C3A}</a:tableStyleId>
+              </a:tblPr>
+              <a:tblGrid>
+                <a:gridCol w="4017753">
+                  <a:extLst>
+                    <a:ext uri="{9D8B030D-6E8A-4147-A177-3AD203B41FA5}">
+                      <a16:colId xmlns:a16="http://schemas.microsoft.com/office/drawing/2014/main" val="2849256304"/>
+                    </a:ext>
+                  </a:extLst>
+                </a:gridCol>
+                <a:gridCol w="6497847">
+                  <a:extLst>
+                    <a:ext uri="{9D8B030D-6E8A-4147-A177-3AD203B41FA5}">
+                      <a16:colId xmlns:a16="http://schemas.microsoft.com/office/drawing/2014/main" val="2106481727"/>
+                    </a:ext>
+                  </a:extLst>
+                </a:gridCol>
+              </a:tblGrid>
+              <a:tr h="370840">
+                <a:tc>
+                  <a:txBody>
+                    <a:bodyPr/>
+                    <a:lstStyle/>
+                    <a:p>
+                      <a:r>
+                        <a:rPr lang="en-NZ" dirty="0"/>
+                        <a:t>Relevant implication</a:t>
+                      </a:r>
+                    </a:p>
+                  </a:txBody>
+                  <a:tcPr/>
+                </a:tc>
+                <a:tc>
+                  <a:txBody>
+                    <a:bodyPr/>
+                    <a:lstStyle/>
+                    <a:p>
+                      <a:r>
+                        <a:rPr lang="en-NZ" dirty="0"/>
+                        <a:t>Explain the implication and say how it is relevant to </a:t>
+                      </a:r>
+                      <a:r>
+                        <a:rPr lang="en-NZ"/>
+                        <a:t>this project</a:t>
+                      </a:r>
+                      <a:endParaRPr lang="en-NZ" dirty="0"/>
+                    </a:p>
+                  </a:txBody>
+                  <a:tcPr/>
+                </a:tc>
+                <a:extLst>
+                  <a:ext uri="{0D108BD9-81ED-4DB2-BD59-A6C34878D82A}">
+                    <a16:rowId xmlns:a16="http://schemas.microsoft.com/office/drawing/2014/main" val="2286542890"/>
+                  </a:ext>
+                </a:extLst>
+              </a:tr>
+              <a:tr h="370840">
+                <a:tc>
+                  <a:txBody>
+                    <a:bodyPr/>
+                    <a:lstStyle/>
+                    <a:p>
+                      <a:pPr lvl="0" algn="l">
+                        <a:lnSpc>
+                          <a:spcPct val="100000"/>
+                        </a:lnSpc>
+                        <a:spcBef>
+                          <a:spcPts val="0"/>
+                        </a:spcBef>
+                        <a:spcAft>
+                          <a:spcPts val="0"/>
+                        </a:spcAft>
+                        <a:buNone/>
+                      </a:pPr>
+                      <a:r>
+                        <a:rPr lang="en-NZ" sz="2500" b="1" i="0" u="none" strike="noStrike" noProof="0" dirty="0">
+                          <a:latin typeface="Bahnschrift Light" panose="020B0502040204020203" pitchFamily="34" charset="0"/>
+                        </a:rPr>
+                        <a:t>Future proofing</a:t>
+                      </a:r>
+                      <a:endParaRPr lang="en-US" sz="2500" b="1" dirty="0">
+                        <a:latin typeface="Bahnschrift Light" panose="020B0502040204020203" pitchFamily="34" charset="0"/>
+                      </a:endParaRPr>
+                    </a:p>
+                  </a:txBody>
+                  <a:tcPr/>
+                </a:tc>
+                <a:tc>
+                  <a:txBody>
+                    <a:bodyPr/>
+                    <a:lstStyle/>
+                    <a:p>
+                      <a:r>
+                        <a:rPr lang="en-US" sz="1600" b="0" i="0" u="none" strike="noStrike" noProof="0" dirty="0">
+                          <a:latin typeface="Bahnschrift Light" panose="020B0502040204020203" pitchFamily="34" charset="0"/>
+                        </a:rPr>
+                        <a:t>As technology develops digital systems and programs will quickly become obsolete or inefficient which is why its important to future proof your project to make sure its easy to edit, change and improve in the case it needs to be. You can do this by annotating your code (writing down what each part of the program does). Splitting the program into smaller functions that can be edited easily without affecting the entire program and many others</a:t>
+                      </a:r>
+                      <a:endParaRPr lang="en-NZ" sz="1600" b="0" i="0" u="none" strike="noStrike" noProof="0" dirty="0">
+                        <a:latin typeface="Bahnschrift Light" panose="020B0502040204020203" pitchFamily="34" charset="0"/>
+                      </a:endParaRPr>
+                    </a:p>
+                  </a:txBody>
+                  <a:tcPr/>
+                </a:tc>
+                <a:extLst>
+                  <a:ext uri="{0D108BD9-81ED-4DB2-BD59-A6C34878D82A}">
+                    <a16:rowId xmlns:a16="http://schemas.microsoft.com/office/drawing/2014/main" val="2636529970"/>
+                  </a:ext>
+                </a:extLst>
+              </a:tr>
+              <a:tr h="370840">
+                <a:tc>
+                  <a:txBody>
+                    <a:bodyPr/>
+                    <a:lstStyle/>
+                    <a:p>
+                      <a:pPr lvl="0" algn="l">
+                        <a:lnSpc>
+                          <a:spcPct val="100000"/>
+                        </a:lnSpc>
+                        <a:spcBef>
+                          <a:spcPts val="0"/>
+                        </a:spcBef>
+                        <a:spcAft>
+                          <a:spcPts val="0"/>
+                        </a:spcAft>
+                        <a:buNone/>
+                      </a:pPr>
+                      <a:r>
+                        <a:rPr lang="en-NZ" sz="2500" b="1" i="0" u="none" strike="noStrike" noProof="0" dirty="0">
+                          <a:latin typeface="Bahnschrift Light" panose="020B0502040204020203" pitchFamily="34" charset="0"/>
+                        </a:rPr>
+                        <a:t>Aesthetics</a:t>
+                      </a:r>
+                      <a:endParaRPr lang="en-US" sz="2500" b="1" dirty="0">
+                        <a:latin typeface="Bahnschrift Light" panose="020B0502040204020203" pitchFamily="34" charset="0"/>
+                      </a:endParaRPr>
+                    </a:p>
+                  </a:txBody>
+                  <a:tcPr/>
+                </a:tc>
+                <a:tc>
+                  <a:txBody>
+                    <a:bodyPr/>
+                    <a:lstStyle/>
+                    <a:p>
+                      <a:pPr lvl="0" algn="l">
+                        <a:lnSpc>
+                          <a:spcPct val="100000"/>
+                        </a:lnSpc>
+                        <a:spcBef>
+                          <a:spcPts val="0"/>
+                        </a:spcBef>
+                        <a:spcAft>
+                          <a:spcPts val="0"/>
+                        </a:spcAft>
+                        <a:buNone/>
+                      </a:pPr>
+                      <a:r>
+                        <a:rPr lang="en-NZ" sz="1600" b="0" i="0" u="none" strike="noStrike" noProof="0" dirty="0">
+                          <a:latin typeface="Bahnschrift Light" panose="020B0502040204020203" pitchFamily="34" charset="0"/>
+                        </a:rPr>
+                        <a:t>Aesthetics is the overall look of the program and making the outcome pleasing to look at/use. A program with proper spacing prompts and decoration will be more aesthetic than one without and be easier for a user to navigate. when thinking about aesthetics you should consider things like, Is it well laid out, Does it follow design conventions, does it reduce unused information. So that it has a cleaner look.</a:t>
+                      </a:r>
+                      <a:endParaRPr lang="en-US" sz="1600" dirty="0">
+                        <a:latin typeface="Bahnschrift Light" panose="020B0502040204020203" pitchFamily="34" charset="0"/>
+                      </a:endParaRPr>
+                    </a:p>
+                  </a:txBody>
+                  <a:tcPr/>
+                </a:tc>
+                <a:extLst>
+                  <a:ext uri="{0D108BD9-81ED-4DB2-BD59-A6C34878D82A}">
+                    <a16:rowId xmlns:a16="http://schemas.microsoft.com/office/drawing/2014/main" val="845002142"/>
+                  </a:ext>
+                </a:extLst>
+              </a:tr>
+            </a:tbl>
+          </a:graphicData>
+        </a:graphic>
+      </p:graphicFrame>
+    </p:spTree>
+    <p:extLst>
+      <p:ext uri="{BB962C8B-B14F-4D97-AF65-F5344CB8AC3E}">
+        <p14:creationId xmlns:p14="http://schemas.microsoft.com/office/powerpoint/2010/main" val="1654342212"/>
+      </p:ext>
+    </p:extLst>
+  </p:cSld>
+  <p:clrMapOvr>
+    <a:masterClrMapping/>
+  </p:clrMapOvr>
+</p:sld>
+</file>
+
+<file path=ppt/slides/slide5.xml><?xml version="1.0" encoding="utf-8"?>
+<p:sld xmlns:a="http://schemas.openxmlformats.org/drawingml/2006/main" xmlns:r="http://schemas.openxmlformats.org/officeDocument/2006/relationships" xmlns:p="http://schemas.openxmlformats.org/presentationml/2006/main">
+  <p:cSld>
+    <p:spTree>
+      <p:nvGrpSpPr>
+        <p:cNvPr id="1" name=""/>
+        <p:cNvGrpSpPr/>
+        <p:nvPr/>
+      </p:nvGrpSpPr>
+      <p:grpSpPr>
+        <a:xfrm>
+          <a:off x="0" y="0"/>
+          <a:ext cx="0" cy="0"/>
+          <a:chOff x="0" y="0"/>
+          <a:chExt cx="0" cy="0"/>
+        </a:xfrm>
+      </p:grpSpPr>
       <p:sp>
         <p:nvSpPr>
           <p:cNvPr id="2" name="Title 1">
@@ -6574,7 +7575,7 @@
 </p:sld>
 </file>
 
-<file path=ppt/slides/slide5.xml><?xml version="1.0" encoding="utf-8"?>
+<file path=ppt/slides/slide6.xml><?xml version="1.0" encoding="utf-8"?>
 <p:sld xmlns:a="http://schemas.openxmlformats.org/drawingml/2006/main" xmlns:r="http://schemas.openxmlformats.org/officeDocument/2006/relationships" xmlns:p="http://schemas.openxmlformats.org/presentationml/2006/main">
   <p:cSld>
     <p:spTree>
@@ -6632,7 +7633,7 @@
 </p:sld>
 </file>
 
-<file path=ppt/slides/slide6.xml><?xml version="1.0" encoding="utf-8"?>
+<file path=ppt/slides/slide7.xml><?xml version="1.0" encoding="utf-8"?>
 <p:sld xmlns:a="http://schemas.openxmlformats.org/drawingml/2006/main" xmlns:r="http://schemas.openxmlformats.org/officeDocument/2006/relationships" xmlns:p="http://schemas.openxmlformats.org/presentationml/2006/main">
   <p:cSld>
     <p:spTree>
@@ -6889,106 +7890,6 @@
 </p:sld>
 </file>
 
-<file path=ppt/slides/slide7.xml><?xml version="1.0" encoding="utf-8"?>
-<p:sld xmlns:a="http://schemas.openxmlformats.org/drawingml/2006/main" xmlns:r="http://schemas.openxmlformats.org/officeDocument/2006/relationships" xmlns:p="http://schemas.openxmlformats.org/presentationml/2006/main">
-  <p:cSld>
-    <p:spTree>
-      <p:nvGrpSpPr>
-        <p:cNvPr id="1" name=""/>
-        <p:cNvGrpSpPr/>
-        <p:nvPr/>
-      </p:nvGrpSpPr>
-      <p:grpSpPr>
-        <a:xfrm>
-          <a:off x="0" y="0"/>
-          <a:ext cx="0" cy="0"/>
-          <a:chOff x="0" y="0"/>
-          <a:chExt cx="0" cy="0"/>
-        </a:xfrm>
-      </p:grpSpPr>
-      <p:sp>
-        <p:nvSpPr>
-          <p:cNvPr id="2" name="Title 1">
-            <a:extLst>
-              <a:ext uri="{FF2B5EF4-FFF2-40B4-BE49-F238E27FC236}">
-                <a16:creationId xmlns:a16="http://schemas.microsoft.com/office/drawing/2014/main" id="{1CC5D32F-7C18-4D00-8D54-2FB046F0A206}"/>
-              </a:ext>
-            </a:extLst>
-          </p:cNvPr>
-          <p:cNvSpPr>
-            <a:spLocks noGrp="1"/>
-          </p:cNvSpPr>
-          <p:nvPr>
-            <p:ph type="title"/>
-          </p:nvPr>
-        </p:nvSpPr>
-        <p:spPr>
-          <a:xfrm>
-            <a:off x="838200" y="518160"/>
-            <a:ext cx="10515600" cy="562928"/>
-          </a:xfrm>
-        </p:spPr>
-        <p:txBody>
-          <a:bodyPr>
-            <a:normAutofit fontScale="90000"/>
-          </a:bodyPr>
-          <a:lstStyle/>
-          <a:p>
-            <a:r>
-              <a:rPr lang="en-NZ" dirty="0"/>
-              <a:t>[Component name]: Testing </a:t>
-            </a:r>
-          </a:p>
-        </p:txBody>
-      </p:sp>
-      <p:sp>
-        <p:nvSpPr>
-          <p:cNvPr id="4" name="TextBox 3">
-            <a:extLst>
-              <a:ext uri="{FF2B5EF4-FFF2-40B4-BE49-F238E27FC236}">
-                <a16:creationId xmlns:a16="http://schemas.microsoft.com/office/drawing/2014/main" id="{8CD07A82-A944-4A9B-9A52-515DAC30878A}"/>
-              </a:ext>
-            </a:extLst>
-          </p:cNvPr>
-          <p:cNvSpPr txBox="1"/>
-          <p:nvPr/>
-        </p:nvSpPr>
-        <p:spPr>
-          <a:xfrm>
-            <a:off x="749300" y="1081088"/>
-            <a:ext cx="10693400" cy="646331"/>
-          </a:xfrm>
-          <a:prstGeom prst="rect">
-            <a:avLst/>
-          </a:prstGeom>
-          <a:noFill/>
-        </p:spPr>
-        <p:txBody>
-          <a:bodyPr wrap="square">
-            <a:spAutoFit/>
-          </a:bodyPr>
-          <a:lstStyle/>
-          <a:p>
-            <a:r>
-              <a:rPr lang="en-NZ" i="1" dirty="0"/>
-              <a:t>You must show the results of testing. For each component, include a screenshot proving it works.  You can also include notes about each test. </a:t>
-            </a:r>
-          </a:p>
-        </p:txBody>
-      </p:sp>
-    </p:spTree>
-    <p:extLst>
-      <p:ext uri="{BB962C8B-B14F-4D97-AF65-F5344CB8AC3E}">
-        <p14:creationId xmlns:p14="http://schemas.microsoft.com/office/powerpoint/2010/main" val="89592267"/>
-      </p:ext>
-    </p:extLst>
-  </p:cSld>
-  <p:clrMapOvr>
-    <a:masterClrMapping/>
-  </p:clrMapOvr>
-</p:sld>
-</file>
-
 <file path=ppt/slides/slide8.xml><?xml version="1.0" encoding="utf-8"?>
 <p:sld xmlns:a="http://schemas.openxmlformats.org/drawingml/2006/main" xmlns:r="http://schemas.openxmlformats.org/officeDocument/2006/relationships" xmlns:p="http://schemas.openxmlformats.org/presentationml/2006/main">
   <p:cSld>
@@ -7024,19 +7925,19 @@
         </p:nvSpPr>
         <p:spPr>
           <a:xfrm>
-            <a:off x="749300" y="223520"/>
-            <a:ext cx="10515600" cy="806768"/>
+            <a:off x="838200" y="518160"/>
+            <a:ext cx="10515600" cy="562928"/>
           </a:xfrm>
         </p:spPr>
         <p:txBody>
           <a:bodyPr>
-            <a:normAutofit/>
+            <a:normAutofit fontScale="90000"/>
           </a:bodyPr>
           <a:lstStyle/>
           <a:p>
             <a:r>
-              <a:rPr lang="en-NZ" sz="4000" dirty="0"/>
-              <a:t>[Component name]: Trialling </a:t>
+              <a:rPr lang="en-NZ" dirty="0"/>
+              <a:t>[Component name]: Testing </a:t>
             </a:r>
           </a:p>
         </p:txBody>
@@ -7055,8 +7956,8 @@
         </p:nvSpPr>
         <p:spPr>
           <a:xfrm>
-            <a:off x="660400" y="1030288"/>
-            <a:ext cx="10693400" cy="923330"/>
+            <a:off x="749300" y="1081088"/>
+            <a:ext cx="10693400" cy="646331"/>
           </a:xfrm>
           <a:prstGeom prst="rect">
             <a:avLst/>
@@ -7071,30 +7972,15 @@
           <a:p>
             <a:r>
               <a:rPr lang="en-NZ" i="1" dirty="0"/>
-              <a:t>NOTE: Trialling needs to happen for </a:t>
-            </a:r>
-            <a:r>
-              <a:rPr lang="en-NZ" b="1" i="1" dirty="0"/>
-              <a:t>at least 2 </a:t>
-            </a:r>
-            <a:r>
-              <a:rPr lang="en-NZ" i="1" dirty="0"/>
-              <a:t>of your components but is not necessary for ALL components.</a:t>
-            </a:r>
-          </a:p>
-          <a:p>
-            <a:r>
-              <a:rPr lang="en" i="1" dirty="0"/>
-              <a:t>Trialling is not the same as testing. Trialling is about finding different ways of building the same component. Show evidence of  your trialling  here. Select one of your trials for further development and give reasons for your choice. </a:t>
-            </a:r>
-            <a:endParaRPr lang="en-NZ" dirty="0"/>
+              <a:t>You must show the results of testing. For each component, include a screenshot proving it works.  You can also include notes about each test. </a:t>
+            </a:r>
           </a:p>
         </p:txBody>
       </p:sp>
     </p:spTree>
     <p:extLst>
       <p:ext uri="{BB962C8B-B14F-4D97-AF65-F5344CB8AC3E}">
-        <p14:creationId xmlns:p14="http://schemas.microsoft.com/office/powerpoint/2010/main" val="270828811"/>
+        <p14:creationId xmlns:p14="http://schemas.microsoft.com/office/powerpoint/2010/main" val="89592267"/>
       </p:ext>
     </p:extLst>
   </p:cSld>
@@ -7126,7 +8012,7 @@
           <p:cNvPr id="2" name="Title 1">
             <a:extLst>
               <a:ext uri="{FF2B5EF4-FFF2-40B4-BE49-F238E27FC236}">
-                <a16:creationId xmlns:a16="http://schemas.microsoft.com/office/drawing/2014/main" id="{183CAE4A-E189-4CAA-B3F5-7E97BC5188E3}"/>
+                <a16:creationId xmlns:a16="http://schemas.microsoft.com/office/drawing/2014/main" id="{1CC5D32F-7C18-4D00-8D54-2FB046F0A206}"/>
               </a:ext>
             </a:extLst>
           </p:cNvPr>
@@ -7139,43 +8025,44 @@
         </p:nvSpPr>
         <p:spPr>
           <a:xfrm>
-            <a:off x="838199" y="406400"/>
-            <a:ext cx="10515600" cy="583248"/>
+            <a:off x="749300" y="223520"/>
+            <a:ext cx="10515600" cy="806768"/>
           </a:xfrm>
         </p:spPr>
         <p:txBody>
           <a:bodyPr>
-            <a:normAutofit fontScale="90000"/>
+            <a:normAutofit/>
           </a:bodyPr>
           <a:lstStyle/>
           <a:p>
             <a:r>
               <a:rPr lang="en-NZ" sz="4000" dirty="0"/>
-              <a:t>Assembled Outcome Testing:</a:t>
-            </a:r>
-          </a:p>
-        </p:txBody>
-      </p:sp>
-      <p:sp>
-        <p:nvSpPr>
-          <p:cNvPr id="3" name="Rectangle 2">
-            <a:extLst>
-              <a:ext uri="{FF2B5EF4-FFF2-40B4-BE49-F238E27FC236}">
-                <a16:creationId xmlns:a16="http://schemas.microsoft.com/office/drawing/2014/main" id="{DB8F61FF-932E-477F-82DD-3F6BB93999C0}"/>
-              </a:ext>
-            </a:extLst>
-          </p:cNvPr>
-          <p:cNvSpPr/>
+              <a:t>[Component name]: Trialling </a:t>
+            </a:r>
+          </a:p>
+        </p:txBody>
+      </p:sp>
+      <p:sp>
+        <p:nvSpPr>
+          <p:cNvPr id="4" name="TextBox 3">
+            <a:extLst>
+              <a:ext uri="{FF2B5EF4-FFF2-40B4-BE49-F238E27FC236}">
+                <a16:creationId xmlns:a16="http://schemas.microsoft.com/office/drawing/2014/main" id="{8CD07A82-A944-4A9B-9A52-515DAC30878A}"/>
+              </a:ext>
+            </a:extLst>
+          </p:cNvPr>
+          <p:cNvSpPr txBox="1"/>
           <p:nvPr/>
         </p:nvSpPr>
         <p:spPr>
           <a:xfrm>
-            <a:off x="838199" y="1089283"/>
-            <a:ext cx="8767813" cy="702372"/>
+            <a:off x="660400" y="1030288"/>
+            <a:ext cx="10693400" cy="923330"/>
           </a:xfrm>
           <a:prstGeom prst="rect">
             <a:avLst/>
           </a:prstGeom>
+          <a:noFill/>
         </p:spPr>
         <p:txBody>
           <a:bodyPr wrap="square">
@@ -7183,32 +8070,32 @@
           </a:bodyPr>
           <a:lstStyle/>
           <a:p>
-            <a:pPr>
-              <a:lnSpc>
-                <a:spcPct val="115000"/>
-              </a:lnSpc>
-              <a:spcAft>
-                <a:spcPts val="0"/>
-              </a:spcAft>
-            </a:pPr>
-            <a:r>
-              <a:rPr lang="en-NZ" i="1" dirty="0">
-                <a:latin typeface="Arial" panose="020B0604020202020204" pitchFamily="34" charset="0"/>
-                <a:ea typeface="Arial" panose="020B0604020202020204" pitchFamily="34" charset="0"/>
-              </a:rPr>
-              <a:t>Show testing for your assembled outcome below.  This should include a test plan followed by screenshot proof.  </a:t>
-            </a:r>
-            <a:endParaRPr lang="en-NZ" dirty="0">
-              <a:latin typeface="Arial" panose="020B0604020202020204" pitchFamily="34" charset="0"/>
-              <a:ea typeface="Arial" panose="020B0604020202020204" pitchFamily="34" charset="0"/>
-            </a:endParaRPr>
+            <a:r>
+              <a:rPr lang="en-NZ" i="1" dirty="0"/>
+              <a:t>NOTE: Trialling needs to happen for </a:t>
+            </a:r>
+            <a:r>
+              <a:rPr lang="en-NZ" b="1" i="1" dirty="0"/>
+              <a:t>at least 2 </a:t>
+            </a:r>
+            <a:r>
+              <a:rPr lang="en-NZ" i="1" dirty="0"/>
+              <a:t>of your components but is not necessary for ALL components.</a:t>
+            </a:r>
+          </a:p>
+          <a:p>
+            <a:r>
+              <a:rPr lang="en" i="1" dirty="0"/>
+              <a:t>Trialling is not the same as testing. Trialling is about finding different ways of building the same component. Show evidence of  your trialling  here. Select one of your trials for further development and give reasons for your choice. </a:t>
+            </a:r>
+            <a:endParaRPr lang="en-NZ" dirty="0"/>
           </a:p>
         </p:txBody>
       </p:sp>
     </p:spTree>
     <p:extLst>
       <p:ext uri="{BB962C8B-B14F-4D97-AF65-F5344CB8AC3E}">
-        <p14:creationId xmlns:p14="http://schemas.microsoft.com/office/powerpoint/2010/main" val="1084233196"/>
+        <p14:creationId xmlns:p14="http://schemas.microsoft.com/office/powerpoint/2010/main" val="270828811"/>
       </p:ext>
     </p:extLst>
   </p:cSld>
@@ -7809,15 +8696,6 @@
 </file>
 
 <file path=customXml/item1.xml><?xml version="1.0" encoding="utf-8"?>
-<?mso-contentType ?>
-<FormTemplates xmlns="http://schemas.microsoft.com/sharepoint/v3/contenttype/forms">
-  <Display>DocumentLibraryForm</Display>
-  <Edit>DocumentLibraryForm</Edit>
-  <New>DocumentLibraryForm</New>
-</FormTemplates>
-</file>
-
-<file path=customXml/item2.xml><?xml version="1.0" encoding="utf-8"?>
 <ct:contentTypeSchema xmlns:ct="http://schemas.microsoft.com/office/2006/metadata/contentType" xmlns:ma="http://schemas.microsoft.com/office/2006/metadata/properties/metaAttributes" ct:_="" ma:_="" ma:contentTypeName="Document" ma:contentTypeID="0x010100B37AA4149E3FCE42B2F0D36F55263BE7" ma:contentTypeVersion="3" ma:contentTypeDescription="Create a new document." ma:contentTypeScope="" ma:versionID="f7f1c092f231b6630c24ec1f654af881">
   <xsd:schema xmlns:xsd="http://www.w3.org/2001/XMLSchema" xmlns:xs="http://www.w3.org/2001/XMLSchema" xmlns:p="http://schemas.microsoft.com/office/2006/metadata/properties" xmlns:ns2="205ad105-7c38-4030-89bf-bb8828f957ce" targetNamespace="http://schemas.microsoft.com/office/2006/metadata/properties" ma:root="true" ma:fieldsID="4b98ef4347ca2c9d6ddeb86b863b8840" ns2:_="">
     <xsd:import namespace="205ad105-7c38-4030-89bf-bb8828f957ce"/>
@@ -7955,15 +8833,16 @@
 </ct:contentTypeSchema>
 </file>
 
-<file path=customXml/itemProps1.xml><?xml version="1.0" encoding="utf-8"?>
-<ds:datastoreItem xmlns:ds="http://schemas.openxmlformats.org/officeDocument/2006/customXml" ds:itemID="{2025CDDF-CD31-423A-BEB8-DE00B73966BF}">
-  <ds:schemaRefs>
-    <ds:schemaRef ds:uri="http://schemas.microsoft.com/sharepoint/v3/contenttype/forms"/>
-  </ds:schemaRefs>
-</ds:datastoreItem>
+<file path=customXml/item2.xml><?xml version="1.0" encoding="utf-8"?>
+<?mso-contentType ?>
+<FormTemplates xmlns="http://schemas.microsoft.com/sharepoint/v3/contenttype/forms">
+  <Display>DocumentLibraryForm</Display>
+  <Edit>DocumentLibraryForm</Edit>
+  <New>DocumentLibraryForm</New>
+</FormTemplates>
 </file>
 
-<file path=customXml/itemProps2.xml><?xml version="1.0" encoding="utf-8"?>
+<file path=customXml/itemProps1.xml><?xml version="1.0" encoding="utf-8"?>
 <ds:datastoreItem xmlns:ds="http://schemas.openxmlformats.org/officeDocument/2006/customXml" ds:itemID="{F118AE1B-89AB-4E8D-A474-F3B1187AE7D6}">
   <ds:schemaRefs>
     <ds:schemaRef ds:uri="http://schemas.microsoft.com/office/2006/metadata/contentType"/>
@@ -7979,4 +8858,12 @@
     <ds:schemaRef ds:uri="http://schemas.microsoft.com/internal/obd"/>
   </ds:schemaRefs>
 </ds:datastoreItem>
+</file>
+
+<file path=customXml/itemProps2.xml><?xml version="1.0" encoding="utf-8"?>
+<ds:datastoreItem xmlns:ds="http://schemas.openxmlformats.org/officeDocument/2006/customXml" ds:itemID="{2025CDDF-CD31-423A-BEB8-DE00B73966BF}">
+  <ds:schemaRefs>
+    <ds:schemaRef ds:uri="http://schemas.microsoft.com/sharepoint/v3/contenttype/forms"/>
+  </ds:schemaRefs>
+</ds:datastoreItem>
 </file>
--- a/2.7 and 2.8 Documentation Template.pptx
+++ b/2.7 and 2.8 Documentation Template.pptx
@@ -5,22 +5,23 @@
     <p:sldMasterId id="2147483648" r:id="rId3"/>
   </p:sldMasterIdLst>
   <p:notesMasterIdLst>
-    <p:notesMasterId r:id="rId17"/>
+    <p:notesMasterId r:id="rId18"/>
   </p:notesMasterIdLst>
   <p:sldIdLst>
     <p:sldId id="256" r:id="rId4"/>
     <p:sldId id="258" r:id="rId5"/>
     <p:sldId id="272" r:id="rId6"/>
     <p:sldId id="275" r:id="rId7"/>
-    <p:sldId id="260" r:id="rId8"/>
-    <p:sldId id="268" r:id="rId9"/>
-    <p:sldId id="269" r:id="rId10"/>
-    <p:sldId id="274" r:id="rId11"/>
-    <p:sldId id="273" r:id="rId12"/>
-    <p:sldId id="263" r:id="rId13"/>
-    <p:sldId id="270" r:id="rId14"/>
-    <p:sldId id="261" r:id="rId15"/>
-    <p:sldId id="266" r:id="rId16"/>
+    <p:sldId id="276" r:id="rId8"/>
+    <p:sldId id="277" r:id="rId9"/>
+    <p:sldId id="268" r:id="rId10"/>
+    <p:sldId id="269" r:id="rId11"/>
+    <p:sldId id="274" r:id="rId12"/>
+    <p:sldId id="273" r:id="rId13"/>
+    <p:sldId id="263" r:id="rId14"/>
+    <p:sldId id="270" r:id="rId15"/>
+    <p:sldId id="261" r:id="rId16"/>
+    <p:sldId id="266" r:id="rId17"/>
   </p:sldIdLst>
   <p:sldSz cx="12192000" cy="6858000"/>
   <p:notesSz cx="6858000" cy="9144000"/>
@@ -209,7 +210,7 @@
           <a:p>
             <a:fld id="{F37D28C0-BEB6-42B0-A203-EEE1023219C4}" type="datetimeFigureOut">
               <a:rPr lang="en-NZ" smtClean="0"/>
-              <a:t>1/05/2023</a:t>
+              <a:t>8/05/2023</a:t>
             </a:fld>
             <a:endParaRPr lang="en-NZ"/>
           </a:p>
@@ -628,9 +629,14 @@
             <a:r>
               <a:rPr lang="en-NZ" i="1" dirty="0">
                 <a:latin typeface="Arial" panose="020B0604020202020204" pitchFamily="34" charset="0"/>
+                <a:ea typeface="Arial" panose="020B0604020202020204" pitchFamily="34" charset="0"/>
               </a:rPr>
-              <a:t>Discuss how the information from planning, testing and trialling of components assisted in the development of a high-quality outcome.</a:t>
-            </a:r>
+              <a:t>Your version control evidence should go here.  This could be in the form of screenshots (both of your GitHub repository as well as your local project folder) as evidence of your incremental development.</a:t>
+            </a:r>
+            <a:endParaRPr lang="en-NZ" dirty="0">
+              <a:latin typeface="Arial" panose="020B0604020202020204" pitchFamily="34" charset="0"/>
+              <a:ea typeface="Arial" panose="020B0604020202020204" pitchFamily="34" charset="0"/>
+            </a:endParaRPr>
           </a:p>
           <a:p>
             <a:endParaRPr lang="en-NZ" dirty="0"/>
@@ -655,6 +661,115 @@
             <a:fld id="{D89B2B17-F4B1-4A14-AF99-5A366D45E74A}" type="slidenum">
               <a:rPr lang="en-NZ" smtClean="0"/>
               <a:t>13</a:t>
+            </a:fld>
+            <a:endParaRPr lang="en-NZ"/>
+          </a:p>
+        </p:txBody>
+      </p:sp>
+    </p:spTree>
+    <p:extLst>
+      <p:ext uri="{BB962C8B-B14F-4D97-AF65-F5344CB8AC3E}">
+        <p14:creationId xmlns:p14="http://schemas.microsoft.com/office/powerpoint/2010/main" val="1431557508"/>
+      </p:ext>
+    </p:extLst>
+  </p:cSld>
+  <p:clrMapOvr>
+    <a:masterClrMapping/>
+  </p:clrMapOvr>
+</p:notes>
+</file>
+
+<file path=ppt/notesSlides/notesSlide11.xml><?xml version="1.0" encoding="utf-8"?>
+<p:notes xmlns:a="http://schemas.openxmlformats.org/drawingml/2006/main" xmlns:r="http://schemas.openxmlformats.org/officeDocument/2006/relationships" xmlns:p="http://schemas.openxmlformats.org/presentationml/2006/main">
+  <p:cSld>
+    <p:spTree>
+      <p:nvGrpSpPr>
+        <p:cNvPr id="1" name=""/>
+        <p:cNvGrpSpPr/>
+        <p:nvPr/>
+      </p:nvGrpSpPr>
+      <p:grpSpPr>
+        <a:xfrm>
+          <a:off x="0" y="0"/>
+          <a:ext cx="0" cy="0"/>
+          <a:chOff x="0" y="0"/>
+          <a:chExt cx="0" cy="0"/>
+        </a:xfrm>
+      </p:grpSpPr>
+      <p:sp>
+        <p:nvSpPr>
+          <p:cNvPr id="2" name="Slide Image Placeholder 1"/>
+          <p:cNvSpPr>
+            <a:spLocks noGrp="1" noRot="1" noChangeAspect="1"/>
+          </p:cNvSpPr>
+          <p:nvPr>
+            <p:ph type="sldImg"/>
+          </p:nvPr>
+        </p:nvSpPr>
+        <p:spPr/>
+      </p:sp>
+      <p:sp>
+        <p:nvSpPr>
+          <p:cNvPr id="3" name="Notes Placeholder 2"/>
+          <p:cNvSpPr>
+            <a:spLocks noGrp="1"/>
+          </p:cNvSpPr>
+          <p:nvPr>
+            <p:ph type="body" idx="1"/>
+          </p:nvPr>
+        </p:nvSpPr>
+        <p:spPr/>
+        <p:txBody>
+          <a:bodyPr/>
+          <a:lstStyle/>
+          <a:p>
+            <a:pPr marL="0" marR="0" lvl="0" indent="0" algn="l" defTabSz="914400" rtl="0" eaLnBrk="1" fontAlgn="auto" latinLnBrk="0" hangingPunct="1">
+              <a:lnSpc>
+                <a:spcPct val="100000"/>
+              </a:lnSpc>
+              <a:spcBef>
+                <a:spcPts val="0"/>
+              </a:spcBef>
+              <a:spcAft>
+                <a:spcPts val="0"/>
+              </a:spcAft>
+              <a:buClrTx/>
+              <a:buSzTx/>
+              <a:buFontTx/>
+              <a:buNone/>
+              <a:tabLst/>
+              <a:defRPr/>
+            </a:pPr>
+            <a:r>
+              <a:rPr lang="en-NZ" i="1" dirty="0">
+                <a:latin typeface="Arial" panose="020B0604020202020204" pitchFamily="34" charset="0"/>
+              </a:rPr>
+              <a:t>Discuss how the information from planning, testing and trialling of components assisted in the development of a high-quality outcome.</a:t>
+            </a:r>
+          </a:p>
+          <a:p>
+            <a:endParaRPr lang="en-NZ" dirty="0"/>
+          </a:p>
+        </p:txBody>
+      </p:sp>
+      <p:sp>
+        <p:nvSpPr>
+          <p:cNvPr id="4" name="Slide Number Placeholder 3"/>
+          <p:cNvSpPr>
+            <a:spLocks noGrp="1"/>
+          </p:cNvSpPr>
+          <p:nvPr>
+            <p:ph type="sldNum" sz="quarter" idx="5"/>
+          </p:nvPr>
+        </p:nvSpPr>
+        <p:spPr/>
+        <p:txBody>
+          <a:bodyPr/>
+          <a:lstStyle/>
+          <a:p>
+            <a:fld id="{D89B2B17-F4B1-4A14-AF99-5A366D45E74A}" type="slidenum">
+              <a:rPr lang="en-NZ" smtClean="0"/>
+              <a:t>14</a:t>
             </a:fld>
             <a:endParaRPr lang="en-NZ"/>
           </a:p>
@@ -884,7 +999,7 @@
     </p:spTree>
     <p:extLst>
       <p:ext uri="{BB962C8B-B14F-4D97-AF65-F5344CB8AC3E}">
-        <p14:creationId xmlns:p14="http://schemas.microsoft.com/office/powerpoint/2010/main" val="992946406"/>
+        <p14:creationId xmlns:p14="http://schemas.microsoft.com/office/powerpoint/2010/main" val="1470979764"/>
       </p:ext>
     </p:extLst>
   </p:cSld>
@@ -895,6 +1010,140 @@
 </file>
 
 <file path=ppt/notesSlides/notesSlide4.xml><?xml version="1.0" encoding="utf-8"?>
+<p:notes xmlns:a="http://schemas.openxmlformats.org/drawingml/2006/main" xmlns:r="http://schemas.openxmlformats.org/officeDocument/2006/relationships" xmlns:p="http://schemas.openxmlformats.org/presentationml/2006/main">
+  <p:cSld>
+    <p:spTree>
+      <p:nvGrpSpPr>
+        <p:cNvPr id="1" name=""/>
+        <p:cNvGrpSpPr/>
+        <p:nvPr/>
+      </p:nvGrpSpPr>
+      <p:grpSpPr>
+        <a:xfrm>
+          <a:off x="0" y="0"/>
+          <a:ext cx="0" cy="0"/>
+          <a:chOff x="0" y="0"/>
+          <a:chExt cx="0" cy="0"/>
+        </a:xfrm>
+      </p:grpSpPr>
+      <p:sp>
+        <p:nvSpPr>
+          <p:cNvPr id="2" name="Slide Image Placeholder 1"/>
+          <p:cNvSpPr>
+            <a:spLocks noGrp="1" noRot="1" noChangeAspect="1"/>
+          </p:cNvSpPr>
+          <p:nvPr>
+            <p:ph type="sldImg"/>
+          </p:nvPr>
+        </p:nvSpPr>
+        <p:spPr/>
+      </p:sp>
+      <p:sp>
+        <p:nvSpPr>
+          <p:cNvPr id="3" name="Notes Placeholder 2"/>
+          <p:cNvSpPr>
+            <a:spLocks noGrp="1"/>
+          </p:cNvSpPr>
+          <p:nvPr>
+            <p:ph type="body" idx="1"/>
+          </p:nvPr>
+        </p:nvSpPr>
+        <p:spPr/>
+        <p:txBody>
+          <a:bodyPr/>
+          <a:lstStyle/>
+          <a:p>
+            <a:pPr marL="0" marR="0" lvl="0" indent="0" algn="l" defTabSz="914400" rtl="0" eaLnBrk="1" fontAlgn="auto" latinLnBrk="0" hangingPunct="1">
+              <a:lnSpc>
+                <a:spcPct val="100000"/>
+              </a:lnSpc>
+              <a:spcBef>
+                <a:spcPts val="0"/>
+              </a:spcBef>
+              <a:spcAft>
+                <a:spcPts val="0"/>
+              </a:spcAft>
+              <a:buClrTx/>
+              <a:buSzTx/>
+              <a:buFontTx/>
+              <a:buNone/>
+              <a:tabLst/>
+              <a:defRPr/>
+            </a:pPr>
+            <a:r>
+              <a:rPr lang="en-NZ" i="1" dirty="0"/>
+              <a:t>Paste screenshots of your initial Trello board / task decomposition on this slide.  If you have a long list, you might need to break it up into several slides. </a:t>
+            </a:r>
+            <a:r>
+              <a:rPr lang="en-NZ" dirty="0">
+                <a:latin typeface="Arial" panose="020B0604020202020204" pitchFamily="34" charset="0"/>
+                <a:ea typeface="Arial" panose="020B0604020202020204" pitchFamily="34" charset="0"/>
+              </a:rPr>
+              <a:t> </a:t>
+            </a:r>
+          </a:p>
+          <a:p>
+            <a:pPr marL="0" marR="0" lvl="0" indent="0" algn="l" defTabSz="914400" rtl="0" eaLnBrk="1" fontAlgn="auto" latinLnBrk="0" hangingPunct="1">
+              <a:lnSpc>
+                <a:spcPct val="100000"/>
+              </a:lnSpc>
+              <a:spcBef>
+                <a:spcPts val="0"/>
+              </a:spcBef>
+              <a:spcAft>
+                <a:spcPts val="0"/>
+              </a:spcAft>
+              <a:buClrTx/>
+              <a:buSzTx/>
+              <a:buFontTx/>
+              <a:buNone/>
+              <a:tabLst/>
+              <a:defRPr/>
+            </a:pPr>
+            <a:endParaRPr lang="en-NZ" dirty="0"/>
+          </a:p>
+          <a:p>
+            <a:endParaRPr lang="en-NZ" dirty="0"/>
+          </a:p>
+        </p:txBody>
+      </p:sp>
+      <p:sp>
+        <p:nvSpPr>
+          <p:cNvPr id="4" name="Slide Number Placeholder 3"/>
+          <p:cNvSpPr>
+            <a:spLocks noGrp="1"/>
+          </p:cNvSpPr>
+          <p:nvPr>
+            <p:ph type="sldNum" sz="quarter" idx="5"/>
+          </p:nvPr>
+        </p:nvSpPr>
+        <p:spPr/>
+        <p:txBody>
+          <a:bodyPr/>
+          <a:lstStyle/>
+          <a:p>
+            <a:fld id="{D89B2B17-F4B1-4A14-AF99-5A366D45E74A}" type="slidenum">
+              <a:rPr lang="en-NZ" smtClean="0"/>
+              <a:t>6</a:t>
+            </a:fld>
+            <a:endParaRPr lang="en-NZ"/>
+          </a:p>
+        </p:txBody>
+      </p:sp>
+    </p:spTree>
+    <p:extLst>
+      <p:ext uri="{BB962C8B-B14F-4D97-AF65-F5344CB8AC3E}">
+        <p14:creationId xmlns:p14="http://schemas.microsoft.com/office/powerpoint/2010/main" val="2344397584"/>
+      </p:ext>
+    </p:extLst>
+  </p:cSld>
+  <p:clrMapOvr>
+    <a:masterClrMapping/>
+  </p:clrMapOvr>
+</p:notes>
+</file>
+
+<file path=ppt/notesSlides/notesSlide5.xml><?xml version="1.0" encoding="utf-8"?>
 <p:notes xmlns:a="http://schemas.openxmlformats.org/drawingml/2006/main" xmlns:r="http://schemas.openxmlformats.org/officeDocument/2006/relationships" xmlns:p="http://schemas.openxmlformats.org/presentationml/2006/main" showMasterSp="0" showMasterPhAnim="0">
   <p:cSld>
     <p:spTree>
@@ -998,7 +1247,7 @@
 </p:notes>
 </file>
 
-<file path=ppt/notesSlides/notesSlide5.xml><?xml version="1.0" encoding="utf-8"?>
+<file path=ppt/notesSlides/notesSlide6.xml><?xml version="1.0" encoding="utf-8"?>
 <p:notes xmlns:a="http://schemas.openxmlformats.org/drawingml/2006/main" xmlns:r="http://schemas.openxmlformats.org/officeDocument/2006/relationships" xmlns:p="http://schemas.openxmlformats.org/presentationml/2006/main" showMasterSp="0" showMasterPhAnim="0">
   <p:cSld>
     <p:spTree>
@@ -1125,105 +1374,6 @@
 </p:notes>
 </file>
 
-<file path=ppt/notesSlides/notesSlide6.xml><?xml version="1.0" encoding="utf-8"?>
-<p:notes xmlns:a="http://schemas.openxmlformats.org/drawingml/2006/main" xmlns:r="http://schemas.openxmlformats.org/officeDocument/2006/relationships" xmlns:p="http://schemas.openxmlformats.org/presentationml/2006/main">
-  <p:cSld>
-    <p:spTree>
-      <p:nvGrpSpPr>
-        <p:cNvPr id="1" name=""/>
-        <p:cNvGrpSpPr/>
-        <p:nvPr/>
-      </p:nvGrpSpPr>
-      <p:grpSpPr>
-        <a:xfrm>
-          <a:off x="0" y="0"/>
-          <a:ext cx="0" cy="0"/>
-          <a:chOff x="0" y="0"/>
-          <a:chExt cx="0" cy="0"/>
-        </a:xfrm>
-      </p:grpSpPr>
-      <p:sp>
-        <p:nvSpPr>
-          <p:cNvPr id="2" name="Slide Image Placeholder 1"/>
-          <p:cNvSpPr>
-            <a:spLocks noGrp="1" noRot="1" noChangeAspect="1"/>
-          </p:cNvSpPr>
-          <p:nvPr>
-            <p:ph type="sldImg"/>
-          </p:nvPr>
-        </p:nvSpPr>
-        <p:spPr/>
-      </p:sp>
-      <p:sp>
-        <p:nvSpPr>
-          <p:cNvPr id="3" name="Notes Placeholder 2"/>
-          <p:cNvSpPr>
-            <a:spLocks noGrp="1"/>
-          </p:cNvSpPr>
-          <p:nvPr>
-            <p:ph type="body" idx="1"/>
-          </p:nvPr>
-        </p:nvSpPr>
-        <p:spPr/>
-        <p:txBody>
-          <a:bodyPr/>
-          <a:lstStyle/>
-          <a:p>
-            <a:pPr>
-              <a:lnSpc>
-                <a:spcPct val="115000"/>
-              </a:lnSpc>
-            </a:pPr>
-            <a:r>
-              <a:rPr lang="en-NZ" i="1" dirty="0">
-                <a:latin typeface="Arial" panose="020B0604020202020204" pitchFamily="34" charset="0"/>
-                <a:ea typeface="Arial" panose="020B0604020202020204" pitchFamily="34" charset="0"/>
-              </a:rPr>
-              <a:t>You must show the results of testing. For each component, include a screenshot proving it works.  You can also include notes about each test. </a:t>
-            </a:r>
-            <a:endParaRPr lang="en-NZ" dirty="0">
-              <a:latin typeface="Arial" panose="020B0604020202020204" pitchFamily="34" charset="0"/>
-              <a:ea typeface="Arial" panose="020B0604020202020204" pitchFamily="34" charset="0"/>
-            </a:endParaRPr>
-          </a:p>
-        </p:txBody>
-      </p:sp>
-      <p:sp>
-        <p:nvSpPr>
-          <p:cNvPr id="4" name="Slide Number Placeholder 3"/>
-          <p:cNvSpPr>
-            <a:spLocks noGrp="1"/>
-          </p:cNvSpPr>
-          <p:nvPr>
-            <p:ph type="sldNum" sz="quarter" idx="5"/>
-          </p:nvPr>
-        </p:nvSpPr>
-        <p:spPr/>
-        <p:txBody>
-          <a:bodyPr/>
-          <a:lstStyle/>
-          <a:p>
-            <a:fld id="{D89B2B17-F4B1-4A14-AF99-5A366D45E74A}" type="slidenum">
-              <a:rPr lang="en-NZ" smtClean="0"/>
-              <a:t>8</a:t>
-            </a:fld>
-            <a:endParaRPr lang="en-NZ"/>
-          </a:p>
-        </p:txBody>
-      </p:sp>
-    </p:spTree>
-    <p:extLst>
-      <p:ext uri="{BB962C8B-B14F-4D97-AF65-F5344CB8AC3E}">
-        <p14:creationId xmlns:p14="http://schemas.microsoft.com/office/powerpoint/2010/main" val="3683133660"/>
-      </p:ext>
-    </p:extLst>
-  </p:cSld>
-  <p:clrMapOvr>
-    <a:masterClrMapping/>
-  </p:clrMapOvr>
-</p:notes>
-</file>
-
 <file path=ppt/notesSlides/notesSlide7.xml><?xml version="1.0" encoding="utf-8"?>
 <p:notes xmlns:a="http://schemas.openxmlformats.org/drawingml/2006/main" xmlns:r="http://schemas.openxmlformats.org/officeDocument/2006/relationships" xmlns:p="http://schemas.openxmlformats.org/presentationml/2006/main">
   <p:cSld>
@@ -1268,25 +1418,22 @@
           <a:bodyPr/>
           <a:lstStyle/>
           <a:p>
-            <a:r>
-              <a:rPr lang="en-NZ" i="1" dirty="0"/>
-              <a:t>NOTE: Trialling needs to happen for </a:t>
-            </a:r>
-            <a:r>
-              <a:rPr lang="en-NZ" b="1" i="1" dirty="0"/>
-              <a:t>at least 2 </a:t>
-            </a:r>
-            <a:r>
-              <a:rPr lang="en-NZ" i="1" dirty="0"/>
-              <a:t>of your components but is not necessary for ALL components.</a:t>
-            </a:r>
-          </a:p>
-          <a:p>
-            <a:r>
-              <a:rPr lang="en" i="1" dirty="0"/>
-              <a:t>Trialling is not the same as testing. Trialling is about finding different ways of building the same component. Show evidence of  your trialling  here. Select one of your trials for further development and give reasons for your choice. </a:t>
-            </a:r>
-            <a:endParaRPr lang="en-NZ" dirty="0"/>
+            <a:pPr>
+              <a:lnSpc>
+                <a:spcPct val="115000"/>
+              </a:lnSpc>
+            </a:pPr>
+            <a:r>
+              <a:rPr lang="en-NZ" i="1" dirty="0">
+                <a:latin typeface="Arial" panose="020B0604020202020204" pitchFamily="34" charset="0"/>
+                <a:ea typeface="Arial" panose="020B0604020202020204" pitchFamily="34" charset="0"/>
+              </a:rPr>
+              <a:t>You must show the results of testing. For each component, include a screenshot proving it works.  You can also include notes about each test. </a:t>
+            </a:r>
+            <a:endParaRPr lang="en-NZ" dirty="0">
+              <a:latin typeface="Arial" panose="020B0604020202020204" pitchFamily="34" charset="0"/>
+              <a:ea typeface="Arial" panose="020B0604020202020204" pitchFamily="34" charset="0"/>
+            </a:endParaRPr>
           </a:p>
         </p:txBody>
       </p:sp>
@@ -1316,7 +1463,7 @@
     </p:spTree>
     <p:extLst>
       <p:ext uri="{BB962C8B-B14F-4D97-AF65-F5344CB8AC3E}">
-        <p14:creationId xmlns:p14="http://schemas.microsoft.com/office/powerpoint/2010/main" val="120689959"/>
+        <p14:creationId xmlns:p14="http://schemas.microsoft.com/office/powerpoint/2010/main" val="3683133660"/>
       </p:ext>
     </p:extLst>
   </p:cSld>
@@ -1370,29 +1517,23 @@
           <a:bodyPr/>
           <a:lstStyle/>
           <a:p>
-            <a:pPr marL="0" marR="0" lvl="0" indent="0" algn="l" defTabSz="914400" rtl="0" eaLnBrk="1" fontAlgn="auto" latinLnBrk="0" hangingPunct="1">
-              <a:lnSpc>
-                <a:spcPct val="100000"/>
-              </a:lnSpc>
-              <a:spcBef>
-                <a:spcPts val="0"/>
-              </a:spcBef>
-              <a:spcAft>
-                <a:spcPts val="0"/>
-              </a:spcAft>
-              <a:buClrTx/>
-              <a:buSzTx/>
-              <a:buFontTx/>
-              <a:buNone/>
-              <a:tabLst/>
-              <a:defRPr/>
-            </a:pPr>
-            <a:r>
-              <a:rPr lang="en-NZ" i="1" dirty="0">
-                <a:latin typeface="Arial" panose="020B0604020202020204" pitchFamily="34" charset="0"/>
-                <a:ea typeface="Arial" panose="020B0604020202020204" pitchFamily="34" charset="0"/>
-              </a:rPr>
-              <a:t>Show testing for your assembled outcome below.  This should include a test plan followed by screenshot proof.  </a:t>
+            <a:r>
+              <a:rPr lang="en-NZ" i="1" dirty="0"/>
+              <a:t>NOTE: Trialling needs to happen for </a:t>
+            </a:r>
+            <a:r>
+              <a:rPr lang="en-NZ" b="1" i="1" dirty="0"/>
+              <a:t>at least 2 </a:t>
+            </a:r>
+            <a:r>
+              <a:rPr lang="en-NZ" i="1" dirty="0"/>
+              <a:t>of your components but is not necessary for ALL components.</a:t>
+            </a:r>
+          </a:p>
+          <a:p>
+            <a:r>
+              <a:rPr lang="en" i="1" dirty="0"/>
+              <a:t>Trialling is not the same as testing. Trialling is about finding different ways of building the same component. Show evidence of  your trialling  here. Select one of your trials for further development and give reasons for your choice. </a:t>
             </a:r>
             <a:endParaRPr lang="en-NZ" dirty="0"/>
           </a:p>
@@ -1424,7 +1565,7 @@
     </p:spTree>
     <p:extLst>
       <p:ext uri="{BB962C8B-B14F-4D97-AF65-F5344CB8AC3E}">
-        <p14:creationId xmlns:p14="http://schemas.microsoft.com/office/powerpoint/2010/main" val="234755665"/>
+        <p14:creationId xmlns:p14="http://schemas.microsoft.com/office/powerpoint/2010/main" val="120689959"/>
       </p:ext>
     </p:extLst>
   </p:cSld>
@@ -1500,14 +1641,8 @@
                 <a:latin typeface="Arial" panose="020B0604020202020204" pitchFamily="34" charset="0"/>
                 <a:ea typeface="Arial" panose="020B0604020202020204" pitchFamily="34" charset="0"/>
               </a:rPr>
-              <a:t>Your version control evidence should go here.  This could be in the form of screenshots (both of your GitHub repository as well as your local project folder) as evidence of your incremental development.</a:t>
-            </a:r>
-            <a:endParaRPr lang="en-NZ" dirty="0">
-              <a:latin typeface="Arial" panose="020B0604020202020204" pitchFamily="34" charset="0"/>
-              <a:ea typeface="Arial" panose="020B0604020202020204" pitchFamily="34" charset="0"/>
-            </a:endParaRPr>
-          </a:p>
-          <a:p>
+              <a:t>Show testing for your assembled outcome below.  This should include a test plan followed by screenshot proof.  </a:t>
+            </a:r>
             <a:endParaRPr lang="en-NZ" dirty="0"/>
           </a:p>
         </p:txBody>
@@ -1529,7 +1664,7 @@
           <a:p>
             <a:fld id="{D89B2B17-F4B1-4A14-AF99-5A366D45E74A}" type="slidenum">
               <a:rPr lang="en-NZ" smtClean="0"/>
-              <a:t>12</a:t>
+              <a:t>11</a:t>
             </a:fld>
             <a:endParaRPr lang="en-NZ"/>
           </a:p>
@@ -1538,7 +1673,7 @@
     </p:spTree>
     <p:extLst>
       <p:ext uri="{BB962C8B-B14F-4D97-AF65-F5344CB8AC3E}">
-        <p14:creationId xmlns:p14="http://schemas.microsoft.com/office/powerpoint/2010/main" val="1431557508"/>
+        <p14:creationId xmlns:p14="http://schemas.microsoft.com/office/powerpoint/2010/main" val="234755665"/>
       </p:ext>
     </p:extLst>
   </p:cSld>
@@ -1697,7 +1832,7 @@
           <a:p>
             <a:fld id="{9C4A4F43-1C06-40E6-8F87-8B286982E50E}" type="datetimeFigureOut">
               <a:rPr lang="en-NZ" smtClean="0"/>
-              <a:t>1/05/2023</a:t>
+              <a:t>8/05/2023</a:t>
             </a:fld>
             <a:endParaRPr lang="en-NZ" dirty="0"/>
           </a:p>
@@ -1897,7 +2032,7 @@
           <a:p>
             <a:fld id="{9C4A4F43-1C06-40E6-8F87-8B286982E50E}" type="datetimeFigureOut">
               <a:rPr lang="en-NZ" smtClean="0"/>
-              <a:t>1/05/2023</a:t>
+              <a:t>8/05/2023</a:t>
             </a:fld>
             <a:endParaRPr lang="en-NZ" dirty="0"/>
           </a:p>
@@ -2107,7 +2242,7 @@
           <a:p>
             <a:fld id="{9C4A4F43-1C06-40E6-8F87-8B286982E50E}" type="datetimeFigureOut">
               <a:rPr lang="en-NZ" smtClean="0"/>
-              <a:t>1/05/2023</a:t>
+              <a:t>8/05/2023</a:t>
             </a:fld>
             <a:endParaRPr lang="en-NZ" dirty="0"/>
           </a:p>
@@ -2666,7 +2801,7 @@
           <a:p>
             <a:fld id="{9C4A4F43-1C06-40E6-8F87-8B286982E50E}" type="datetimeFigureOut">
               <a:rPr lang="en-NZ" smtClean="0"/>
-              <a:t>1/05/2023</a:t>
+              <a:t>8/05/2023</a:t>
             </a:fld>
             <a:endParaRPr lang="en-NZ" dirty="0"/>
           </a:p>
@@ -2942,7 +3077,7 @@
           <a:p>
             <a:fld id="{9C4A4F43-1C06-40E6-8F87-8B286982E50E}" type="datetimeFigureOut">
               <a:rPr lang="en-NZ" smtClean="0"/>
-              <a:t>1/05/2023</a:t>
+              <a:t>8/05/2023</a:t>
             </a:fld>
             <a:endParaRPr lang="en-NZ" dirty="0"/>
           </a:p>
@@ -3210,7 +3345,7 @@
           <a:p>
             <a:fld id="{9C4A4F43-1C06-40E6-8F87-8B286982E50E}" type="datetimeFigureOut">
               <a:rPr lang="en-NZ" smtClean="0"/>
-              <a:t>1/05/2023</a:t>
+              <a:t>8/05/2023</a:t>
             </a:fld>
             <a:endParaRPr lang="en-NZ" dirty="0"/>
           </a:p>
@@ -3625,7 +3760,7 @@
           <a:p>
             <a:fld id="{9C4A4F43-1C06-40E6-8F87-8B286982E50E}" type="datetimeFigureOut">
               <a:rPr lang="en-NZ" smtClean="0"/>
-              <a:t>1/05/2023</a:t>
+              <a:t>8/05/2023</a:t>
             </a:fld>
             <a:endParaRPr lang="en-NZ" dirty="0"/>
           </a:p>
@@ -3767,7 +3902,7 @@
           <a:p>
             <a:fld id="{9C4A4F43-1C06-40E6-8F87-8B286982E50E}" type="datetimeFigureOut">
               <a:rPr lang="en-NZ" smtClean="0"/>
-              <a:t>1/05/2023</a:t>
+              <a:t>8/05/2023</a:t>
             </a:fld>
             <a:endParaRPr lang="en-NZ" dirty="0"/>
           </a:p>
@@ -3880,7 +4015,7 @@
           <a:p>
             <a:fld id="{9C4A4F43-1C06-40E6-8F87-8B286982E50E}" type="datetimeFigureOut">
               <a:rPr lang="en-NZ" smtClean="0"/>
-              <a:t>1/05/2023</a:t>
+              <a:t>8/05/2023</a:t>
             </a:fld>
             <a:endParaRPr lang="en-NZ" dirty="0"/>
           </a:p>
@@ -4193,7 +4328,7 @@
           <a:p>
             <a:fld id="{9C4A4F43-1C06-40E6-8F87-8B286982E50E}" type="datetimeFigureOut">
               <a:rPr lang="en-NZ" smtClean="0"/>
-              <a:t>1/05/2023</a:t>
+              <a:t>8/05/2023</a:t>
             </a:fld>
             <a:endParaRPr lang="en-NZ" dirty="0"/>
           </a:p>
@@ -4482,7 +4617,7 @@
           <a:p>
             <a:fld id="{9C4A4F43-1C06-40E6-8F87-8B286982E50E}" type="datetimeFigureOut">
               <a:rPr lang="en-NZ" smtClean="0"/>
-              <a:t>1/05/2023</a:t>
+              <a:t>8/05/2023</a:t>
             </a:fld>
             <a:endParaRPr lang="en-NZ" dirty="0"/>
           </a:p>
@@ -4725,7 +4860,7 @@
           <a:p>
             <a:fld id="{9C4A4F43-1C06-40E6-8F87-8B286982E50E}" type="datetimeFigureOut">
               <a:rPr lang="en-NZ" smtClean="0"/>
-              <a:t>1/05/2023</a:t>
+              <a:t>8/05/2023</a:t>
             </a:fld>
             <a:endParaRPr lang="en-NZ" dirty="0"/>
           </a:p>
@@ -5246,6 +5381,121 @@
           <p:cNvPr id="2" name="Title 1">
             <a:extLst>
               <a:ext uri="{FF2B5EF4-FFF2-40B4-BE49-F238E27FC236}">
+                <a16:creationId xmlns:a16="http://schemas.microsoft.com/office/drawing/2014/main" id="{1CC5D32F-7C18-4D00-8D54-2FB046F0A206}"/>
+              </a:ext>
+            </a:extLst>
+          </p:cNvPr>
+          <p:cNvSpPr>
+            <a:spLocks noGrp="1"/>
+          </p:cNvSpPr>
+          <p:nvPr>
+            <p:ph type="title"/>
+          </p:nvPr>
+        </p:nvSpPr>
+        <p:spPr>
+          <a:xfrm>
+            <a:off x="749300" y="223520"/>
+            <a:ext cx="10515600" cy="806768"/>
+          </a:xfrm>
+        </p:spPr>
+        <p:txBody>
+          <a:bodyPr>
+            <a:normAutofit/>
+          </a:bodyPr>
+          <a:lstStyle/>
+          <a:p>
+            <a:r>
+              <a:rPr lang="en-NZ" sz="4000" dirty="0"/>
+              <a:t>[Component name]: Trialling </a:t>
+            </a:r>
+          </a:p>
+        </p:txBody>
+      </p:sp>
+      <p:sp>
+        <p:nvSpPr>
+          <p:cNvPr id="4" name="TextBox 3">
+            <a:extLst>
+              <a:ext uri="{FF2B5EF4-FFF2-40B4-BE49-F238E27FC236}">
+                <a16:creationId xmlns:a16="http://schemas.microsoft.com/office/drawing/2014/main" id="{8CD07A82-A944-4A9B-9A52-515DAC30878A}"/>
+              </a:ext>
+            </a:extLst>
+          </p:cNvPr>
+          <p:cNvSpPr txBox="1"/>
+          <p:nvPr/>
+        </p:nvSpPr>
+        <p:spPr>
+          <a:xfrm>
+            <a:off x="660400" y="1030288"/>
+            <a:ext cx="10693400" cy="923330"/>
+          </a:xfrm>
+          <a:prstGeom prst="rect">
+            <a:avLst/>
+          </a:prstGeom>
+          <a:noFill/>
+        </p:spPr>
+        <p:txBody>
+          <a:bodyPr wrap="square">
+            <a:spAutoFit/>
+          </a:bodyPr>
+          <a:lstStyle/>
+          <a:p>
+            <a:r>
+              <a:rPr lang="en-NZ" i="1" dirty="0"/>
+              <a:t>NOTE: Trialling needs to happen for </a:t>
+            </a:r>
+            <a:r>
+              <a:rPr lang="en-NZ" b="1" i="1" dirty="0"/>
+              <a:t>at least 2 </a:t>
+            </a:r>
+            <a:r>
+              <a:rPr lang="en-NZ" i="1" dirty="0"/>
+              <a:t>of your components but is not necessary for ALL components.</a:t>
+            </a:r>
+          </a:p>
+          <a:p>
+            <a:r>
+              <a:rPr lang="en" i="1" dirty="0"/>
+              <a:t>Trialling is not the same as testing. Trialling is about finding different ways of building the same component. Show evidence of  your trialling  here. Select one of your trials for further development and give reasons for your choice. </a:t>
+            </a:r>
+            <a:endParaRPr lang="en-NZ" dirty="0"/>
+          </a:p>
+        </p:txBody>
+      </p:sp>
+    </p:spTree>
+    <p:extLst>
+      <p:ext uri="{BB962C8B-B14F-4D97-AF65-F5344CB8AC3E}">
+        <p14:creationId xmlns:p14="http://schemas.microsoft.com/office/powerpoint/2010/main" val="270828811"/>
+      </p:ext>
+    </p:extLst>
+  </p:cSld>
+  <p:clrMapOvr>
+    <a:masterClrMapping/>
+  </p:clrMapOvr>
+</p:sld>
+</file>
+
+<file path=ppt/slides/slide11.xml><?xml version="1.0" encoding="utf-8"?>
+<p:sld xmlns:a="http://schemas.openxmlformats.org/drawingml/2006/main" xmlns:r="http://schemas.openxmlformats.org/officeDocument/2006/relationships" xmlns:p="http://schemas.openxmlformats.org/presentationml/2006/main">
+  <p:cSld>
+    <p:spTree>
+      <p:nvGrpSpPr>
+        <p:cNvPr id="1" name=""/>
+        <p:cNvGrpSpPr/>
+        <p:nvPr/>
+      </p:nvGrpSpPr>
+      <p:grpSpPr>
+        <a:xfrm>
+          <a:off x="0" y="0"/>
+          <a:ext cx="0" cy="0"/>
+          <a:chOff x="0" y="0"/>
+          <a:chExt cx="0" cy="0"/>
+        </a:xfrm>
+      </p:grpSpPr>
+      <p:sp>
+        <p:nvSpPr>
+          <p:cNvPr id="2" name="Title 1">
+            <a:extLst>
+              <a:ext uri="{FF2B5EF4-FFF2-40B4-BE49-F238E27FC236}">
                 <a16:creationId xmlns:a16="http://schemas.microsoft.com/office/drawing/2014/main" id="{183CAE4A-E189-4CAA-B3F5-7E97BC5188E3}"/>
               </a:ext>
             </a:extLst>
@@ -5338,7 +5588,7 @@
 </p:sld>
 </file>
 
-<file path=ppt/slides/slide11.xml><?xml version="1.0" encoding="utf-8"?>
+<file path=ppt/slides/slide12.xml><?xml version="1.0" encoding="utf-8"?>
 <p:sld xmlns:a="http://schemas.openxmlformats.org/drawingml/2006/main" xmlns:r="http://schemas.openxmlformats.org/officeDocument/2006/relationships" xmlns:p="http://schemas.openxmlformats.org/presentationml/2006/main">
   <p:cSld>
     <p:spTree>
@@ -5610,7 +5860,7 @@
 </p:sld>
 </file>
 
-<file path=ppt/slides/slide12.xml><?xml version="1.0" encoding="utf-8"?>
+<file path=ppt/slides/slide13.xml><?xml version="1.0" encoding="utf-8"?>
 <p:sld xmlns:a="http://schemas.openxmlformats.org/drawingml/2006/main" xmlns:r="http://schemas.openxmlformats.org/officeDocument/2006/relationships" xmlns:p="http://schemas.openxmlformats.org/presentationml/2006/main">
   <p:cSld>
     <p:spTree>
@@ -5724,7 +5974,7 @@
 </p:sld>
 </file>
 
-<file path=ppt/slides/slide13.xml><?xml version="1.0" encoding="utf-8"?>
+<file path=ppt/slides/slide14.xml><?xml version="1.0" encoding="utf-8"?>
 <p:sld xmlns:a="http://schemas.openxmlformats.org/drawingml/2006/main" xmlns:r="http://schemas.openxmlformats.org/officeDocument/2006/relationships" xmlns:p="http://schemas.openxmlformats.org/presentationml/2006/main">
   <p:cSld>
     <p:spTree>
@@ -7499,7 +7749,7 @@
         </p:nvSpPr>
         <p:spPr>
           <a:xfrm>
-            <a:off x="838200" y="365125"/>
+            <a:off x="838200" y="249378"/>
             <a:ext cx="10515600" cy="600075"/>
           </a:xfrm>
         </p:spPr>
@@ -7530,7 +7780,7 @@
         </p:nvSpPr>
         <p:spPr>
           <a:xfrm>
-            <a:off x="838200" y="965200"/>
+            <a:off x="838200" y="853953"/>
             <a:ext cx="9999846" cy="708912"/>
           </a:xfrm>
           <a:prstGeom prst="rect">
@@ -7562,10 +7812,45 @@
           </a:p>
         </p:txBody>
       </p:sp>
+      <p:pic>
+        <p:nvPicPr>
+          <p:cNvPr id="10" name="Picture 9">
+            <a:extLst>
+              <a:ext uri="{FF2B5EF4-FFF2-40B4-BE49-F238E27FC236}">
+                <a16:creationId xmlns:a16="http://schemas.microsoft.com/office/drawing/2014/main" id="{40E60D61-F92D-AC5C-898F-38E98EBE5B38}"/>
+              </a:ext>
+            </a:extLst>
+          </p:cNvPr>
+          <p:cNvPicPr>
+            <a:picLocks noChangeAspect="1"/>
+          </p:cNvPicPr>
+          <p:nvPr/>
+        </p:nvPicPr>
+        <p:blipFill>
+          <a:blip r:embed="rId3"/>
+          <a:stretch>
+            <a:fillRect/>
+          </a:stretch>
+        </p:blipFill>
+        <p:spPr>
+          <a:xfrm>
+            <a:off x="838200" y="1674111"/>
+            <a:ext cx="9017290" cy="4818763"/>
+          </a:xfrm>
+          <a:prstGeom prst="rect">
+            <a:avLst/>
+          </a:prstGeom>
+          <a:ln w="38100">
+            <a:solidFill>
+              <a:schemeClr val="tx1"/>
+            </a:solidFill>
+          </a:ln>
+        </p:spPr>
+      </p:pic>
     </p:spTree>
     <p:extLst>
       <p:ext uri="{BB962C8B-B14F-4D97-AF65-F5344CB8AC3E}">
-        <p14:creationId xmlns:p14="http://schemas.microsoft.com/office/powerpoint/2010/main" val="3760331451"/>
+        <p14:creationId xmlns:p14="http://schemas.microsoft.com/office/powerpoint/2010/main" val="3781960314"/>
       </p:ext>
     </p:extLst>
   </p:cSld>
@@ -7576,6 +7861,160 @@
 </file>
 
 <file path=ppt/slides/slide6.xml><?xml version="1.0" encoding="utf-8"?>
+<p:sld xmlns:a="http://schemas.openxmlformats.org/drawingml/2006/main" xmlns:r="http://schemas.openxmlformats.org/officeDocument/2006/relationships" xmlns:p="http://schemas.openxmlformats.org/presentationml/2006/main">
+  <p:cSld>
+    <p:spTree>
+      <p:nvGrpSpPr>
+        <p:cNvPr id="1" name=""/>
+        <p:cNvGrpSpPr/>
+        <p:nvPr/>
+      </p:nvGrpSpPr>
+      <p:grpSpPr>
+        <a:xfrm>
+          <a:off x="0" y="0"/>
+          <a:ext cx="0" cy="0"/>
+          <a:chOff x="0" y="0"/>
+          <a:chExt cx="0" cy="0"/>
+        </a:xfrm>
+      </p:grpSpPr>
+      <p:sp>
+        <p:nvSpPr>
+          <p:cNvPr id="2" name="Title 1">
+            <a:extLst>
+              <a:ext uri="{FF2B5EF4-FFF2-40B4-BE49-F238E27FC236}">
+                <a16:creationId xmlns:a16="http://schemas.microsoft.com/office/drawing/2014/main" id="{321F8E66-F9B8-4062-8E8D-D5ADB11625DA}"/>
+              </a:ext>
+            </a:extLst>
+          </p:cNvPr>
+          <p:cNvSpPr>
+            <a:spLocks noGrp="1"/>
+          </p:cNvSpPr>
+          <p:nvPr>
+            <p:ph type="title"/>
+          </p:nvPr>
+        </p:nvSpPr>
+        <p:spPr>
+          <a:xfrm>
+            <a:off x="838200" y="514799"/>
+            <a:ext cx="10515600" cy="600075"/>
+          </a:xfrm>
+        </p:spPr>
+        <p:txBody>
+          <a:bodyPr>
+            <a:normAutofit fontScale="90000"/>
+          </a:bodyPr>
+          <a:lstStyle/>
+          <a:p>
+            <a:r>
+              <a:rPr lang="en-NZ" sz="4000" dirty="0"/>
+              <a:t>Decomposition:</a:t>
+            </a:r>
+          </a:p>
+        </p:txBody>
+      </p:sp>
+      <p:sp>
+        <p:nvSpPr>
+          <p:cNvPr id="4" name="Rectangle 3">
+            <a:extLst>
+              <a:ext uri="{FF2B5EF4-FFF2-40B4-BE49-F238E27FC236}">
+                <a16:creationId xmlns:a16="http://schemas.microsoft.com/office/drawing/2014/main" id="{937BF58F-E358-4625-919F-7C3D6EEBA8FB}"/>
+              </a:ext>
+            </a:extLst>
+          </p:cNvPr>
+          <p:cNvSpPr/>
+          <p:nvPr/>
+        </p:nvSpPr>
+        <p:spPr>
+          <a:xfrm>
+            <a:off x="838200" y="1114874"/>
+            <a:ext cx="9999846" cy="708912"/>
+          </a:xfrm>
+          <a:prstGeom prst="rect">
+            <a:avLst/>
+          </a:prstGeom>
+        </p:spPr>
+        <p:txBody>
+          <a:bodyPr wrap="square">
+            <a:spAutoFit/>
+          </a:bodyPr>
+          <a:lstStyle/>
+          <a:p>
+            <a:pPr>
+              <a:lnSpc>
+                <a:spcPct val="115000"/>
+              </a:lnSpc>
+            </a:pPr>
+            <a:r>
+              <a:rPr lang="en-NZ" i="1" dirty="0"/>
+              <a:t>Paste screenshots of your initial Trello board / task decomposition on this slide.  If you have a long list, you might need to break it up into several slides. </a:t>
+            </a:r>
+            <a:r>
+              <a:rPr lang="en-NZ" dirty="0">
+                <a:latin typeface="Arial" panose="020B0604020202020204" pitchFamily="34" charset="0"/>
+                <a:ea typeface="Arial" panose="020B0604020202020204" pitchFamily="34" charset="0"/>
+              </a:rPr>
+              <a:t> </a:t>
+            </a:r>
+          </a:p>
+        </p:txBody>
+      </p:sp>
+      <p:pic>
+        <p:nvPicPr>
+          <p:cNvPr id="7" name="Picture 6">
+            <a:extLst>
+              <a:ext uri="{FF2B5EF4-FFF2-40B4-BE49-F238E27FC236}">
+                <a16:creationId xmlns:a16="http://schemas.microsoft.com/office/drawing/2014/main" id="{89B66FAB-B5C1-9ABC-B4D7-93E06B9D49A0}"/>
+              </a:ext>
+            </a:extLst>
+          </p:cNvPr>
+          <p:cNvPicPr>
+            <a:picLocks noChangeAspect="1"/>
+          </p:cNvPicPr>
+          <p:nvPr/>
+        </p:nvPicPr>
+        <p:blipFill>
+          <a:blip r:embed="rId3"/>
+          <a:stretch>
+            <a:fillRect/>
+          </a:stretch>
+        </p:blipFill>
+        <p:spPr>
+          <a:xfrm>
+            <a:off x="838200" y="2010757"/>
+            <a:ext cx="10782398" cy="3882043"/>
+          </a:xfrm>
+          <a:prstGeom prst="rect">
+            <a:avLst/>
+          </a:prstGeom>
+          <a:ln w="38100" cap="sq">
+            <a:solidFill>
+              <a:srgbClr val="000000"/>
+            </a:solidFill>
+            <a:miter lim="800000"/>
+          </a:ln>
+          <a:effectLst>
+            <a:outerShdw blurRad="57150" dist="50800" dir="2700000" algn="tl" rotWithShape="0">
+              <a:srgbClr val="000000">
+                <a:alpha val="40000"/>
+              </a:srgbClr>
+            </a:outerShdw>
+          </a:effectLst>
+        </p:spPr>
+      </p:pic>
+    </p:spTree>
+    <p:extLst>
+      <p:ext uri="{BB962C8B-B14F-4D97-AF65-F5344CB8AC3E}">
+        <p14:creationId xmlns:p14="http://schemas.microsoft.com/office/powerpoint/2010/main" val="1715090620"/>
+      </p:ext>
+    </p:extLst>
+  </p:cSld>
+  <p:clrMapOvr>
+    <a:masterClrMapping/>
+  </p:clrMapOvr>
+</p:sld>
+</file>
+
+<file path=ppt/slides/slide7.xml><?xml version="1.0" encoding="utf-8"?>
 <p:sld xmlns:a="http://schemas.openxmlformats.org/drawingml/2006/main" xmlns:r="http://schemas.openxmlformats.org/officeDocument/2006/relationships" xmlns:p="http://schemas.openxmlformats.org/presentationml/2006/main">
   <p:cSld>
     <p:spTree>
@@ -7633,7 +8072,7 @@
 </p:sld>
 </file>
 
-<file path=ppt/slides/slide7.xml><?xml version="1.0" encoding="utf-8"?>
+<file path=ppt/slides/slide8.xml><?xml version="1.0" encoding="utf-8"?>
 <p:sld xmlns:a="http://schemas.openxmlformats.org/drawingml/2006/main" xmlns:r="http://schemas.openxmlformats.org/officeDocument/2006/relationships" xmlns:p="http://schemas.openxmlformats.org/presentationml/2006/main">
   <p:cSld>
     <p:spTree>
@@ -7890,106 +8329,6 @@
 </p:sld>
 </file>
 
-<file path=ppt/slides/slide8.xml><?xml version="1.0" encoding="utf-8"?>
-<p:sld xmlns:a="http://schemas.openxmlformats.org/drawingml/2006/main" xmlns:r="http://schemas.openxmlformats.org/officeDocument/2006/relationships" xmlns:p="http://schemas.openxmlformats.org/presentationml/2006/main">
-  <p:cSld>
-    <p:spTree>
-      <p:nvGrpSpPr>
-        <p:cNvPr id="1" name=""/>
-        <p:cNvGrpSpPr/>
-        <p:nvPr/>
-      </p:nvGrpSpPr>
-      <p:grpSpPr>
-        <a:xfrm>
-          <a:off x="0" y="0"/>
-          <a:ext cx="0" cy="0"/>
-          <a:chOff x="0" y="0"/>
-          <a:chExt cx="0" cy="0"/>
-        </a:xfrm>
-      </p:grpSpPr>
-      <p:sp>
-        <p:nvSpPr>
-          <p:cNvPr id="2" name="Title 1">
-            <a:extLst>
-              <a:ext uri="{FF2B5EF4-FFF2-40B4-BE49-F238E27FC236}">
-                <a16:creationId xmlns:a16="http://schemas.microsoft.com/office/drawing/2014/main" id="{1CC5D32F-7C18-4D00-8D54-2FB046F0A206}"/>
-              </a:ext>
-            </a:extLst>
-          </p:cNvPr>
-          <p:cNvSpPr>
-            <a:spLocks noGrp="1"/>
-          </p:cNvSpPr>
-          <p:nvPr>
-            <p:ph type="title"/>
-          </p:nvPr>
-        </p:nvSpPr>
-        <p:spPr>
-          <a:xfrm>
-            <a:off x="838200" y="518160"/>
-            <a:ext cx="10515600" cy="562928"/>
-          </a:xfrm>
-        </p:spPr>
-        <p:txBody>
-          <a:bodyPr>
-            <a:normAutofit fontScale="90000"/>
-          </a:bodyPr>
-          <a:lstStyle/>
-          <a:p>
-            <a:r>
-              <a:rPr lang="en-NZ" dirty="0"/>
-              <a:t>[Component name]: Testing </a:t>
-            </a:r>
-          </a:p>
-        </p:txBody>
-      </p:sp>
-      <p:sp>
-        <p:nvSpPr>
-          <p:cNvPr id="4" name="TextBox 3">
-            <a:extLst>
-              <a:ext uri="{FF2B5EF4-FFF2-40B4-BE49-F238E27FC236}">
-                <a16:creationId xmlns:a16="http://schemas.microsoft.com/office/drawing/2014/main" id="{8CD07A82-A944-4A9B-9A52-515DAC30878A}"/>
-              </a:ext>
-            </a:extLst>
-          </p:cNvPr>
-          <p:cNvSpPr txBox="1"/>
-          <p:nvPr/>
-        </p:nvSpPr>
-        <p:spPr>
-          <a:xfrm>
-            <a:off x="749300" y="1081088"/>
-            <a:ext cx="10693400" cy="646331"/>
-          </a:xfrm>
-          <a:prstGeom prst="rect">
-            <a:avLst/>
-          </a:prstGeom>
-          <a:noFill/>
-        </p:spPr>
-        <p:txBody>
-          <a:bodyPr wrap="square">
-            <a:spAutoFit/>
-          </a:bodyPr>
-          <a:lstStyle/>
-          <a:p>
-            <a:r>
-              <a:rPr lang="en-NZ" i="1" dirty="0"/>
-              <a:t>You must show the results of testing. For each component, include a screenshot proving it works.  You can also include notes about each test. </a:t>
-            </a:r>
-          </a:p>
-        </p:txBody>
-      </p:sp>
-    </p:spTree>
-    <p:extLst>
-      <p:ext uri="{BB962C8B-B14F-4D97-AF65-F5344CB8AC3E}">
-        <p14:creationId xmlns:p14="http://schemas.microsoft.com/office/powerpoint/2010/main" val="89592267"/>
-      </p:ext>
-    </p:extLst>
-  </p:cSld>
-  <p:clrMapOvr>
-    <a:masterClrMapping/>
-  </p:clrMapOvr>
-</p:sld>
-</file>
-
 <file path=ppt/slides/slide9.xml><?xml version="1.0" encoding="utf-8"?>
 <p:sld xmlns:a="http://schemas.openxmlformats.org/drawingml/2006/main" xmlns:r="http://schemas.openxmlformats.org/officeDocument/2006/relationships" xmlns:p="http://schemas.openxmlformats.org/presentationml/2006/main">
   <p:cSld>
@@ -8025,19 +8364,19 @@
         </p:nvSpPr>
         <p:spPr>
           <a:xfrm>
-            <a:off x="749300" y="223520"/>
-            <a:ext cx="10515600" cy="806768"/>
+            <a:off x="838200" y="518160"/>
+            <a:ext cx="10515600" cy="562928"/>
           </a:xfrm>
         </p:spPr>
         <p:txBody>
           <a:bodyPr>
-            <a:normAutofit/>
+            <a:normAutofit fontScale="90000"/>
           </a:bodyPr>
           <a:lstStyle/>
           <a:p>
             <a:r>
-              <a:rPr lang="en-NZ" sz="4000" dirty="0"/>
-              <a:t>[Component name]: Trialling </a:t>
+              <a:rPr lang="en-NZ" dirty="0"/>
+              <a:t>[Component name]: Testing </a:t>
             </a:r>
           </a:p>
         </p:txBody>
@@ -8056,8 +8395,8 @@
         </p:nvSpPr>
         <p:spPr>
           <a:xfrm>
-            <a:off x="660400" y="1030288"/>
-            <a:ext cx="10693400" cy="923330"/>
+            <a:off x="749300" y="1081088"/>
+            <a:ext cx="10693400" cy="646331"/>
           </a:xfrm>
           <a:prstGeom prst="rect">
             <a:avLst/>
@@ -8072,30 +8411,15 @@
           <a:p>
             <a:r>
               <a:rPr lang="en-NZ" i="1" dirty="0"/>
-              <a:t>NOTE: Trialling needs to happen for </a:t>
-            </a:r>
-            <a:r>
-              <a:rPr lang="en-NZ" b="1" i="1" dirty="0"/>
-              <a:t>at least 2 </a:t>
-            </a:r>
-            <a:r>
-              <a:rPr lang="en-NZ" i="1" dirty="0"/>
-              <a:t>of your components but is not necessary for ALL components.</a:t>
-            </a:r>
-          </a:p>
-          <a:p>
-            <a:r>
-              <a:rPr lang="en" i="1" dirty="0"/>
-              <a:t>Trialling is not the same as testing. Trialling is about finding different ways of building the same component. Show evidence of  your trialling  here. Select one of your trials for further development and give reasons for your choice. </a:t>
-            </a:r>
-            <a:endParaRPr lang="en-NZ" dirty="0"/>
+              <a:t>You must show the results of testing. For each component, include a screenshot proving it works.  You can also include notes about each test. </a:t>
+            </a:r>
           </a:p>
         </p:txBody>
       </p:sp>
     </p:spTree>
     <p:extLst>
       <p:ext uri="{BB962C8B-B14F-4D97-AF65-F5344CB8AC3E}">
-        <p14:creationId xmlns:p14="http://schemas.microsoft.com/office/powerpoint/2010/main" val="270828811"/>
+        <p14:creationId xmlns:p14="http://schemas.microsoft.com/office/powerpoint/2010/main" val="89592267"/>
       </p:ext>
     </p:extLst>
   </p:cSld>
@@ -8696,6 +9020,15 @@
 </file>
 
 <file path=customXml/item1.xml><?xml version="1.0" encoding="utf-8"?>
+<?mso-contentType ?>
+<FormTemplates xmlns="http://schemas.microsoft.com/sharepoint/v3/contenttype/forms">
+  <Display>DocumentLibraryForm</Display>
+  <Edit>DocumentLibraryForm</Edit>
+  <New>DocumentLibraryForm</New>
+</FormTemplates>
+</file>
+
+<file path=customXml/item2.xml><?xml version="1.0" encoding="utf-8"?>
 <ct:contentTypeSchema xmlns:ct="http://schemas.microsoft.com/office/2006/metadata/contentType" xmlns:ma="http://schemas.microsoft.com/office/2006/metadata/properties/metaAttributes" ct:_="" ma:_="" ma:contentTypeName="Document" ma:contentTypeID="0x010100B37AA4149E3FCE42B2F0D36F55263BE7" ma:contentTypeVersion="3" ma:contentTypeDescription="Create a new document." ma:contentTypeScope="" ma:versionID="f7f1c092f231b6630c24ec1f654af881">
   <xsd:schema xmlns:xsd="http://www.w3.org/2001/XMLSchema" xmlns:xs="http://www.w3.org/2001/XMLSchema" xmlns:p="http://schemas.microsoft.com/office/2006/metadata/properties" xmlns:ns2="205ad105-7c38-4030-89bf-bb8828f957ce" targetNamespace="http://schemas.microsoft.com/office/2006/metadata/properties" ma:root="true" ma:fieldsID="4b98ef4347ca2c9d6ddeb86b863b8840" ns2:_="">
     <xsd:import namespace="205ad105-7c38-4030-89bf-bb8828f957ce"/>
@@ -8833,16 +9166,15 @@
 </ct:contentTypeSchema>
 </file>
 
-<file path=customXml/item2.xml><?xml version="1.0" encoding="utf-8"?>
-<?mso-contentType ?>
-<FormTemplates xmlns="http://schemas.microsoft.com/sharepoint/v3/contenttype/forms">
-  <Display>DocumentLibraryForm</Display>
-  <Edit>DocumentLibraryForm</Edit>
-  <New>DocumentLibraryForm</New>
-</FormTemplates>
+<file path=customXml/itemProps1.xml><?xml version="1.0" encoding="utf-8"?>
+<ds:datastoreItem xmlns:ds="http://schemas.openxmlformats.org/officeDocument/2006/customXml" ds:itemID="{2025CDDF-CD31-423A-BEB8-DE00B73966BF}">
+  <ds:schemaRefs>
+    <ds:schemaRef ds:uri="http://schemas.microsoft.com/sharepoint/v3/contenttype/forms"/>
+  </ds:schemaRefs>
+</ds:datastoreItem>
 </file>
 
-<file path=customXml/itemProps1.xml><?xml version="1.0" encoding="utf-8"?>
+<file path=customXml/itemProps2.xml><?xml version="1.0" encoding="utf-8"?>
 <ds:datastoreItem xmlns:ds="http://schemas.openxmlformats.org/officeDocument/2006/customXml" ds:itemID="{F118AE1B-89AB-4E8D-A474-F3B1187AE7D6}">
   <ds:schemaRefs>
     <ds:schemaRef ds:uri="http://schemas.microsoft.com/office/2006/metadata/contentType"/>
@@ -8858,12 +9190,4 @@
     <ds:schemaRef ds:uri="http://schemas.microsoft.com/internal/obd"/>
   </ds:schemaRefs>
 </ds:datastoreItem>
-</file>
-
-<file path=customXml/itemProps2.xml><?xml version="1.0" encoding="utf-8"?>
-<ds:datastoreItem xmlns:ds="http://schemas.openxmlformats.org/officeDocument/2006/customXml" ds:itemID="{2025CDDF-CD31-423A-BEB8-DE00B73966BF}">
-  <ds:schemaRefs>
-    <ds:schemaRef ds:uri="http://schemas.microsoft.com/sharepoint/v3/contenttype/forms"/>
-  </ds:schemaRefs>
-</ds:datastoreItem>
 </file>
--- a/2.7 and 2.8 Documentation Template.pptx
+++ b/2.7 and 2.8 Documentation Template.pptx
@@ -225,7 +225,7 @@
           <a:p>
             <a:fld id="{F37D28C0-BEB6-42B0-A203-EEE1023219C4}" type="datetimeFigureOut">
               <a:rPr lang="en-NZ" smtClean="0"/>
-              <a:t>13/05/2023</a:t>
+              <a:t>15/05/2023</a:t>
             </a:fld>
             <a:endParaRPr lang="en-NZ"/>
           </a:p>
@@ -3547,7 +3547,7 @@
           <a:p>
             <a:fld id="{9C4A4F43-1C06-40E6-8F87-8B286982E50E}" type="datetimeFigureOut">
               <a:rPr lang="en-NZ" smtClean="0"/>
-              <a:t>13/05/2023</a:t>
+              <a:t>15/05/2023</a:t>
             </a:fld>
             <a:endParaRPr lang="en-NZ" dirty="0"/>
           </a:p>
@@ -3747,7 +3747,7 @@
           <a:p>
             <a:fld id="{9C4A4F43-1C06-40E6-8F87-8B286982E50E}" type="datetimeFigureOut">
               <a:rPr lang="en-NZ" smtClean="0"/>
-              <a:t>13/05/2023</a:t>
+              <a:t>15/05/2023</a:t>
             </a:fld>
             <a:endParaRPr lang="en-NZ" dirty="0"/>
           </a:p>
@@ -3957,7 +3957,7 @@
           <a:p>
             <a:fld id="{9C4A4F43-1C06-40E6-8F87-8B286982E50E}" type="datetimeFigureOut">
               <a:rPr lang="en-NZ" smtClean="0"/>
-              <a:t>13/05/2023</a:t>
+              <a:t>15/05/2023</a:t>
             </a:fld>
             <a:endParaRPr lang="en-NZ" dirty="0"/>
           </a:p>
@@ -4516,7 +4516,7 @@
           <a:p>
             <a:fld id="{9C4A4F43-1C06-40E6-8F87-8B286982E50E}" type="datetimeFigureOut">
               <a:rPr lang="en-NZ" smtClean="0"/>
-              <a:t>13/05/2023</a:t>
+              <a:t>15/05/2023</a:t>
             </a:fld>
             <a:endParaRPr lang="en-NZ" dirty="0"/>
           </a:p>
@@ -4792,7 +4792,7 @@
           <a:p>
             <a:fld id="{9C4A4F43-1C06-40E6-8F87-8B286982E50E}" type="datetimeFigureOut">
               <a:rPr lang="en-NZ" smtClean="0"/>
-              <a:t>13/05/2023</a:t>
+              <a:t>15/05/2023</a:t>
             </a:fld>
             <a:endParaRPr lang="en-NZ" dirty="0"/>
           </a:p>
@@ -5060,7 +5060,7 @@
           <a:p>
             <a:fld id="{9C4A4F43-1C06-40E6-8F87-8B286982E50E}" type="datetimeFigureOut">
               <a:rPr lang="en-NZ" smtClean="0"/>
-              <a:t>13/05/2023</a:t>
+              <a:t>15/05/2023</a:t>
             </a:fld>
             <a:endParaRPr lang="en-NZ" dirty="0"/>
           </a:p>
@@ -5475,7 +5475,7 @@
           <a:p>
             <a:fld id="{9C4A4F43-1C06-40E6-8F87-8B286982E50E}" type="datetimeFigureOut">
               <a:rPr lang="en-NZ" smtClean="0"/>
-              <a:t>13/05/2023</a:t>
+              <a:t>15/05/2023</a:t>
             </a:fld>
             <a:endParaRPr lang="en-NZ" dirty="0"/>
           </a:p>
@@ -5617,7 +5617,7 @@
           <a:p>
             <a:fld id="{9C4A4F43-1C06-40E6-8F87-8B286982E50E}" type="datetimeFigureOut">
               <a:rPr lang="en-NZ" smtClean="0"/>
-              <a:t>13/05/2023</a:t>
+              <a:t>15/05/2023</a:t>
             </a:fld>
             <a:endParaRPr lang="en-NZ" dirty="0"/>
           </a:p>
@@ -5730,7 +5730,7 @@
           <a:p>
             <a:fld id="{9C4A4F43-1C06-40E6-8F87-8B286982E50E}" type="datetimeFigureOut">
               <a:rPr lang="en-NZ" smtClean="0"/>
-              <a:t>13/05/2023</a:t>
+              <a:t>15/05/2023</a:t>
             </a:fld>
             <a:endParaRPr lang="en-NZ" dirty="0"/>
           </a:p>
@@ -6043,7 +6043,7 @@
           <a:p>
             <a:fld id="{9C4A4F43-1C06-40E6-8F87-8B286982E50E}" type="datetimeFigureOut">
               <a:rPr lang="en-NZ" smtClean="0"/>
-              <a:t>13/05/2023</a:t>
+              <a:t>15/05/2023</a:t>
             </a:fld>
             <a:endParaRPr lang="en-NZ" dirty="0"/>
           </a:p>
@@ -6332,7 +6332,7 @@
           <a:p>
             <a:fld id="{9C4A4F43-1C06-40E6-8F87-8B286982E50E}" type="datetimeFigureOut">
               <a:rPr lang="en-NZ" smtClean="0"/>
-              <a:t>13/05/2023</a:t>
+              <a:t>15/05/2023</a:t>
             </a:fld>
             <a:endParaRPr lang="en-NZ" dirty="0"/>
           </a:p>
@@ -6575,7 +6575,7 @@
           <a:p>
             <a:fld id="{9C4A4F43-1C06-40E6-8F87-8B286982E50E}" type="datetimeFigureOut">
               <a:rPr lang="en-NZ" smtClean="0"/>
-              <a:t>13/05/2023</a:t>
+              <a:t>15/05/2023</a:t>
             </a:fld>
             <a:endParaRPr lang="en-NZ" dirty="0"/>
           </a:p>
@@ -7684,7 +7684,7 @@
           <p:nvPr>
             <p:extLst>
               <p:ext uri="{D42A27DB-BD31-4B8C-83A1-F6EECF244321}">
-                <p14:modId xmlns:p14="http://schemas.microsoft.com/office/powerpoint/2010/main" val="2835265495"/>
+                <p14:modId xmlns:p14="http://schemas.microsoft.com/office/powerpoint/2010/main" val="4161732011"/>
               </p:ext>
             </p:extLst>
           </p:nvPr>
@@ -7822,10 +7822,9 @@
                         <a:buNone/>
                       </a:pPr>
                       <a:r>
-                        <a:rPr lang="en-US" sz="1100" err="1"/>
-                        <a:t>Asdas</a:t>
+                        <a:rPr lang="en-US" sz="1100" dirty="0"/>
+                        <a:t>Adds name to dictionary</a:t>
                       </a:r>
-                      <a:endParaRPr lang="en-US" sz="1100"/>
                     </a:p>
                   </a:txBody>
                   <a:tcPr marL="139274" marR="139274" marT="139274" marB="139274"/>
@@ -7872,28 +7871,27 @@
                     <a:bodyPr/>
                     <a:lstStyle/>
                     <a:p>
-                      <a:pPr marL="0" marR="0" lvl="0" indent="0" algn="l" defTabSz="914400" rtl="0" eaLnBrk="1" fontAlgn="auto" latinLnBrk="0" hangingPunct="1">
-                        <a:lnSpc>
-                          <a:spcPct val="100000"/>
-                        </a:lnSpc>
+                      <a:pPr marL="0" lvl="0" indent="0" algn="l">
                         <a:spcBef>
                           <a:spcPts val="0"/>
                         </a:spcBef>
                         <a:spcAft>
                           <a:spcPts val="0"/>
                         </a:spcAft>
-                        <a:buClrTx/>
-                        <a:buSzTx/>
-                        <a:buFontTx/>
                         <a:buNone/>
-                        <a:tabLst/>
-                        <a:defRPr/>
                       </a:pPr>
                       <a:r>
-                        <a:rPr lang="en-US" sz="1100" err="1"/>
-                        <a:t>Asdsad</a:t>
+                        <a:rPr lang="en-US" sz="1100" dirty="0"/>
+                        <a:t>Adds Strength </a:t>
                       </a:r>
-                      <a:endParaRPr lang="en-US" sz="1100"/>
+                      <a:r>
+                        <a:rPr lang="en-US" sz="1100"/>
+                        <a:t>satt</a:t>
+                      </a:r>
+                      <a:r>
+                        <a:rPr lang="en-US" sz="1100" dirty="0"/>
+                        <a:t> to dictionary</a:t>
+                      </a:r>
                     </a:p>
                   </a:txBody>
                   <a:tcPr marL="139273" marR="139273" marT="139273" marB="139273"/>
@@ -7940,28 +7938,19 @@
                     <a:bodyPr/>
                     <a:lstStyle/>
                     <a:p>
-                      <a:pPr marL="0" marR="0" lvl="0" indent="0" algn="l" defTabSz="914400" rtl="0" eaLnBrk="1" fontAlgn="auto" latinLnBrk="0" hangingPunct="1">
-                        <a:lnSpc>
-                          <a:spcPct val="100000"/>
-                        </a:lnSpc>
+                      <a:pPr marL="0" lvl="0" indent="0" algn="l">
                         <a:spcBef>
                           <a:spcPts val="0"/>
                         </a:spcBef>
                         <a:spcAft>
                           <a:spcPts val="0"/>
                         </a:spcAft>
-                        <a:buClrTx/>
-                        <a:buSzTx/>
-                        <a:buFontTx/>
                         <a:buNone/>
-                        <a:tabLst/>
-                        <a:defRPr/>
                       </a:pPr>
                       <a:r>
-                        <a:rPr lang="en-US" sz="1200" err="1"/>
-                        <a:t>Asdasdasd</a:t>
+                        <a:rPr lang="en-US" sz="1200" dirty="0"/>
+                        <a:t>Adds Speed stat to dictionary</a:t>
                       </a:r>
-                      <a:endParaRPr lang="en-US" sz="1200"/>
                     </a:p>
                   </a:txBody>
                   <a:tcPr marL="139272" marR="139272" marT="139272" marB="139272"/>
@@ -8009,28 +7998,19 @@
                     <a:bodyPr/>
                     <a:lstStyle/>
                     <a:p>
-                      <a:pPr marL="0" marR="0" lvl="0" indent="0" algn="l" defTabSz="914400" rtl="0" eaLnBrk="1" fontAlgn="auto" latinLnBrk="0" hangingPunct="1">
-                        <a:lnSpc>
-                          <a:spcPct val="100000"/>
-                        </a:lnSpc>
+                      <a:pPr marL="0" lvl="0" indent="0" algn="l">
                         <a:spcBef>
                           <a:spcPts val="0"/>
                         </a:spcBef>
                         <a:spcAft>
                           <a:spcPts val="0"/>
                         </a:spcAft>
-                        <a:buClrTx/>
-                        <a:buSzTx/>
-                        <a:buFontTx/>
                         <a:buNone/>
-                        <a:tabLst/>
-                        <a:defRPr/>
                       </a:pPr>
                       <a:r>
-                        <a:rPr lang="en-US" sz="1100" err="1"/>
-                        <a:t>Asdasdas</a:t>
+                        <a:rPr lang="en-US" sz="1100" dirty="0"/>
+                        <a:t>Adds Stealth stat to dictionary</a:t>
                       </a:r>
-                      <a:endParaRPr lang="en-US" sz="1100"/>
                     </a:p>
                   </a:txBody>
                   <a:tcPr marL="139272" marR="139272" marT="139272" marB="139272"/>
@@ -8077,28 +8057,19 @@
                     <a:bodyPr/>
                     <a:lstStyle/>
                     <a:p>
-                      <a:pPr marL="0" marR="0" lvl="0" indent="0" algn="l" defTabSz="914400" rtl="0" eaLnBrk="1" fontAlgn="auto" latinLnBrk="0" hangingPunct="1">
-                        <a:lnSpc>
-                          <a:spcPct val="100000"/>
-                        </a:lnSpc>
+                      <a:pPr marL="0" lvl="0" indent="0" algn="l">
                         <a:spcBef>
                           <a:spcPts val="0"/>
                         </a:spcBef>
                         <a:spcAft>
                           <a:spcPts val="0"/>
                         </a:spcAft>
-                        <a:buClrTx/>
-                        <a:buSzTx/>
-                        <a:buFontTx/>
                         <a:buNone/>
-                        <a:tabLst/>
-                        <a:defRPr/>
                       </a:pPr>
                       <a:r>
-                        <a:rPr lang="en-US" sz="1200" err="1"/>
-                        <a:t>asdsadasdasd</a:t>
+                        <a:rPr lang="en-US" sz="1200" dirty="0"/>
+                        <a:t>Adds Cunning stat to dictionary</a:t>
                       </a:r>
-                      <a:endParaRPr lang="en-US" sz="1200"/>
                     </a:p>
                   </a:txBody>
                   <a:tcPr marL="139272" marR="139272" marT="139272" marB="139272"/>
@@ -16868,15 +16839,6 @@
 </file>
 
 <file path=customXml/item1.xml><?xml version="1.0" encoding="utf-8"?>
-<?mso-contentType ?>
-<FormTemplates xmlns="http://schemas.microsoft.com/sharepoint/v3/contenttype/forms">
-  <Display>DocumentLibraryForm</Display>
-  <Edit>DocumentLibraryForm</Edit>
-  <New>DocumentLibraryForm</New>
-</FormTemplates>
-</file>
-
-<file path=customXml/item2.xml><?xml version="1.0" encoding="utf-8"?>
 <ct:contentTypeSchema xmlns:ct="http://schemas.microsoft.com/office/2006/metadata/contentType" xmlns:ma="http://schemas.microsoft.com/office/2006/metadata/properties/metaAttributes" ct:_="" ma:_="" ma:contentTypeName="Document" ma:contentTypeID="0x010100B37AA4149E3FCE42B2F0D36F55263BE7" ma:contentTypeVersion="3" ma:contentTypeDescription="Create a new document." ma:contentTypeScope="" ma:versionID="f7f1c092f231b6630c24ec1f654af881">
   <xsd:schema xmlns:xsd="http://www.w3.org/2001/XMLSchema" xmlns:xs="http://www.w3.org/2001/XMLSchema" xmlns:p="http://schemas.microsoft.com/office/2006/metadata/properties" xmlns:ns2="205ad105-7c38-4030-89bf-bb8828f957ce" targetNamespace="http://schemas.microsoft.com/office/2006/metadata/properties" ma:root="true" ma:fieldsID="4b98ef4347ca2c9d6ddeb86b863b8840" ns2:_="">
     <xsd:import namespace="205ad105-7c38-4030-89bf-bb8828f957ce"/>
@@ -17014,15 +16976,16 @@
 </ct:contentTypeSchema>
 </file>
 
-<file path=customXml/itemProps1.xml><?xml version="1.0" encoding="utf-8"?>
-<ds:datastoreItem xmlns:ds="http://schemas.openxmlformats.org/officeDocument/2006/customXml" ds:itemID="{2025CDDF-CD31-423A-BEB8-DE00B73966BF}">
-  <ds:schemaRefs>
-    <ds:schemaRef ds:uri="http://schemas.microsoft.com/sharepoint/v3/contenttype/forms"/>
-  </ds:schemaRefs>
-</ds:datastoreItem>
+<file path=customXml/item2.xml><?xml version="1.0" encoding="utf-8"?>
+<?mso-contentType ?>
+<FormTemplates xmlns="http://schemas.microsoft.com/sharepoint/v3/contenttype/forms">
+  <Display>DocumentLibraryForm</Display>
+  <Edit>DocumentLibraryForm</Edit>
+  <New>DocumentLibraryForm</New>
+</FormTemplates>
 </file>
 
-<file path=customXml/itemProps2.xml><?xml version="1.0" encoding="utf-8"?>
+<file path=customXml/itemProps1.xml><?xml version="1.0" encoding="utf-8"?>
 <ds:datastoreItem xmlns:ds="http://schemas.openxmlformats.org/officeDocument/2006/customXml" ds:itemID="{F118AE1B-89AB-4E8D-A474-F3B1187AE7D6}">
   <ds:schemaRefs>
     <ds:schemaRef ds:uri="http://schemas.microsoft.com/office/2006/metadata/contentType"/>
@@ -17038,4 +17001,12 @@
     <ds:schemaRef ds:uri="http://schemas.microsoft.com/internal/obd"/>
   </ds:schemaRefs>
 </ds:datastoreItem>
+</file>
+
+<file path=customXml/itemProps2.xml><?xml version="1.0" encoding="utf-8"?>
+<ds:datastoreItem xmlns:ds="http://schemas.openxmlformats.org/officeDocument/2006/customXml" ds:itemID="{2025CDDF-CD31-423A-BEB8-DE00B73966BF}">
+  <ds:schemaRefs>
+    <ds:schemaRef ds:uri="http://schemas.microsoft.com/sharepoint/v3/contenttype/forms"/>
+  </ds:schemaRefs>
+</ds:datastoreItem>
 </file>
--- a/2.7 and 2.8 Documentation Template.pptx
+++ b/2.7 and 2.8 Documentation Template.pptx
@@ -225,7 +225,7 @@
           <a:p>
             <a:fld id="{F37D28C0-BEB6-42B0-A203-EEE1023219C4}" type="datetimeFigureOut">
               <a:rPr lang="en-NZ" smtClean="0"/>
-              <a:t>15/05/2023</a:t>
+              <a:t>25/05/2023</a:t>
             </a:fld>
             <a:endParaRPr lang="en-NZ"/>
           </a:p>
@@ -3547,7 +3547,7 @@
           <a:p>
             <a:fld id="{9C4A4F43-1C06-40E6-8F87-8B286982E50E}" type="datetimeFigureOut">
               <a:rPr lang="en-NZ" smtClean="0"/>
-              <a:t>15/05/2023</a:t>
+              <a:t>25/05/2023</a:t>
             </a:fld>
             <a:endParaRPr lang="en-NZ" dirty="0"/>
           </a:p>
@@ -3747,7 +3747,7 @@
           <a:p>
             <a:fld id="{9C4A4F43-1C06-40E6-8F87-8B286982E50E}" type="datetimeFigureOut">
               <a:rPr lang="en-NZ" smtClean="0"/>
-              <a:t>15/05/2023</a:t>
+              <a:t>25/05/2023</a:t>
             </a:fld>
             <a:endParaRPr lang="en-NZ" dirty="0"/>
           </a:p>
@@ -3957,7 +3957,7 @@
           <a:p>
             <a:fld id="{9C4A4F43-1C06-40E6-8F87-8B286982E50E}" type="datetimeFigureOut">
               <a:rPr lang="en-NZ" smtClean="0"/>
-              <a:t>15/05/2023</a:t>
+              <a:t>25/05/2023</a:t>
             </a:fld>
             <a:endParaRPr lang="en-NZ" dirty="0"/>
           </a:p>
@@ -4516,7 +4516,7 @@
           <a:p>
             <a:fld id="{9C4A4F43-1C06-40E6-8F87-8B286982E50E}" type="datetimeFigureOut">
               <a:rPr lang="en-NZ" smtClean="0"/>
-              <a:t>15/05/2023</a:t>
+              <a:t>25/05/2023</a:t>
             </a:fld>
             <a:endParaRPr lang="en-NZ" dirty="0"/>
           </a:p>
@@ -4792,7 +4792,7 @@
           <a:p>
             <a:fld id="{9C4A4F43-1C06-40E6-8F87-8B286982E50E}" type="datetimeFigureOut">
               <a:rPr lang="en-NZ" smtClean="0"/>
-              <a:t>15/05/2023</a:t>
+              <a:t>25/05/2023</a:t>
             </a:fld>
             <a:endParaRPr lang="en-NZ" dirty="0"/>
           </a:p>
@@ -5060,7 +5060,7 @@
           <a:p>
             <a:fld id="{9C4A4F43-1C06-40E6-8F87-8B286982E50E}" type="datetimeFigureOut">
               <a:rPr lang="en-NZ" smtClean="0"/>
-              <a:t>15/05/2023</a:t>
+              <a:t>25/05/2023</a:t>
             </a:fld>
             <a:endParaRPr lang="en-NZ" dirty="0"/>
           </a:p>
@@ -5475,7 +5475,7 @@
           <a:p>
             <a:fld id="{9C4A4F43-1C06-40E6-8F87-8B286982E50E}" type="datetimeFigureOut">
               <a:rPr lang="en-NZ" smtClean="0"/>
-              <a:t>15/05/2023</a:t>
+              <a:t>25/05/2023</a:t>
             </a:fld>
             <a:endParaRPr lang="en-NZ" dirty="0"/>
           </a:p>
@@ -5617,7 +5617,7 @@
           <a:p>
             <a:fld id="{9C4A4F43-1C06-40E6-8F87-8B286982E50E}" type="datetimeFigureOut">
               <a:rPr lang="en-NZ" smtClean="0"/>
-              <a:t>15/05/2023</a:t>
+              <a:t>25/05/2023</a:t>
             </a:fld>
             <a:endParaRPr lang="en-NZ" dirty="0"/>
           </a:p>
@@ -5730,7 +5730,7 @@
           <a:p>
             <a:fld id="{9C4A4F43-1C06-40E6-8F87-8B286982E50E}" type="datetimeFigureOut">
               <a:rPr lang="en-NZ" smtClean="0"/>
-              <a:t>15/05/2023</a:t>
+              <a:t>25/05/2023</a:t>
             </a:fld>
             <a:endParaRPr lang="en-NZ" dirty="0"/>
           </a:p>
@@ -6043,7 +6043,7 @@
           <a:p>
             <a:fld id="{9C4A4F43-1C06-40E6-8F87-8B286982E50E}" type="datetimeFigureOut">
               <a:rPr lang="en-NZ" smtClean="0"/>
-              <a:t>15/05/2023</a:t>
+              <a:t>25/05/2023</a:t>
             </a:fld>
             <a:endParaRPr lang="en-NZ" dirty="0"/>
           </a:p>
@@ -6332,7 +6332,7 @@
           <a:p>
             <a:fld id="{9C4A4F43-1C06-40E6-8F87-8B286982E50E}" type="datetimeFigureOut">
               <a:rPr lang="en-NZ" smtClean="0"/>
-              <a:t>15/05/2023</a:t>
+              <a:t>25/05/2023</a:t>
             </a:fld>
             <a:endParaRPr lang="en-NZ" dirty="0"/>
           </a:p>
@@ -6575,7 +6575,7 @@
           <a:p>
             <a:fld id="{9C4A4F43-1C06-40E6-8F87-8B286982E50E}" type="datetimeFigureOut">
               <a:rPr lang="en-NZ" smtClean="0"/>
-              <a:t>15/05/2023</a:t>
+              <a:t>25/05/2023</a:t>
             </a:fld>
             <a:endParaRPr lang="en-NZ" dirty="0"/>
           </a:p>
@@ -7684,7 +7684,7 @@
           <p:nvPr>
             <p:extLst>
               <p:ext uri="{D42A27DB-BD31-4B8C-83A1-F6EECF244321}">
-                <p14:modId xmlns:p14="http://schemas.microsoft.com/office/powerpoint/2010/main" val="4161732011"/>
+                <p14:modId xmlns:p14="http://schemas.microsoft.com/office/powerpoint/2010/main" val="3915294364"/>
               </p:ext>
             </p:extLst>
           </p:nvPr>
@@ -7882,15 +7882,7 @@
                       </a:pPr>
                       <a:r>
                         <a:rPr lang="en-US" sz="1100" dirty="0"/>
-                        <a:t>Adds Strength </a:t>
-                      </a:r>
-                      <a:r>
-                        <a:rPr lang="en-US" sz="1100"/>
-                        <a:t>satt</a:t>
-                      </a:r>
-                      <a:r>
-                        <a:rPr lang="en-US" sz="1100" dirty="0"/>
-                        <a:t> to dictionary</a:t>
+                        <a:t>Adds Strength stat to dictionary</a:t>
                       </a:r>
                     </a:p>
                   </a:txBody>
@@ -13432,14 +13424,14 @@
           <p:nvPr>
             <p:extLst>
               <p:ext uri="{D42A27DB-BD31-4B8C-83A1-F6EECF244321}">
-                <p14:modId xmlns:p14="http://schemas.microsoft.com/office/powerpoint/2010/main" val="314179954"/>
+                <p14:modId xmlns:p14="http://schemas.microsoft.com/office/powerpoint/2010/main" val="312555887"/>
               </p:ext>
             </p:extLst>
           </p:nvPr>
         </p:nvGraphicFramePr>
         <p:xfrm>
           <a:off x="782320" y="1213485"/>
-          <a:ext cx="10627360" cy="1854200"/>
+          <a:ext cx="10627360" cy="2260600"/>
         </p:xfrm>
         <a:graphic>
           <a:graphicData uri="http://schemas.openxmlformats.org/drawingml/2006/table">
@@ -13510,7 +13502,12 @@
                     <a:bodyPr/>
                     <a:lstStyle/>
                     <a:p>
-                      <a:endParaRPr lang="en-NZ" dirty="0"/>
+                      <a:r>
+                        <a:rPr lang="en-NZ" sz="2500" b="1" dirty="0">
+                          <a:latin typeface="Bahnschrift Light" panose="020B0502040204020203" pitchFamily="34" charset="0"/>
+                        </a:rPr>
+                        <a:t>Usability</a:t>
+                      </a:r>
                     </a:p>
                   </a:txBody>
                   <a:tcPr/>
@@ -13537,7 +13534,12 @@
                     <a:bodyPr/>
                     <a:lstStyle/>
                     <a:p>
-                      <a:endParaRPr lang="en-NZ" dirty="0"/>
+                      <a:r>
+                        <a:rPr lang="en-NZ" sz="2500" b="1" dirty="0">
+                          <a:latin typeface="Bahnschrift Light" panose="020B0502040204020203" pitchFamily="34" charset="0"/>
+                        </a:rPr>
+                        <a:t>Functionality</a:t>
+                      </a:r>
                     </a:p>
                   </a:txBody>
                   <a:tcPr/>
@@ -13564,7 +13566,27 @@
                     <a:bodyPr/>
                     <a:lstStyle/>
                     <a:p>
-                      <a:endParaRPr lang="en-NZ" dirty="0"/>
+                      <a:pPr lvl="0" algn="l">
+                        <a:lnSpc>
+                          <a:spcPct val="100000"/>
+                        </a:lnSpc>
+                        <a:spcBef>
+                          <a:spcPts val="0"/>
+                        </a:spcBef>
+                        <a:spcAft>
+                          <a:spcPts val="0"/>
+                        </a:spcAft>
+                        <a:buNone/>
+                      </a:pPr>
+                      <a:r>
+                        <a:rPr lang="en-NZ" sz="2500" b="1" i="0" u="none" strike="noStrike" noProof="0" dirty="0">
+                          <a:latin typeface="Bahnschrift Light" panose="020B0502040204020203" pitchFamily="34" charset="0"/>
+                        </a:rPr>
+                        <a:t>Future proofing</a:t>
+                      </a:r>
+                      <a:endParaRPr lang="en-US" sz="2500" b="1" dirty="0">
+                        <a:latin typeface="Bahnschrift Light" panose="020B0502040204020203" pitchFamily="34" charset="0"/>
+                      </a:endParaRPr>
                     </a:p>
                   </a:txBody>
                   <a:tcPr/>
@@ -13591,7 +13613,27 @@
                     <a:bodyPr/>
                     <a:lstStyle/>
                     <a:p>
-                      <a:endParaRPr lang="en-NZ" dirty="0"/>
+                      <a:pPr lvl="0" algn="l">
+                        <a:lnSpc>
+                          <a:spcPct val="100000"/>
+                        </a:lnSpc>
+                        <a:spcBef>
+                          <a:spcPts val="0"/>
+                        </a:spcBef>
+                        <a:spcAft>
+                          <a:spcPts val="0"/>
+                        </a:spcAft>
+                        <a:buNone/>
+                      </a:pPr>
+                      <a:r>
+                        <a:rPr lang="en-NZ" sz="2500" b="1" i="0" u="none" strike="noStrike" noProof="0" dirty="0">
+                          <a:latin typeface="Bahnschrift Light" panose="020B0502040204020203" pitchFamily="34" charset="0"/>
+                        </a:rPr>
+                        <a:t>Aesthetics</a:t>
+                      </a:r>
+                      <a:endParaRPr lang="en-US" sz="2500" b="1" dirty="0">
+                        <a:latin typeface="Bahnschrift Light" panose="020B0502040204020203" pitchFamily="34" charset="0"/>
+                      </a:endParaRPr>
                     </a:p>
                   </a:txBody>
                   <a:tcPr/>
@@ -15874,10 +15916,10 @@
                         <a:buNone/>
                       </a:pPr>
                       <a:r>
-                        <a:rPr lang="en" sz="2700" b="1"/>
+                        <a:rPr lang="en" sz="2700" b="1" dirty="0"/>
                         <a:t>Test Cases - input</a:t>
                       </a:r>
-                      <a:endParaRPr sz="2700" b="1"/>
+                      <a:endParaRPr sz="2700" b="1" dirty="0"/>
                     </a:p>
                   </a:txBody>
                   <a:tcPr marL="136823" marR="136823" marT="136823" marB="136823">
@@ -16113,7 +16155,7 @@
                         <a:buNone/>
                       </a:pPr>
                       <a:r>
-                        <a:rPr lang="en-US" sz="1800" b="0" i="0" u="none" strike="noStrike" noProof="0">
+                        <a:rPr lang="en-US" sz="1800" b="0" i="0" u="none" strike="noStrike" noProof="0" dirty="0">
                           <a:solidFill>
                             <a:schemeClr val="tx1"/>
                           </a:solidFill>
@@ -16121,7 +16163,7 @@
                         </a:rPr>
                         <a:t>Thanks for playing with The Monster Cards</a:t>
                       </a:r>
-                      <a:endParaRPr lang="en-US" sz="3300" b="0">
+                      <a:endParaRPr lang="en-US" sz="3300" b="0" dirty="0">
                         <a:solidFill>
                           <a:schemeClr val="tx1"/>
                         </a:solidFill>
@@ -16194,9 +16236,10 @@
           <a:lstStyle/>
           <a:p>
             <a:r>
-              <a:rPr lang="en-NZ" dirty="0"/>
+              <a:rPr lang="en-NZ"/>
               <a:t>[Welcome]: Testing </a:t>
             </a:r>
+            <a:endParaRPr lang="en-NZ" dirty="0"/>
           </a:p>
         </p:txBody>
       </p:sp>
@@ -16229,9 +16272,862 @@
           <a:lstStyle/>
           <a:p>
             <a:r>
-              <a:rPr lang="en-NZ" i="1" dirty="0"/>
+              <a:rPr lang="en-NZ" i="1"/>
               <a:t>You must show the results of testing. For each component, include a screenshot proving it works.  You can also include notes about each test. </a:t>
             </a:r>
+            <a:endParaRPr lang="en-NZ" i="1" dirty="0"/>
+          </a:p>
+        </p:txBody>
+      </p:sp>
+      <p:graphicFrame>
+        <p:nvGraphicFramePr>
+          <p:cNvPr id="3" name="Google Shape;92;p19">
+            <a:extLst>
+              <a:ext uri="{FF2B5EF4-FFF2-40B4-BE49-F238E27FC236}">
+                <a16:creationId xmlns:a16="http://schemas.microsoft.com/office/drawing/2014/main" id="{769D7784-9B4E-6D2D-B3B0-78E10074B1A8}"/>
+              </a:ext>
+            </a:extLst>
+          </p:cNvPr>
+          <p:cNvGraphicFramePr/>
+          <p:nvPr>
+            <p:extLst>
+              <p:ext uri="{D42A27DB-BD31-4B8C-83A1-F6EECF244321}">
+                <p14:modId xmlns:p14="http://schemas.microsoft.com/office/powerpoint/2010/main" val="2096291770"/>
+              </p:ext>
+            </p:extLst>
+          </p:nvPr>
+        </p:nvGraphicFramePr>
+        <p:xfrm>
+          <a:off x="231493" y="3320706"/>
+          <a:ext cx="5428527" cy="3329766"/>
+        </p:xfrm>
+        <a:graphic>
+          <a:graphicData uri="http://schemas.openxmlformats.org/drawingml/2006/table">
+            <a:tbl>
+              <a:tblPr firstRow="1" bandRow="1">
+                <a:noFill/>
+              </a:tblPr>
+              <a:tblGrid>
+                <a:gridCol w="2846909">
+                  <a:extLst>
+                    <a:ext uri="{9D8B030D-6E8A-4147-A177-3AD203B41FA5}">
+                      <a16:colId xmlns:a16="http://schemas.microsoft.com/office/drawing/2014/main" val="20000"/>
+                    </a:ext>
+                  </a:extLst>
+                </a:gridCol>
+                <a:gridCol w="2581618">
+                  <a:extLst>
+                    <a:ext uri="{9D8B030D-6E8A-4147-A177-3AD203B41FA5}">
+                      <a16:colId xmlns:a16="http://schemas.microsoft.com/office/drawing/2014/main" val="20001"/>
+                    </a:ext>
+                  </a:extLst>
+                </a:gridCol>
+              </a:tblGrid>
+              <a:tr h="339445">
+                <a:tc>
+                  <a:txBody>
+                    <a:bodyPr/>
+                    <a:lstStyle/>
+                    <a:p>
+                      <a:pPr marL="0" lvl="0" indent="0" algn="l" rtl="0">
+                        <a:spcBef>
+                          <a:spcPts val="0"/>
+                        </a:spcBef>
+                        <a:spcAft>
+                          <a:spcPts val="0"/>
+                        </a:spcAft>
+                        <a:buNone/>
+                      </a:pPr>
+                      <a:r>
+                        <a:rPr lang="en" sz="2400" b="1" dirty="0"/>
+                        <a:t>Test Cases - input</a:t>
+                      </a:r>
+                      <a:endParaRPr sz="2400" b="1" dirty="0"/>
+                    </a:p>
+                  </a:txBody>
+                  <a:tcPr marL="136823" marR="136823" marT="136823" marB="136823">
+                    <a:solidFill>
+                      <a:srgbClr val="CCCCCC"/>
+                    </a:solidFill>
+                  </a:tcPr>
+                </a:tc>
+                <a:tc>
+                  <a:txBody>
+                    <a:bodyPr/>
+                    <a:lstStyle/>
+                    <a:p>
+                      <a:pPr marL="0" lvl="0" indent="0" algn="l" rtl="0">
+                        <a:spcBef>
+                          <a:spcPts val="0"/>
+                        </a:spcBef>
+                        <a:spcAft>
+                          <a:spcPts val="0"/>
+                        </a:spcAft>
+                        <a:buNone/>
+                      </a:pPr>
+                      <a:r>
+                        <a:rPr lang="en" sz="2400" b="1" dirty="0"/>
+                        <a:t>Expected output</a:t>
+                      </a:r>
+                      <a:endParaRPr sz="2400" b="1" dirty="0"/>
+                    </a:p>
+                  </a:txBody>
+                  <a:tcPr marL="136823" marR="136823" marT="136823" marB="136823">
+                    <a:solidFill>
+                      <a:srgbClr val="CCCCCC"/>
+                    </a:solidFill>
+                  </a:tcPr>
+                </a:tc>
+                <a:extLst>
+                  <a:ext uri="{0D108BD9-81ED-4DB2-BD59-A6C34878D82A}">
+                    <a16:rowId xmlns:a16="http://schemas.microsoft.com/office/drawing/2014/main" val="10000"/>
+                  </a:ext>
+                </a:extLst>
+              </a:tr>
+              <a:tr h="0">
+                <a:tc>
+                  <a:txBody>
+                    <a:bodyPr/>
+                    <a:lstStyle/>
+                    <a:p>
+                      <a:pPr lvl="0" algn="l">
+                        <a:lnSpc>
+                          <a:spcPct val="100000"/>
+                        </a:lnSpc>
+                        <a:spcBef>
+                          <a:spcPts val="0"/>
+                        </a:spcBef>
+                        <a:spcAft>
+                          <a:spcPts val="0"/>
+                        </a:spcAft>
+                        <a:buNone/>
+                      </a:pPr>
+                      <a:r>
+                        <a:rPr lang="en-US" sz="1500" b="1" i="0" u="none" strike="noStrike" noProof="0" dirty="0">
+                          <a:solidFill>
+                            <a:srgbClr val="6A8759"/>
+                          </a:solidFill>
+                          <a:latin typeface="Consolas"/>
+                        </a:rPr>
+                        <a:t>Add MONSTER</a:t>
+                      </a:r>
+                    </a:p>
+                  </a:txBody>
+                  <a:tcPr marL="221996" marR="221996" marT="221996" marB="221996"/>
+                </a:tc>
+                <a:tc>
+                  <a:txBody>
+                    <a:bodyPr/>
+                    <a:lstStyle/>
+                    <a:p>
+                      <a:pPr lvl="0" algn="l">
+                        <a:lnSpc>
+                          <a:spcPct val="100000"/>
+                        </a:lnSpc>
+                        <a:spcBef>
+                          <a:spcPts val="0"/>
+                        </a:spcBef>
+                        <a:spcAft>
+                          <a:spcPts val="0"/>
+                        </a:spcAft>
+                        <a:buNone/>
+                      </a:pPr>
+                      <a:r>
+                        <a:rPr lang="en-US" sz="1100" b="0" i="0" u="none" strike="noStrike" noProof="0" dirty="0" err="1">
+                          <a:solidFill>
+                            <a:schemeClr val="tx1"/>
+                          </a:solidFill>
+                          <a:latin typeface="Consolas"/>
+                        </a:rPr>
+                        <a:t>add_monster</a:t>
+                      </a:r>
+                      <a:r>
+                        <a:rPr lang="en-US" sz="1100" b="0" i="0" u="none" strike="noStrike" noProof="0" dirty="0">
+                          <a:solidFill>
+                            <a:schemeClr val="tx1"/>
+                          </a:solidFill>
+                          <a:latin typeface="Consolas"/>
+                        </a:rPr>
+                        <a:t>()</a:t>
+                      </a:r>
+                      <a:endParaRPr lang="en-US" sz="1100" dirty="0">
+                        <a:solidFill>
+                          <a:schemeClr val="tx1"/>
+                        </a:solidFill>
+                      </a:endParaRPr>
+                    </a:p>
+                  </a:txBody>
+                  <a:tcPr marL="221996" marR="221996" marT="221996" marB="221996"/>
+                </a:tc>
+                <a:extLst>
+                  <a:ext uri="{0D108BD9-81ED-4DB2-BD59-A6C34878D82A}">
+                    <a16:rowId xmlns:a16="http://schemas.microsoft.com/office/drawing/2014/main" val="10001"/>
+                  </a:ext>
+                </a:extLst>
+              </a:tr>
+              <a:tr h="0">
+                <a:tc>
+                  <a:txBody>
+                    <a:bodyPr/>
+                    <a:lstStyle/>
+                    <a:p>
+                      <a:pPr lvl="0" algn="l">
+                        <a:lnSpc>
+                          <a:spcPct val="100000"/>
+                        </a:lnSpc>
+                        <a:spcBef>
+                          <a:spcPts val="0"/>
+                        </a:spcBef>
+                        <a:spcAft>
+                          <a:spcPts val="0"/>
+                        </a:spcAft>
+                        <a:buNone/>
+                      </a:pPr>
+                      <a:r>
+                        <a:rPr kumimoji="0" lang="en-US" sz="1500" b="1" i="0" u="none" strike="noStrike" kern="1200" cap="none" spc="0" normalizeH="0" baseline="0" noProof="0" dirty="0">
+                          <a:ln>
+                            <a:noFill/>
+                          </a:ln>
+                          <a:solidFill>
+                            <a:srgbClr val="6A8759"/>
+                          </a:solidFill>
+                          <a:effectLst/>
+                          <a:uLnTx/>
+                          <a:uFillTx/>
+                          <a:latin typeface="Consolas"/>
+                          <a:ea typeface="+mn-ea"/>
+                          <a:cs typeface="+mn-cs"/>
+                        </a:rPr>
+                        <a:t>Remove MONSTER</a:t>
+                      </a:r>
+                      <a:endParaRPr lang="en-US" sz="1500" b="1" i="0" u="none" strike="noStrike" noProof="0" dirty="0">
+                        <a:solidFill>
+                          <a:srgbClr val="6A8759"/>
+                        </a:solidFill>
+                        <a:latin typeface="Consolas"/>
+                      </a:endParaRPr>
+                    </a:p>
+                  </a:txBody>
+                  <a:tcPr marL="221996" marR="221996" marT="221996" marB="221996"/>
+                </a:tc>
+                <a:tc>
+                  <a:txBody>
+                    <a:bodyPr/>
+                    <a:lstStyle/>
+                    <a:p>
+                      <a:pPr marL="0" marR="0" lvl="0" indent="0" algn="l" defTabSz="914400" rtl="0" eaLnBrk="1" fontAlgn="auto" latinLnBrk="0" hangingPunct="1">
+                        <a:lnSpc>
+                          <a:spcPct val="100000"/>
+                        </a:lnSpc>
+                        <a:spcBef>
+                          <a:spcPts val="0"/>
+                        </a:spcBef>
+                        <a:spcAft>
+                          <a:spcPts val="0"/>
+                        </a:spcAft>
+                        <a:buClrTx/>
+                        <a:buSzTx/>
+                        <a:buFontTx/>
+                        <a:buNone/>
+                        <a:tabLst/>
+                        <a:defRPr/>
+                      </a:pPr>
+                      <a:r>
+                        <a:rPr kumimoji="0" lang="en-US" sz="1100" b="0" i="0" u="none" strike="noStrike" kern="1200" cap="none" spc="0" normalizeH="0" baseline="0" noProof="0" dirty="0" err="1">
+                          <a:ln>
+                            <a:noFill/>
+                          </a:ln>
+                          <a:solidFill>
+                            <a:prstClr val="black"/>
+                          </a:solidFill>
+                          <a:effectLst/>
+                          <a:uLnTx/>
+                          <a:uFillTx/>
+                          <a:latin typeface="Consolas"/>
+                          <a:ea typeface="+mn-ea"/>
+                          <a:cs typeface="+mn-cs"/>
+                        </a:rPr>
+                        <a:t>remove_monster</a:t>
+                      </a:r>
+                      <a:r>
+                        <a:rPr kumimoji="0" lang="en-US" sz="1100" b="0" i="0" u="none" strike="noStrike" kern="1200" cap="none" spc="0" normalizeH="0" baseline="0" noProof="0" dirty="0">
+                          <a:ln>
+                            <a:noFill/>
+                          </a:ln>
+                          <a:solidFill>
+                            <a:prstClr val="black"/>
+                          </a:solidFill>
+                          <a:effectLst/>
+                          <a:uLnTx/>
+                          <a:uFillTx/>
+                          <a:latin typeface="Consolas"/>
+                          <a:ea typeface="+mn-ea"/>
+                          <a:cs typeface="+mn-cs"/>
+                        </a:rPr>
+                        <a:t>()</a:t>
+                      </a:r>
+                      <a:endParaRPr kumimoji="0" lang="en-US" sz="1100" b="0" i="0" u="none" strike="noStrike" kern="1200" cap="none" spc="0" normalizeH="0" baseline="0" noProof="0" dirty="0">
+                        <a:ln>
+                          <a:noFill/>
+                        </a:ln>
+                        <a:solidFill>
+                          <a:prstClr val="black"/>
+                        </a:solidFill>
+                        <a:effectLst/>
+                        <a:uLnTx/>
+                        <a:uFillTx/>
+                        <a:latin typeface="+mn-lt"/>
+                        <a:ea typeface="+mn-ea"/>
+                        <a:cs typeface="+mn-cs"/>
+                      </a:endParaRPr>
+                    </a:p>
+                  </a:txBody>
+                  <a:tcPr marL="221996" marR="221996" marT="221996" marB="221996"/>
+                </a:tc>
+                <a:extLst>
+                  <a:ext uri="{0D108BD9-81ED-4DB2-BD59-A6C34878D82A}">
+                    <a16:rowId xmlns:a16="http://schemas.microsoft.com/office/drawing/2014/main" val="1603092495"/>
+                  </a:ext>
+                </a:extLst>
+              </a:tr>
+              <a:tr h="0">
+                <a:tc>
+                  <a:txBody>
+                    <a:bodyPr/>
+                    <a:lstStyle/>
+                    <a:p>
+                      <a:pPr lvl="0" algn="l">
+                        <a:lnSpc>
+                          <a:spcPct val="100000"/>
+                        </a:lnSpc>
+                        <a:spcBef>
+                          <a:spcPts val="0"/>
+                        </a:spcBef>
+                        <a:spcAft>
+                          <a:spcPts val="0"/>
+                        </a:spcAft>
+                        <a:buNone/>
+                      </a:pPr>
+                      <a:r>
+                        <a:rPr lang="en-US" sz="1500" b="1" i="0" u="none" strike="noStrike" noProof="0" dirty="0">
+                          <a:solidFill>
+                            <a:srgbClr val="6A8759"/>
+                          </a:solidFill>
+                          <a:latin typeface="Consolas"/>
+                        </a:rPr>
+                        <a:t>Find Show</a:t>
+                      </a:r>
+                      <a:endParaRPr lang="en-US" sz="1500" b="1" dirty="0"/>
+                    </a:p>
+                  </a:txBody>
+                  <a:tcPr marL="221995" marR="221995" marT="221995" marB="221995"/>
+                </a:tc>
+                <a:tc>
+                  <a:txBody>
+                    <a:bodyPr/>
+                    <a:lstStyle/>
+                    <a:p>
+                      <a:pPr lvl="0" algn="l">
+                        <a:lnSpc>
+                          <a:spcPct val="100000"/>
+                        </a:lnSpc>
+                        <a:spcBef>
+                          <a:spcPts val="0"/>
+                        </a:spcBef>
+                        <a:spcAft>
+                          <a:spcPts val="0"/>
+                        </a:spcAft>
+                        <a:buNone/>
+                      </a:pPr>
+                      <a:r>
+                        <a:rPr lang="en-US" sz="1100" b="0" i="0" u="none" strike="noStrike" noProof="0" dirty="0" err="1">
+                          <a:solidFill>
+                            <a:schemeClr val="tx1"/>
+                          </a:solidFill>
+                          <a:latin typeface="Consolas"/>
+                        </a:rPr>
+                        <a:t>Find_show</a:t>
+                      </a:r>
+                      <a:r>
+                        <a:rPr lang="en-US" sz="1100" b="0" i="0" u="none" strike="noStrike" noProof="0" dirty="0">
+                          <a:solidFill>
+                            <a:schemeClr val="tx1"/>
+                          </a:solidFill>
+                          <a:latin typeface="Consolas"/>
+                        </a:rPr>
+                        <a:t>()</a:t>
+                      </a:r>
+                      <a:endParaRPr lang="en-US" sz="1100" dirty="0">
+                        <a:solidFill>
+                          <a:schemeClr val="tx1"/>
+                        </a:solidFill>
+                      </a:endParaRPr>
+                    </a:p>
+                  </a:txBody>
+                  <a:tcPr marL="221995" marR="221995" marT="221995" marB="221995"/>
+                </a:tc>
+                <a:extLst>
+                  <a:ext uri="{0D108BD9-81ED-4DB2-BD59-A6C34878D82A}">
+                    <a16:rowId xmlns:a16="http://schemas.microsoft.com/office/drawing/2014/main" val="2439926434"/>
+                  </a:ext>
+                </a:extLst>
+              </a:tr>
+              <a:tr h="670871">
+                <a:tc>
+                  <a:txBody>
+                    <a:bodyPr/>
+                    <a:lstStyle/>
+                    <a:p>
+                      <a:pPr lvl="0" algn="l">
+                        <a:lnSpc>
+                          <a:spcPct val="100000"/>
+                        </a:lnSpc>
+                        <a:spcBef>
+                          <a:spcPts val="0"/>
+                        </a:spcBef>
+                        <a:spcAft>
+                          <a:spcPts val="0"/>
+                        </a:spcAft>
+                        <a:buNone/>
+                      </a:pPr>
+                      <a:r>
+                        <a:rPr lang="en-US" sz="1500" b="1" i="0" u="none" strike="noStrike" noProof="0" dirty="0">
+                          <a:solidFill>
+                            <a:srgbClr val="6A8759"/>
+                          </a:solidFill>
+                          <a:latin typeface="Consolas"/>
+                        </a:rPr>
+                        <a:t>Exit</a:t>
+                      </a:r>
+                    </a:p>
+                  </a:txBody>
+                  <a:tcPr marL="221993" marR="221993" marT="221993" marB="221993"/>
+                </a:tc>
+                <a:tc>
+                  <a:txBody>
+                    <a:bodyPr/>
+                    <a:lstStyle/>
+                    <a:p>
+                      <a:r>
+                        <a:rPr lang="en-US" sz="1100" kern="1200" dirty="0">
+                          <a:solidFill>
+                            <a:schemeClr val="tx1"/>
+                          </a:solidFill>
+                          <a:effectLst/>
+                          <a:latin typeface="+mn-lt"/>
+                          <a:ea typeface="+mn-ea"/>
+                          <a:cs typeface="+mn-cs"/>
+                        </a:rPr>
+                        <a:t>Exit()</a:t>
+                      </a:r>
+                    </a:p>
+                  </a:txBody>
+                  <a:tcPr marL="221993" marR="221993" marT="221993" marB="221993"/>
+                </a:tc>
+                <a:extLst>
+                  <a:ext uri="{0D108BD9-81ED-4DB2-BD59-A6C34878D82A}">
+                    <a16:rowId xmlns:a16="http://schemas.microsoft.com/office/drawing/2014/main" val="3527475613"/>
+                  </a:ext>
+                </a:extLst>
+              </a:tr>
+            </a:tbl>
+          </a:graphicData>
+        </a:graphic>
+      </p:graphicFrame>
+      <p:pic>
+        <p:nvPicPr>
+          <p:cNvPr id="8" name="Picture 7">
+            <a:extLst>
+              <a:ext uri="{FF2B5EF4-FFF2-40B4-BE49-F238E27FC236}">
+                <a16:creationId xmlns:a16="http://schemas.microsoft.com/office/drawing/2014/main" id="{59061B2E-CB54-5CE2-423D-735C85E99F7E}"/>
+              </a:ext>
+            </a:extLst>
+          </p:cNvPr>
+          <p:cNvPicPr>
+            <a:picLocks noChangeAspect="1"/>
+          </p:cNvPicPr>
+          <p:nvPr/>
+        </p:nvPicPr>
+        <p:blipFill>
+          <a:blip r:embed="rId3"/>
+          <a:stretch>
+            <a:fillRect/>
+          </a:stretch>
+        </p:blipFill>
+        <p:spPr>
+          <a:xfrm>
+            <a:off x="231493" y="1891547"/>
+            <a:ext cx="3772227" cy="1265030"/>
+          </a:xfrm>
+          <a:prstGeom prst="rect">
+            <a:avLst/>
+          </a:prstGeom>
+          <a:ln w="38100">
+            <a:solidFill>
+              <a:schemeClr val="tx1"/>
+            </a:solidFill>
+          </a:ln>
+        </p:spPr>
+      </p:pic>
+      <p:pic>
+        <p:nvPicPr>
+          <p:cNvPr id="14" name="Picture 13">
+            <a:extLst>
+              <a:ext uri="{FF2B5EF4-FFF2-40B4-BE49-F238E27FC236}">
+                <a16:creationId xmlns:a16="http://schemas.microsoft.com/office/drawing/2014/main" id="{DB2C35B1-3E50-6683-B112-400C0ACF6884}"/>
+              </a:ext>
+            </a:extLst>
+          </p:cNvPr>
+          <p:cNvPicPr>
+            <a:picLocks noChangeAspect="1"/>
+          </p:cNvPicPr>
+          <p:nvPr/>
+        </p:nvPicPr>
+        <p:blipFill>
+          <a:blip r:embed="rId4"/>
+          <a:stretch>
+            <a:fillRect/>
+          </a:stretch>
+        </p:blipFill>
+        <p:spPr>
+          <a:xfrm>
+            <a:off x="4140151" y="2129742"/>
+            <a:ext cx="3228845" cy="1030061"/>
+          </a:xfrm>
+          <a:prstGeom prst="rect">
+            <a:avLst/>
+          </a:prstGeom>
+          <a:ln w="38100">
+            <a:solidFill>
+              <a:srgbClr val="FF0000"/>
+            </a:solidFill>
+          </a:ln>
+        </p:spPr>
+      </p:pic>
+      <p:pic>
+        <p:nvPicPr>
+          <p:cNvPr id="17" name="Picture 16">
+            <a:extLst>
+              <a:ext uri="{FF2B5EF4-FFF2-40B4-BE49-F238E27FC236}">
+                <a16:creationId xmlns:a16="http://schemas.microsoft.com/office/drawing/2014/main" id="{B63EB44D-B899-B4B4-0812-BF22E57D7EF9}"/>
+              </a:ext>
+            </a:extLst>
+          </p:cNvPr>
+          <p:cNvPicPr>
+            <a:picLocks noChangeAspect="1"/>
+          </p:cNvPicPr>
+          <p:nvPr/>
+        </p:nvPicPr>
+        <p:blipFill>
+          <a:blip r:embed="rId5"/>
+          <a:stretch>
+            <a:fillRect/>
+          </a:stretch>
+        </p:blipFill>
+        <p:spPr>
+          <a:xfrm>
+            <a:off x="5821928" y="3354624"/>
+            <a:ext cx="3213272" cy="1030061"/>
+          </a:xfrm>
+          <a:prstGeom prst="rect">
+            <a:avLst/>
+          </a:prstGeom>
+          <a:ln w="38100">
+            <a:solidFill>
+              <a:srgbClr val="FFC000"/>
+            </a:solidFill>
+          </a:ln>
+        </p:spPr>
+      </p:pic>
+      <p:pic>
+        <p:nvPicPr>
+          <p:cNvPr id="19" name="Picture 18">
+            <a:extLst>
+              <a:ext uri="{FF2B5EF4-FFF2-40B4-BE49-F238E27FC236}">
+                <a16:creationId xmlns:a16="http://schemas.microsoft.com/office/drawing/2014/main" id="{D66C36E6-34AA-4D62-9E0A-0832DC3B463C}"/>
+              </a:ext>
+            </a:extLst>
+          </p:cNvPr>
+          <p:cNvPicPr>
+            <a:picLocks noChangeAspect="1"/>
+          </p:cNvPicPr>
+          <p:nvPr/>
+        </p:nvPicPr>
+        <p:blipFill>
+          <a:blip r:embed="rId6"/>
+          <a:stretch>
+            <a:fillRect/>
+          </a:stretch>
+        </p:blipFill>
+        <p:spPr>
+          <a:xfrm>
+            <a:off x="5821928" y="4536204"/>
+            <a:ext cx="3282905" cy="1030061"/>
+          </a:xfrm>
+          <a:prstGeom prst="rect">
+            <a:avLst/>
+          </a:prstGeom>
+          <a:ln w="38100">
+            <a:solidFill>
+              <a:srgbClr val="92D050"/>
+            </a:solidFill>
+          </a:ln>
+        </p:spPr>
+      </p:pic>
+      <p:pic>
+        <p:nvPicPr>
+          <p:cNvPr id="21" name="Picture 20">
+            <a:extLst>
+              <a:ext uri="{FF2B5EF4-FFF2-40B4-BE49-F238E27FC236}">
+                <a16:creationId xmlns:a16="http://schemas.microsoft.com/office/drawing/2014/main" id="{D24A0DD1-437F-2700-330F-A1F3BF0ADC0F}"/>
+              </a:ext>
+            </a:extLst>
+          </p:cNvPr>
+          <p:cNvPicPr>
+            <a:picLocks noChangeAspect="1"/>
+          </p:cNvPicPr>
+          <p:nvPr/>
+        </p:nvPicPr>
+        <p:blipFill>
+          <a:blip r:embed="rId7"/>
+          <a:stretch>
+            <a:fillRect/>
+          </a:stretch>
+        </p:blipFill>
+        <p:spPr>
+          <a:xfrm>
+            <a:off x="5821928" y="5717784"/>
+            <a:ext cx="3478127" cy="1030061"/>
+          </a:xfrm>
+          <a:prstGeom prst="rect">
+            <a:avLst/>
+          </a:prstGeom>
+          <a:ln w="38100">
+            <a:solidFill>
+              <a:srgbClr val="00B0F0"/>
+            </a:solidFill>
+          </a:ln>
+        </p:spPr>
+      </p:pic>
+      <p:sp>
+        <p:nvSpPr>
+          <p:cNvPr id="22" name="Rectangle 21">
+            <a:extLst>
+              <a:ext uri="{FF2B5EF4-FFF2-40B4-BE49-F238E27FC236}">
+                <a16:creationId xmlns:a16="http://schemas.microsoft.com/office/drawing/2014/main" id="{4ABE1112-23B4-7758-ACC0-086456B24335}"/>
+              </a:ext>
+            </a:extLst>
+          </p:cNvPr>
+          <p:cNvSpPr/>
+          <p:nvPr/>
+        </p:nvSpPr>
+        <p:spPr>
+          <a:xfrm>
+            <a:off x="231493" y="3958542"/>
+            <a:ext cx="5428527" cy="671331"/>
+          </a:xfrm>
+          <a:prstGeom prst="rect">
+            <a:avLst/>
+          </a:prstGeom>
+          <a:noFill/>
+          <a:ln w="38100">
+            <a:solidFill>
+              <a:srgbClr val="FF0000"/>
+            </a:solidFill>
+          </a:ln>
+        </p:spPr>
+        <p:style>
+          <a:lnRef idx="2">
+            <a:schemeClr val="accent1">
+              <a:shade val="50000"/>
+            </a:schemeClr>
+          </a:lnRef>
+          <a:fillRef idx="1">
+            <a:schemeClr val="accent1"/>
+          </a:fillRef>
+          <a:effectRef idx="0">
+            <a:schemeClr val="accent1"/>
+          </a:effectRef>
+          <a:fontRef idx="minor">
+            <a:schemeClr val="lt1"/>
+          </a:fontRef>
+        </p:style>
+        <p:txBody>
+          <a:bodyPr rtlCol="0" anchor="ctr"/>
+          <a:lstStyle/>
+          <a:p>
+            <a:pPr algn="ctr"/>
+            <a:endParaRPr lang="en-NZ">
+              <a:noFill/>
+            </a:endParaRPr>
+          </a:p>
+        </p:txBody>
+      </p:sp>
+      <p:sp>
+        <p:nvSpPr>
+          <p:cNvPr id="23" name="Rectangle 22">
+            <a:extLst>
+              <a:ext uri="{FF2B5EF4-FFF2-40B4-BE49-F238E27FC236}">
+                <a16:creationId xmlns:a16="http://schemas.microsoft.com/office/drawing/2014/main" id="{0B984135-863B-8058-26B1-1AFE8DDA5432}"/>
+              </a:ext>
+            </a:extLst>
+          </p:cNvPr>
+          <p:cNvSpPr/>
+          <p:nvPr/>
+        </p:nvSpPr>
+        <p:spPr>
+          <a:xfrm>
+            <a:off x="233421" y="4631802"/>
+            <a:ext cx="5428527" cy="671331"/>
+          </a:xfrm>
+          <a:prstGeom prst="rect">
+            <a:avLst/>
+          </a:prstGeom>
+          <a:noFill/>
+          <a:ln w="38100">
+            <a:solidFill>
+              <a:srgbClr val="FFC000"/>
+            </a:solidFill>
+          </a:ln>
+        </p:spPr>
+        <p:style>
+          <a:lnRef idx="2">
+            <a:schemeClr val="accent1">
+              <a:shade val="50000"/>
+            </a:schemeClr>
+          </a:lnRef>
+          <a:fillRef idx="1">
+            <a:schemeClr val="accent1"/>
+          </a:fillRef>
+          <a:effectRef idx="0">
+            <a:schemeClr val="accent1"/>
+          </a:effectRef>
+          <a:fontRef idx="minor">
+            <a:schemeClr val="lt1"/>
+          </a:fontRef>
+        </p:style>
+        <p:txBody>
+          <a:bodyPr rtlCol="0" anchor="ctr"/>
+          <a:lstStyle/>
+          <a:p>
+            <a:pPr algn="ctr"/>
+            <a:endParaRPr lang="en-NZ">
+              <a:solidFill>
+                <a:srgbClr val="FFC000"/>
+              </a:solidFill>
+            </a:endParaRPr>
+          </a:p>
+        </p:txBody>
+      </p:sp>
+      <p:sp>
+        <p:nvSpPr>
+          <p:cNvPr id="24" name="Rectangle 23">
+            <a:extLst>
+              <a:ext uri="{FF2B5EF4-FFF2-40B4-BE49-F238E27FC236}">
+                <a16:creationId xmlns:a16="http://schemas.microsoft.com/office/drawing/2014/main" id="{A8F60FC8-A749-92FD-81E4-A716AB2B3659}"/>
+              </a:ext>
+            </a:extLst>
+          </p:cNvPr>
+          <p:cNvSpPr/>
+          <p:nvPr/>
+        </p:nvSpPr>
+        <p:spPr>
+          <a:xfrm>
+            <a:off x="227498" y="5305148"/>
+            <a:ext cx="5428527" cy="671331"/>
+          </a:xfrm>
+          <a:prstGeom prst="rect">
+            <a:avLst/>
+          </a:prstGeom>
+          <a:noFill/>
+          <a:ln w="38100">
+            <a:solidFill>
+              <a:srgbClr val="92D050"/>
+            </a:solidFill>
+          </a:ln>
+        </p:spPr>
+        <p:style>
+          <a:lnRef idx="2">
+            <a:schemeClr val="accent1">
+              <a:shade val="50000"/>
+            </a:schemeClr>
+          </a:lnRef>
+          <a:fillRef idx="1">
+            <a:schemeClr val="accent1"/>
+          </a:fillRef>
+          <a:effectRef idx="0">
+            <a:schemeClr val="accent1"/>
+          </a:effectRef>
+          <a:fontRef idx="minor">
+            <a:schemeClr val="lt1"/>
+          </a:fontRef>
+        </p:style>
+        <p:txBody>
+          <a:bodyPr rtlCol="0" anchor="ctr"/>
+          <a:lstStyle/>
+          <a:p>
+            <a:pPr algn="ctr"/>
+            <a:endParaRPr lang="en-NZ">
+              <a:solidFill>
+                <a:srgbClr val="FFC000"/>
+              </a:solidFill>
+            </a:endParaRPr>
+          </a:p>
+        </p:txBody>
+      </p:sp>
+      <p:sp>
+        <p:nvSpPr>
+          <p:cNvPr id="25" name="Rectangle 24">
+            <a:extLst>
+              <a:ext uri="{FF2B5EF4-FFF2-40B4-BE49-F238E27FC236}">
+                <a16:creationId xmlns:a16="http://schemas.microsoft.com/office/drawing/2014/main" id="{0F437F7D-1223-E524-F76D-21CE30092E19}"/>
+              </a:ext>
+            </a:extLst>
+          </p:cNvPr>
+          <p:cNvSpPr/>
+          <p:nvPr/>
+        </p:nvSpPr>
+        <p:spPr>
+          <a:xfrm>
+            <a:off x="229428" y="5966831"/>
+            <a:ext cx="5428527" cy="671331"/>
+          </a:xfrm>
+          <a:prstGeom prst="rect">
+            <a:avLst/>
+          </a:prstGeom>
+          <a:noFill/>
+          <a:ln w="38100">
+            <a:solidFill>
+              <a:srgbClr val="00B0F0"/>
+            </a:solidFill>
+          </a:ln>
+        </p:spPr>
+        <p:style>
+          <a:lnRef idx="2">
+            <a:schemeClr val="accent1">
+              <a:shade val="50000"/>
+            </a:schemeClr>
+          </a:lnRef>
+          <a:fillRef idx="1">
+            <a:schemeClr val="accent1"/>
+          </a:fillRef>
+          <a:effectRef idx="0">
+            <a:schemeClr val="accent1"/>
+          </a:effectRef>
+          <a:fontRef idx="minor">
+            <a:schemeClr val="lt1"/>
+          </a:fontRef>
+        </p:style>
+        <p:txBody>
+          <a:bodyPr rtlCol="0" anchor="ctr"/>
+          <a:lstStyle/>
+          <a:p>
+            <a:pPr algn="ctr"/>
+            <a:endParaRPr lang="en-NZ">
+              <a:solidFill>
+                <a:srgbClr val="FFC000"/>
+              </a:solidFill>
+            </a:endParaRPr>
           </a:p>
         </p:txBody>
       </p:sp>

--- a/2.7 and 2.8 Documentation Template.pptx
+++ b/2.7 and 2.8 Documentation Template.pptx
@@ -5,7 +5,7 @@
     <p:sldMasterId id="2147483648" r:id="rId3"/>
   </p:sldMasterIdLst>
   <p:notesMasterIdLst>
-    <p:notesMasterId r:id="rId33"/>
+    <p:notesMasterId r:id="rId34"/>
   </p:notesMasterIdLst>
   <p:sldIdLst>
     <p:sldId id="256" r:id="rId4"/>
@@ -36,7 +36,8 @@
     <p:sldId id="263" r:id="rId29"/>
     <p:sldId id="270" r:id="rId30"/>
     <p:sldId id="261" r:id="rId31"/>
-    <p:sldId id="266" r:id="rId32"/>
+    <p:sldId id="293" r:id="rId32"/>
+    <p:sldId id="266" r:id="rId33"/>
   </p:sldIdLst>
   <p:sldSz cx="12192000" cy="6858000"/>
   <p:notesSz cx="6858000" cy="9144000"/>
@@ -225,7 +226,7 @@
           <a:p>
             <a:fld id="{F37D28C0-BEB6-42B0-A203-EEE1023219C4}" type="datetimeFigureOut">
               <a:rPr lang="en-NZ" smtClean="0"/>
-              <a:t>25/05/2023</a:t>
+              <a:t>27/05/2023</a:t>
             </a:fld>
             <a:endParaRPr lang="en-NZ"/>
           </a:p>
@@ -2514,9 +2515,14 @@
             <a:r>
               <a:rPr lang="en-NZ" i="1" dirty="0">
                 <a:latin typeface="Arial" panose="020B0604020202020204" pitchFamily="34" charset="0"/>
+                <a:ea typeface="Arial" panose="020B0604020202020204" pitchFamily="34" charset="0"/>
               </a:rPr>
-              <a:t>Discuss how the information from planning, testing and trialling of components assisted in the development of a high-quality outcome.</a:t>
+              <a:t>Your version control evidence should go here.  This could be in the form of screenshots (both of your GitHub repository as well as your local project folder) as evidence of your incremental development.</a:t>
             </a:r>
+            <a:endParaRPr lang="en-NZ" dirty="0">
+              <a:latin typeface="Arial" panose="020B0604020202020204" pitchFamily="34" charset="0"/>
+              <a:ea typeface="Arial" panose="020B0604020202020204" pitchFamily="34" charset="0"/>
+            </a:endParaRPr>
           </a:p>
           <a:p>
             <a:endParaRPr lang="en-NZ" dirty="0"/>
@@ -2541,6 +2547,115 @@
             <a:fld id="{D89B2B17-F4B1-4A14-AF99-5A366D45E74A}" type="slidenum">
               <a:rPr lang="en-NZ" smtClean="0"/>
               <a:t>29</a:t>
+            </a:fld>
+            <a:endParaRPr lang="en-NZ"/>
+          </a:p>
+        </p:txBody>
+      </p:sp>
+    </p:spTree>
+    <p:extLst>
+      <p:ext uri="{BB962C8B-B14F-4D97-AF65-F5344CB8AC3E}">
+        <p14:creationId xmlns:p14="http://schemas.microsoft.com/office/powerpoint/2010/main" val="1669867910"/>
+      </p:ext>
+    </p:extLst>
+  </p:cSld>
+  <p:clrMapOvr>
+    <a:masterClrMapping/>
+  </p:clrMapOvr>
+</p:notes>
+</file>
+
+<file path=ppt/notesSlides/notesSlide27.xml><?xml version="1.0" encoding="utf-8"?>
+<p:notes xmlns:a="http://schemas.openxmlformats.org/drawingml/2006/main" xmlns:r="http://schemas.openxmlformats.org/officeDocument/2006/relationships" xmlns:p="http://schemas.openxmlformats.org/presentationml/2006/main">
+  <p:cSld>
+    <p:spTree>
+      <p:nvGrpSpPr>
+        <p:cNvPr id="1" name=""/>
+        <p:cNvGrpSpPr/>
+        <p:nvPr/>
+      </p:nvGrpSpPr>
+      <p:grpSpPr>
+        <a:xfrm>
+          <a:off x="0" y="0"/>
+          <a:ext cx="0" cy="0"/>
+          <a:chOff x="0" y="0"/>
+          <a:chExt cx="0" cy="0"/>
+        </a:xfrm>
+      </p:grpSpPr>
+      <p:sp>
+        <p:nvSpPr>
+          <p:cNvPr id="2" name="Slide Image Placeholder 1"/>
+          <p:cNvSpPr>
+            <a:spLocks noGrp="1" noRot="1" noChangeAspect="1"/>
+          </p:cNvSpPr>
+          <p:nvPr>
+            <p:ph type="sldImg"/>
+          </p:nvPr>
+        </p:nvSpPr>
+        <p:spPr/>
+      </p:sp>
+      <p:sp>
+        <p:nvSpPr>
+          <p:cNvPr id="3" name="Notes Placeholder 2"/>
+          <p:cNvSpPr>
+            <a:spLocks noGrp="1"/>
+          </p:cNvSpPr>
+          <p:nvPr>
+            <p:ph type="body" idx="1"/>
+          </p:nvPr>
+        </p:nvSpPr>
+        <p:spPr/>
+        <p:txBody>
+          <a:bodyPr/>
+          <a:lstStyle/>
+          <a:p>
+            <a:pPr marL="0" marR="0" lvl="0" indent="0" algn="l" defTabSz="914400" rtl="0" eaLnBrk="1" fontAlgn="auto" latinLnBrk="0" hangingPunct="1">
+              <a:lnSpc>
+                <a:spcPct val="100000"/>
+              </a:lnSpc>
+              <a:spcBef>
+                <a:spcPts val="0"/>
+              </a:spcBef>
+              <a:spcAft>
+                <a:spcPts val="0"/>
+              </a:spcAft>
+              <a:buClrTx/>
+              <a:buSzTx/>
+              <a:buFontTx/>
+              <a:buNone/>
+              <a:tabLst/>
+              <a:defRPr/>
+            </a:pPr>
+            <a:r>
+              <a:rPr lang="en-NZ" i="1" dirty="0">
+                <a:latin typeface="Arial" panose="020B0604020202020204" pitchFamily="34" charset="0"/>
+              </a:rPr>
+              <a:t>Discuss how the information from planning, testing and trialling of components assisted in the development of a high-quality outcome.</a:t>
+            </a:r>
+          </a:p>
+          <a:p>
+            <a:endParaRPr lang="en-NZ" dirty="0"/>
+          </a:p>
+        </p:txBody>
+      </p:sp>
+      <p:sp>
+        <p:nvSpPr>
+          <p:cNvPr id="4" name="Slide Number Placeholder 3"/>
+          <p:cNvSpPr>
+            <a:spLocks noGrp="1"/>
+          </p:cNvSpPr>
+          <p:nvPr>
+            <p:ph type="sldNum" sz="quarter" idx="5"/>
+          </p:nvPr>
+        </p:nvSpPr>
+        <p:spPr/>
+        <p:txBody>
+          <a:bodyPr/>
+          <a:lstStyle/>
+          <a:p>
+            <a:fld id="{D89B2B17-F4B1-4A14-AF99-5A366D45E74A}" type="slidenum">
+              <a:rPr lang="en-NZ" smtClean="0"/>
+              <a:t>30</a:t>
             </a:fld>
             <a:endParaRPr lang="en-NZ"/>
           </a:p>
@@ -3547,7 +3662,7 @@
           <a:p>
             <a:fld id="{9C4A4F43-1C06-40E6-8F87-8B286982E50E}" type="datetimeFigureOut">
               <a:rPr lang="en-NZ" smtClean="0"/>
-              <a:t>25/05/2023</a:t>
+              <a:t>27/05/2023</a:t>
             </a:fld>
             <a:endParaRPr lang="en-NZ" dirty="0"/>
           </a:p>
@@ -3747,7 +3862,7 @@
           <a:p>
             <a:fld id="{9C4A4F43-1C06-40E6-8F87-8B286982E50E}" type="datetimeFigureOut">
               <a:rPr lang="en-NZ" smtClean="0"/>
-              <a:t>25/05/2023</a:t>
+              <a:t>27/05/2023</a:t>
             </a:fld>
             <a:endParaRPr lang="en-NZ" dirty="0"/>
           </a:p>
@@ -3957,7 +4072,7 @@
           <a:p>
             <a:fld id="{9C4A4F43-1C06-40E6-8F87-8B286982E50E}" type="datetimeFigureOut">
               <a:rPr lang="en-NZ" smtClean="0"/>
-              <a:t>25/05/2023</a:t>
+              <a:t>27/05/2023</a:t>
             </a:fld>
             <a:endParaRPr lang="en-NZ" dirty="0"/>
           </a:p>
@@ -4516,7 +4631,7 @@
           <a:p>
             <a:fld id="{9C4A4F43-1C06-40E6-8F87-8B286982E50E}" type="datetimeFigureOut">
               <a:rPr lang="en-NZ" smtClean="0"/>
-              <a:t>25/05/2023</a:t>
+              <a:t>27/05/2023</a:t>
             </a:fld>
             <a:endParaRPr lang="en-NZ" dirty="0"/>
           </a:p>
@@ -4792,7 +4907,7 @@
           <a:p>
             <a:fld id="{9C4A4F43-1C06-40E6-8F87-8B286982E50E}" type="datetimeFigureOut">
               <a:rPr lang="en-NZ" smtClean="0"/>
-              <a:t>25/05/2023</a:t>
+              <a:t>27/05/2023</a:t>
             </a:fld>
             <a:endParaRPr lang="en-NZ" dirty="0"/>
           </a:p>
@@ -5060,7 +5175,7 @@
           <a:p>
             <a:fld id="{9C4A4F43-1C06-40E6-8F87-8B286982E50E}" type="datetimeFigureOut">
               <a:rPr lang="en-NZ" smtClean="0"/>
-              <a:t>25/05/2023</a:t>
+              <a:t>27/05/2023</a:t>
             </a:fld>
             <a:endParaRPr lang="en-NZ" dirty="0"/>
           </a:p>
@@ -5475,7 +5590,7 @@
           <a:p>
             <a:fld id="{9C4A4F43-1C06-40E6-8F87-8B286982E50E}" type="datetimeFigureOut">
               <a:rPr lang="en-NZ" smtClean="0"/>
-              <a:t>25/05/2023</a:t>
+              <a:t>27/05/2023</a:t>
             </a:fld>
             <a:endParaRPr lang="en-NZ" dirty="0"/>
           </a:p>
@@ -5617,7 +5732,7 @@
           <a:p>
             <a:fld id="{9C4A4F43-1C06-40E6-8F87-8B286982E50E}" type="datetimeFigureOut">
               <a:rPr lang="en-NZ" smtClean="0"/>
-              <a:t>25/05/2023</a:t>
+              <a:t>27/05/2023</a:t>
             </a:fld>
             <a:endParaRPr lang="en-NZ" dirty="0"/>
           </a:p>
@@ -5730,7 +5845,7 @@
           <a:p>
             <a:fld id="{9C4A4F43-1C06-40E6-8F87-8B286982E50E}" type="datetimeFigureOut">
               <a:rPr lang="en-NZ" smtClean="0"/>
-              <a:t>25/05/2023</a:t>
+              <a:t>27/05/2023</a:t>
             </a:fld>
             <a:endParaRPr lang="en-NZ" dirty="0"/>
           </a:p>
@@ -6043,7 +6158,7 @@
           <a:p>
             <a:fld id="{9C4A4F43-1C06-40E6-8F87-8B286982E50E}" type="datetimeFigureOut">
               <a:rPr lang="en-NZ" smtClean="0"/>
-              <a:t>25/05/2023</a:t>
+              <a:t>27/05/2023</a:t>
             </a:fld>
             <a:endParaRPr lang="en-NZ" dirty="0"/>
           </a:p>
@@ -6332,7 +6447,7 @@
           <a:p>
             <a:fld id="{9C4A4F43-1C06-40E6-8F87-8B286982E50E}" type="datetimeFigureOut">
               <a:rPr lang="en-NZ" smtClean="0"/>
-              <a:t>25/05/2023</a:t>
+              <a:t>27/05/2023</a:t>
             </a:fld>
             <a:endParaRPr lang="en-NZ" dirty="0"/>
           </a:p>
@@ -6575,7 +6690,7 @@
           <a:p>
             <a:fld id="{9C4A4F43-1C06-40E6-8F87-8B286982E50E}" type="datetimeFigureOut">
               <a:rPr lang="en-NZ" smtClean="0"/>
-              <a:t>25/05/2023</a:t>
+              <a:t>27/05/2023</a:t>
             </a:fld>
             <a:endParaRPr lang="en-NZ" dirty="0"/>
           </a:p>
@@ -7684,14 +7799,14 @@
           <p:nvPr>
             <p:extLst>
               <p:ext uri="{D42A27DB-BD31-4B8C-83A1-F6EECF244321}">
-                <p14:modId xmlns:p14="http://schemas.microsoft.com/office/powerpoint/2010/main" val="3915294364"/>
+                <p14:modId xmlns:p14="http://schemas.microsoft.com/office/powerpoint/2010/main" val="3169411112"/>
               </p:ext>
             </p:extLst>
           </p:nvPr>
         </p:nvGraphicFramePr>
         <p:xfrm>
-          <a:off x="630936" y="2508052"/>
-          <a:ext cx="10917936" cy="3525123"/>
+          <a:off x="630936" y="2236858"/>
+          <a:ext cx="10917936" cy="4889444"/>
         </p:xfrm>
         <a:graphic>
           <a:graphicData uri="http://schemas.openxmlformats.org/drawingml/2006/table">
@@ -7731,10 +7846,10 @@
                         <a:buNone/>
                       </a:pPr>
                       <a:r>
-                        <a:rPr lang="en" sz="3200" b="1"/>
+                        <a:rPr lang="en" sz="3200" b="1" dirty="0"/>
                         <a:t>Test Cases - input</a:t>
                       </a:r>
-                      <a:endParaRPr sz="3200" b="1"/>
+                      <a:endParaRPr sz="3200" b="1" dirty="0"/>
                     </a:p>
                   </a:txBody>
                   <a:tcPr marL="163379" marR="163379" marT="163379" marB="163379">
@@ -7795,13 +7910,59 @@
                         <a:buNone/>
                       </a:pPr>
                       <a:r>
-                        <a:rPr lang="en-US" sz="1300" b="1" i="0" u="none" strike="noStrike" noProof="0">
+                        <a:rPr lang="en-US" sz="1300" b="1" i="0" u="none" strike="noStrike" noProof="0" dirty="0">
                           <a:solidFill>
                             <a:srgbClr val="6A8759"/>
                           </a:solidFill>
                           <a:latin typeface="Consolas"/>
                         </a:rPr>
                         <a:t>Enter the Monster Name</a:t>
+                      </a:r>
+                    </a:p>
+                    <a:p>
+                      <a:pPr lvl="0" algn="l">
+                        <a:lnSpc>
+                          <a:spcPct val="100000"/>
+                        </a:lnSpc>
+                        <a:spcBef>
+                          <a:spcPts val="0"/>
+                        </a:spcBef>
+                        <a:spcAft>
+                          <a:spcPts val="0"/>
+                        </a:spcAft>
+                        <a:buNone/>
+                      </a:pPr>
+                      <a:r>
+                        <a:rPr lang="en-US" sz="1300" b="1" i="0" u="none" strike="noStrike" noProof="0" dirty="0">
+                          <a:solidFill>
+                            <a:srgbClr val="6A8759"/>
+                          </a:solidFill>
+                          <a:latin typeface="Consolas"/>
+                        </a:rPr>
+                        <a:t>1. MONSTER1</a:t>
+                      </a:r>
+                    </a:p>
+                    <a:p>
+                      <a:pPr lvl="0" algn="l">
+                        <a:lnSpc>
+                          <a:spcPct val="100000"/>
+                        </a:lnSpc>
+                        <a:spcBef>
+                          <a:spcPts val="0"/>
+                        </a:spcBef>
+                        <a:spcAft>
+                          <a:spcPts val="0"/>
+                        </a:spcAft>
+                        <a:buNone/>
+                      </a:pPr>
+                      <a:r>
+                        <a:rPr lang="en-US" sz="1300" b="1" i="0" u="none" strike="noStrike" noProof="0" dirty="0">
+                          <a:solidFill>
+                            <a:srgbClr val="6A8759"/>
+                          </a:solidFill>
+                          <a:latin typeface="Consolas"/>
+                        </a:rPr>
+                        <a:t>2. Cancel</a:t>
                       </a:r>
                     </a:p>
                   </a:txBody>
@@ -7821,9 +7982,28 @@
                         </a:spcAft>
                         <a:buNone/>
                       </a:pPr>
+                      <a:endParaRPr lang="en-US" sz="1300" dirty="0"/>
+                    </a:p>
+                    <a:p>
+                      <a:pPr marL="0" lvl="0" indent="0" algn="l">
+                        <a:spcBef>
+                          <a:spcPts val="0"/>
+                        </a:spcBef>
+                        <a:spcAft>
+                          <a:spcPts val="0"/>
+                        </a:spcAft>
+                        <a:buNone/>
+                      </a:pPr>
                       <a:r>
-                        <a:rPr lang="en-US" sz="1100" dirty="0"/>
-                        <a:t>Adds name to dictionary</a:t>
+                        <a:rPr lang="en-US" sz="1300" dirty="0"/>
+                        <a:t>1.Adds name to dictionary</a:t>
+                      </a:r>
+                      <a:br>
+                        <a:rPr lang="en-US" sz="1300" dirty="0"/>
+                      </a:br>
+                      <a:r>
+                        <a:rPr lang="en-US" sz="1300" dirty="0"/>
+                        <a:t>2.Return to welcome</a:t>
                       </a:r>
                     </a:p>
                   </a:txBody>
@@ -7854,13 +8034,59 @@
                         <a:buNone/>
                       </a:pPr>
                       <a:r>
-                        <a:rPr lang="en-US" sz="1300" b="1" i="0" u="none" strike="noStrike" noProof="0">
+                        <a:rPr lang="en-US" sz="1300" b="1" i="0" u="none" strike="noStrike" noProof="0" dirty="0">
                           <a:solidFill>
                             <a:srgbClr val="6A8759"/>
                           </a:solidFill>
                           <a:latin typeface="Consolas"/>
                         </a:rPr>
                         <a:t>Monster Strength</a:t>
+                      </a:r>
+                    </a:p>
+                    <a:p>
+                      <a:pPr marL="342900" lvl="0" indent="-342900" algn="l">
+                        <a:lnSpc>
+                          <a:spcPct val="100000"/>
+                        </a:lnSpc>
+                        <a:spcBef>
+                          <a:spcPts val="0"/>
+                        </a:spcBef>
+                        <a:spcAft>
+                          <a:spcPts val="0"/>
+                        </a:spcAft>
+                        <a:buAutoNum type="arabicPeriod"/>
+                      </a:pPr>
+                      <a:r>
+                        <a:rPr lang="en-US" sz="1300" b="1" i="0" u="none" strike="noStrike" noProof="0" dirty="0">
+                          <a:solidFill>
+                            <a:srgbClr val="6A8759"/>
+                          </a:solidFill>
+                          <a:latin typeface="Consolas"/>
+                        </a:rPr>
+                        <a:t>21</a:t>
+                      </a:r>
+                    </a:p>
+                    <a:p>
+                      <a:pPr lvl="0" algn="l">
+                        <a:lnSpc>
+                          <a:spcPct val="100000"/>
+                        </a:lnSpc>
+                        <a:spcBef>
+                          <a:spcPts val="0"/>
+                        </a:spcBef>
+                        <a:spcAft>
+                          <a:spcPts val="0"/>
+                        </a:spcAft>
+                        <a:buNone/>
+                      </a:pPr>
+                      <a:r>
+                        <a:rPr lang="en-US" sz="1300" b="1" i="0" u="none" strike="noStrike" noProof="0" dirty="0">
+                          <a:solidFill>
+                            <a:srgbClr val="6A8759"/>
+                          </a:solidFill>
+                          <a:latin typeface="Consolas"/>
+                        </a:rPr>
+                        <a:t>2. Cancel</a:t>
                       </a:r>
                     </a:p>
                   </a:txBody>
@@ -7881,7 +8107,7 @@
                         <a:buNone/>
                       </a:pPr>
                       <a:r>
-                        <a:rPr lang="en-US" sz="1100" dirty="0"/>
+                        <a:rPr lang="en-US" sz="1300" dirty="0"/>
                         <a:t>Adds Strength stat to dictionary</a:t>
                       </a:r>
                     </a:p>
@@ -7913,13 +8139,59 @@
                         <a:buNone/>
                       </a:pPr>
                       <a:r>
-                        <a:rPr lang="en-US" sz="1300" b="1" i="0" u="none" strike="noStrike" noProof="0">
+                        <a:rPr lang="en-US" sz="1300" b="1" i="0" u="none" strike="noStrike" noProof="0" dirty="0">
                           <a:solidFill>
                             <a:srgbClr val="6A8759"/>
                           </a:solidFill>
                           <a:latin typeface="Consolas"/>
                         </a:rPr>
                         <a:t>Monster Speed</a:t>
+                      </a:r>
+                    </a:p>
+                    <a:p>
+                      <a:pPr lvl="0" algn="l">
+                        <a:lnSpc>
+                          <a:spcPct val="100000"/>
+                        </a:lnSpc>
+                        <a:spcBef>
+                          <a:spcPts val="0"/>
+                        </a:spcBef>
+                        <a:spcAft>
+                          <a:spcPts val="0"/>
+                        </a:spcAft>
+                        <a:buNone/>
+                      </a:pPr>
+                      <a:r>
+                        <a:rPr lang="en-US" sz="1300" b="1" i="0" u="none" strike="noStrike" noProof="0" dirty="0">
+                          <a:solidFill>
+                            <a:srgbClr val="6A8759"/>
+                          </a:solidFill>
+                          <a:latin typeface="Consolas"/>
+                        </a:rPr>
+                        <a:t>1. 21</a:t>
+                      </a:r>
+                    </a:p>
+                    <a:p>
+                      <a:pPr lvl="0" algn="l">
+                        <a:lnSpc>
+                          <a:spcPct val="100000"/>
+                        </a:lnSpc>
+                        <a:spcBef>
+                          <a:spcPts val="0"/>
+                        </a:spcBef>
+                        <a:spcAft>
+                          <a:spcPts val="0"/>
+                        </a:spcAft>
+                        <a:buNone/>
+                      </a:pPr>
+                      <a:r>
+                        <a:rPr lang="en-US" sz="1300" b="1" i="0" u="none" strike="noStrike" noProof="0" dirty="0">
+                          <a:solidFill>
+                            <a:srgbClr val="6A8759"/>
+                          </a:solidFill>
+                          <a:latin typeface="Consolas"/>
+                        </a:rPr>
+                        <a:t>2. 1.5</a:t>
                       </a:r>
                     </a:p>
                   </a:txBody>
@@ -7940,7 +8212,7 @@
                         <a:buNone/>
                       </a:pPr>
                       <a:r>
-                        <a:rPr lang="en-US" sz="1200" dirty="0"/>
+                        <a:rPr lang="en-US" sz="1300" dirty="0"/>
                         <a:t>Adds Speed stat to dictionary</a:t>
                       </a:r>
                     </a:p>
@@ -7972,7 +8244,7 @@
                         <a:buNone/>
                       </a:pPr>
                       <a:r>
-                        <a:rPr lang="en-US" sz="1300" b="1" i="0" u="none" strike="noStrike" noProof="0">
+                        <a:rPr lang="en-US" sz="1300" b="1" i="0" u="none" strike="noStrike" noProof="0" dirty="0">
                           <a:solidFill>
                             <a:srgbClr val="6A8759"/>
                           </a:solidFill>
@@ -7980,7 +8252,53 @@
                         </a:rPr>
                         <a:t>Monster Stealth</a:t>
                       </a:r>
-                      <a:endParaRPr lang="en-US" sz="1300" b="1"/>
+                    </a:p>
+                    <a:p>
+                      <a:pPr lvl="0" algn="l">
+                        <a:lnSpc>
+                          <a:spcPct val="100000"/>
+                        </a:lnSpc>
+                        <a:spcBef>
+                          <a:spcPts val="0"/>
+                        </a:spcBef>
+                        <a:spcAft>
+                          <a:spcPts val="0"/>
+                        </a:spcAft>
+                        <a:buNone/>
+                      </a:pPr>
+                      <a:r>
+                        <a:rPr lang="en-US" sz="1300" b="1" i="0" u="none" strike="noStrike" noProof="0" dirty="0">
+                          <a:solidFill>
+                            <a:srgbClr val="6A8759"/>
+                          </a:solidFill>
+                          <a:latin typeface="Consolas"/>
+                        </a:rPr>
+                        <a:t>1.</a:t>
+                      </a:r>
+                    </a:p>
+                    <a:p>
+                      <a:pPr lvl="0" algn="l">
+                        <a:lnSpc>
+                          <a:spcPct val="100000"/>
+                        </a:lnSpc>
+                        <a:spcBef>
+                          <a:spcPts val="0"/>
+                        </a:spcBef>
+                        <a:spcAft>
+                          <a:spcPts val="0"/>
+                        </a:spcAft>
+                        <a:buNone/>
+                      </a:pPr>
+                      <a:r>
+                        <a:rPr lang="en-US" sz="1300" b="1" i="0" u="none" strike="noStrike" noProof="0" dirty="0">
+                          <a:solidFill>
+                            <a:srgbClr val="6A8759"/>
+                          </a:solidFill>
+                          <a:latin typeface="Consolas"/>
+                        </a:rPr>
+                        <a:t>2.</a:t>
+                      </a:r>
+                      <a:endParaRPr lang="en-US" sz="1300" b="1" dirty="0"/>
                     </a:p>
                   </a:txBody>
                   <a:tcPr marL="139272" marR="139272" marT="139272" marB="139272"/>
@@ -8000,7 +8318,7 @@
                         <a:buNone/>
                       </a:pPr>
                       <a:r>
-                        <a:rPr lang="en-US" sz="1100" dirty="0"/>
+                        <a:rPr lang="en-US" sz="1300" dirty="0"/>
                         <a:t>Adds Stealth stat to dictionary</a:t>
                       </a:r>
                     </a:p>
@@ -8032,7 +8350,7 @@
                         <a:buNone/>
                       </a:pPr>
                       <a:r>
-                        <a:rPr lang="en-US" sz="1300" b="1" i="0" u="none" strike="noStrike" noProof="0">
+                        <a:rPr lang="en-US" sz="1300" b="1" i="0" u="none" strike="noStrike" noProof="0" dirty="0">
                           <a:solidFill>
                             <a:srgbClr val="6A8759"/>
                           </a:solidFill>
@@ -8059,7 +8377,7 @@
                         <a:buNone/>
                       </a:pPr>
                       <a:r>
-                        <a:rPr lang="en-US" sz="1200" dirty="0"/>
+                        <a:rPr lang="en-US" sz="1300" dirty="0"/>
                         <a:t>Adds Cunning stat to dictionary</a:t>
                       </a:r>
                     </a:p>
@@ -8184,6 +8502,461 @@
           </a:p>
         </p:txBody>
       </p:sp>
+      <p:graphicFrame>
+        <p:nvGraphicFramePr>
+          <p:cNvPr id="3" name="Google Shape;92;p19">
+            <a:extLst>
+              <a:ext uri="{FF2B5EF4-FFF2-40B4-BE49-F238E27FC236}">
+                <a16:creationId xmlns:a16="http://schemas.microsoft.com/office/drawing/2014/main" id="{02045838-F344-635B-5B12-29CF83F818A0}"/>
+              </a:ext>
+            </a:extLst>
+          </p:cNvPr>
+          <p:cNvGraphicFramePr/>
+          <p:nvPr>
+            <p:extLst>
+              <p:ext uri="{D42A27DB-BD31-4B8C-83A1-F6EECF244321}">
+                <p14:modId xmlns:p14="http://schemas.microsoft.com/office/powerpoint/2010/main" val="2655775734"/>
+              </p:ext>
+            </p:extLst>
+          </p:nvPr>
+        </p:nvGraphicFramePr>
+        <p:xfrm>
+          <a:off x="231493" y="3320706"/>
+          <a:ext cx="5428527" cy="3329766"/>
+        </p:xfrm>
+        <a:graphic>
+          <a:graphicData uri="http://schemas.openxmlformats.org/drawingml/2006/table">
+            <a:tbl>
+              <a:tblPr firstRow="1" bandRow="1">
+                <a:noFill/>
+              </a:tblPr>
+              <a:tblGrid>
+                <a:gridCol w="2846909">
+                  <a:extLst>
+                    <a:ext uri="{9D8B030D-6E8A-4147-A177-3AD203B41FA5}">
+                      <a16:colId xmlns:a16="http://schemas.microsoft.com/office/drawing/2014/main" val="20000"/>
+                    </a:ext>
+                  </a:extLst>
+                </a:gridCol>
+                <a:gridCol w="2581618">
+                  <a:extLst>
+                    <a:ext uri="{9D8B030D-6E8A-4147-A177-3AD203B41FA5}">
+                      <a16:colId xmlns:a16="http://schemas.microsoft.com/office/drawing/2014/main" val="20001"/>
+                    </a:ext>
+                  </a:extLst>
+                </a:gridCol>
+              </a:tblGrid>
+              <a:tr h="339445">
+                <a:tc>
+                  <a:txBody>
+                    <a:bodyPr/>
+                    <a:lstStyle/>
+                    <a:p>
+                      <a:pPr marL="0" lvl="0" indent="0" algn="l" rtl="0">
+                        <a:spcBef>
+                          <a:spcPts val="0"/>
+                        </a:spcBef>
+                        <a:spcAft>
+                          <a:spcPts val="0"/>
+                        </a:spcAft>
+                        <a:buNone/>
+                      </a:pPr>
+                      <a:r>
+                        <a:rPr lang="en" sz="2400" b="1" dirty="0"/>
+                        <a:t>Test Cases - input</a:t>
+                      </a:r>
+                      <a:endParaRPr sz="2400" b="1" dirty="0"/>
+                    </a:p>
+                  </a:txBody>
+                  <a:tcPr marL="136823" marR="136823" marT="136823" marB="136823">
+                    <a:solidFill>
+                      <a:srgbClr val="CCCCCC"/>
+                    </a:solidFill>
+                  </a:tcPr>
+                </a:tc>
+                <a:tc>
+                  <a:txBody>
+                    <a:bodyPr/>
+                    <a:lstStyle/>
+                    <a:p>
+                      <a:pPr marL="0" lvl="0" indent="0" algn="l" rtl="0">
+                        <a:spcBef>
+                          <a:spcPts val="0"/>
+                        </a:spcBef>
+                        <a:spcAft>
+                          <a:spcPts val="0"/>
+                        </a:spcAft>
+                        <a:buNone/>
+                      </a:pPr>
+                      <a:r>
+                        <a:rPr lang="en" sz="2400" b="1" dirty="0"/>
+                        <a:t>Expected output</a:t>
+                      </a:r>
+                      <a:endParaRPr sz="2400" b="1" dirty="0"/>
+                    </a:p>
+                  </a:txBody>
+                  <a:tcPr marL="136823" marR="136823" marT="136823" marB="136823">
+                    <a:solidFill>
+                      <a:srgbClr val="CCCCCC"/>
+                    </a:solidFill>
+                  </a:tcPr>
+                </a:tc>
+                <a:extLst>
+                  <a:ext uri="{0D108BD9-81ED-4DB2-BD59-A6C34878D82A}">
+                    <a16:rowId xmlns:a16="http://schemas.microsoft.com/office/drawing/2014/main" val="10000"/>
+                  </a:ext>
+                </a:extLst>
+              </a:tr>
+              <a:tr h="0">
+                <a:tc>
+                  <a:txBody>
+                    <a:bodyPr/>
+                    <a:lstStyle/>
+                    <a:p>
+                      <a:pPr lvl="0" algn="l">
+                        <a:lnSpc>
+                          <a:spcPct val="100000"/>
+                        </a:lnSpc>
+                        <a:spcBef>
+                          <a:spcPts val="0"/>
+                        </a:spcBef>
+                        <a:spcAft>
+                          <a:spcPts val="0"/>
+                        </a:spcAft>
+                        <a:buNone/>
+                      </a:pPr>
+                      <a:r>
+                        <a:rPr lang="en-US" sz="1500" b="1" i="0" u="none" strike="noStrike" noProof="0" dirty="0">
+                          <a:solidFill>
+                            <a:srgbClr val="6A8759"/>
+                          </a:solidFill>
+                          <a:latin typeface="Consolas"/>
+                        </a:rPr>
+                        <a:t>Add MONSTER</a:t>
+                      </a:r>
+                    </a:p>
+                  </a:txBody>
+                  <a:tcPr marL="221996" marR="221996" marT="221996" marB="221996"/>
+                </a:tc>
+                <a:tc>
+                  <a:txBody>
+                    <a:bodyPr/>
+                    <a:lstStyle/>
+                    <a:p>
+                      <a:pPr lvl="0" algn="l">
+                        <a:lnSpc>
+                          <a:spcPct val="100000"/>
+                        </a:lnSpc>
+                        <a:spcBef>
+                          <a:spcPts val="0"/>
+                        </a:spcBef>
+                        <a:spcAft>
+                          <a:spcPts val="0"/>
+                        </a:spcAft>
+                        <a:buNone/>
+                      </a:pPr>
+                      <a:r>
+                        <a:rPr lang="en-US" sz="1100" b="0" i="0" u="none" strike="noStrike" noProof="0" dirty="0" err="1">
+                          <a:solidFill>
+                            <a:schemeClr val="tx1"/>
+                          </a:solidFill>
+                          <a:latin typeface="Consolas"/>
+                        </a:rPr>
+                        <a:t>add_monster</a:t>
+                      </a:r>
+                      <a:r>
+                        <a:rPr lang="en-US" sz="1100" b="0" i="0" u="none" strike="noStrike" noProof="0" dirty="0">
+                          <a:solidFill>
+                            <a:schemeClr val="tx1"/>
+                          </a:solidFill>
+                          <a:latin typeface="Consolas"/>
+                        </a:rPr>
+                        <a:t>()</a:t>
+                      </a:r>
+                      <a:endParaRPr lang="en-US" sz="1100" dirty="0">
+                        <a:solidFill>
+                          <a:schemeClr val="tx1"/>
+                        </a:solidFill>
+                      </a:endParaRPr>
+                    </a:p>
+                  </a:txBody>
+                  <a:tcPr marL="221996" marR="221996" marT="221996" marB="221996"/>
+                </a:tc>
+                <a:extLst>
+                  <a:ext uri="{0D108BD9-81ED-4DB2-BD59-A6C34878D82A}">
+                    <a16:rowId xmlns:a16="http://schemas.microsoft.com/office/drawing/2014/main" val="10001"/>
+                  </a:ext>
+                </a:extLst>
+              </a:tr>
+              <a:tr h="0">
+                <a:tc>
+                  <a:txBody>
+                    <a:bodyPr/>
+                    <a:lstStyle/>
+                    <a:p>
+                      <a:pPr lvl="0" algn="l">
+                        <a:lnSpc>
+                          <a:spcPct val="100000"/>
+                        </a:lnSpc>
+                        <a:spcBef>
+                          <a:spcPts val="0"/>
+                        </a:spcBef>
+                        <a:spcAft>
+                          <a:spcPts val="0"/>
+                        </a:spcAft>
+                        <a:buNone/>
+                      </a:pPr>
+                      <a:r>
+                        <a:rPr kumimoji="0" lang="en-US" sz="1500" b="1" i="0" u="none" strike="noStrike" kern="1200" cap="none" spc="0" normalizeH="0" baseline="0" noProof="0" dirty="0">
+                          <a:ln>
+                            <a:noFill/>
+                          </a:ln>
+                          <a:solidFill>
+                            <a:srgbClr val="6A8759"/>
+                          </a:solidFill>
+                          <a:effectLst/>
+                          <a:uLnTx/>
+                          <a:uFillTx/>
+                          <a:latin typeface="Consolas"/>
+                          <a:ea typeface="+mn-ea"/>
+                          <a:cs typeface="+mn-cs"/>
+                        </a:rPr>
+                        <a:t>Remove MONSTER</a:t>
+                      </a:r>
+                      <a:endParaRPr lang="en-US" sz="1500" b="1" i="0" u="none" strike="noStrike" noProof="0" dirty="0">
+                        <a:solidFill>
+                          <a:srgbClr val="6A8759"/>
+                        </a:solidFill>
+                        <a:latin typeface="Consolas"/>
+                      </a:endParaRPr>
+                    </a:p>
+                  </a:txBody>
+                  <a:tcPr marL="221996" marR="221996" marT="221996" marB="221996"/>
+                </a:tc>
+                <a:tc>
+                  <a:txBody>
+                    <a:bodyPr/>
+                    <a:lstStyle/>
+                    <a:p>
+                      <a:pPr marL="0" marR="0" lvl="0" indent="0" algn="l" defTabSz="914400" rtl="0" eaLnBrk="1" fontAlgn="auto" latinLnBrk="0" hangingPunct="1">
+                        <a:lnSpc>
+                          <a:spcPct val="100000"/>
+                        </a:lnSpc>
+                        <a:spcBef>
+                          <a:spcPts val="0"/>
+                        </a:spcBef>
+                        <a:spcAft>
+                          <a:spcPts val="0"/>
+                        </a:spcAft>
+                        <a:buClrTx/>
+                        <a:buSzTx/>
+                        <a:buFontTx/>
+                        <a:buNone/>
+                        <a:tabLst/>
+                        <a:defRPr/>
+                      </a:pPr>
+                      <a:r>
+                        <a:rPr kumimoji="0" lang="en-US" sz="1100" b="0" i="0" u="none" strike="noStrike" kern="1200" cap="none" spc="0" normalizeH="0" baseline="0" noProof="0" dirty="0" err="1">
+                          <a:ln>
+                            <a:noFill/>
+                          </a:ln>
+                          <a:solidFill>
+                            <a:prstClr val="black"/>
+                          </a:solidFill>
+                          <a:effectLst/>
+                          <a:uLnTx/>
+                          <a:uFillTx/>
+                          <a:latin typeface="Consolas"/>
+                          <a:ea typeface="+mn-ea"/>
+                          <a:cs typeface="+mn-cs"/>
+                        </a:rPr>
+                        <a:t>remove_monster</a:t>
+                      </a:r>
+                      <a:r>
+                        <a:rPr kumimoji="0" lang="en-US" sz="1100" b="0" i="0" u="none" strike="noStrike" kern="1200" cap="none" spc="0" normalizeH="0" baseline="0" noProof="0" dirty="0">
+                          <a:ln>
+                            <a:noFill/>
+                          </a:ln>
+                          <a:solidFill>
+                            <a:prstClr val="black"/>
+                          </a:solidFill>
+                          <a:effectLst/>
+                          <a:uLnTx/>
+                          <a:uFillTx/>
+                          <a:latin typeface="Consolas"/>
+                          <a:ea typeface="+mn-ea"/>
+                          <a:cs typeface="+mn-cs"/>
+                        </a:rPr>
+                        <a:t>()</a:t>
+                      </a:r>
+                      <a:endParaRPr kumimoji="0" lang="en-US" sz="1100" b="0" i="0" u="none" strike="noStrike" kern="1200" cap="none" spc="0" normalizeH="0" baseline="0" noProof="0" dirty="0">
+                        <a:ln>
+                          <a:noFill/>
+                        </a:ln>
+                        <a:solidFill>
+                          <a:prstClr val="black"/>
+                        </a:solidFill>
+                        <a:effectLst/>
+                        <a:uLnTx/>
+                        <a:uFillTx/>
+                        <a:latin typeface="+mn-lt"/>
+                        <a:ea typeface="+mn-ea"/>
+                        <a:cs typeface="+mn-cs"/>
+                      </a:endParaRPr>
+                    </a:p>
+                  </a:txBody>
+                  <a:tcPr marL="221996" marR="221996" marT="221996" marB="221996"/>
+                </a:tc>
+                <a:extLst>
+                  <a:ext uri="{0D108BD9-81ED-4DB2-BD59-A6C34878D82A}">
+                    <a16:rowId xmlns:a16="http://schemas.microsoft.com/office/drawing/2014/main" val="1603092495"/>
+                  </a:ext>
+                </a:extLst>
+              </a:tr>
+              <a:tr h="0">
+                <a:tc>
+                  <a:txBody>
+                    <a:bodyPr/>
+                    <a:lstStyle/>
+                    <a:p>
+                      <a:pPr lvl="0" algn="l">
+                        <a:lnSpc>
+                          <a:spcPct val="100000"/>
+                        </a:lnSpc>
+                        <a:spcBef>
+                          <a:spcPts val="0"/>
+                        </a:spcBef>
+                        <a:spcAft>
+                          <a:spcPts val="0"/>
+                        </a:spcAft>
+                        <a:buNone/>
+                      </a:pPr>
+                      <a:r>
+                        <a:rPr lang="en-US" sz="1500" b="1" i="0" u="none" strike="noStrike" noProof="0" dirty="0">
+                          <a:solidFill>
+                            <a:srgbClr val="6A8759"/>
+                          </a:solidFill>
+                          <a:latin typeface="Consolas"/>
+                        </a:rPr>
+                        <a:t>Find Show</a:t>
+                      </a:r>
+                      <a:endParaRPr lang="en-US" sz="1500" b="1" dirty="0"/>
+                    </a:p>
+                  </a:txBody>
+                  <a:tcPr marL="221995" marR="221995" marT="221995" marB="221995"/>
+                </a:tc>
+                <a:tc>
+                  <a:txBody>
+                    <a:bodyPr/>
+                    <a:lstStyle/>
+                    <a:p>
+                      <a:pPr lvl="0" algn="l">
+                        <a:lnSpc>
+                          <a:spcPct val="100000"/>
+                        </a:lnSpc>
+                        <a:spcBef>
+                          <a:spcPts val="0"/>
+                        </a:spcBef>
+                        <a:spcAft>
+                          <a:spcPts val="0"/>
+                        </a:spcAft>
+                        <a:buNone/>
+                      </a:pPr>
+                      <a:r>
+                        <a:rPr lang="en-US" sz="1100" b="0" i="0" u="none" strike="noStrike" noProof="0" dirty="0" err="1">
+                          <a:solidFill>
+                            <a:schemeClr val="tx1"/>
+                          </a:solidFill>
+                          <a:latin typeface="Consolas"/>
+                        </a:rPr>
+                        <a:t>Find_show</a:t>
+                      </a:r>
+                      <a:r>
+                        <a:rPr lang="en-US" sz="1100" b="0" i="0" u="none" strike="noStrike" noProof="0" dirty="0">
+                          <a:solidFill>
+                            <a:schemeClr val="tx1"/>
+                          </a:solidFill>
+                          <a:latin typeface="Consolas"/>
+                        </a:rPr>
+                        <a:t>()</a:t>
+                      </a:r>
+                      <a:endParaRPr lang="en-US" sz="1100" dirty="0">
+                        <a:solidFill>
+                          <a:schemeClr val="tx1"/>
+                        </a:solidFill>
+                      </a:endParaRPr>
+                    </a:p>
+                  </a:txBody>
+                  <a:tcPr marL="221995" marR="221995" marT="221995" marB="221995"/>
+                </a:tc>
+                <a:extLst>
+                  <a:ext uri="{0D108BD9-81ED-4DB2-BD59-A6C34878D82A}">
+                    <a16:rowId xmlns:a16="http://schemas.microsoft.com/office/drawing/2014/main" val="2439926434"/>
+                  </a:ext>
+                </a:extLst>
+              </a:tr>
+              <a:tr h="670871">
+                <a:tc>
+                  <a:txBody>
+                    <a:bodyPr/>
+                    <a:lstStyle/>
+                    <a:p>
+                      <a:pPr lvl="0" algn="l">
+                        <a:lnSpc>
+                          <a:spcPct val="100000"/>
+                        </a:lnSpc>
+                        <a:spcBef>
+                          <a:spcPts val="0"/>
+                        </a:spcBef>
+                        <a:spcAft>
+                          <a:spcPts val="0"/>
+                        </a:spcAft>
+                        <a:buNone/>
+                      </a:pPr>
+                      <a:r>
+                        <a:rPr lang="en-US" sz="1500" b="1" i="0" u="none" strike="noStrike" noProof="0" dirty="0">
+                          <a:solidFill>
+                            <a:srgbClr val="6A8759"/>
+                          </a:solidFill>
+                          <a:latin typeface="Consolas"/>
+                        </a:rPr>
+                        <a:t>Exit</a:t>
+                      </a:r>
+                    </a:p>
+                  </a:txBody>
+                  <a:tcPr marL="221993" marR="221993" marT="221993" marB="221993"/>
+                </a:tc>
+                <a:tc>
+                  <a:txBody>
+                    <a:bodyPr/>
+                    <a:lstStyle/>
+                    <a:p>
+                      <a:r>
+                        <a:rPr lang="en-US" sz="1100" kern="1200" dirty="0">
+                          <a:solidFill>
+                            <a:schemeClr val="tx1"/>
+                          </a:solidFill>
+                          <a:effectLst/>
+                          <a:latin typeface="+mn-lt"/>
+                          <a:ea typeface="+mn-ea"/>
+                          <a:cs typeface="+mn-cs"/>
+                        </a:rPr>
+                        <a:t>Exit()</a:t>
+                      </a:r>
+                    </a:p>
+                  </a:txBody>
+                  <a:tcPr marL="221993" marR="221993" marT="221993" marB="221993"/>
+                </a:tc>
+                <a:extLst>
+                  <a:ext uri="{0D108BD9-81ED-4DB2-BD59-A6C34878D82A}">
+                    <a16:rowId xmlns:a16="http://schemas.microsoft.com/office/drawing/2014/main" val="3527475613"/>
+                  </a:ext>
+                </a:extLst>
+              </a:tr>
+            </a:tbl>
+          </a:graphicData>
+        </a:graphic>
+      </p:graphicFrame>
     </p:spTree>
     <p:extLst>
       <p:ext uri="{BB962C8B-B14F-4D97-AF65-F5344CB8AC3E}">
@@ -9277,6 +10050,1257 @@
           </a:p>
         </p:txBody>
       </p:sp>
+      <p:graphicFrame>
+        <p:nvGraphicFramePr>
+          <p:cNvPr id="3" name="Table 2">
+            <a:extLst>
+              <a:ext uri="{FF2B5EF4-FFF2-40B4-BE49-F238E27FC236}">
+                <a16:creationId xmlns:a16="http://schemas.microsoft.com/office/drawing/2014/main" id="{63AD852A-0FD8-3712-033D-D9A3B8AB0A95}"/>
+              </a:ext>
+            </a:extLst>
+          </p:cNvPr>
+          <p:cNvGraphicFramePr>
+            <a:graphicFrameLocks noGrp="1"/>
+          </p:cNvGraphicFramePr>
+          <p:nvPr>
+            <p:extLst>
+              <p:ext uri="{D42A27DB-BD31-4B8C-83A1-F6EECF244321}">
+                <p14:modId xmlns:p14="http://schemas.microsoft.com/office/powerpoint/2010/main" val="311222726"/>
+              </p:ext>
+            </p:extLst>
+          </p:nvPr>
+        </p:nvGraphicFramePr>
+        <p:xfrm>
+          <a:off x="248970" y="3146873"/>
+          <a:ext cx="7945906" cy="3654964"/>
+        </p:xfrm>
+        <a:graphic>
+          <a:graphicData uri="http://schemas.openxmlformats.org/drawingml/2006/table">
+            <a:tbl>
+              <a:tblPr firstRow="1" bandRow="1">
+                <a:noFill/>
+              </a:tblPr>
+              <a:tblGrid>
+                <a:gridCol w="4664923">
+                  <a:extLst>
+                    <a:ext uri="{9D8B030D-6E8A-4147-A177-3AD203B41FA5}">
+                      <a16:colId xmlns:a16="http://schemas.microsoft.com/office/drawing/2014/main" val="1002284633"/>
+                    </a:ext>
+                  </a:extLst>
+                </a:gridCol>
+                <a:gridCol w="3280983">
+                  <a:extLst>
+                    <a:ext uri="{9D8B030D-6E8A-4147-A177-3AD203B41FA5}">
+                      <a16:colId xmlns:a16="http://schemas.microsoft.com/office/drawing/2014/main" val="256892720"/>
+                    </a:ext>
+                  </a:extLst>
+                </a:gridCol>
+              </a:tblGrid>
+              <a:tr h="491645">
+                <a:tc>
+                  <a:txBody>
+                    <a:bodyPr/>
+                    <a:lstStyle/>
+                    <a:p>
+                      <a:pPr marL="0" lvl="0" indent="0" algn="l" rtl="0">
+                        <a:spcBef>
+                          <a:spcPts val="0"/>
+                        </a:spcBef>
+                        <a:spcAft>
+                          <a:spcPts val="0"/>
+                        </a:spcAft>
+                        <a:buNone/>
+                      </a:pPr>
+                      <a:r>
+                        <a:rPr lang="en" sz="1700" b="1" dirty="0"/>
+                        <a:t>Test Cases - input</a:t>
+                      </a:r>
+                      <a:endParaRPr sz="1700" b="1" dirty="0"/>
+                    </a:p>
+                  </a:txBody>
+                  <a:tcPr marL="137552" marR="137552" marT="137552" marB="137552">
+                    <a:solidFill>
+                      <a:srgbClr val="CCCCCC"/>
+                    </a:solidFill>
+                  </a:tcPr>
+                </a:tc>
+                <a:tc>
+                  <a:txBody>
+                    <a:bodyPr/>
+                    <a:lstStyle/>
+                    <a:p>
+                      <a:pPr marL="0" lvl="0" indent="0" algn="l" rtl="0">
+                        <a:spcBef>
+                          <a:spcPts val="0"/>
+                        </a:spcBef>
+                        <a:spcAft>
+                          <a:spcPts val="0"/>
+                        </a:spcAft>
+                        <a:buNone/>
+                      </a:pPr>
+                      <a:r>
+                        <a:rPr lang="en" sz="1700" b="1" dirty="0"/>
+                        <a:t>Expected output</a:t>
+                      </a:r>
+                      <a:endParaRPr sz="1700" b="1" dirty="0"/>
+                    </a:p>
+                  </a:txBody>
+                  <a:tcPr marL="137552" marR="137552" marT="137552" marB="137552">
+                    <a:solidFill>
+                      <a:srgbClr val="CCCCCC"/>
+                    </a:solidFill>
+                  </a:tcPr>
+                </a:tc>
+                <a:extLst>
+                  <a:ext uri="{0D108BD9-81ED-4DB2-BD59-A6C34878D82A}">
+                    <a16:rowId xmlns:a16="http://schemas.microsoft.com/office/drawing/2014/main" val="3385205625"/>
+                  </a:ext>
+                </a:extLst>
+              </a:tr>
+              <a:tr h="702330">
+                <a:tc>
+                  <a:txBody>
+                    <a:bodyPr/>
+                    <a:lstStyle/>
+                    <a:p>
+                      <a:pPr lvl="0" algn="l">
+                        <a:lnSpc>
+                          <a:spcPct val="100000"/>
+                        </a:lnSpc>
+                        <a:spcBef>
+                          <a:spcPts val="0"/>
+                        </a:spcBef>
+                        <a:spcAft>
+                          <a:spcPts val="0"/>
+                        </a:spcAft>
+                        <a:buNone/>
+                      </a:pPr>
+                      <a:r>
+                        <a:rPr lang="en-US" sz="1300" b="1" i="0" u="none" strike="noStrike" noProof="0" dirty="0">
+                          <a:solidFill>
+                            <a:srgbClr val="6A8759"/>
+                          </a:solidFill>
+                          <a:latin typeface="Consolas"/>
+                        </a:rPr>
+                        <a:t>What Would you like to do today [Welcome]</a:t>
+                      </a:r>
+                    </a:p>
+                    <a:p>
+                      <a:pPr lvl="0" algn="l">
+                        <a:lnSpc>
+                          <a:spcPct val="100000"/>
+                        </a:lnSpc>
+                        <a:spcBef>
+                          <a:spcPts val="0"/>
+                        </a:spcBef>
+                        <a:spcAft>
+                          <a:spcPts val="0"/>
+                        </a:spcAft>
+                        <a:buNone/>
+                      </a:pPr>
+                      <a:r>
+                        <a:rPr lang="en-US" sz="1300" b="1" i="0" u="none" strike="noStrike" noProof="0" dirty="0">
+                          <a:solidFill>
+                            <a:srgbClr val="6A8759"/>
+                          </a:solidFill>
+                          <a:latin typeface="Consolas"/>
+                        </a:rPr>
+                        <a:t>-Remove MONSTERS</a:t>
+                      </a:r>
+                    </a:p>
+                  </a:txBody>
+                  <a:tcPr marL="173395" marR="173395" marT="173395" marB="173395"/>
+                </a:tc>
+                <a:tc>
+                  <a:txBody>
+                    <a:bodyPr/>
+                    <a:lstStyle/>
+                    <a:p>
+                      <a:pPr marL="0" lvl="0" indent="0" algn="l">
+                        <a:spcBef>
+                          <a:spcPts val="0"/>
+                        </a:spcBef>
+                        <a:spcAft>
+                          <a:spcPts val="0"/>
+                        </a:spcAft>
+                        <a:buNone/>
+                      </a:pPr>
+                      <a:r>
+                        <a:rPr lang="en-US" sz="1300" dirty="0"/>
+                        <a:t>Show first monsters details</a:t>
+                      </a:r>
+                    </a:p>
+                  </a:txBody>
+                  <a:tcPr marL="173395" marR="173395" marT="173395" marB="173395"/>
+                </a:tc>
+                <a:extLst>
+                  <a:ext uri="{0D108BD9-81ED-4DB2-BD59-A6C34878D82A}">
+                    <a16:rowId xmlns:a16="http://schemas.microsoft.com/office/drawing/2014/main" val="914679615"/>
+                  </a:ext>
+                </a:extLst>
+              </a:tr>
+              <a:tr h="482004">
+                <a:tc>
+                  <a:txBody>
+                    <a:bodyPr/>
+                    <a:lstStyle/>
+                    <a:p>
+                      <a:pPr lvl="0" algn="l">
+                        <a:lnSpc>
+                          <a:spcPct val="100000"/>
+                        </a:lnSpc>
+                        <a:spcBef>
+                          <a:spcPts val="0"/>
+                        </a:spcBef>
+                        <a:spcAft>
+                          <a:spcPts val="0"/>
+                        </a:spcAft>
+                        <a:buNone/>
+                      </a:pPr>
+                      <a:r>
+                        <a:rPr lang="en-US" sz="1300" b="1" i="0" u="none" strike="noStrike" noProof="0" dirty="0">
+                          <a:solidFill>
+                            <a:srgbClr val="6A8759"/>
+                          </a:solidFill>
+                          <a:latin typeface="Consolas"/>
+                        </a:rPr>
+                        <a:t>Previous</a:t>
+                      </a:r>
+                    </a:p>
+                  </a:txBody>
+                  <a:tcPr marL="173395" marR="173395" marT="173395" marB="173395"/>
+                </a:tc>
+                <a:tc>
+                  <a:txBody>
+                    <a:bodyPr/>
+                    <a:lstStyle/>
+                    <a:p>
+                      <a:pPr marL="0" lvl="0" indent="0" algn="l">
+                        <a:spcBef>
+                          <a:spcPts val="0"/>
+                        </a:spcBef>
+                        <a:spcAft>
+                          <a:spcPts val="0"/>
+                        </a:spcAft>
+                        <a:buNone/>
+                      </a:pPr>
+                      <a:r>
+                        <a:rPr lang="en-US" sz="1300" dirty="0"/>
+                        <a:t>Go to the previous monster</a:t>
+                      </a:r>
+                    </a:p>
+                  </a:txBody>
+                  <a:tcPr marL="173395" marR="173395" marT="173395" marB="173395"/>
+                </a:tc>
+                <a:extLst>
+                  <a:ext uri="{0D108BD9-81ED-4DB2-BD59-A6C34878D82A}">
+                    <a16:rowId xmlns:a16="http://schemas.microsoft.com/office/drawing/2014/main" val="2730789861"/>
+                  </a:ext>
+                </a:extLst>
+              </a:tr>
+              <a:tr h="482003">
+                <a:tc>
+                  <a:txBody>
+                    <a:bodyPr/>
+                    <a:lstStyle/>
+                    <a:p>
+                      <a:pPr lvl="0" algn="l">
+                        <a:lnSpc>
+                          <a:spcPct val="100000"/>
+                        </a:lnSpc>
+                        <a:spcBef>
+                          <a:spcPts val="0"/>
+                        </a:spcBef>
+                        <a:spcAft>
+                          <a:spcPts val="0"/>
+                        </a:spcAft>
+                        <a:buNone/>
+                      </a:pPr>
+                      <a:r>
+                        <a:rPr lang="en-US" sz="1300" b="1" i="0" u="none" strike="noStrike" noProof="0" dirty="0">
+                          <a:solidFill>
+                            <a:srgbClr val="6A8759"/>
+                          </a:solidFill>
+                          <a:latin typeface="Consolas"/>
+                        </a:rPr>
+                        <a:t>Next</a:t>
+                      </a:r>
+                      <a:endParaRPr lang="en-US" sz="1300" b="1" dirty="0"/>
+                    </a:p>
+                  </a:txBody>
+                  <a:tcPr marL="173394" marR="173394" marT="173394" marB="173394"/>
+                </a:tc>
+                <a:tc>
+                  <a:txBody>
+                    <a:bodyPr/>
+                    <a:lstStyle/>
+                    <a:p>
+                      <a:pPr marL="0" lvl="0" indent="0" algn="l">
+                        <a:spcBef>
+                          <a:spcPts val="0"/>
+                        </a:spcBef>
+                        <a:spcAft>
+                          <a:spcPts val="0"/>
+                        </a:spcAft>
+                        <a:buNone/>
+                      </a:pPr>
+                      <a:r>
+                        <a:rPr lang="en-US" sz="1300" dirty="0"/>
+                        <a:t>Go to the next monster</a:t>
+                      </a:r>
+                    </a:p>
+                  </a:txBody>
+                  <a:tcPr marL="173394" marR="173394" marT="173394" marB="173394"/>
+                </a:tc>
+                <a:extLst>
+                  <a:ext uri="{0D108BD9-81ED-4DB2-BD59-A6C34878D82A}">
+                    <a16:rowId xmlns:a16="http://schemas.microsoft.com/office/drawing/2014/main" val="850815869"/>
+                  </a:ext>
+                </a:extLst>
+              </a:tr>
+              <a:tr h="482001">
+                <a:tc>
+                  <a:txBody>
+                    <a:bodyPr/>
+                    <a:lstStyle/>
+                    <a:p>
+                      <a:pPr marL="0" marR="0" lvl="0" indent="0" algn="l" defTabSz="914400" rtl="0" eaLnBrk="1" fontAlgn="auto" latinLnBrk="0" hangingPunct="1">
+                        <a:lnSpc>
+                          <a:spcPct val="100000"/>
+                        </a:lnSpc>
+                        <a:spcBef>
+                          <a:spcPts val="0"/>
+                        </a:spcBef>
+                        <a:spcAft>
+                          <a:spcPts val="0"/>
+                        </a:spcAft>
+                        <a:buClrTx/>
+                        <a:buSzTx/>
+                        <a:buFontTx/>
+                        <a:buNone/>
+                        <a:tabLst/>
+                        <a:defRPr/>
+                      </a:pPr>
+                      <a:r>
+                        <a:rPr lang="en-US" sz="1300" b="1" i="0" u="none" strike="noStrike" noProof="0" dirty="0">
+                          <a:solidFill>
+                            <a:srgbClr val="6A8759"/>
+                          </a:solidFill>
+                          <a:latin typeface="Consolas"/>
+                        </a:rPr>
+                        <a:t>Delete</a:t>
+                      </a:r>
+                    </a:p>
+                    <a:p>
+                      <a:pPr marL="0" marR="0" lvl="0" indent="0" algn="l" defTabSz="914400" rtl="0" eaLnBrk="1" fontAlgn="auto" latinLnBrk="0" hangingPunct="1">
+                        <a:lnSpc>
+                          <a:spcPct val="100000"/>
+                        </a:lnSpc>
+                        <a:spcBef>
+                          <a:spcPts val="0"/>
+                        </a:spcBef>
+                        <a:spcAft>
+                          <a:spcPts val="0"/>
+                        </a:spcAft>
+                        <a:buClrTx/>
+                        <a:buSzTx/>
+                        <a:buFontTx/>
+                        <a:buNone/>
+                        <a:tabLst/>
+                        <a:defRPr/>
+                      </a:pPr>
+                      <a:r>
+                        <a:rPr lang="en-US" sz="1300" b="1" i="0" u="none" strike="noStrike" noProof="0" dirty="0">
+                          <a:solidFill>
+                            <a:srgbClr val="6A8759"/>
+                          </a:solidFill>
+                          <a:latin typeface="Consolas"/>
+                        </a:rPr>
+                        <a:t>-Delete every monster</a:t>
+                      </a:r>
+                    </a:p>
+                  </a:txBody>
+                  <a:tcPr marL="173393" marR="173393" marT="173393" marB="173393"/>
+                </a:tc>
+                <a:tc>
+                  <a:txBody>
+                    <a:bodyPr/>
+                    <a:lstStyle/>
+                    <a:p>
+                      <a:pPr marL="0" marR="0" lvl="0" indent="0" algn="l" defTabSz="914400" rtl="0" eaLnBrk="1" fontAlgn="auto" latinLnBrk="0" hangingPunct="1">
+                        <a:lnSpc>
+                          <a:spcPct val="100000"/>
+                        </a:lnSpc>
+                        <a:spcBef>
+                          <a:spcPts val="0"/>
+                        </a:spcBef>
+                        <a:spcAft>
+                          <a:spcPts val="0"/>
+                        </a:spcAft>
+                        <a:buClrTx/>
+                        <a:buSzTx/>
+                        <a:buFontTx/>
+                        <a:buNone/>
+                        <a:tabLst/>
+                        <a:defRPr/>
+                      </a:pPr>
+                      <a:r>
+                        <a:rPr lang="en-US" sz="1300" dirty="0"/>
+                        <a:t>Delete current card</a:t>
+                      </a:r>
+                    </a:p>
+                    <a:p>
+                      <a:pPr marL="0" marR="0" lvl="0" indent="0" algn="l" defTabSz="914400" rtl="0" eaLnBrk="1" fontAlgn="auto" latinLnBrk="0" hangingPunct="1">
+                        <a:lnSpc>
+                          <a:spcPct val="100000"/>
+                        </a:lnSpc>
+                        <a:spcBef>
+                          <a:spcPts val="0"/>
+                        </a:spcBef>
+                        <a:spcAft>
+                          <a:spcPts val="0"/>
+                        </a:spcAft>
+                        <a:buClrTx/>
+                        <a:buSzTx/>
+                        <a:buFontTx/>
+                        <a:buNone/>
+                        <a:tabLst/>
+                        <a:defRPr/>
+                      </a:pPr>
+                      <a:r>
+                        <a:rPr lang="en-US" sz="1300" dirty="0"/>
+                        <a:t>There are no monsters in this catalogue</a:t>
+                      </a:r>
+                    </a:p>
+                  </a:txBody>
+                  <a:tcPr marL="173393" marR="173393" marT="173393" marB="173393"/>
+                </a:tc>
+                <a:extLst>
+                  <a:ext uri="{0D108BD9-81ED-4DB2-BD59-A6C34878D82A}">
+                    <a16:rowId xmlns:a16="http://schemas.microsoft.com/office/drawing/2014/main" val="3935248138"/>
+                  </a:ext>
+                </a:extLst>
+              </a:tr>
+              <a:tr h="482001">
+                <a:tc>
+                  <a:txBody>
+                    <a:bodyPr/>
+                    <a:lstStyle/>
+                    <a:p>
+                      <a:pPr marL="0" marR="0" lvl="0" indent="0" algn="l" defTabSz="914400" rtl="0" eaLnBrk="1" fontAlgn="auto" latinLnBrk="0" hangingPunct="1">
+                        <a:lnSpc>
+                          <a:spcPct val="100000"/>
+                        </a:lnSpc>
+                        <a:spcBef>
+                          <a:spcPts val="0"/>
+                        </a:spcBef>
+                        <a:spcAft>
+                          <a:spcPts val="0"/>
+                        </a:spcAft>
+                        <a:buClrTx/>
+                        <a:buSzTx/>
+                        <a:buFontTx/>
+                        <a:buNone/>
+                        <a:tabLst/>
+                        <a:defRPr/>
+                      </a:pPr>
+                      <a:r>
+                        <a:rPr lang="en-US" sz="1300" b="1" i="0" u="none" strike="noStrike" noProof="0" dirty="0">
+                          <a:solidFill>
+                            <a:srgbClr val="6A8759"/>
+                          </a:solidFill>
+                          <a:latin typeface="Consolas"/>
+                        </a:rPr>
+                        <a:t>Exit</a:t>
+                      </a:r>
+                    </a:p>
+                  </a:txBody>
+                  <a:tcPr marL="173393" marR="173393" marT="173393" marB="173393"/>
+                </a:tc>
+                <a:tc>
+                  <a:txBody>
+                    <a:bodyPr/>
+                    <a:lstStyle/>
+                    <a:p>
+                      <a:pPr marL="0" marR="0" lvl="0" indent="0" algn="l" defTabSz="914400" rtl="0" eaLnBrk="1" fontAlgn="auto" latinLnBrk="0" hangingPunct="1">
+                        <a:lnSpc>
+                          <a:spcPct val="100000"/>
+                        </a:lnSpc>
+                        <a:spcBef>
+                          <a:spcPts val="0"/>
+                        </a:spcBef>
+                        <a:spcAft>
+                          <a:spcPts val="0"/>
+                        </a:spcAft>
+                        <a:buClrTx/>
+                        <a:buSzTx/>
+                        <a:buFontTx/>
+                        <a:buNone/>
+                        <a:tabLst/>
+                        <a:defRPr/>
+                      </a:pPr>
+                      <a:r>
+                        <a:rPr lang="en-US" sz="1300" dirty="0"/>
+                        <a:t>Return to welcome function</a:t>
+                      </a:r>
+                    </a:p>
+                  </a:txBody>
+                  <a:tcPr marL="173393" marR="173393" marT="173393" marB="173393"/>
+                </a:tc>
+                <a:extLst>
+                  <a:ext uri="{0D108BD9-81ED-4DB2-BD59-A6C34878D82A}">
+                    <a16:rowId xmlns:a16="http://schemas.microsoft.com/office/drawing/2014/main" val="732082990"/>
+                  </a:ext>
+                </a:extLst>
+              </a:tr>
+            </a:tbl>
+          </a:graphicData>
+        </a:graphic>
+      </p:graphicFrame>
+      <p:pic>
+        <p:nvPicPr>
+          <p:cNvPr id="6" name="Picture 5">
+            <a:extLst>
+              <a:ext uri="{FF2B5EF4-FFF2-40B4-BE49-F238E27FC236}">
+                <a16:creationId xmlns:a16="http://schemas.microsoft.com/office/drawing/2014/main" id="{B43A5E42-765C-64E7-B446-A3C0685AC80F}"/>
+              </a:ext>
+            </a:extLst>
+          </p:cNvPr>
+          <p:cNvPicPr>
+            <a:picLocks noChangeAspect="1"/>
+          </p:cNvPicPr>
+          <p:nvPr/>
+        </p:nvPicPr>
+        <p:blipFill>
+          <a:blip r:embed="rId3"/>
+          <a:stretch>
+            <a:fillRect/>
+          </a:stretch>
+        </p:blipFill>
+        <p:spPr>
+          <a:xfrm>
+            <a:off x="248970" y="1831303"/>
+            <a:ext cx="4237087" cy="1211685"/>
+          </a:xfrm>
+          <a:prstGeom prst="rect">
+            <a:avLst/>
+          </a:prstGeom>
+          <a:ln w="38100">
+            <a:solidFill>
+              <a:srgbClr val="C00000"/>
+            </a:solidFill>
+          </a:ln>
+        </p:spPr>
+      </p:pic>
+      <p:pic>
+        <p:nvPicPr>
+          <p:cNvPr id="8" name="Picture 7">
+            <a:extLst>
+              <a:ext uri="{FF2B5EF4-FFF2-40B4-BE49-F238E27FC236}">
+                <a16:creationId xmlns:a16="http://schemas.microsoft.com/office/drawing/2014/main" id="{D654E944-EB96-F6C5-7540-72631FFCF480}"/>
+              </a:ext>
+            </a:extLst>
+          </p:cNvPr>
+          <p:cNvPicPr>
+            <a:picLocks noChangeAspect="1"/>
+          </p:cNvPicPr>
+          <p:nvPr/>
+        </p:nvPicPr>
+        <p:blipFill>
+          <a:blip r:embed="rId4"/>
+          <a:stretch>
+            <a:fillRect/>
+          </a:stretch>
+        </p:blipFill>
+        <p:spPr>
+          <a:xfrm>
+            <a:off x="4641816" y="1831303"/>
+            <a:ext cx="3305207" cy="1211685"/>
+          </a:xfrm>
+          <a:prstGeom prst="rect">
+            <a:avLst/>
+          </a:prstGeom>
+          <a:ln w="38100">
+            <a:solidFill>
+              <a:srgbClr val="C00000"/>
+            </a:solidFill>
+          </a:ln>
+        </p:spPr>
+      </p:pic>
+      <p:pic>
+        <p:nvPicPr>
+          <p:cNvPr id="10" name="Picture 9">
+            <a:extLst>
+              <a:ext uri="{FF2B5EF4-FFF2-40B4-BE49-F238E27FC236}">
+                <a16:creationId xmlns:a16="http://schemas.microsoft.com/office/drawing/2014/main" id="{32DE82E0-C745-4070-E2EA-02FE6BB67BBC}"/>
+              </a:ext>
+            </a:extLst>
+          </p:cNvPr>
+          <p:cNvPicPr>
+            <a:picLocks noChangeAspect="1"/>
+          </p:cNvPicPr>
+          <p:nvPr/>
+        </p:nvPicPr>
+        <p:blipFill>
+          <a:blip r:embed="rId5"/>
+          <a:stretch>
+            <a:fillRect/>
+          </a:stretch>
+        </p:blipFill>
+        <p:spPr>
+          <a:xfrm>
+            <a:off x="8102782" y="1831304"/>
+            <a:ext cx="3305207" cy="1234310"/>
+          </a:xfrm>
+          <a:prstGeom prst="rect">
+            <a:avLst/>
+          </a:prstGeom>
+          <a:ln w="38100">
+            <a:solidFill>
+              <a:srgbClr val="FFC000"/>
+            </a:solidFill>
+          </a:ln>
+        </p:spPr>
+      </p:pic>
+      <p:pic>
+        <p:nvPicPr>
+          <p:cNvPr id="12" name="Picture 11">
+            <a:extLst>
+              <a:ext uri="{FF2B5EF4-FFF2-40B4-BE49-F238E27FC236}">
+                <a16:creationId xmlns:a16="http://schemas.microsoft.com/office/drawing/2014/main" id="{40A3F6CA-EDCF-CC5E-C4DE-22DCA868E2D0}"/>
+              </a:ext>
+            </a:extLst>
+          </p:cNvPr>
+          <p:cNvPicPr>
+            <a:picLocks noChangeAspect="1"/>
+          </p:cNvPicPr>
+          <p:nvPr/>
+        </p:nvPicPr>
+        <p:blipFill>
+          <a:blip r:embed="rId6"/>
+          <a:stretch>
+            <a:fillRect/>
+          </a:stretch>
+        </p:blipFill>
+        <p:spPr>
+          <a:xfrm>
+            <a:off x="8349525" y="3175190"/>
+            <a:ext cx="3305207" cy="1234394"/>
+          </a:xfrm>
+          <a:prstGeom prst="rect">
+            <a:avLst/>
+          </a:prstGeom>
+          <a:ln w="38100">
+            <a:solidFill>
+              <a:srgbClr val="92D050"/>
+            </a:solidFill>
+          </a:ln>
+        </p:spPr>
+      </p:pic>
+      <p:pic>
+        <p:nvPicPr>
+          <p:cNvPr id="14" name="Picture 13">
+            <a:extLst>
+              <a:ext uri="{FF2B5EF4-FFF2-40B4-BE49-F238E27FC236}">
+                <a16:creationId xmlns:a16="http://schemas.microsoft.com/office/drawing/2014/main" id="{81172824-AD74-7EBF-D1F5-9BFE89F968E5}"/>
+              </a:ext>
+            </a:extLst>
+          </p:cNvPr>
+          <p:cNvPicPr>
+            <a:picLocks noChangeAspect="1"/>
+          </p:cNvPicPr>
+          <p:nvPr/>
+        </p:nvPicPr>
+        <p:blipFill>
+          <a:blip r:embed="rId7"/>
+          <a:stretch>
+            <a:fillRect/>
+          </a:stretch>
+        </p:blipFill>
+        <p:spPr>
+          <a:xfrm>
+            <a:off x="8349525" y="4513385"/>
+            <a:ext cx="3305207" cy="1050127"/>
+          </a:xfrm>
+          <a:prstGeom prst="rect">
+            <a:avLst/>
+          </a:prstGeom>
+          <a:ln w="38100">
+            <a:solidFill>
+              <a:srgbClr val="00B0F0"/>
+            </a:solidFill>
+          </a:ln>
+        </p:spPr>
+      </p:pic>
+      <p:pic>
+        <p:nvPicPr>
+          <p:cNvPr id="16" name="Picture 15">
+            <a:extLst>
+              <a:ext uri="{FF2B5EF4-FFF2-40B4-BE49-F238E27FC236}">
+                <a16:creationId xmlns:a16="http://schemas.microsoft.com/office/drawing/2014/main" id="{B92E4007-204F-6389-C157-57E3C9A65869}"/>
+              </a:ext>
+            </a:extLst>
+          </p:cNvPr>
+          <p:cNvPicPr>
+            <a:picLocks noChangeAspect="1"/>
+          </p:cNvPicPr>
+          <p:nvPr/>
+        </p:nvPicPr>
+        <p:blipFill rotWithShape="1">
+          <a:blip r:embed="rId8"/>
+          <a:srcRect r="12537"/>
+          <a:stretch/>
+        </p:blipFill>
+        <p:spPr>
+          <a:xfrm>
+            <a:off x="8349525" y="5685935"/>
+            <a:ext cx="3305207" cy="1115902"/>
+          </a:xfrm>
+          <a:prstGeom prst="rect">
+            <a:avLst/>
+          </a:prstGeom>
+          <a:ln w="38100">
+            <a:solidFill>
+              <a:schemeClr val="accent5">
+                <a:lumMod val="50000"/>
+              </a:schemeClr>
+            </a:solidFill>
+          </a:ln>
+        </p:spPr>
+      </p:pic>
+      <p:sp>
+        <p:nvSpPr>
+          <p:cNvPr id="17" name="Rectangle 16">
+            <a:extLst>
+              <a:ext uri="{FF2B5EF4-FFF2-40B4-BE49-F238E27FC236}">
+                <a16:creationId xmlns:a16="http://schemas.microsoft.com/office/drawing/2014/main" id="{04736F87-CD8E-1A19-6399-98C14EF0FF9D}"/>
+              </a:ext>
+            </a:extLst>
+          </p:cNvPr>
+          <p:cNvSpPr/>
+          <p:nvPr/>
+        </p:nvSpPr>
+        <p:spPr>
+          <a:xfrm>
+            <a:off x="1372612" y="2743201"/>
+            <a:ext cx="1173817" cy="297627"/>
+          </a:xfrm>
+          <a:prstGeom prst="rect">
+            <a:avLst/>
+          </a:prstGeom>
+          <a:noFill/>
+          <a:ln w="38100">
+            <a:solidFill>
+              <a:srgbClr val="C00000"/>
+            </a:solidFill>
+          </a:ln>
+        </p:spPr>
+        <p:style>
+          <a:lnRef idx="2">
+            <a:schemeClr val="accent1">
+              <a:shade val="50000"/>
+            </a:schemeClr>
+          </a:lnRef>
+          <a:fillRef idx="1">
+            <a:schemeClr val="accent1"/>
+          </a:fillRef>
+          <a:effectRef idx="0">
+            <a:schemeClr val="accent1"/>
+          </a:effectRef>
+          <a:fontRef idx="minor">
+            <a:schemeClr val="lt1"/>
+          </a:fontRef>
+        </p:style>
+        <p:txBody>
+          <a:bodyPr rtlCol="0" anchor="ctr"/>
+          <a:lstStyle/>
+          <a:p>
+            <a:pPr algn="ctr"/>
+            <a:endParaRPr lang="en-NZ"/>
+          </a:p>
+        </p:txBody>
+      </p:sp>
+      <p:sp>
+        <p:nvSpPr>
+          <p:cNvPr id="19" name="Rectangle 18">
+            <a:extLst>
+              <a:ext uri="{FF2B5EF4-FFF2-40B4-BE49-F238E27FC236}">
+                <a16:creationId xmlns:a16="http://schemas.microsoft.com/office/drawing/2014/main" id="{71A0DB0C-0DFE-772C-2CA0-CF4801E0AD17}"/>
+              </a:ext>
+            </a:extLst>
+          </p:cNvPr>
+          <p:cNvSpPr/>
+          <p:nvPr/>
+        </p:nvSpPr>
+        <p:spPr>
+          <a:xfrm>
+            <a:off x="8252751" y="2777925"/>
+            <a:ext cx="567158" cy="246526"/>
+          </a:xfrm>
+          <a:prstGeom prst="rect">
+            <a:avLst/>
+          </a:prstGeom>
+          <a:noFill/>
+          <a:ln w="38100">
+            <a:solidFill>
+              <a:srgbClr val="FFC000"/>
+            </a:solidFill>
+          </a:ln>
+        </p:spPr>
+        <p:style>
+          <a:lnRef idx="2">
+            <a:schemeClr val="accent1">
+              <a:shade val="50000"/>
+            </a:schemeClr>
+          </a:lnRef>
+          <a:fillRef idx="1">
+            <a:schemeClr val="accent1"/>
+          </a:fillRef>
+          <a:effectRef idx="0">
+            <a:schemeClr val="accent1"/>
+          </a:effectRef>
+          <a:fontRef idx="minor">
+            <a:schemeClr val="lt1"/>
+          </a:fontRef>
+        </p:style>
+        <p:txBody>
+          <a:bodyPr rtlCol="0" anchor="ctr"/>
+          <a:lstStyle/>
+          <a:p>
+            <a:pPr algn="ctr"/>
+            <a:endParaRPr lang="en-NZ"/>
+          </a:p>
+        </p:txBody>
+      </p:sp>
+      <p:sp>
+        <p:nvSpPr>
+          <p:cNvPr id="20" name="Rectangle 19">
+            <a:extLst>
+              <a:ext uri="{FF2B5EF4-FFF2-40B4-BE49-F238E27FC236}">
+                <a16:creationId xmlns:a16="http://schemas.microsoft.com/office/drawing/2014/main" id="{7092816A-0BEE-C925-7AD5-0AE537252F9F}"/>
+              </a:ext>
+            </a:extLst>
+          </p:cNvPr>
+          <p:cNvSpPr/>
+          <p:nvPr/>
+        </p:nvSpPr>
+        <p:spPr>
+          <a:xfrm>
+            <a:off x="9469417" y="4109013"/>
+            <a:ext cx="415363" cy="254595"/>
+          </a:xfrm>
+          <a:prstGeom prst="rect">
+            <a:avLst/>
+          </a:prstGeom>
+          <a:noFill/>
+          <a:ln w="38100">
+            <a:solidFill>
+              <a:srgbClr val="92D050"/>
+            </a:solidFill>
+          </a:ln>
+        </p:spPr>
+        <p:style>
+          <a:lnRef idx="2">
+            <a:schemeClr val="accent1">
+              <a:shade val="50000"/>
+            </a:schemeClr>
+          </a:lnRef>
+          <a:fillRef idx="1">
+            <a:schemeClr val="accent1"/>
+          </a:fillRef>
+          <a:effectRef idx="0">
+            <a:schemeClr val="accent1"/>
+          </a:effectRef>
+          <a:fontRef idx="minor">
+            <a:schemeClr val="lt1"/>
+          </a:fontRef>
+        </p:style>
+        <p:txBody>
+          <a:bodyPr rtlCol="0" anchor="ctr"/>
+          <a:lstStyle/>
+          <a:p>
+            <a:pPr algn="ctr"/>
+            <a:endParaRPr lang="en-NZ"/>
+          </a:p>
+        </p:txBody>
+      </p:sp>
+      <p:sp>
+        <p:nvSpPr>
+          <p:cNvPr id="21" name="Rectangle 20">
+            <a:extLst>
+              <a:ext uri="{FF2B5EF4-FFF2-40B4-BE49-F238E27FC236}">
+                <a16:creationId xmlns:a16="http://schemas.microsoft.com/office/drawing/2014/main" id="{273A088E-266F-E936-5222-DFEF9EF257A9}"/>
+              </a:ext>
+            </a:extLst>
+          </p:cNvPr>
+          <p:cNvSpPr/>
+          <p:nvPr/>
+        </p:nvSpPr>
+        <p:spPr>
+          <a:xfrm>
+            <a:off x="10301995" y="4123481"/>
+            <a:ext cx="415363" cy="228552"/>
+          </a:xfrm>
+          <a:prstGeom prst="rect">
+            <a:avLst/>
+          </a:prstGeom>
+          <a:noFill/>
+          <a:ln w="38100">
+            <a:solidFill>
+              <a:srgbClr val="00B050"/>
+            </a:solidFill>
+          </a:ln>
+        </p:spPr>
+        <p:style>
+          <a:lnRef idx="2">
+            <a:schemeClr val="accent1">
+              <a:shade val="50000"/>
+            </a:schemeClr>
+          </a:lnRef>
+          <a:fillRef idx="1">
+            <a:schemeClr val="accent1"/>
+          </a:fillRef>
+          <a:effectRef idx="0">
+            <a:schemeClr val="accent1"/>
+          </a:effectRef>
+          <a:fontRef idx="minor">
+            <a:schemeClr val="lt1"/>
+          </a:fontRef>
+        </p:style>
+        <p:txBody>
+          <a:bodyPr rtlCol="0" anchor="ctr"/>
+          <a:lstStyle/>
+          <a:p>
+            <a:pPr algn="ctr"/>
+            <a:endParaRPr lang="en-NZ"/>
+          </a:p>
+        </p:txBody>
+      </p:sp>
+      <p:sp>
+        <p:nvSpPr>
+          <p:cNvPr id="22" name="Rectangle 21">
+            <a:extLst>
+              <a:ext uri="{FF2B5EF4-FFF2-40B4-BE49-F238E27FC236}">
+                <a16:creationId xmlns:a16="http://schemas.microsoft.com/office/drawing/2014/main" id="{C16214F2-3C73-822B-24EE-B92E4C5E7C60}"/>
+              </a:ext>
+            </a:extLst>
+          </p:cNvPr>
+          <p:cNvSpPr/>
+          <p:nvPr/>
+        </p:nvSpPr>
+        <p:spPr>
+          <a:xfrm>
+            <a:off x="11102557" y="4135648"/>
+            <a:ext cx="415363" cy="228551"/>
+          </a:xfrm>
+          <a:prstGeom prst="rect">
+            <a:avLst/>
+          </a:prstGeom>
+          <a:noFill/>
+          <a:ln w="38100">
+            <a:solidFill>
+              <a:schemeClr val="accent5">
+                <a:lumMod val="50000"/>
+              </a:schemeClr>
+            </a:solidFill>
+          </a:ln>
+        </p:spPr>
+        <p:style>
+          <a:lnRef idx="2">
+            <a:schemeClr val="accent1">
+              <a:shade val="50000"/>
+            </a:schemeClr>
+          </a:lnRef>
+          <a:fillRef idx="1">
+            <a:schemeClr val="accent1"/>
+          </a:fillRef>
+          <a:effectRef idx="0">
+            <a:schemeClr val="accent1"/>
+          </a:effectRef>
+          <a:fontRef idx="minor">
+            <a:schemeClr val="lt1"/>
+          </a:fontRef>
+        </p:style>
+        <p:txBody>
+          <a:bodyPr rtlCol="0" anchor="ctr"/>
+          <a:lstStyle/>
+          <a:p>
+            <a:pPr algn="ctr"/>
+            <a:endParaRPr lang="en-NZ"/>
+          </a:p>
+        </p:txBody>
+      </p:sp>
+      <p:sp>
+        <p:nvSpPr>
+          <p:cNvPr id="23" name="Rectangle 22">
+            <a:extLst>
+              <a:ext uri="{FF2B5EF4-FFF2-40B4-BE49-F238E27FC236}">
+                <a16:creationId xmlns:a16="http://schemas.microsoft.com/office/drawing/2014/main" id="{D0593012-2404-B91E-9EA6-8A9E79D8121D}"/>
+              </a:ext>
+            </a:extLst>
+          </p:cNvPr>
+          <p:cNvSpPr/>
+          <p:nvPr/>
+        </p:nvSpPr>
+        <p:spPr>
+          <a:xfrm>
+            <a:off x="248970" y="3680749"/>
+            <a:ext cx="7945906" cy="733233"/>
+          </a:xfrm>
+          <a:prstGeom prst="rect">
+            <a:avLst/>
+          </a:prstGeom>
+          <a:noFill/>
+          <a:ln w="38100">
+            <a:solidFill>
+              <a:srgbClr val="C00000"/>
+            </a:solidFill>
+          </a:ln>
+        </p:spPr>
+        <p:style>
+          <a:lnRef idx="2">
+            <a:schemeClr val="accent1">
+              <a:shade val="50000"/>
+            </a:schemeClr>
+          </a:lnRef>
+          <a:fillRef idx="1">
+            <a:schemeClr val="accent1"/>
+          </a:fillRef>
+          <a:effectRef idx="0">
+            <a:schemeClr val="accent1"/>
+          </a:effectRef>
+          <a:fontRef idx="minor">
+            <a:schemeClr val="lt1"/>
+          </a:fontRef>
+        </p:style>
+        <p:txBody>
+          <a:bodyPr rtlCol="0" anchor="ctr"/>
+          <a:lstStyle/>
+          <a:p>
+            <a:pPr algn="ctr"/>
+            <a:endParaRPr lang="en-NZ"/>
+          </a:p>
+        </p:txBody>
+      </p:sp>
+      <p:sp>
+        <p:nvSpPr>
+          <p:cNvPr id="25" name="Rectangle 24">
+            <a:extLst>
+              <a:ext uri="{FF2B5EF4-FFF2-40B4-BE49-F238E27FC236}">
+                <a16:creationId xmlns:a16="http://schemas.microsoft.com/office/drawing/2014/main" id="{BE82FCF3-9E1A-4486-34AD-7EFA2B014CA4}"/>
+              </a:ext>
+            </a:extLst>
+          </p:cNvPr>
+          <p:cNvSpPr/>
+          <p:nvPr/>
+        </p:nvSpPr>
+        <p:spPr>
+          <a:xfrm>
+            <a:off x="250899" y="5499903"/>
+            <a:ext cx="7945906" cy="733233"/>
+          </a:xfrm>
+          <a:prstGeom prst="rect">
+            <a:avLst/>
+          </a:prstGeom>
+          <a:noFill/>
+          <a:ln w="38100">
+            <a:solidFill>
+              <a:srgbClr val="00B0F0"/>
+            </a:solidFill>
+          </a:ln>
+        </p:spPr>
+        <p:style>
+          <a:lnRef idx="2">
+            <a:schemeClr val="accent1">
+              <a:shade val="50000"/>
+            </a:schemeClr>
+          </a:lnRef>
+          <a:fillRef idx="1">
+            <a:schemeClr val="accent1"/>
+          </a:fillRef>
+          <a:effectRef idx="0">
+            <a:schemeClr val="accent1"/>
+          </a:effectRef>
+          <a:fontRef idx="minor">
+            <a:schemeClr val="lt1"/>
+          </a:fontRef>
+        </p:style>
+        <p:txBody>
+          <a:bodyPr rtlCol="0" anchor="ctr"/>
+          <a:lstStyle/>
+          <a:p>
+            <a:pPr algn="ctr"/>
+            <a:endParaRPr lang="en-NZ"/>
+          </a:p>
+        </p:txBody>
+      </p:sp>
+      <p:sp>
+        <p:nvSpPr>
+          <p:cNvPr id="26" name="Rectangle 25">
+            <a:extLst>
+              <a:ext uri="{FF2B5EF4-FFF2-40B4-BE49-F238E27FC236}">
+                <a16:creationId xmlns:a16="http://schemas.microsoft.com/office/drawing/2014/main" id="{2EC5A9DC-DDBE-F087-5DF5-5702FE4BCDAB}"/>
+              </a:ext>
+            </a:extLst>
+          </p:cNvPr>
+          <p:cNvSpPr/>
+          <p:nvPr/>
+        </p:nvSpPr>
+        <p:spPr>
+          <a:xfrm>
+            <a:off x="252827" y="4423958"/>
+            <a:ext cx="7945906" cy="547050"/>
+          </a:xfrm>
+          <a:prstGeom prst="rect">
+            <a:avLst/>
+          </a:prstGeom>
+          <a:noFill/>
+          <a:ln w="38100">
+            <a:solidFill>
+              <a:srgbClr val="FFC000"/>
+            </a:solidFill>
+          </a:ln>
+        </p:spPr>
+        <p:style>
+          <a:lnRef idx="2">
+            <a:schemeClr val="accent1">
+              <a:shade val="50000"/>
+            </a:schemeClr>
+          </a:lnRef>
+          <a:fillRef idx="1">
+            <a:schemeClr val="accent1"/>
+          </a:fillRef>
+          <a:effectRef idx="0">
+            <a:schemeClr val="accent1"/>
+          </a:effectRef>
+          <a:fontRef idx="minor">
+            <a:schemeClr val="lt1"/>
+          </a:fontRef>
+        </p:style>
+        <p:txBody>
+          <a:bodyPr rtlCol="0" anchor="ctr"/>
+          <a:lstStyle/>
+          <a:p>
+            <a:pPr algn="ctr"/>
+            <a:r>
+              <a:rPr lang="en-NZ" dirty="0"/>
+              <a:t>Z</a:t>
+            </a:r>
+          </a:p>
+        </p:txBody>
+      </p:sp>
+      <p:sp>
+        <p:nvSpPr>
+          <p:cNvPr id="27" name="Rectangle 26">
+            <a:extLst>
+              <a:ext uri="{FF2B5EF4-FFF2-40B4-BE49-F238E27FC236}">
+                <a16:creationId xmlns:a16="http://schemas.microsoft.com/office/drawing/2014/main" id="{B6B489A5-080C-467C-DCB4-31A789C353DC}"/>
+              </a:ext>
+            </a:extLst>
+          </p:cNvPr>
+          <p:cNvSpPr/>
+          <p:nvPr/>
+        </p:nvSpPr>
+        <p:spPr>
+          <a:xfrm>
+            <a:off x="254754" y="4958325"/>
+            <a:ext cx="7945906" cy="547050"/>
+          </a:xfrm>
+          <a:prstGeom prst="rect">
+            <a:avLst/>
+          </a:prstGeom>
+          <a:noFill/>
+          <a:ln w="38100">
+            <a:solidFill>
+              <a:srgbClr val="92D050"/>
+            </a:solidFill>
+          </a:ln>
+        </p:spPr>
+        <p:style>
+          <a:lnRef idx="2">
+            <a:schemeClr val="accent1">
+              <a:shade val="50000"/>
+            </a:schemeClr>
+          </a:lnRef>
+          <a:fillRef idx="1">
+            <a:schemeClr val="accent1"/>
+          </a:fillRef>
+          <a:effectRef idx="0">
+            <a:schemeClr val="accent1"/>
+          </a:effectRef>
+          <a:fontRef idx="minor">
+            <a:schemeClr val="lt1"/>
+          </a:fontRef>
+        </p:style>
+        <p:txBody>
+          <a:bodyPr rtlCol="0" anchor="ctr"/>
+          <a:lstStyle/>
+          <a:p>
+            <a:pPr algn="ctr"/>
+            <a:r>
+              <a:rPr lang="en-NZ" dirty="0"/>
+              <a:t>Z</a:t>
+            </a:r>
+          </a:p>
+        </p:txBody>
+      </p:sp>
+      <p:sp>
+        <p:nvSpPr>
+          <p:cNvPr id="28" name="Rectangle 27">
+            <a:extLst>
+              <a:ext uri="{FF2B5EF4-FFF2-40B4-BE49-F238E27FC236}">
+                <a16:creationId xmlns:a16="http://schemas.microsoft.com/office/drawing/2014/main" id="{971DD4C8-0286-05A0-EF4A-E89AFF2E74F8}"/>
+              </a:ext>
+            </a:extLst>
+          </p:cNvPr>
+          <p:cNvSpPr/>
+          <p:nvPr/>
+        </p:nvSpPr>
+        <p:spPr>
+          <a:xfrm>
+            <a:off x="254755" y="6243105"/>
+            <a:ext cx="7945906" cy="547050"/>
+          </a:xfrm>
+          <a:prstGeom prst="rect">
+            <a:avLst/>
+          </a:prstGeom>
+          <a:noFill/>
+          <a:ln w="38100">
+            <a:solidFill>
+              <a:schemeClr val="accent5">
+                <a:lumMod val="50000"/>
+              </a:schemeClr>
+            </a:solidFill>
+          </a:ln>
+        </p:spPr>
+        <p:style>
+          <a:lnRef idx="2">
+            <a:schemeClr val="accent1">
+              <a:shade val="50000"/>
+            </a:schemeClr>
+          </a:lnRef>
+          <a:fillRef idx="1">
+            <a:schemeClr val="accent1"/>
+          </a:fillRef>
+          <a:effectRef idx="0">
+            <a:schemeClr val="accent1"/>
+          </a:effectRef>
+          <a:fontRef idx="minor">
+            <a:schemeClr val="lt1"/>
+          </a:fontRef>
+        </p:style>
+        <p:txBody>
+          <a:bodyPr rtlCol="0" anchor="ctr"/>
+          <a:lstStyle/>
+          <a:p>
+            <a:pPr algn="ctr"/>
+            <a:r>
+              <a:rPr lang="en-NZ" dirty="0"/>
+              <a:t>Z</a:t>
+            </a:r>
+          </a:p>
+        </p:txBody>
+      </p:sp>
     </p:spTree>
     <p:extLst>
       <p:ext uri="{BB962C8B-B14F-4D97-AF65-F5344CB8AC3E}">
@@ -9910,7 +11934,7 @@
           <p:nvPr>
             <p:extLst>
               <p:ext uri="{D42A27DB-BD31-4B8C-83A1-F6EECF244321}">
-                <p14:modId xmlns:p14="http://schemas.microsoft.com/office/powerpoint/2010/main" val="3792460403"/>
+                <p14:modId xmlns:p14="http://schemas.microsoft.com/office/powerpoint/2010/main" val="3357746154"/>
               </p:ext>
             </p:extLst>
           </p:nvPr>
@@ -10048,7 +12072,7 @@
                         <a:buNone/>
                       </a:pPr>
                       <a:r>
-                        <a:rPr lang="en-US" sz="1300"/>
+                        <a:rPr lang="en-US" sz="1300" dirty="0"/>
                         <a:t>Show Options</a:t>
                       </a:r>
                     </a:p>
@@ -10107,8 +12131,8 @@
                         <a:buNone/>
                       </a:pPr>
                       <a:r>
-                        <a:rPr lang="en-US" sz="1300"/>
-                        <a:t>Find selected Card</a:t>
+                        <a:rPr lang="en-US" sz="1300" dirty="0"/>
+                        <a:t>Print MONSTERS stats</a:t>
                       </a:r>
                     </a:p>
                   </a:txBody>
@@ -10167,8 +12191,8 @@
                         <a:buNone/>
                       </a:pPr>
                       <a:r>
-                        <a:rPr lang="en-US" sz="1300"/>
-                        <a:t>Find selected Card</a:t>
+                        <a:rPr lang="en-US" sz="1300" dirty="0"/>
+                        <a:t>Print MONSTERS stats</a:t>
                       </a:r>
                     </a:p>
                   </a:txBody>
@@ -10204,13 +12228,13 @@
                         <a:defRPr/>
                       </a:pPr>
                       <a:r>
-                        <a:rPr lang="en-US" sz="2100" b="1" i="0" u="none" strike="noStrike" noProof="0">
+                        <a:rPr lang="en-US" sz="2100" b="1" i="0" u="none" strike="noStrike" noProof="0" dirty="0">
                           <a:solidFill>
                             <a:srgbClr val="6A8759"/>
                           </a:solidFill>
                           <a:latin typeface="Consolas"/>
                         </a:rPr>
-                        <a:t>Return</a:t>
+                        <a:t>Exit</a:t>
                       </a:r>
                     </a:p>
                   </a:txBody>
@@ -10239,7 +12263,7 @@
                         <a:defRPr/>
                       </a:pPr>
                       <a:r>
-                        <a:rPr lang="en-US" sz="1300"/>
+                        <a:rPr lang="en-US" sz="1300" dirty="0"/>
                         <a:t>Return to welcome function</a:t>
                       </a:r>
                     </a:p>
@@ -10304,7 +12328,7 @@
         </p:nvSpPr>
         <p:spPr>
           <a:xfrm>
-            <a:off x="838200" y="518160"/>
+            <a:off x="363638" y="497780"/>
             <a:ext cx="10515600" cy="562928"/>
           </a:xfrm>
         </p:spPr>
@@ -10333,38 +12357,935 @@
           </a:p>
         </p:txBody>
       </p:sp>
-      <p:sp>
-        <p:nvSpPr>
-          <p:cNvPr id="4" name="TextBox 3">
+      <p:pic>
+        <p:nvPicPr>
+          <p:cNvPr id="5" name="Picture 4">
             <a:extLst>
               <a:ext uri="{FF2B5EF4-FFF2-40B4-BE49-F238E27FC236}">
-                <a16:creationId xmlns:a16="http://schemas.microsoft.com/office/drawing/2014/main" id="{8CD07A82-A944-4A9B-9A52-515DAC30878A}"/>
+                <a16:creationId xmlns:a16="http://schemas.microsoft.com/office/drawing/2014/main" id="{BC313023-4C7F-580C-47D3-D8EED58EDEFB}"/>
               </a:ext>
             </a:extLst>
           </p:cNvPr>
-          <p:cNvSpPr txBox="1"/>
+          <p:cNvPicPr>
+            <a:picLocks noChangeAspect="1"/>
+          </p:cNvPicPr>
           <p:nvPr/>
-        </p:nvSpPr>
+        </p:nvPicPr>
+        <p:blipFill>
+          <a:blip r:embed="rId3"/>
+          <a:stretch>
+            <a:fillRect/>
+          </a:stretch>
+        </p:blipFill>
         <p:spPr>
           <a:xfrm>
-            <a:off x="749300" y="1081088"/>
-            <a:ext cx="10693400" cy="646331"/>
+            <a:off x="8322197" y="1563494"/>
+            <a:ext cx="3741744" cy="1158340"/>
+          </a:xfrm>
+          <a:prstGeom prst="rect">
+            <a:avLst/>
+          </a:prstGeom>
+          <a:ln w="38100">
+            <a:solidFill>
+              <a:srgbClr val="C00000"/>
+            </a:solidFill>
+          </a:ln>
+        </p:spPr>
+      </p:pic>
+      <p:pic>
+        <p:nvPicPr>
+          <p:cNvPr id="7" name="Picture 6">
+            <a:extLst>
+              <a:ext uri="{FF2B5EF4-FFF2-40B4-BE49-F238E27FC236}">
+                <a16:creationId xmlns:a16="http://schemas.microsoft.com/office/drawing/2014/main" id="{56CD391B-CBD0-29CF-6EB2-E98477E77454}"/>
+              </a:ext>
+            </a:extLst>
+          </p:cNvPr>
+          <p:cNvPicPr>
+            <a:picLocks noChangeAspect="1"/>
+          </p:cNvPicPr>
+          <p:nvPr/>
+        </p:nvPicPr>
+        <p:blipFill>
+          <a:blip r:embed="rId4"/>
+          <a:stretch>
+            <a:fillRect/>
+          </a:stretch>
+        </p:blipFill>
+        <p:spPr>
+          <a:xfrm>
+            <a:off x="252352" y="1731846"/>
+            <a:ext cx="7876933" cy="905973"/>
+          </a:xfrm>
+          <a:prstGeom prst="rect">
+            <a:avLst/>
+          </a:prstGeom>
+          <a:ln w="38100">
+            <a:solidFill>
+              <a:srgbClr val="FFC000"/>
+            </a:solidFill>
+          </a:ln>
+        </p:spPr>
+      </p:pic>
+      <p:pic>
+        <p:nvPicPr>
+          <p:cNvPr id="9" name="Picture 8">
+            <a:extLst>
+              <a:ext uri="{FF2B5EF4-FFF2-40B4-BE49-F238E27FC236}">
+                <a16:creationId xmlns:a16="http://schemas.microsoft.com/office/drawing/2014/main" id="{1E0720D0-6640-ABE4-DFBC-E53BE7A956C7}"/>
+              </a:ext>
+            </a:extLst>
+          </p:cNvPr>
+          <p:cNvPicPr>
+            <a:picLocks noChangeAspect="1"/>
+          </p:cNvPicPr>
+          <p:nvPr/>
+        </p:nvPicPr>
+        <p:blipFill>
+          <a:blip r:embed="rId5"/>
+          <a:stretch>
+            <a:fillRect/>
+          </a:stretch>
+        </p:blipFill>
+        <p:spPr>
+          <a:xfrm>
+            <a:off x="8009018" y="4212188"/>
+            <a:ext cx="2995609" cy="1133308"/>
+          </a:xfrm>
+          <a:prstGeom prst="rect">
+            <a:avLst/>
+          </a:prstGeom>
+          <a:ln w="38100">
+            <a:solidFill>
+              <a:srgbClr val="FFC000"/>
+            </a:solidFill>
+          </a:ln>
+        </p:spPr>
+      </p:pic>
+      <p:pic>
+        <p:nvPicPr>
+          <p:cNvPr id="11" name="Picture 10">
+            <a:extLst>
+              <a:ext uri="{FF2B5EF4-FFF2-40B4-BE49-F238E27FC236}">
+                <a16:creationId xmlns:a16="http://schemas.microsoft.com/office/drawing/2014/main" id="{5EE1DBF8-8FBF-1230-0F92-50790F24587B}"/>
+              </a:ext>
+            </a:extLst>
+          </p:cNvPr>
+          <p:cNvPicPr>
+            <a:picLocks noChangeAspect="1"/>
+          </p:cNvPicPr>
+          <p:nvPr/>
+        </p:nvPicPr>
+        <p:blipFill>
+          <a:blip r:embed="rId6"/>
+          <a:stretch>
+            <a:fillRect/>
+          </a:stretch>
+        </p:blipFill>
+        <p:spPr>
+          <a:xfrm>
+            <a:off x="8009018" y="2922767"/>
+            <a:ext cx="3151613" cy="1133308"/>
+          </a:xfrm>
+          <a:prstGeom prst="rect">
+            <a:avLst/>
+          </a:prstGeom>
+          <a:ln w="38100">
+            <a:solidFill>
+              <a:srgbClr val="FFC000"/>
+            </a:solidFill>
+          </a:ln>
+        </p:spPr>
+      </p:pic>
+      <p:graphicFrame>
+        <p:nvGraphicFramePr>
+          <p:cNvPr id="12" name="Google Shape;92;p19">
+            <a:extLst>
+              <a:ext uri="{FF2B5EF4-FFF2-40B4-BE49-F238E27FC236}">
+                <a16:creationId xmlns:a16="http://schemas.microsoft.com/office/drawing/2014/main" id="{F403FD39-C100-C94B-534E-AC1FEF8DEC76}"/>
+              </a:ext>
+            </a:extLst>
+          </p:cNvPr>
+          <p:cNvGraphicFramePr/>
+          <p:nvPr>
+            <p:extLst>
+              <p:ext uri="{D42A27DB-BD31-4B8C-83A1-F6EECF244321}">
+                <p14:modId xmlns:p14="http://schemas.microsoft.com/office/powerpoint/2010/main" val="2651540460"/>
+              </p:ext>
+            </p:extLst>
+          </p:nvPr>
+        </p:nvGraphicFramePr>
+        <p:xfrm>
+          <a:off x="252352" y="2842577"/>
+          <a:ext cx="7467961" cy="3009133"/>
+        </p:xfrm>
+        <a:graphic>
+          <a:graphicData uri="http://schemas.openxmlformats.org/drawingml/2006/table">
+            <a:tbl>
+              <a:tblPr firstRow="1" bandRow="1">
+                <a:noFill/>
+              </a:tblPr>
+              <a:tblGrid>
+                <a:gridCol w="4435373">
+                  <a:extLst>
+                    <a:ext uri="{9D8B030D-6E8A-4147-A177-3AD203B41FA5}">
+                      <a16:colId xmlns:a16="http://schemas.microsoft.com/office/drawing/2014/main" val="20000"/>
+                    </a:ext>
+                  </a:extLst>
+                </a:gridCol>
+                <a:gridCol w="3032588">
+                  <a:extLst>
+                    <a:ext uri="{9D8B030D-6E8A-4147-A177-3AD203B41FA5}">
+                      <a16:colId xmlns:a16="http://schemas.microsoft.com/office/drawing/2014/main" val="20001"/>
+                    </a:ext>
+                  </a:extLst>
+                </a:gridCol>
+              </a:tblGrid>
+              <a:tr h="574794">
+                <a:tc>
+                  <a:txBody>
+                    <a:bodyPr/>
+                    <a:lstStyle/>
+                    <a:p>
+                      <a:pPr marL="0" lvl="0" indent="0" algn="l" rtl="0">
+                        <a:spcBef>
+                          <a:spcPts val="0"/>
+                        </a:spcBef>
+                        <a:spcAft>
+                          <a:spcPts val="0"/>
+                        </a:spcAft>
+                        <a:buNone/>
+                      </a:pPr>
+                      <a:r>
+                        <a:rPr lang="en" sz="1700" b="1" dirty="0"/>
+                        <a:t>Test Cases - input</a:t>
+                      </a:r>
+                      <a:endParaRPr sz="1700" b="1" dirty="0"/>
+                    </a:p>
+                  </a:txBody>
+                  <a:tcPr marL="135275" marR="135275" marT="135275" marB="135275">
+                    <a:solidFill>
+                      <a:srgbClr val="CCCCCC"/>
+                    </a:solidFill>
+                  </a:tcPr>
+                </a:tc>
+                <a:tc>
+                  <a:txBody>
+                    <a:bodyPr/>
+                    <a:lstStyle/>
+                    <a:p>
+                      <a:pPr marL="0" lvl="0" indent="0" algn="l" rtl="0">
+                        <a:spcBef>
+                          <a:spcPts val="0"/>
+                        </a:spcBef>
+                        <a:spcAft>
+                          <a:spcPts val="0"/>
+                        </a:spcAft>
+                        <a:buNone/>
+                      </a:pPr>
+                      <a:r>
+                        <a:rPr lang="en" sz="1700" b="1" dirty="0"/>
+                        <a:t>Expected output</a:t>
+                      </a:r>
+                      <a:endParaRPr sz="1700" b="1" dirty="0"/>
+                    </a:p>
+                  </a:txBody>
+                  <a:tcPr marL="135275" marR="135275" marT="135275" marB="135275">
+                    <a:solidFill>
+                      <a:srgbClr val="CCCCCC"/>
+                    </a:solidFill>
+                  </a:tcPr>
+                </a:tc>
+                <a:extLst>
+                  <a:ext uri="{0D108BD9-81ED-4DB2-BD59-A6C34878D82A}">
+                    <a16:rowId xmlns:a16="http://schemas.microsoft.com/office/drawing/2014/main" val="10000"/>
+                  </a:ext>
+                </a:extLst>
+              </a:tr>
+              <a:tr h="563522">
+                <a:tc>
+                  <a:txBody>
+                    <a:bodyPr/>
+                    <a:lstStyle/>
+                    <a:p>
+                      <a:pPr lvl="0" algn="l">
+                        <a:lnSpc>
+                          <a:spcPct val="100000"/>
+                        </a:lnSpc>
+                        <a:spcBef>
+                          <a:spcPts val="0"/>
+                        </a:spcBef>
+                        <a:spcAft>
+                          <a:spcPts val="0"/>
+                        </a:spcAft>
+                        <a:buNone/>
+                      </a:pPr>
+                      <a:r>
+                        <a:rPr lang="en-US" sz="1300" b="1" i="0" u="none" strike="noStrike" noProof="0" dirty="0">
+                          <a:solidFill>
+                            <a:srgbClr val="6A8759"/>
+                          </a:solidFill>
+                          <a:latin typeface="Consolas"/>
+                        </a:rPr>
+                        <a:t>Would you like to view a MONSTER or Show all MONSTERS</a:t>
+                      </a:r>
+                    </a:p>
+                    <a:p>
+                      <a:pPr lvl="0" algn="l">
+                        <a:lnSpc>
+                          <a:spcPct val="100000"/>
+                        </a:lnSpc>
+                        <a:spcBef>
+                          <a:spcPts val="0"/>
+                        </a:spcBef>
+                        <a:spcAft>
+                          <a:spcPts val="0"/>
+                        </a:spcAft>
+                        <a:buNone/>
+                      </a:pPr>
+                      <a:r>
+                        <a:rPr lang="en-US" sz="1300" b="1" i="0" u="none" strike="noStrike" noProof="0" dirty="0">
+                          <a:solidFill>
+                            <a:srgbClr val="6A8759"/>
+                          </a:solidFill>
+                          <a:latin typeface="Consolas"/>
+                        </a:rPr>
+                        <a:t>-Find MONSTERS</a:t>
+                      </a:r>
+                    </a:p>
+                  </a:txBody>
+                  <a:tcPr marL="170525" marR="170525" marT="170525" marB="170525"/>
+                </a:tc>
+                <a:tc>
+                  <a:txBody>
+                    <a:bodyPr/>
+                    <a:lstStyle/>
+                    <a:p>
+                      <a:pPr marL="0" lvl="0" indent="0" algn="l">
+                        <a:spcBef>
+                          <a:spcPts val="0"/>
+                        </a:spcBef>
+                        <a:spcAft>
+                          <a:spcPts val="0"/>
+                        </a:spcAft>
+                        <a:buNone/>
+                      </a:pPr>
+                      <a:r>
+                        <a:rPr lang="en-US" sz="1300" dirty="0"/>
+                        <a:t>Proceed to show monsters</a:t>
+                      </a:r>
+                    </a:p>
+                    <a:p>
+                      <a:pPr marL="0" marR="0" lvl="0" indent="0" algn="l" defTabSz="914400" rtl="0" eaLnBrk="1" fontAlgn="auto" latinLnBrk="0" hangingPunct="1">
+                        <a:lnSpc>
+                          <a:spcPct val="100000"/>
+                        </a:lnSpc>
+                        <a:spcBef>
+                          <a:spcPts val="0"/>
+                        </a:spcBef>
+                        <a:spcAft>
+                          <a:spcPts val="0"/>
+                        </a:spcAft>
+                        <a:buClrTx/>
+                        <a:buSzTx/>
+                        <a:buFontTx/>
+                        <a:buNone/>
+                        <a:tabLst/>
+                        <a:defRPr/>
+                      </a:pPr>
+                      <a:r>
+                        <a:rPr lang="en-US" sz="1300" dirty="0"/>
+                        <a:t>Show Options</a:t>
+                      </a:r>
+                    </a:p>
+                    <a:p>
+                      <a:pPr marL="0" lvl="0" indent="0" algn="l">
+                        <a:spcBef>
+                          <a:spcPts val="0"/>
+                        </a:spcBef>
+                        <a:spcAft>
+                          <a:spcPts val="0"/>
+                        </a:spcAft>
+                        <a:buNone/>
+                      </a:pPr>
+                      <a:endParaRPr lang="en-US" sz="1300" dirty="0"/>
+                    </a:p>
+                  </a:txBody>
+                  <a:tcPr marL="170525" marR="170525" marT="170525" marB="170525"/>
+                </a:tc>
+                <a:extLst>
+                  <a:ext uri="{0D108BD9-81ED-4DB2-BD59-A6C34878D82A}">
+                    <a16:rowId xmlns:a16="http://schemas.microsoft.com/office/drawing/2014/main" val="2708658882"/>
+                  </a:ext>
+                </a:extLst>
+              </a:tr>
+              <a:tr h="563522">
+                <a:tc>
+                  <a:txBody>
+                    <a:bodyPr/>
+                    <a:lstStyle/>
+                    <a:p>
+                      <a:pPr lvl="0" algn="l">
+                        <a:lnSpc>
+                          <a:spcPct val="100000"/>
+                        </a:lnSpc>
+                        <a:spcBef>
+                          <a:spcPts val="0"/>
+                        </a:spcBef>
+                        <a:spcAft>
+                          <a:spcPts val="0"/>
+                        </a:spcAft>
+                        <a:buNone/>
+                      </a:pPr>
+                      <a:r>
+                        <a:rPr lang="en-US" sz="1300" b="1" i="0" u="none" strike="noStrike" noProof="0" dirty="0">
+                          <a:solidFill>
+                            <a:srgbClr val="6A8759"/>
+                          </a:solidFill>
+                          <a:latin typeface="Consolas"/>
+                        </a:rPr>
+                        <a:t>What Monster Card would you like to view</a:t>
+                      </a:r>
+                      <a:br>
+                        <a:rPr lang="en-US" sz="1300" b="1" i="0" u="none" strike="noStrike" noProof="0" dirty="0">
+                          <a:solidFill>
+                            <a:srgbClr val="6A8759"/>
+                          </a:solidFill>
+                          <a:latin typeface="Consolas"/>
+                        </a:rPr>
+                      </a:br>
+                      <a:r>
+                        <a:rPr lang="en-US" sz="1300" b="1" i="0" u="none" strike="noStrike" noProof="0" dirty="0">
+                          <a:solidFill>
+                            <a:srgbClr val="6A8759"/>
+                          </a:solidFill>
+                          <a:latin typeface="Consolas"/>
+                        </a:rPr>
+                        <a:t>-Premade card</a:t>
+                      </a:r>
+                    </a:p>
+                    <a:p>
+                      <a:pPr lvl="0" algn="l">
+                        <a:lnSpc>
+                          <a:spcPct val="100000"/>
+                        </a:lnSpc>
+                        <a:spcBef>
+                          <a:spcPts val="0"/>
+                        </a:spcBef>
+                        <a:spcAft>
+                          <a:spcPts val="0"/>
+                        </a:spcAft>
+                        <a:buNone/>
+                      </a:pPr>
+                      <a:r>
+                        <a:rPr lang="en-US" sz="1300" b="1" i="0" u="none" strike="noStrike" noProof="0" dirty="0">
+                          <a:solidFill>
+                            <a:srgbClr val="6A8759"/>
+                          </a:solidFill>
+                          <a:latin typeface="Consolas"/>
+                        </a:rPr>
+                        <a:t>-User made card</a:t>
+                      </a:r>
+                    </a:p>
+                  </a:txBody>
+                  <a:tcPr marL="170525" marR="170525" marT="170525" marB="170525"/>
+                </a:tc>
+                <a:tc>
+                  <a:txBody>
+                    <a:bodyPr/>
+                    <a:lstStyle/>
+                    <a:p>
+                      <a:pPr marL="0" lvl="0" indent="0" algn="l">
+                        <a:spcBef>
+                          <a:spcPts val="0"/>
+                        </a:spcBef>
+                        <a:spcAft>
+                          <a:spcPts val="0"/>
+                        </a:spcAft>
+                        <a:buNone/>
+                      </a:pPr>
+                      <a:r>
+                        <a:rPr lang="en-US" sz="1300" dirty="0"/>
+                        <a:t>Show details of selected monster</a:t>
+                      </a:r>
+                    </a:p>
+                  </a:txBody>
+                  <a:tcPr marL="170525" marR="170525" marT="170525" marB="170525"/>
+                </a:tc>
+                <a:extLst>
+                  <a:ext uri="{0D108BD9-81ED-4DB2-BD59-A6C34878D82A}">
+                    <a16:rowId xmlns:a16="http://schemas.microsoft.com/office/drawing/2014/main" val="10001"/>
+                  </a:ext>
+                </a:extLst>
+              </a:tr>
+              <a:tr h="563519">
+                <a:tc>
+                  <a:txBody>
+                    <a:bodyPr/>
+                    <a:lstStyle/>
+                    <a:p>
+                      <a:pPr marL="0" marR="0" lvl="0" indent="0" algn="l" defTabSz="914400" rtl="0" eaLnBrk="1" fontAlgn="auto" latinLnBrk="0" hangingPunct="1">
+                        <a:lnSpc>
+                          <a:spcPct val="100000"/>
+                        </a:lnSpc>
+                        <a:spcBef>
+                          <a:spcPts val="0"/>
+                        </a:spcBef>
+                        <a:spcAft>
+                          <a:spcPts val="0"/>
+                        </a:spcAft>
+                        <a:buClrTx/>
+                        <a:buSzTx/>
+                        <a:buFontTx/>
+                        <a:buNone/>
+                        <a:tabLst/>
+                        <a:defRPr/>
+                      </a:pPr>
+                      <a:r>
+                        <a:rPr lang="en-US" sz="1300" b="1" i="0" u="none" strike="noStrike" noProof="0" dirty="0">
+                          <a:solidFill>
+                            <a:srgbClr val="6A8759"/>
+                          </a:solidFill>
+                          <a:latin typeface="Consolas"/>
+                        </a:rPr>
+                        <a:t>Exit</a:t>
+                      </a:r>
+                    </a:p>
+                  </a:txBody>
+                  <a:tcPr marL="170523" marR="170523" marT="170523" marB="170523"/>
+                </a:tc>
+                <a:tc>
+                  <a:txBody>
+                    <a:bodyPr/>
+                    <a:lstStyle/>
+                    <a:p>
+                      <a:pPr marL="0" marR="0" lvl="0" indent="0" algn="l" defTabSz="914400" rtl="0" eaLnBrk="1" fontAlgn="auto" latinLnBrk="0" hangingPunct="1">
+                        <a:lnSpc>
+                          <a:spcPct val="100000"/>
+                        </a:lnSpc>
+                        <a:spcBef>
+                          <a:spcPts val="0"/>
+                        </a:spcBef>
+                        <a:spcAft>
+                          <a:spcPts val="0"/>
+                        </a:spcAft>
+                        <a:buClrTx/>
+                        <a:buSzTx/>
+                        <a:buFontTx/>
+                        <a:buNone/>
+                        <a:tabLst/>
+                        <a:defRPr/>
+                      </a:pPr>
+                      <a:r>
+                        <a:rPr lang="en-US" sz="1300" dirty="0"/>
+                        <a:t>Return to welcome function</a:t>
+                      </a:r>
+                    </a:p>
+                  </a:txBody>
+                  <a:tcPr marL="170523" marR="170523" marT="170523" marB="170523"/>
+                </a:tc>
+                <a:extLst>
+                  <a:ext uri="{0D108BD9-81ED-4DB2-BD59-A6C34878D82A}">
+                    <a16:rowId xmlns:a16="http://schemas.microsoft.com/office/drawing/2014/main" val="445936575"/>
+                  </a:ext>
+                </a:extLst>
+              </a:tr>
+            </a:tbl>
+          </a:graphicData>
+        </a:graphic>
+      </p:graphicFrame>
+      <p:pic>
+        <p:nvPicPr>
+          <p:cNvPr id="14" name="Picture 13">
+            <a:extLst>
+              <a:ext uri="{FF2B5EF4-FFF2-40B4-BE49-F238E27FC236}">
+                <a16:creationId xmlns:a16="http://schemas.microsoft.com/office/drawing/2014/main" id="{8436978E-A895-1F01-B81C-29B68FD289C9}"/>
+              </a:ext>
+            </a:extLst>
+          </p:cNvPr>
+          <p:cNvPicPr>
+            <a:picLocks noChangeAspect="1"/>
+          </p:cNvPicPr>
+          <p:nvPr/>
+        </p:nvPicPr>
+        <p:blipFill>
+          <a:blip r:embed="rId7"/>
+          <a:stretch>
+            <a:fillRect/>
+          </a:stretch>
+        </p:blipFill>
+        <p:spPr>
+          <a:xfrm>
+            <a:off x="8009018" y="5474331"/>
+            <a:ext cx="3900949" cy="1132534"/>
+          </a:xfrm>
+          <a:prstGeom prst="rect">
+            <a:avLst/>
+          </a:prstGeom>
+          <a:ln w="38100">
+            <a:solidFill>
+              <a:srgbClr val="92D050"/>
+            </a:solidFill>
+          </a:ln>
+        </p:spPr>
+      </p:pic>
+      <p:sp>
+        <p:nvSpPr>
+          <p:cNvPr id="15" name="Rectangle 14">
+            <a:extLst>
+              <a:ext uri="{FF2B5EF4-FFF2-40B4-BE49-F238E27FC236}">
+                <a16:creationId xmlns:a16="http://schemas.microsoft.com/office/drawing/2014/main" id="{2645D207-B6BD-98D7-9575-82406F33C0E8}"/>
+              </a:ext>
+            </a:extLst>
+          </p:cNvPr>
+          <p:cNvSpPr/>
+          <p:nvPr/>
+        </p:nvSpPr>
+        <p:spPr>
+          <a:xfrm>
+            <a:off x="7315200" y="2338086"/>
+            <a:ext cx="393537" cy="241018"/>
           </a:xfrm>
           <a:prstGeom prst="rect">
             <a:avLst/>
           </a:prstGeom>
           <a:noFill/>
+          <a:ln w="38100">
+            <a:solidFill>
+              <a:srgbClr val="FFC000"/>
+            </a:solidFill>
+          </a:ln>
         </p:spPr>
+        <p:style>
+          <a:lnRef idx="2">
+            <a:schemeClr val="accent1">
+              <a:shade val="50000"/>
+            </a:schemeClr>
+          </a:lnRef>
+          <a:fillRef idx="1">
+            <a:schemeClr val="accent1"/>
+          </a:fillRef>
+          <a:effectRef idx="0">
+            <a:schemeClr val="accent1"/>
+          </a:effectRef>
+          <a:fontRef idx="minor">
+            <a:schemeClr val="lt1"/>
+          </a:fontRef>
+        </p:style>
         <p:txBody>
-          <a:bodyPr wrap="square">
-            <a:spAutoFit/>
-          </a:bodyPr>
+          <a:bodyPr rtlCol="0" anchor="ctr"/>
           <a:lstStyle/>
           <a:p>
-            <a:r>
-              <a:rPr lang="en-NZ" i="1" dirty="0"/>
-              <a:t>You must show the results of testing. For each component, include a screenshot proving it works.  You can also include notes about each test. </a:t>
-            </a:r>
+            <a:pPr algn="ctr"/>
+            <a:endParaRPr lang="en-NZ"/>
+          </a:p>
+        </p:txBody>
+      </p:sp>
+      <p:sp>
+        <p:nvSpPr>
+          <p:cNvPr id="16" name="Rectangle 15">
+            <a:extLst>
+              <a:ext uri="{FF2B5EF4-FFF2-40B4-BE49-F238E27FC236}">
+                <a16:creationId xmlns:a16="http://schemas.microsoft.com/office/drawing/2014/main" id="{C1DB30BA-847D-1B34-1EF7-61C69EBBF3BF}"/>
+              </a:ext>
+            </a:extLst>
+          </p:cNvPr>
+          <p:cNvSpPr/>
+          <p:nvPr/>
+        </p:nvSpPr>
+        <p:spPr>
+          <a:xfrm>
+            <a:off x="8738886" y="2326511"/>
+            <a:ext cx="937549" cy="252593"/>
+          </a:xfrm>
+          <a:prstGeom prst="rect">
+            <a:avLst/>
+          </a:prstGeom>
+          <a:noFill/>
+          <a:ln w="38100">
+            <a:solidFill>
+              <a:srgbClr val="C00000"/>
+            </a:solidFill>
+          </a:ln>
+        </p:spPr>
+        <p:style>
+          <a:lnRef idx="2">
+            <a:schemeClr val="accent1">
+              <a:shade val="50000"/>
+            </a:schemeClr>
+          </a:lnRef>
+          <a:fillRef idx="1">
+            <a:schemeClr val="accent1"/>
+          </a:fillRef>
+          <a:effectRef idx="0">
+            <a:schemeClr val="accent1"/>
+          </a:effectRef>
+          <a:fontRef idx="minor">
+            <a:schemeClr val="lt1"/>
+          </a:fontRef>
+        </p:style>
+        <p:txBody>
+          <a:bodyPr rtlCol="0" anchor="ctr"/>
+          <a:lstStyle/>
+          <a:p>
+            <a:pPr algn="ctr"/>
+            <a:endParaRPr lang="en-NZ"/>
+          </a:p>
+        </p:txBody>
+      </p:sp>
+      <p:sp>
+        <p:nvSpPr>
+          <p:cNvPr id="17" name="Rectangle 16">
+            <a:extLst>
+              <a:ext uri="{FF2B5EF4-FFF2-40B4-BE49-F238E27FC236}">
+                <a16:creationId xmlns:a16="http://schemas.microsoft.com/office/drawing/2014/main" id="{B1B254DA-A7C5-C67D-C880-3A3EB874F944}"/>
+              </a:ext>
+            </a:extLst>
+          </p:cNvPr>
+          <p:cNvSpPr/>
+          <p:nvPr/>
+        </p:nvSpPr>
+        <p:spPr>
+          <a:xfrm>
+            <a:off x="7798744" y="2326511"/>
+            <a:ext cx="326682" cy="278406"/>
+          </a:xfrm>
+          <a:prstGeom prst="rect">
+            <a:avLst/>
+          </a:prstGeom>
+          <a:noFill/>
+          <a:ln w="38100">
+            <a:solidFill>
+              <a:srgbClr val="92D050"/>
+            </a:solidFill>
+          </a:ln>
+        </p:spPr>
+        <p:style>
+          <a:lnRef idx="2">
+            <a:schemeClr val="accent1">
+              <a:shade val="50000"/>
+            </a:schemeClr>
+          </a:lnRef>
+          <a:fillRef idx="1">
+            <a:schemeClr val="accent1"/>
+          </a:fillRef>
+          <a:effectRef idx="0">
+            <a:schemeClr val="accent1"/>
+          </a:effectRef>
+          <a:fontRef idx="minor">
+            <a:schemeClr val="lt1"/>
+          </a:fontRef>
+        </p:style>
+        <p:txBody>
+          <a:bodyPr rtlCol="0" anchor="ctr"/>
+          <a:lstStyle/>
+          <a:p>
+            <a:pPr algn="ctr"/>
+            <a:endParaRPr lang="en-NZ"/>
+          </a:p>
+        </p:txBody>
+      </p:sp>
+      <p:sp>
+        <p:nvSpPr>
+          <p:cNvPr id="18" name="Rectangle 17">
+            <a:extLst>
+              <a:ext uri="{FF2B5EF4-FFF2-40B4-BE49-F238E27FC236}">
+                <a16:creationId xmlns:a16="http://schemas.microsoft.com/office/drawing/2014/main" id="{8032D023-E830-1587-91C0-4BE7C788A0FA}"/>
+              </a:ext>
+            </a:extLst>
+          </p:cNvPr>
+          <p:cNvSpPr/>
+          <p:nvPr/>
+        </p:nvSpPr>
+        <p:spPr>
+          <a:xfrm>
+            <a:off x="252351" y="2335671"/>
+            <a:ext cx="569451" cy="257671"/>
+          </a:xfrm>
+          <a:prstGeom prst="rect">
+            <a:avLst/>
+          </a:prstGeom>
+          <a:noFill/>
+          <a:ln w="38100"/>
+        </p:spPr>
+        <p:style>
+          <a:lnRef idx="2">
+            <a:schemeClr val="accent1">
+              <a:shade val="50000"/>
+            </a:schemeClr>
+          </a:lnRef>
+          <a:fillRef idx="1">
+            <a:schemeClr val="accent1"/>
+          </a:fillRef>
+          <a:effectRef idx="0">
+            <a:schemeClr val="accent1"/>
+          </a:effectRef>
+          <a:fontRef idx="minor">
+            <a:schemeClr val="lt1"/>
+          </a:fontRef>
+        </p:style>
+        <p:txBody>
+          <a:bodyPr rtlCol="0" anchor="ctr"/>
+          <a:lstStyle/>
+          <a:p>
+            <a:pPr algn="ctr"/>
+            <a:endParaRPr lang="en-NZ"/>
+          </a:p>
+        </p:txBody>
+      </p:sp>
+      <p:sp>
+        <p:nvSpPr>
+          <p:cNvPr id="19" name="Rectangle 18">
+            <a:extLst>
+              <a:ext uri="{FF2B5EF4-FFF2-40B4-BE49-F238E27FC236}">
+                <a16:creationId xmlns:a16="http://schemas.microsoft.com/office/drawing/2014/main" id="{9F4EE95F-3C1E-000C-D449-F7D17ACEA925}"/>
+              </a:ext>
+            </a:extLst>
+          </p:cNvPr>
+          <p:cNvSpPr/>
+          <p:nvPr/>
+        </p:nvSpPr>
+        <p:spPr>
+          <a:xfrm>
+            <a:off x="252351" y="3429000"/>
+            <a:ext cx="7467961" cy="905973"/>
+          </a:xfrm>
+          <a:prstGeom prst="rect">
+            <a:avLst/>
+          </a:prstGeom>
+          <a:noFill/>
+          <a:ln w="38100">
+            <a:solidFill>
+              <a:srgbClr val="C00000"/>
+            </a:solidFill>
+          </a:ln>
+        </p:spPr>
+        <p:style>
+          <a:lnRef idx="2">
+            <a:schemeClr val="accent1">
+              <a:shade val="50000"/>
+            </a:schemeClr>
+          </a:lnRef>
+          <a:fillRef idx="1">
+            <a:schemeClr val="accent1"/>
+          </a:fillRef>
+          <a:effectRef idx="0">
+            <a:schemeClr val="accent1"/>
+          </a:effectRef>
+          <a:fontRef idx="minor">
+            <a:schemeClr val="lt1"/>
+          </a:fontRef>
+        </p:style>
+        <p:txBody>
+          <a:bodyPr rtlCol="0" anchor="ctr"/>
+          <a:lstStyle/>
+          <a:p>
+            <a:pPr algn="ctr"/>
+            <a:endParaRPr lang="en-NZ"/>
+          </a:p>
+        </p:txBody>
+      </p:sp>
+      <p:sp>
+        <p:nvSpPr>
+          <p:cNvPr id="21" name="Rectangle 20">
+            <a:extLst>
+              <a:ext uri="{FF2B5EF4-FFF2-40B4-BE49-F238E27FC236}">
+                <a16:creationId xmlns:a16="http://schemas.microsoft.com/office/drawing/2014/main" id="{C95E0973-A3AF-C6BA-9DFA-BB2513F34400}"/>
+              </a:ext>
+            </a:extLst>
+          </p:cNvPr>
+          <p:cNvSpPr/>
+          <p:nvPr/>
+        </p:nvSpPr>
+        <p:spPr>
+          <a:xfrm>
+            <a:off x="254278" y="4356902"/>
+            <a:ext cx="7467961" cy="905973"/>
+          </a:xfrm>
+          <a:prstGeom prst="rect">
+            <a:avLst/>
+          </a:prstGeom>
+          <a:noFill/>
+          <a:ln w="38100">
+            <a:solidFill>
+              <a:srgbClr val="FFC000"/>
+            </a:solidFill>
+          </a:ln>
+        </p:spPr>
+        <p:style>
+          <a:lnRef idx="2">
+            <a:schemeClr val="accent1">
+              <a:shade val="50000"/>
+            </a:schemeClr>
+          </a:lnRef>
+          <a:fillRef idx="1">
+            <a:schemeClr val="accent1"/>
+          </a:fillRef>
+          <a:effectRef idx="0">
+            <a:schemeClr val="accent1"/>
+          </a:effectRef>
+          <a:fontRef idx="minor">
+            <a:schemeClr val="lt1"/>
+          </a:fontRef>
+        </p:style>
+        <p:txBody>
+          <a:bodyPr rtlCol="0" anchor="ctr"/>
+          <a:lstStyle/>
+          <a:p>
+            <a:pPr algn="ctr"/>
+            <a:endParaRPr lang="en-NZ"/>
+          </a:p>
+        </p:txBody>
+      </p:sp>
+      <p:sp>
+        <p:nvSpPr>
+          <p:cNvPr id="22" name="Rectangle 21">
+            <a:extLst>
+              <a:ext uri="{FF2B5EF4-FFF2-40B4-BE49-F238E27FC236}">
+                <a16:creationId xmlns:a16="http://schemas.microsoft.com/office/drawing/2014/main" id="{24BCA6AA-D06B-F90C-D81F-7CEFA9447245}"/>
+              </a:ext>
+            </a:extLst>
+          </p:cNvPr>
+          <p:cNvSpPr/>
+          <p:nvPr/>
+        </p:nvSpPr>
+        <p:spPr>
+          <a:xfrm>
+            <a:off x="256208" y="5273237"/>
+            <a:ext cx="7467961" cy="588835"/>
+          </a:xfrm>
+          <a:prstGeom prst="rect">
+            <a:avLst/>
+          </a:prstGeom>
+          <a:noFill/>
+          <a:ln w="38100">
+            <a:solidFill>
+              <a:srgbClr val="92D050"/>
+            </a:solidFill>
+          </a:ln>
+        </p:spPr>
+        <p:style>
+          <a:lnRef idx="2">
+            <a:schemeClr val="accent1">
+              <a:shade val="50000"/>
+            </a:schemeClr>
+          </a:lnRef>
+          <a:fillRef idx="1">
+            <a:schemeClr val="accent1"/>
+          </a:fillRef>
+          <a:effectRef idx="0">
+            <a:schemeClr val="accent1"/>
+          </a:effectRef>
+          <a:fontRef idx="minor">
+            <a:schemeClr val="lt1"/>
+          </a:fontRef>
+        </p:style>
+        <p:txBody>
+          <a:bodyPr rtlCol="0" anchor="ctr"/>
+          <a:lstStyle/>
+          <a:p>
+            <a:pPr algn="ctr"/>
+            <a:endParaRPr lang="en-NZ"/>
           </a:p>
         </p:txBody>
       </p:sp>
@@ -10616,6 +13537,7 @@
           <a:bodyPr/>
           <a:lstStyle/>
           <a:p>
+            <a:pPr algn="ctr"/>
             <a:r>
               <a:rPr lang="en-NZ" b="1" dirty="0"/>
               <a:t>[Monster_Cards_Internal]</a:t>
@@ -10640,8 +13562,8 @@
         </p:nvSpPr>
         <p:spPr>
           <a:xfrm>
-            <a:off x="1693460" y="1914474"/>
-            <a:ext cx="8520600" cy="2009343"/>
+            <a:off x="1184325" y="1902899"/>
+            <a:ext cx="9823350" cy="2009343"/>
           </a:xfrm>
           <a:prstGeom prst="rect">
             <a:avLst/>
@@ -10971,10 +13893,10 @@
             <a:r>
               <a:rPr lang="en-NZ" sz="2000" b="1" dirty="0">
                 <a:solidFill>
-                  <a:srgbClr val="274E13"/>
+                  <a:srgbClr val="FF0000"/>
                 </a:solidFill>
               </a:rPr>
-              <a:t>[]</a:t>
+              <a:t>[https://github.com/peter123321123321/Practice-Internal/blob/main/Final_VersionV2.py]</a:t>
             </a:r>
           </a:p>
           <a:p>
@@ -11601,10 +14523,10 @@
                         <a:buNone/>
                       </a:pPr>
                       <a:r>
-                        <a:rPr lang="en" sz="2000" b="1"/>
+                        <a:rPr lang="en" sz="2000" b="1" dirty="0"/>
                         <a:t>Test Cases - input</a:t>
                       </a:r>
-                      <a:endParaRPr sz="2000" b="1"/>
+                      <a:endParaRPr sz="2000" b="1" dirty="0"/>
                     </a:p>
                   </a:txBody>
                   <a:tcPr marL="103992" marR="103992" marT="103992" marB="103992">
@@ -11665,7 +14587,7 @@
                         <a:buNone/>
                       </a:pPr>
                       <a:r>
-                        <a:rPr lang="en-US" sz="1600" b="1" i="0" u="none" strike="noStrike" noProof="0">
+                        <a:rPr lang="en-US" sz="1600" b="1" i="0" u="none" strike="noStrike" noProof="0" dirty="0">
                           <a:solidFill>
                             <a:srgbClr val="6A8759"/>
                           </a:solidFill>
@@ -12002,7 +14924,7 @@
                         <a:defRPr/>
                       </a:pPr>
                       <a:r>
-                        <a:rPr lang="en-US" sz="1000"/>
+                        <a:rPr lang="en-US" sz="1000" dirty="0"/>
                         <a:t>Return to welcome function</a:t>
                       </a:r>
                     </a:p>
@@ -12478,7 +15400,7 @@
               </a:spcBef>
             </a:pPr>
             <a:r>
-              <a:rPr lang="en-US" sz="3700" kern="1200" dirty="0">
+              <a:rPr lang="en-US" sz="3700" kern="1200">
                 <a:solidFill>
                   <a:schemeClr val="tx1"/>
                 </a:solidFill>
@@ -12488,6 +15410,14 @@
               </a:rPr>
               <a:t>[Show Monster Cards] - Test Plan</a:t>
             </a:r>
+            <a:endParaRPr lang="en-US" sz="3700" kern="1200" dirty="0">
+              <a:solidFill>
+                <a:schemeClr val="tx1"/>
+              </a:solidFill>
+              <a:latin typeface="+mj-lt"/>
+              <a:ea typeface="+mj-ea"/>
+              <a:cs typeface="+mj-cs"/>
+            </a:endParaRPr>
           </a:p>
         </p:txBody>
       </p:sp>
@@ -12772,14 +15702,14 @@
           <p:nvPr>
             <p:extLst>
               <p:ext uri="{D42A27DB-BD31-4B8C-83A1-F6EECF244321}">
-                <p14:modId xmlns:p14="http://schemas.microsoft.com/office/powerpoint/2010/main" val="3933091958"/>
+                <p14:modId xmlns:p14="http://schemas.microsoft.com/office/powerpoint/2010/main" val="125533027"/>
               </p:ext>
             </p:extLst>
           </p:nvPr>
         </p:nvGraphicFramePr>
         <p:xfrm>
-          <a:off x="1076455" y="2756308"/>
-          <a:ext cx="10026899" cy="3028609"/>
+          <a:off x="2140819" y="2468880"/>
+          <a:ext cx="7910361" cy="3473330"/>
         </p:xfrm>
         <a:graphic>
           <a:graphicData uri="http://schemas.openxmlformats.org/drawingml/2006/table">
@@ -12788,14 +15718,14 @@
                 <a:noFill/>
               </a:tblPr>
               <a:tblGrid>
-                <a:gridCol w="6200920">
+                <a:gridCol w="4849783">
                   <a:extLst>
                     <a:ext uri="{9D8B030D-6E8A-4147-A177-3AD203B41FA5}">
                       <a16:colId xmlns:a16="http://schemas.microsoft.com/office/drawing/2014/main" val="20000"/>
                     </a:ext>
                   </a:extLst>
                 </a:gridCol>
-                <a:gridCol w="3825979">
+                <a:gridCol w="3060578">
                   <a:extLst>
                     <a:ext uri="{9D8B030D-6E8A-4147-A177-3AD203B41FA5}">
                       <a16:colId xmlns:a16="http://schemas.microsoft.com/office/drawing/2014/main" val="20001"/>
@@ -12803,7 +15733,7 @@
                   </a:extLst>
                 </a:gridCol>
               </a:tblGrid>
-              <a:tr h="888437">
+              <a:tr h="449271">
                 <a:tc>
                   <a:txBody>
                     <a:bodyPr/>
@@ -12819,10 +15749,10 @@
                         <a:buNone/>
                       </a:pPr>
                       <a:r>
-                        <a:rPr lang="en" sz="3300" b="1"/>
-                        <a:t>Test Cases - input</a:t>
+                        <a:rPr lang="en" sz="1700" b="1" dirty="0"/>
+                        <a:t>Test Cases – input</a:t>
                       </a:r>
-                      <a:endParaRPr sz="3300" b="1"/>
+                      <a:endParaRPr sz="1700" b="1" dirty="0"/>
                     </a:p>
                   </a:txBody>
                   <a:tcPr marL="167613" marR="167613" marT="167613" marB="167613">
@@ -12846,10 +15776,10 @@
                         <a:buNone/>
                       </a:pPr>
                       <a:r>
-                        <a:rPr lang="en" sz="3300" b="1"/>
+                        <a:rPr lang="en" sz="1700" b="1" dirty="0"/>
                         <a:t>Expected output</a:t>
                       </a:r>
-                      <a:endParaRPr sz="3300" b="1"/>
+                      <a:endParaRPr sz="1700" b="1" dirty="0"/>
                     </a:p>
                   </a:txBody>
                   <a:tcPr marL="167613" marR="167613" marT="167613" marB="167613">
@@ -12864,7 +15794,7 @@
                   </a:ext>
                 </a:extLst>
               </a:tr>
-              <a:tr h="1269161">
+              <a:tr h="618993">
                 <a:tc>
                   <a:txBody>
                     <a:bodyPr/>
@@ -12883,13 +15813,36 @@
                         <a:buNone/>
                       </a:pPr>
                       <a:r>
-                        <a:rPr lang="en-US" sz="2600" b="1" i="0" u="none" strike="noStrike" noProof="0">
+                        <a:rPr lang="en-US" sz="1300" b="1" i="0" u="none" strike="noStrike" noProof="0" dirty="0">
                           <a:solidFill>
                             <a:srgbClr val="6A8759"/>
                           </a:solidFill>
                           <a:latin typeface="Consolas"/>
                         </a:rPr>
-                        <a:t>Would you like to view all the current Monster Cards</a:t>
+                        <a:t>Would you like to View a MONSTER or Show all MONSTERS</a:t>
+                      </a:r>
+                    </a:p>
+                    <a:p>
+                      <a:pPr lvl="0" algn="l">
+                        <a:lnSpc>
+                          <a:spcPct val="100000"/>
+                        </a:lnSpc>
+                        <a:spcBef>
+                          <a:spcPts val="0"/>
+                        </a:spcBef>
+                        <a:spcAft>
+                          <a:spcPts val="0"/>
+                        </a:spcAft>
+                        <a:buNone/>
+                      </a:pPr>
+                      <a:r>
+                        <a:rPr lang="en-US" sz="1300" b="1" i="0" u="none" strike="noStrike" noProof="0" dirty="0">
+                          <a:solidFill>
+                            <a:srgbClr val="6A8759"/>
+                          </a:solidFill>
+                          <a:latin typeface="Consolas"/>
+                        </a:rPr>
+                        <a:t>-Show MONTERS</a:t>
                       </a:r>
                     </a:p>
                   </a:txBody>
@@ -12910,8 +15863,67 @@
                         <a:buNone/>
                       </a:pPr>
                       <a:r>
-                        <a:rPr lang="en-US" sz="1700"/>
-                        <a:t>Print all Monster Cards</a:t>
+                        <a:rPr lang="en-US" sz="1300" dirty="0"/>
+                        <a:t>Procced to Show Monsters</a:t>
+                      </a:r>
+                    </a:p>
+                  </a:txBody>
+                  <a:tcPr marL="211289" marR="211289" marT="211289" marB="211289"/>
+                </a:tc>
+                <a:extLst>
+                  <a:ext uri="{0D108BD9-81ED-4DB2-BD59-A6C34878D82A}">
+                    <a16:rowId xmlns:a16="http://schemas.microsoft.com/office/drawing/2014/main" val="260543740"/>
+                  </a:ext>
+                </a:extLst>
+              </a:tr>
+              <a:tr h="538193">
+                <a:tc>
+                  <a:txBody>
+                    <a:bodyPr/>
+                    <a:lstStyle/>
+                    <a:p>
+                      <a:pPr lvl="0" algn="l">
+                        <a:lnSpc>
+                          <a:spcPct val="100000"/>
+                        </a:lnSpc>
+                        <a:spcBef>
+                          <a:spcPts val="0"/>
+                        </a:spcBef>
+                        <a:spcAft>
+                          <a:spcPts val="0"/>
+                        </a:spcAft>
+                        <a:buNone/>
+                      </a:pPr>
+                      <a:r>
+                        <a:rPr lang="en-US" sz="1300" b="1" i="0" u="none" strike="noStrike" noProof="0" dirty="0">
+                          <a:solidFill>
+                            <a:srgbClr val="6A8759"/>
+                          </a:solidFill>
+                          <a:latin typeface="Consolas"/>
+                        </a:rPr>
+                        <a:t>Previous</a:t>
+                      </a:r>
+                    </a:p>
+                  </a:txBody>
+                  <a:tcPr marL="211289" marR="211289" marT="211289" marB="211289"/>
+                </a:tc>
+                <a:tc>
+                  <a:txBody>
+                    <a:bodyPr/>
+                    <a:lstStyle/>
+                    <a:p>
+                      <a:pPr marL="0" lvl="0" indent="0" algn="l">
+                        <a:spcBef>
+                          <a:spcPts val="0"/>
+                        </a:spcBef>
+                        <a:spcAft>
+                          <a:spcPts val="0"/>
+                        </a:spcAft>
+                        <a:buNone/>
+                      </a:pPr>
+                      <a:r>
+                        <a:rPr lang="en-US" sz="1300" dirty="0"/>
+                        <a:t>Go to the previous monster</a:t>
                       </a:r>
                     </a:p>
                   </a:txBody>
@@ -12923,7 +15935,7 @@
                   </a:ext>
                 </a:extLst>
               </a:tr>
-              <a:tr h="871011">
+              <a:tr h="469220">
                 <a:tc>
                   <a:txBody>
                     <a:bodyPr/>
@@ -12947,13 +15959,77 @@
                         <a:defRPr/>
                       </a:pPr>
                       <a:r>
-                        <a:rPr lang="en-US" sz="2600" b="1" i="0" u="none" strike="noStrike" noProof="0">
+                        <a:rPr lang="en-US" sz="1300" b="1" i="0" u="none" strike="noStrike" noProof="0" dirty="0">
                           <a:solidFill>
                             <a:srgbClr val="6A8759"/>
                           </a:solidFill>
                           <a:latin typeface="Consolas"/>
                         </a:rPr>
-                        <a:t>Return</a:t>
+                        <a:t>Next</a:t>
+                      </a:r>
+                    </a:p>
+                  </a:txBody>
+                  <a:tcPr marL="211287" marR="211287" marT="211287" marB="211287"/>
+                </a:tc>
+                <a:tc>
+                  <a:txBody>
+                    <a:bodyPr/>
+                    <a:lstStyle/>
+                    <a:p>
+                      <a:pPr marL="0" lvl="0" indent="0" algn="l">
+                        <a:spcBef>
+                          <a:spcPts val="0"/>
+                        </a:spcBef>
+                        <a:spcAft>
+                          <a:spcPts val="0"/>
+                        </a:spcAft>
+                        <a:buNone/>
+                      </a:pPr>
+                      <a:r>
+                        <a:rPr lang="en-US" sz="1300" dirty="0"/>
+                        <a:t>Go to the next monster</a:t>
+                      </a:r>
+                    </a:p>
+                  </a:txBody>
+                  <a:tcPr marL="211287" marR="211287" marT="211287" marB="211287"/>
+                </a:tc>
+                <a:extLst>
+                  <a:ext uri="{0D108BD9-81ED-4DB2-BD59-A6C34878D82A}">
+                    <a16:rowId xmlns:a16="http://schemas.microsoft.com/office/drawing/2014/main" val="1567308825"/>
+                  </a:ext>
+                </a:extLst>
+              </a:tr>
+              <a:tr h="469220">
+                <a:tc>
+                  <a:txBody>
+                    <a:bodyPr/>
+                    <a:lstStyle/>
+                    <a:p>
+                      <a:pPr marL="0" marR="0" lvl="0" indent="0" algn="l" defTabSz="914400" rtl="0" eaLnBrk="1" fontAlgn="auto" latinLnBrk="0" hangingPunct="1">
+                        <a:lnSpc>
+                          <a:spcPct val="100000"/>
+                        </a:lnSpc>
+                        <a:spcBef>
+                          <a:spcPts val="0"/>
+                        </a:spcBef>
+                        <a:spcAft>
+                          <a:spcPts val="0"/>
+                        </a:spcAft>
+                        <a:buClrTx/>
+                        <a:buSzTx/>
+                        <a:buFontTx/>
+                        <a:buNone/>
+                        <a:tabLst/>
+                        <a:defRPr/>
+                      </a:pPr>
+                      <a:r>
+                        <a:rPr lang="en-US" sz="1300" b="1" i="0" u="none" strike="noStrike" noProof="0" dirty="0">
+                          <a:solidFill>
+                            <a:srgbClr val="6A8759"/>
+                          </a:solidFill>
+                          <a:latin typeface="Consolas"/>
+                        </a:rPr>
+                        <a:t>Exit</a:t>
                       </a:r>
                     </a:p>
                   </a:txBody>
@@ -12982,8 +16058,8 @@
                         <a:defRPr/>
                       </a:pPr>
                       <a:r>
-                        <a:rPr lang="en-US" sz="1700"/>
-                        <a:t>Return to welcome function</a:t>
+                        <a:rPr lang="en-US" sz="1300" dirty="0"/>
+                        <a:t>Return to welcome</a:t>
                       </a:r>
                     </a:p>
                   </a:txBody>
@@ -12991,7 +16067,7 @@
                 </a:tc>
                 <a:extLst>
                   <a:ext uri="{0D108BD9-81ED-4DB2-BD59-A6C34878D82A}">
-                    <a16:rowId xmlns:a16="http://schemas.microsoft.com/office/drawing/2014/main" val="1567308825"/>
+                    <a16:rowId xmlns:a16="http://schemas.microsoft.com/office/drawing/2014/main" val="4112058842"/>
                   </a:ext>
                 </a:extLst>
               </a:tr>
@@ -13104,6 +16180,1018 @@
               <a:rPr lang="en-NZ" i="1" dirty="0"/>
               <a:t>You must show the results of testing. For each component, include a screenshot proving it works.  You can also include notes about each test. </a:t>
             </a:r>
+          </a:p>
+        </p:txBody>
+      </p:sp>
+      <p:pic>
+        <p:nvPicPr>
+          <p:cNvPr id="6" name="Picture 5">
+            <a:extLst>
+              <a:ext uri="{FF2B5EF4-FFF2-40B4-BE49-F238E27FC236}">
+                <a16:creationId xmlns:a16="http://schemas.microsoft.com/office/drawing/2014/main" id="{15099314-E2CA-0B8D-4F34-E744C7117B92}"/>
+              </a:ext>
+            </a:extLst>
+          </p:cNvPr>
+          <p:cNvPicPr>
+            <a:picLocks noChangeAspect="1"/>
+          </p:cNvPicPr>
+          <p:nvPr/>
+        </p:nvPicPr>
+        <p:blipFill>
+          <a:blip r:embed="rId3"/>
+          <a:stretch>
+            <a:fillRect/>
+          </a:stretch>
+        </p:blipFill>
+        <p:spPr>
+          <a:xfrm>
+            <a:off x="256192" y="1984147"/>
+            <a:ext cx="3726893" cy="1128183"/>
+          </a:xfrm>
+          <a:prstGeom prst="rect">
+            <a:avLst/>
+          </a:prstGeom>
+          <a:ln w="38100">
+            <a:solidFill>
+              <a:srgbClr val="C00000"/>
+            </a:solidFill>
+          </a:ln>
+        </p:spPr>
+      </p:pic>
+      <p:pic>
+        <p:nvPicPr>
+          <p:cNvPr id="10" name="Picture 9">
+            <a:extLst>
+              <a:ext uri="{FF2B5EF4-FFF2-40B4-BE49-F238E27FC236}">
+                <a16:creationId xmlns:a16="http://schemas.microsoft.com/office/drawing/2014/main" id="{8EC940A8-B11D-6C5E-A221-EB33DE99E43C}"/>
+              </a:ext>
+            </a:extLst>
+          </p:cNvPr>
+          <p:cNvPicPr>
+            <a:picLocks noChangeAspect="1"/>
+          </p:cNvPicPr>
+          <p:nvPr/>
+        </p:nvPicPr>
+        <p:blipFill>
+          <a:blip r:embed="rId4"/>
+          <a:stretch>
+            <a:fillRect/>
+          </a:stretch>
+        </p:blipFill>
+        <p:spPr>
+          <a:xfrm>
+            <a:off x="4169244" y="1984147"/>
+            <a:ext cx="3036046" cy="1122152"/>
+          </a:xfrm>
+          <a:prstGeom prst="rect">
+            <a:avLst/>
+          </a:prstGeom>
+          <a:ln w="38100">
+            <a:solidFill>
+              <a:srgbClr val="C00000"/>
+            </a:solidFill>
+          </a:ln>
+        </p:spPr>
+      </p:pic>
+      <p:pic>
+        <p:nvPicPr>
+          <p:cNvPr id="12" name="Picture 11">
+            <a:extLst>
+              <a:ext uri="{FF2B5EF4-FFF2-40B4-BE49-F238E27FC236}">
+                <a16:creationId xmlns:a16="http://schemas.microsoft.com/office/drawing/2014/main" id="{D778A68C-22E9-3E00-62BE-A72226E53F45}"/>
+              </a:ext>
+            </a:extLst>
+          </p:cNvPr>
+          <p:cNvPicPr>
+            <a:picLocks noChangeAspect="1"/>
+          </p:cNvPicPr>
+          <p:nvPr/>
+        </p:nvPicPr>
+        <p:blipFill>
+          <a:blip r:embed="rId5"/>
+          <a:stretch>
+            <a:fillRect/>
+          </a:stretch>
+        </p:blipFill>
+        <p:spPr>
+          <a:xfrm>
+            <a:off x="7391449" y="1602593"/>
+            <a:ext cx="2941767" cy="1128183"/>
+          </a:xfrm>
+          <a:prstGeom prst="rect">
+            <a:avLst/>
+          </a:prstGeom>
+          <a:ln w="38100">
+            <a:solidFill>
+              <a:srgbClr val="FFC000"/>
+            </a:solidFill>
+          </a:ln>
+        </p:spPr>
+      </p:pic>
+      <p:pic>
+        <p:nvPicPr>
+          <p:cNvPr id="14" name="Picture 13">
+            <a:extLst>
+              <a:ext uri="{FF2B5EF4-FFF2-40B4-BE49-F238E27FC236}">
+                <a16:creationId xmlns:a16="http://schemas.microsoft.com/office/drawing/2014/main" id="{8C5BA476-A6D7-01A4-B8E5-D8EFB9CBAA98}"/>
+              </a:ext>
+            </a:extLst>
+          </p:cNvPr>
+          <p:cNvPicPr>
+            <a:picLocks noChangeAspect="1"/>
+          </p:cNvPicPr>
+          <p:nvPr/>
+        </p:nvPicPr>
+        <p:blipFill>
+          <a:blip r:embed="rId6"/>
+          <a:stretch>
+            <a:fillRect/>
+          </a:stretch>
+        </p:blipFill>
+        <p:spPr>
+          <a:xfrm>
+            <a:off x="7692391" y="4249743"/>
+            <a:ext cx="3036047" cy="1131446"/>
+          </a:xfrm>
+          <a:prstGeom prst="rect">
+            <a:avLst/>
+          </a:prstGeom>
+          <a:ln w="38100">
+            <a:solidFill>
+              <a:srgbClr val="00B0F0"/>
+            </a:solidFill>
+          </a:ln>
+        </p:spPr>
+      </p:pic>
+      <p:pic>
+        <p:nvPicPr>
+          <p:cNvPr id="16" name="Picture 15">
+            <a:extLst>
+              <a:ext uri="{FF2B5EF4-FFF2-40B4-BE49-F238E27FC236}">
+                <a16:creationId xmlns:a16="http://schemas.microsoft.com/office/drawing/2014/main" id="{B19CDE8D-0DA4-7D78-1585-14F471015AD1}"/>
+              </a:ext>
+            </a:extLst>
+          </p:cNvPr>
+          <p:cNvPicPr>
+            <a:picLocks noChangeAspect="1"/>
+          </p:cNvPicPr>
+          <p:nvPr/>
+        </p:nvPicPr>
+        <p:blipFill>
+          <a:blip r:embed="rId7"/>
+          <a:stretch>
+            <a:fillRect/>
+          </a:stretch>
+        </p:blipFill>
+        <p:spPr>
+          <a:xfrm>
+            <a:off x="7692392" y="2907115"/>
+            <a:ext cx="3036046" cy="1126075"/>
+          </a:xfrm>
+          <a:prstGeom prst="rect">
+            <a:avLst/>
+          </a:prstGeom>
+          <a:ln w="38100">
+            <a:solidFill>
+              <a:srgbClr val="92D050"/>
+            </a:solidFill>
+          </a:ln>
+        </p:spPr>
+      </p:pic>
+      <p:pic>
+        <p:nvPicPr>
+          <p:cNvPr id="18" name="Picture 17">
+            <a:extLst>
+              <a:ext uri="{FF2B5EF4-FFF2-40B4-BE49-F238E27FC236}">
+                <a16:creationId xmlns:a16="http://schemas.microsoft.com/office/drawing/2014/main" id="{8A1F951F-CCA9-695E-24D2-996DE9C7C565}"/>
+              </a:ext>
+            </a:extLst>
+          </p:cNvPr>
+          <p:cNvPicPr>
+            <a:picLocks noChangeAspect="1"/>
+          </p:cNvPicPr>
+          <p:nvPr/>
+        </p:nvPicPr>
+        <p:blipFill>
+          <a:blip r:embed="rId8"/>
+          <a:stretch>
+            <a:fillRect/>
+          </a:stretch>
+        </p:blipFill>
+        <p:spPr>
+          <a:xfrm>
+            <a:off x="7692391" y="5597742"/>
+            <a:ext cx="3962351" cy="1129057"/>
+          </a:xfrm>
+          <a:prstGeom prst="rect">
+            <a:avLst/>
+          </a:prstGeom>
+          <a:ln w="38100">
+            <a:solidFill>
+              <a:srgbClr val="00B0F0"/>
+            </a:solidFill>
+          </a:ln>
+        </p:spPr>
+      </p:pic>
+      <p:graphicFrame>
+        <p:nvGraphicFramePr>
+          <p:cNvPr id="19" name="Google Shape;92;p19">
+            <a:extLst>
+              <a:ext uri="{FF2B5EF4-FFF2-40B4-BE49-F238E27FC236}">
+                <a16:creationId xmlns:a16="http://schemas.microsoft.com/office/drawing/2014/main" id="{910A10D3-2361-875C-1CF6-2E80A7DC64F2}"/>
+              </a:ext>
+            </a:extLst>
+          </p:cNvPr>
+          <p:cNvGraphicFramePr/>
+          <p:nvPr>
+            <p:extLst>
+              <p:ext uri="{D42A27DB-BD31-4B8C-83A1-F6EECF244321}">
+                <p14:modId xmlns:p14="http://schemas.microsoft.com/office/powerpoint/2010/main" val="2696381499"/>
+              </p:ext>
+            </p:extLst>
+          </p:nvPr>
+        </p:nvGraphicFramePr>
+        <p:xfrm>
+          <a:off x="256193" y="3253469"/>
+          <a:ext cx="7171646" cy="3473330"/>
+        </p:xfrm>
+        <a:graphic>
+          <a:graphicData uri="http://schemas.openxmlformats.org/drawingml/2006/table">
+            <a:tbl>
+              <a:tblPr firstRow="1" bandRow="1">
+                <a:noFill/>
+              </a:tblPr>
+              <a:tblGrid>
+                <a:gridCol w="4490922">
+                  <a:extLst>
+                    <a:ext uri="{9D8B030D-6E8A-4147-A177-3AD203B41FA5}">
+                      <a16:colId xmlns:a16="http://schemas.microsoft.com/office/drawing/2014/main" val="20000"/>
+                    </a:ext>
+                  </a:extLst>
+                </a:gridCol>
+                <a:gridCol w="2680724">
+                  <a:extLst>
+                    <a:ext uri="{9D8B030D-6E8A-4147-A177-3AD203B41FA5}">
+                      <a16:colId xmlns:a16="http://schemas.microsoft.com/office/drawing/2014/main" val="20001"/>
+                    </a:ext>
+                  </a:extLst>
+                </a:gridCol>
+              </a:tblGrid>
+              <a:tr h="449271">
+                <a:tc>
+                  <a:txBody>
+                    <a:bodyPr/>
+                    <a:lstStyle/>
+                    <a:p>
+                      <a:pPr marL="0" lvl="0" indent="0" algn="l" rtl="0">
+                        <a:spcBef>
+                          <a:spcPts val="0"/>
+                        </a:spcBef>
+                        <a:spcAft>
+                          <a:spcPts val="0"/>
+                        </a:spcAft>
+                        <a:buNone/>
+                      </a:pPr>
+                      <a:r>
+                        <a:rPr lang="en" sz="1700" b="1" dirty="0"/>
+                        <a:t>Test Cases – input</a:t>
+                      </a:r>
+                      <a:endParaRPr sz="1700" b="1" dirty="0"/>
+                    </a:p>
+                  </a:txBody>
+                  <a:tcPr marL="167613" marR="167613" marT="167613" marB="167613">
+                    <a:solidFill>
+                      <a:srgbClr val="CCCCCC"/>
+                    </a:solidFill>
+                  </a:tcPr>
+                </a:tc>
+                <a:tc>
+                  <a:txBody>
+                    <a:bodyPr/>
+                    <a:lstStyle/>
+                    <a:p>
+                      <a:pPr marL="0" lvl="0" indent="0" algn="l" rtl="0">
+                        <a:spcBef>
+                          <a:spcPts val="0"/>
+                        </a:spcBef>
+                        <a:spcAft>
+                          <a:spcPts val="0"/>
+                        </a:spcAft>
+                        <a:buNone/>
+                      </a:pPr>
+                      <a:r>
+                        <a:rPr lang="en" sz="1700" b="1" dirty="0"/>
+                        <a:t>Expected output</a:t>
+                      </a:r>
+                      <a:endParaRPr sz="1700" b="1" dirty="0"/>
+                    </a:p>
+                  </a:txBody>
+                  <a:tcPr marL="167613" marR="167613" marT="167613" marB="167613">
+                    <a:solidFill>
+                      <a:srgbClr val="CCCCCC"/>
+                    </a:solidFill>
+                  </a:tcPr>
+                </a:tc>
+                <a:extLst>
+                  <a:ext uri="{0D108BD9-81ED-4DB2-BD59-A6C34878D82A}">
+                    <a16:rowId xmlns:a16="http://schemas.microsoft.com/office/drawing/2014/main" val="10000"/>
+                  </a:ext>
+                </a:extLst>
+              </a:tr>
+              <a:tr h="618993">
+                <a:tc>
+                  <a:txBody>
+                    <a:bodyPr/>
+                    <a:lstStyle/>
+                    <a:p>
+                      <a:pPr lvl="0" algn="l">
+                        <a:lnSpc>
+                          <a:spcPct val="100000"/>
+                        </a:lnSpc>
+                        <a:spcBef>
+                          <a:spcPts val="0"/>
+                        </a:spcBef>
+                        <a:spcAft>
+                          <a:spcPts val="0"/>
+                        </a:spcAft>
+                        <a:buNone/>
+                      </a:pPr>
+                      <a:r>
+                        <a:rPr lang="en-US" sz="1300" b="1" i="0" u="none" strike="noStrike" noProof="0" dirty="0">
+                          <a:solidFill>
+                            <a:srgbClr val="6A8759"/>
+                          </a:solidFill>
+                          <a:latin typeface="Consolas"/>
+                        </a:rPr>
+                        <a:t>Would you like to View a MONSTER or Show all MONSTERS</a:t>
+                      </a:r>
+                    </a:p>
+                    <a:p>
+                      <a:pPr lvl="0" algn="l">
+                        <a:lnSpc>
+                          <a:spcPct val="100000"/>
+                        </a:lnSpc>
+                        <a:spcBef>
+                          <a:spcPts val="0"/>
+                        </a:spcBef>
+                        <a:spcAft>
+                          <a:spcPts val="0"/>
+                        </a:spcAft>
+                        <a:buNone/>
+                      </a:pPr>
+                      <a:r>
+                        <a:rPr lang="en-US" sz="1300" b="1" i="0" u="none" strike="noStrike" noProof="0" dirty="0">
+                          <a:solidFill>
+                            <a:srgbClr val="6A8759"/>
+                          </a:solidFill>
+                          <a:latin typeface="Consolas"/>
+                        </a:rPr>
+                        <a:t>-Show MONTERS</a:t>
+                      </a:r>
+                    </a:p>
+                  </a:txBody>
+                  <a:tcPr marL="211289" marR="211289" marT="211289" marB="211289"/>
+                </a:tc>
+                <a:tc>
+                  <a:txBody>
+                    <a:bodyPr/>
+                    <a:lstStyle/>
+                    <a:p>
+                      <a:pPr marL="0" lvl="0" indent="0" algn="l">
+                        <a:spcBef>
+                          <a:spcPts val="0"/>
+                        </a:spcBef>
+                        <a:spcAft>
+                          <a:spcPts val="0"/>
+                        </a:spcAft>
+                        <a:buNone/>
+                      </a:pPr>
+                      <a:r>
+                        <a:rPr lang="en-US" sz="1300" dirty="0"/>
+                        <a:t>Procced to Show Monsters</a:t>
+                      </a:r>
+                    </a:p>
+                  </a:txBody>
+                  <a:tcPr marL="211289" marR="211289" marT="211289" marB="211289"/>
+                </a:tc>
+                <a:extLst>
+                  <a:ext uri="{0D108BD9-81ED-4DB2-BD59-A6C34878D82A}">
+                    <a16:rowId xmlns:a16="http://schemas.microsoft.com/office/drawing/2014/main" val="260543740"/>
+                  </a:ext>
+                </a:extLst>
+              </a:tr>
+              <a:tr h="538193">
+                <a:tc>
+                  <a:txBody>
+                    <a:bodyPr/>
+                    <a:lstStyle/>
+                    <a:p>
+                      <a:pPr lvl="0" algn="l">
+                        <a:lnSpc>
+                          <a:spcPct val="100000"/>
+                        </a:lnSpc>
+                        <a:spcBef>
+                          <a:spcPts val="0"/>
+                        </a:spcBef>
+                        <a:spcAft>
+                          <a:spcPts val="0"/>
+                        </a:spcAft>
+                        <a:buNone/>
+                      </a:pPr>
+                      <a:r>
+                        <a:rPr lang="en-US" sz="1300" b="1" i="0" u="none" strike="noStrike" noProof="0" dirty="0">
+                          <a:solidFill>
+                            <a:srgbClr val="6A8759"/>
+                          </a:solidFill>
+                          <a:latin typeface="Consolas"/>
+                        </a:rPr>
+                        <a:t>Previous</a:t>
+                      </a:r>
+                    </a:p>
+                  </a:txBody>
+                  <a:tcPr marL="211289" marR="211289" marT="211289" marB="211289"/>
+                </a:tc>
+                <a:tc>
+                  <a:txBody>
+                    <a:bodyPr/>
+                    <a:lstStyle/>
+                    <a:p>
+                      <a:pPr marL="0" lvl="0" indent="0" algn="l">
+                        <a:spcBef>
+                          <a:spcPts val="0"/>
+                        </a:spcBef>
+                        <a:spcAft>
+                          <a:spcPts val="0"/>
+                        </a:spcAft>
+                        <a:buNone/>
+                      </a:pPr>
+                      <a:r>
+                        <a:rPr lang="en-US" sz="1300" dirty="0"/>
+                        <a:t>Go to the previous monster</a:t>
+                      </a:r>
+                    </a:p>
+                  </a:txBody>
+                  <a:tcPr marL="211289" marR="211289" marT="211289" marB="211289"/>
+                </a:tc>
+                <a:extLst>
+                  <a:ext uri="{0D108BD9-81ED-4DB2-BD59-A6C34878D82A}">
+                    <a16:rowId xmlns:a16="http://schemas.microsoft.com/office/drawing/2014/main" val="10001"/>
+                  </a:ext>
+                </a:extLst>
+              </a:tr>
+              <a:tr h="469220">
+                <a:tc>
+                  <a:txBody>
+                    <a:bodyPr/>
+                    <a:lstStyle/>
+                    <a:p>
+                      <a:pPr marL="0" marR="0" lvl="0" indent="0" algn="l" defTabSz="914400" rtl="0" eaLnBrk="1" fontAlgn="auto" latinLnBrk="0" hangingPunct="1">
+                        <a:lnSpc>
+                          <a:spcPct val="100000"/>
+                        </a:lnSpc>
+                        <a:spcBef>
+                          <a:spcPts val="0"/>
+                        </a:spcBef>
+                        <a:spcAft>
+                          <a:spcPts val="0"/>
+                        </a:spcAft>
+                        <a:buClrTx/>
+                        <a:buSzTx/>
+                        <a:buFontTx/>
+                        <a:buNone/>
+                        <a:tabLst/>
+                        <a:defRPr/>
+                      </a:pPr>
+                      <a:r>
+                        <a:rPr lang="en-US" sz="1300" b="1" i="0" u="none" strike="noStrike" noProof="0" dirty="0">
+                          <a:solidFill>
+                            <a:srgbClr val="6A8759"/>
+                          </a:solidFill>
+                          <a:latin typeface="Consolas"/>
+                        </a:rPr>
+                        <a:t>Next</a:t>
+                      </a:r>
+                    </a:p>
+                  </a:txBody>
+                  <a:tcPr marL="211287" marR="211287" marT="211287" marB="211287"/>
+                </a:tc>
+                <a:tc>
+                  <a:txBody>
+                    <a:bodyPr/>
+                    <a:lstStyle/>
+                    <a:p>
+                      <a:pPr marL="0" lvl="0" indent="0" algn="l">
+                        <a:spcBef>
+                          <a:spcPts val="0"/>
+                        </a:spcBef>
+                        <a:spcAft>
+                          <a:spcPts val="0"/>
+                        </a:spcAft>
+                        <a:buNone/>
+                      </a:pPr>
+                      <a:r>
+                        <a:rPr lang="en-US" sz="1300" dirty="0"/>
+                        <a:t>Go to the next monster</a:t>
+                      </a:r>
+                    </a:p>
+                  </a:txBody>
+                  <a:tcPr marL="211287" marR="211287" marT="211287" marB="211287"/>
+                </a:tc>
+                <a:extLst>
+                  <a:ext uri="{0D108BD9-81ED-4DB2-BD59-A6C34878D82A}">
+                    <a16:rowId xmlns:a16="http://schemas.microsoft.com/office/drawing/2014/main" val="1567308825"/>
+                  </a:ext>
+                </a:extLst>
+              </a:tr>
+              <a:tr h="469220">
+                <a:tc>
+                  <a:txBody>
+                    <a:bodyPr/>
+                    <a:lstStyle/>
+                    <a:p>
+                      <a:pPr marL="0" marR="0" lvl="0" indent="0" algn="l" defTabSz="914400" rtl="0" eaLnBrk="1" fontAlgn="auto" latinLnBrk="0" hangingPunct="1">
+                        <a:lnSpc>
+                          <a:spcPct val="100000"/>
+                        </a:lnSpc>
+                        <a:spcBef>
+                          <a:spcPts val="0"/>
+                        </a:spcBef>
+                        <a:spcAft>
+                          <a:spcPts val="0"/>
+                        </a:spcAft>
+                        <a:buClrTx/>
+                        <a:buSzTx/>
+                        <a:buFontTx/>
+                        <a:buNone/>
+                        <a:tabLst/>
+                        <a:defRPr/>
+                      </a:pPr>
+                      <a:r>
+                        <a:rPr lang="en-US" sz="1300" b="1" i="0" u="none" strike="noStrike" noProof="0" dirty="0">
+                          <a:solidFill>
+                            <a:srgbClr val="6A8759"/>
+                          </a:solidFill>
+                          <a:latin typeface="Consolas"/>
+                        </a:rPr>
+                        <a:t>Exit</a:t>
+                      </a:r>
+                    </a:p>
+                  </a:txBody>
+                  <a:tcPr marL="211287" marR="211287" marT="211287" marB="211287"/>
+                </a:tc>
+                <a:tc>
+                  <a:txBody>
+                    <a:bodyPr/>
+                    <a:lstStyle/>
+                    <a:p>
+                      <a:pPr marL="0" marR="0" lvl="0" indent="0" algn="l" defTabSz="914400" rtl="0" eaLnBrk="1" fontAlgn="auto" latinLnBrk="0" hangingPunct="1">
+                        <a:lnSpc>
+                          <a:spcPct val="100000"/>
+                        </a:lnSpc>
+                        <a:spcBef>
+                          <a:spcPts val="0"/>
+                        </a:spcBef>
+                        <a:spcAft>
+                          <a:spcPts val="0"/>
+                        </a:spcAft>
+                        <a:buClrTx/>
+                        <a:buSzTx/>
+                        <a:buFontTx/>
+                        <a:buNone/>
+                        <a:tabLst/>
+                        <a:defRPr/>
+                      </a:pPr>
+                      <a:r>
+                        <a:rPr lang="en-US" sz="1300" dirty="0"/>
+                        <a:t>Return to welcome</a:t>
+                      </a:r>
+                    </a:p>
+                  </a:txBody>
+                  <a:tcPr marL="211287" marR="211287" marT="211287" marB="211287"/>
+                </a:tc>
+                <a:extLst>
+                  <a:ext uri="{0D108BD9-81ED-4DB2-BD59-A6C34878D82A}">
+                    <a16:rowId xmlns:a16="http://schemas.microsoft.com/office/drawing/2014/main" val="4112058842"/>
+                  </a:ext>
+                </a:extLst>
+              </a:tr>
+            </a:tbl>
+          </a:graphicData>
+        </a:graphic>
+      </p:graphicFrame>
+      <p:sp>
+        <p:nvSpPr>
+          <p:cNvPr id="20" name="Rectangle 19">
+            <a:extLst>
+              <a:ext uri="{FF2B5EF4-FFF2-40B4-BE49-F238E27FC236}">
+                <a16:creationId xmlns:a16="http://schemas.microsoft.com/office/drawing/2014/main" id="{6D26A9A0-D890-697E-58A6-5DCE7C061ACF}"/>
+              </a:ext>
+            </a:extLst>
+          </p:cNvPr>
+          <p:cNvSpPr/>
+          <p:nvPr/>
+        </p:nvSpPr>
+        <p:spPr>
+          <a:xfrm>
+            <a:off x="256192" y="3831220"/>
+            <a:ext cx="7171646" cy="1018572"/>
+          </a:xfrm>
+          <a:prstGeom prst="rect">
+            <a:avLst/>
+          </a:prstGeom>
+          <a:noFill/>
+          <a:ln w="38100">
+            <a:solidFill>
+              <a:srgbClr val="C00000"/>
+            </a:solidFill>
+          </a:ln>
+        </p:spPr>
+        <p:style>
+          <a:lnRef idx="2">
+            <a:schemeClr val="accent1">
+              <a:shade val="50000"/>
+            </a:schemeClr>
+          </a:lnRef>
+          <a:fillRef idx="1">
+            <a:schemeClr val="accent1"/>
+          </a:fillRef>
+          <a:effectRef idx="0">
+            <a:schemeClr val="accent1"/>
+          </a:effectRef>
+          <a:fontRef idx="minor">
+            <a:schemeClr val="lt1"/>
+          </a:fontRef>
+        </p:style>
+        <p:txBody>
+          <a:bodyPr rtlCol="0" anchor="ctr"/>
+          <a:lstStyle/>
+          <a:p>
+            <a:pPr algn="ctr"/>
+            <a:endParaRPr lang="en-NZ"/>
+          </a:p>
+        </p:txBody>
+      </p:sp>
+      <p:sp>
+        <p:nvSpPr>
+          <p:cNvPr id="23" name="Rectangle 22">
+            <a:extLst>
+              <a:ext uri="{FF2B5EF4-FFF2-40B4-BE49-F238E27FC236}">
+                <a16:creationId xmlns:a16="http://schemas.microsoft.com/office/drawing/2014/main" id="{E94B37E8-51B7-FB34-4405-AA576BC6F5D5}"/>
+              </a:ext>
+            </a:extLst>
+          </p:cNvPr>
+          <p:cNvSpPr/>
+          <p:nvPr/>
+        </p:nvSpPr>
+        <p:spPr>
+          <a:xfrm>
+            <a:off x="256192" y="4861369"/>
+            <a:ext cx="7171646" cy="601884"/>
+          </a:xfrm>
+          <a:prstGeom prst="rect">
+            <a:avLst/>
+          </a:prstGeom>
+          <a:noFill/>
+          <a:ln w="38100">
+            <a:solidFill>
+              <a:srgbClr val="FFC000"/>
+            </a:solidFill>
+          </a:ln>
+        </p:spPr>
+        <p:style>
+          <a:lnRef idx="2">
+            <a:schemeClr val="accent1">
+              <a:shade val="50000"/>
+            </a:schemeClr>
+          </a:lnRef>
+          <a:fillRef idx="1">
+            <a:schemeClr val="accent1"/>
+          </a:fillRef>
+          <a:effectRef idx="0">
+            <a:schemeClr val="accent1"/>
+          </a:effectRef>
+          <a:fontRef idx="minor">
+            <a:schemeClr val="lt1"/>
+          </a:fontRef>
+        </p:style>
+        <p:txBody>
+          <a:bodyPr rtlCol="0" anchor="ctr"/>
+          <a:lstStyle/>
+          <a:p>
+            <a:pPr algn="ctr"/>
+            <a:endParaRPr lang="en-NZ"/>
+          </a:p>
+        </p:txBody>
+      </p:sp>
+      <p:sp>
+        <p:nvSpPr>
+          <p:cNvPr id="24" name="Rectangle 23">
+            <a:extLst>
+              <a:ext uri="{FF2B5EF4-FFF2-40B4-BE49-F238E27FC236}">
+                <a16:creationId xmlns:a16="http://schemas.microsoft.com/office/drawing/2014/main" id="{1DBBDF5F-93F9-C2E9-8FEE-3EBC22D085E2}"/>
+              </a:ext>
+            </a:extLst>
+          </p:cNvPr>
+          <p:cNvSpPr/>
+          <p:nvPr/>
+        </p:nvSpPr>
+        <p:spPr>
+          <a:xfrm>
+            <a:off x="256192" y="5486400"/>
+            <a:ext cx="7171646" cy="601884"/>
+          </a:xfrm>
+          <a:prstGeom prst="rect">
+            <a:avLst/>
+          </a:prstGeom>
+          <a:noFill/>
+          <a:ln w="38100">
+            <a:solidFill>
+              <a:srgbClr val="92D050"/>
+            </a:solidFill>
+          </a:ln>
+        </p:spPr>
+        <p:style>
+          <a:lnRef idx="2">
+            <a:schemeClr val="accent1">
+              <a:shade val="50000"/>
+            </a:schemeClr>
+          </a:lnRef>
+          <a:fillRef idx="1">
+            <a:schemeClr val="accent1"/>
+          </a:fillRef>
+          <a:effectRef idx="0">
+            <a:schemeClr val="accent1"/>
+          </a:effectRef>
+          <a:fontRef idx="minor">
+            <a:schemeClr val="lt1"/>
+          </a:fontRef>
+        </p:style>
+        <p:txBody>
+          <a:bodyPr rtlCol="0" anchor="ctr"/>
+          <a:lstStyle/>
+          <a:p>
+            <a:pPr algn="ctr"/>
+            <a:endParaRPr lang="en-NZ"/>
+          </a:p>
+        </p:txBody>
+      </p:sp>
+      <p:sp>
+        <p:nvSpPr>
+          <p:cNvPr id="26" name="Rectangle 25">
+            <a:extLst>
+              <a:ext uri="{FF2B5EF4-FFF2-40B4-BE49-F238E27FC236}">
+                <a16:creationId xmlns:a16="http://schemas.microsoft.com/office/drawing/2014/main" id="{DBF103D5-2E67-A8A5-9795-1D200CBB4DA2}"/>
+              </a:ext>
+            </a:extLst>
+          </p:cNvPr>
+          <p:cNvSpPr/>
+          <p:nvPr/>
+        </p:nvSpPr>
+        <p:spPr>
+          <a:xfrm>
+            <a:off x="258121" y="6113362"/>
+            <a:ext cx="7171646" cy="601884"/>
+          </a:xfrm>
+          <a:prstGeom prst="rect">
+            <a:avLst/>
+          </a:prstGeom>
+          <a:noFill/>
+          <a:ln w="38100">
+            <a:solidFill>
+              <a:srgbClr val="00B0F0"/>
+            </a:solidFill>
+          </a:ln>
+        </p:spPr>
+        <p:style>
+          <a:lnRef idx="2">
+            <a:schemeClr val="accent1">
+              <a:shade val="50000"/>
+            </a:schemeClr>
+          </a:lnRef>
+          <a:fillRef idx="1">
+            <a:schemeClr val="accent1"/>
+          </a:fillRef>
+          <a:effectRef idx="0">
+            <a:schemeClr val="accent1"/>
+          </a:effectRef>
+          <a:fontRef idx="minor">
+            <a:schemeClr val="lt1"/>
+          </a:fontRef>
+        </p:style>
+        <p:txBody>
+          <a:bodyPr rtlCol="0" anchor="ctr"/>
+          <a:lstStyle/>
+          <a:p>
+            <a:pPr algn="ctr"/>
+            <a:endParaRPr lang="en-NZ"/>
+          </a:p>
+        </p:txBody>
+      </p:sp>
+      <p:sp>
+        <p:nvSpPr>
+          <p:cNvPr id="27" name="Rectangle 26">
+            <a:extLst>
+              <a:ext uri="{FF2B5EF4-FFF2-40B4-BE49-F238E27FC236}">
+                <a16:creationId xmlns:a16="http://schemas.microsoft.com/office/drawing/2014/main" id="{FB0A1DE3-32DA-29CF-1DE2-D30E9F2D03D5}"/>
+              </a:ext>
+            </a:extLst>
+          </p:cNvPr>
+          <p:cNvSpPr/>
+          <p:nvPr/>
+        </p:nvSpPr>
+        <p:spPr>
+          <a:xfrm>
+            <a:off x="2536945" y="2753858"/>
+            <a:ext cx="1076446" cy="260213"/>
+          </a:xfrm>
+          <a:prstGeom prst="rect">
+            <a:avLst/>
+          </a:prstGeom>
+          <a:noFill/>
+          <a:ln w="38100">
+            <a:solidFill>
+              <a:srgbClr val="002060"/>
+            </a:solidFill>
+          </a:ln>
+        </p:spPr>
+        <p:style>
+          <a:lnRef idx="2">
+            <a:schemeClr val="accent1">
+              <a:shade val="50000"/>
+            </a:schemeClr>
+          </a:lnRef>
+          <a:fillRef idx="1">
+            <a:schemeClr val="accent1"/>
+          </a:fillRef>
+          <a:effectRef idx="0">
+            <a:schemeClr val="accent1"/>
+          </a:effectRef>
+          <a:fontRef idx="minor">
+            <a:schemeClr val="lt1"/>
+          </a:fontRef>
+        </p:style>
+        <p:txBody>
+          <a:bodyPr rtlCol="0" anchor="ctr"/>
+          <a:lstStyle/>
+          <a:p>
+            <a:pPr algn="ctr"/>
+            <a:endParaRPr lang="en-NZ"/>
+          </a:p>
+        </p:txBody>
+      </p:sp>
+      <p:sp>
+        <p:nvSpPr>
+          <p:cNvPr id="28" name="Rectangle 27">
+            <a:extLst>
+              <a:ext uri="{FF2B5EF4-FFF2-40B4-BE49-F238E27FC236}">
+                <a16:creationId xmlns:a16="http://schemas.microsoft.com/office/drawing/2014/main" id="{D8F6B17B-3651-56D2-31C4-4725115FE844}"/>
+              </a:ext>
+            </a:extLst>
+          </p:cNvPr>
+          <p:cNvSpPr/>
+          <p:nvPr/>
+        </p:nvSpPr>
+        <p:spPr>
+          <a:xfrm>
+            <a:off x="7692391" y="2465408"/>
+            <a:ext cx="479336" cy="223431"/>
+          </a:xfrm>
+          <a:prstGeom prst="rect">
+            <a:avLst/>
+          </a:prstGeom>
+          <a:noFill/>
+          <a:ln w="38100">
+            <a:solidFill>
+              <a:srgbClr val="002060"/>
+            </a:solidFill>
+          </a:ln>
+        </p:spPr>
+        <p:style>
+          <a:lnRef idx="2">
+            <a:schemeClr val="accent1">
+              <a:shade val="50000"/>
+            </a:schemeClr>
+          </a:lnRef>
+          <a:fillRef idx="1">
+            <a:schemeClr val="accent1"/>
+          </a:fillRef>
+          <a:effectRef idx="0">
+            <a:schemeClr val="accent1"/>
+          </a:effectRef>
+          <a:fontRef idx="minor">
+            <a:schemeClr val="lt1"/>
+          </a:fontRef>
+        </p:style>
+        <p:txBody>
+          <a:bodyPr rtlCol="0" anchor="ctr"/>
+          <a:lstStyle/>
+          <a:p>
+            <a:pPr algn="ctr"/>
+            <a:endParaRPr lang="en-NZ"/>
+          </a:p>
+        </p:txBody>
+      </p:sp>
+      <p:sp>
+        <p:nvSpPr>
+          <p:cNvPr id="29" name="Rectangle 28">
+            <a:extLst>
+              <a:ext uri="{FF2B5EF4-FFF2-40B4-BE49-F238E27FC236}">
+                <a16:creationId xmlns:a16="http://schemas.microsoft.com/office/drawing/2014/main" id="{D05A0574-D862-E744-0B21-5B50F4FB4CC6}"/>
+              </a:ext>
+            </a:extLst>
+          </p:cNvPr>
+          <p:cNvSpPr/>
+          <p:nvPr/>
+        </p:nvSpPr>
+        <p:spPr>
+          <a:xfrm>
+            <a:off x="9094858" y="3738624"/>
+            <a:ext cx="396383" cy="236934"/>
+          </a:xfrm>
+          <a:prstGeom prst="rect">
+            <a:avLst/>
+          </a:prstGeom>
+          <a:noFill/>
+          <a:ln w="38100">
+            <a:solidFill>
+              <a:srgbClr val="002060"/>
+            </a:solidFill>
+          </a:ln>
+        </p:spPr>
+        <p:style>
+          <a:lnRef idx="2">
+            <a:schemeClr val="accent1">
+              <a:shade val="50000"/>
+            </a:schemeClr>
+          </a:lnRef>
+          <a:fillRef idx="1">
+            <a:schemeClr val="accent1"/>
+          </a:fillRef>
+          <a:effectRef idx="0">
+            <a:schemeClr val="accent1"/>
+          </a:effectRef>
+          <a:fontRef idx="minor">
+            <a:schemeClr val="lt1"/>
+          </a:fontRef>
+        </p:style>
+        <p:txBody>
+          <a:bodyPr rtlCol="0" anchor="ctr"/>
+          <a:lstStyle/>
+          <a:p>
+            <a:pPr algn="ctr"/>
+            <a:endParaRPr lang="en-NZ"/>
+          </a:p>
+        </p:txBody>
+      </p:sp>
+      <p:sp>
+        <p:nvSpPr>
+          <p:cNvPr id="30" name="Rectangle 29">
+            <a:extLst>
+              <a:ext uri="{FF2B5EF4-FFF2-40B4-BE49-F238E27FC236}">
+                <a16:creationId xmlns:a16="http://schemas.microsoft.com/office/drawing/2014/main" id="{E36B873D-D18B-C1AC-996B-1CD191CFC12F}"/>
+              </a:ext>
+            </a:extLst>
+          </p:cNvPr>
+          <p:cNvSpPr/>
+          <p:nvPr/>
+        </p:nvSpPr>
+        <p:spPr>
+          <a:xfrm>
+            <a:off x="10116273" y="5101170"/>
+            <a:ext cx="349170" cy="280019"/>
+          </a:xfrm>
+          <a:prstGeom prst="rect">
+            <a:avLst/>
+          </a:prstGeom>
+          <a:noFill/>
+          <a:ln w="38100">
+            <a:solidFill>
+              <a:srgbClr val="002060"/>
+            </a:solidFill>
+          </a:ln>
+        </p:spPr>
+        <p:style>
+          <a:lnRef idx="2">
+            <a:schemeClr val="accent1">
+              <a:shade val="50000"/>
+            </a:schemeClr>
+          </a:lnRef>
+          <a:fillRef idx="1">
+            <a:schemeClr val="accent1"/>
+          </a:fillRef>
+          <a:effectRef idx="0">
+            <a:schemeClr val="accent1"/>
+          </a:effectRef>
+          <a:fontRef idx="minor">
+            <a:schemeClr val="lt1"/>
+          </a:fontRef>
+        </p:style>
+        <p:txBody>
+          <a:bodyPr rtlCol="0" anchor="ctr"/>
+          <a:lstStyle/>
+          <a:p>
+            <a:pPr algn="ctr"/>
+            <a:endParaRPr lang="en-NZ"/>
           </a:p>
         </p:txBody>
       </p:sp>
@@ -13674,6 +17762,14 @@
 <file path=ppt/slides/slide28.xml><?xml version="1.0" encoding="utf-8"?>
 <p:sld xmlns:a="http://schemas.openxmlformats.org/drawingml/2006/main" xmlns:r="http://schemas.openxmlformats.org/officeDocument/2006/relationships" xmlns:p="http://schemas.openxmlformats.org/presentationml/2006/main">
   <p:cSld>
+    <p:bg>
+      <p:bgPr>
+        <a:solidFill>
+          <a:schemeClr val="bg1"/>
+        </a:solidFill>
+        <a:effectLst/>
+      </p:bgPr>
+    </p:bg>
     <p:spTree>
       <p:nvGrpSpPr>
         <p:cNvPr id="1" name=""/>
@@ -13688,6 +17784,66 @@
           <a:chExt cx="0" cy="0"/>
         </a:xfrm>
       </p:grpSpPr>
+      <p:sp useBgFill="1">
+        <p:nvSpPr>
+          <p:cNvPr id="12" name="Rectangle 11">
+            <a:extLst>
+              <a:ext uri="{FF2B5EF4-FFF2-40B4-BE49-F238E27FC236}">
+                <a16:creationId xmlns:a16="http://schemas.microsoft.com/office/drawing/2014/main" id="{C4879EFC-8E62-4E00-973C-C45EE9EC676D}"/>
+              </a:ext>
+              <a:ext uri="{C183D7F6-B498-43B3-948B-1728B52AA6E4}">
+                <adec:decorative xmlns:adec="http://schemas.microsoft.com/office/drawing/2017/decorative" val="1"/>
+              </a:ext>
+            </a:extLst>
+          </p:cNvPr>
+          <p:cNvSpPr>
+            <a:spLocks noGrp="1" noRot="1" noChangeAspect="1" noMove="1" noResize="1" noEditPoints="1" noAdjustHandles="1" noChangeArrowheads="1" noChangeShapeType="1" noTextEdit="1"/>
+          </p:cNvSpPr>
+          <p:nvPr>
+            <p:extLst>
+              <p:ext uri="{386F3935-93C4-4BCD-93E2-E3B085C9AB24}">
+                <p16:designElem xmlns:p16="http://schemas.microsoft.com/office/powerpoint/2015/main" val="1"/>
+              </p:ext>
+            </p:extLst>
+          </p:nvPr>
+        </p:nvSpPr>
+        <p:spPr>
+          <a:xfrm>
+            <a:off x="0" y="0"/>
+            <a:ext cx="12188952" cy="6858000"/>
+          </a:xfrm>
+          <a:prstGeom prst="rect">
+            <a:avLst/>
+          </a:prstGeom>
+          <a:ln>
+            <a:noFill/>
+          </a:ln>
+        </p:spPr>
+        <p:style>
+          <a:lnRef idx="2">
+            <a:schemeClr val="accent1">
+              <a:shade val="50000"/>
+            </a:schemeClr>
+          </a:lnRef>
+          <a:fillRef idx="1">
+            <a:schemeClr val="accent1"/>
+          </a:fillRef>
+          <a:effectRef idx="0">
+            <a:schemeClr val="accent1"/>
+          </a:effectRef>
+          <a:fontRef idx="minor">
+            <a:schemeClr val="lt1"/>
+          </a:fontRef>
+        </p:style>
+        <p:txBody>
+          <a:bodyPr rtlCol="0" anchor="ctr"/>
+          <a:lstStyle/>
+          <a:p>
+            <a:pPr algn="ctr"/>
+            <a:endParaRPr lang="en-US"/>
+          </a:p>
+        </p:txBody>
+      </p:sp>
       <p:sp>
         <p:nvSpPr>
           <p:cNvPr id="2" name="Title 1">
@@ -13706,18 +17862,19 @@
         </p:nvSpPr>
         <p:spPr>
           <a:xfrm>
-            <a:off x="838200" y="365125"/>
-            <a:ext cx="10515600" cy="559435"/>
+            <a:off x="638881" y="457200"/>
+            <a:ext cx="10909640" cy="1368614"/>
           </a:xfrm>
         </p:spPr>
         <p:txBody>
-          <a:bodyPr>
-            <a:normAutofit fontScale="90000"/>
+          <a:bodyPr vert="horz" lIns="91440" tIns="45720" rIns="91440" bIns="45720" rtlCol="0" anchor="ctr">
+            <a:normAutofit/>
           </a:bodyPr>
           <a:lstStyle/>
           <a:p>
+            <a:pPr algn="ctr"/>
             <a:r>
-              <a:rPr lang="en-NZ" sz="4000" dirty="0"/>
+              <a:rPr lang="en-US" sz="6600" b="1"/>
               <a:t>Version Control Evidence:</a:t>
             </a:r>
           </a:p>
@@ -13725,53 +17882,357 @@
       </p:sp>
       <p:sp>
         <p:nvSpPr>
-          <p:cNvPr id="3" name="Rectangle 2">
+          <p:cNvPr id="14" name="sketch line">
             <a:extLst>
               <a:ext uri="{FF2B5EF4-FFF2-40B4-BE49-F238E27FC236}">
-                <a16:creationId xmlns:a16="http://schemas.microsoft.com/office/drawing/2014/main" id="{A89172B1-B985-48A3-8018-FC6FF45BCE4F}"/>
+                <a16:creationId xmlns:a16="http://schemas.microsoft.com/office/drawing/2014/main" id="{D6A9C53F-5F90-40A5-8C85-5412D39C8C68}"/>
+              </a:ext>
+              <a:ext uri="{C183D7F6-B498-43B3-948B-1728B52AA6E4}">
+                <adec:decorative xmlns:adec="http://schemas.microsoft.com/office/drawing/2017/decorative" val="1"/>
               </a:ext>
             </a:extLst>
           </p:cNvPr>
-          <p:cNvSpPr/>
-          <p:nvPr/>
+          <p:cNvSpPr>
+            <a:spLocks noGrp="1" noRot="1" noChangeAspect="1" noMove="1" noResize="1" noEditPoints="1" noAdjustHandles="1" noChangeArrowheads="1" noChangeShapeType="1" noTextEdit="1"/>
+          </p:cNvSpPr>
+          <p:nvPr>
+            <p:extLst>
+              <p:ext uri="{386F3935-93C4-4BCD-93E2-E3B085C9AB24}">
+                <p16:designElem xmlns:p16="http://schemas.microsoft.com/office/powerpoint/2015/main" val="1"/>
+              </p:ext>
+            </p:extLst>
+          </p:nvPr>
         </p:nvSpPr>
         <p:spPr>
           <a:xfrm>
-            <a:off x="675639" y="1081088"/>
-            <a:ext cx="9513815" cy="1020921"/>
+            <a:off x="4450080" y="1850683"/>
+            <a:ext cx="3291840" cy="18288"/>
+          </a:xfrm>
+          <a:custGeom>
+            <a:avLst/>
+            <a:gdLst>
+              <a:gd name="connsiteX0" fmla="*/ 0 w 3291840"/>
+              <a:gd name="connsiteY0" fmla="*/ 0 h 18288"/>
+              <a:gd name="connsiteX1" fmla="*/ 658368 w 3291840"/>
+              <a:gd name="connsiteY1" fmla="*/ 0 h 18288"/>
+              <a:gd name="connsiteX2" fmla="*/ 1283818 w 3291840"/>
+              <a:gd name="connsiteY2" fmla="*/ 0 h 18288"/>
+              <a:gd name="connsiteX3" fmla="*/ 1909267 w 3291840"/>
+              <a:gd name="connsiteY3" fmla="*/ 0 h 18288"/>
+              <a:gd name="connsiteX4" fmla="*/ 2633472 w 3291840"/>
+              <a:gd name="connsiteY4" fmla="*/ 0 h 18288"/>
+              <a:gd name="connsiteX5" fmla="*/ 3291840 w 3291840"/>
+              <a:gd name="connsiteY5" fmla="*/ 0 h 18288"/>
+              <a:gd name="connsiteX6" fmla="*/ 3291840 w 3291840"/>
+              <a:gd name="connsiteY6" fmla="*/ 18288 h 18288"/>
+              <a:gd name="connsiteX7" fmla="*/ 2633472 w 3291840"/>
+              <a:gd name="connsiteY7" fmla="*/ 18288 h 18288"/>
+              <a:gd name="connsiteX8" fmla="*/ 2073859 w 3291840"/>
+              <a:gd name="connsiteY8" fmla="*/ 18288 h 18288"/>
+              <a:gd name="connsiteX9" fmla="*/ 1448410 w 3291840"/>
+              <a:gd name="connsiteY9" fmla="*/ 18288 h 18288"/>
+              <a:gd name="connsiteX10" fmla="*/ 822960 w 3291840"/>
+              <a:gd name="connsiteY10" fmla="*/ 18288 h 18288"/>
+              <a:gd name="connsiteX11" fmla="*/ 0 w 3291840"/>
+              <a:gd name="connsiteY11" fmla="*/ 18288 h 18288"/>
+              <a:gd name="connsiteX12" fmla="*/ 0 w 3291840"/>
+              <a:gd name="connsiteY12" fmla="*/ 0 h 18288"/>
+            </a:gdLst>
+            <a:ahLst/>
+            <a:cxnLst>
+              <a:cxn ang="0">
+                <a:pos x="connsiteX0" y="connsiteY0"/>
+              </a:cxn>
+              <a:cxn ang="0">
+                <a:pos x="connsiteX1" y="connsiteY1"/>
+              </a:cxn>
+              <a:cxn ang="0">
+                <a:pos x="connsiteX2" y="connsiteY2"/>
+              </a:cxn>
+              <a:cxn ang="0">
+                <a:pos x="connsiteX3" y="connsiteY3"/>
+              </a:cxn>
+              <a:cxn ang="0">
+                <a:pos x="connsiteX4" y="connsiteY4"/>
+              </a:cxn>
+              <a:cxn ang="0">
+                <a:pos x="connsiteX5" y="connsiteY5"/>
+              </a:cxn>
+              <a:cxn ang="0">
+                <a:pos x="connsiteX6" y="connsiteY6"/>
+              </a:cxn>
+              <a:cxn ang="0">
+                <a:pos x="connsiteX7" y="connsiteY7"/>
+              </a:cxn>
+              <a:cxn ang="0">
+                <a:pos x="connsiteX8" y="connsiteY8"/>
+              </a:cxn>
+              <a:cxn ang="0">
+                <a:pos x="connsiteX9" y="connsiteY9"/>
+              </a:cxn>
+              <a:cxn ang="0">
+                <a:pos x="connsiteX10" y="connsiteY10"/>
+              </a:cxn>
+              <a:cxn ang="0">
+                <a:pos x="connsiteX11" y="connsiteY11"/>
+              </a:cxn>
+              <a:cxn ang="0">
+                <a:pos x="connsiteX12" y="connsiteY12"/>
+              </a:cxn>
+            </a:cxnLst>
+            <a:rect l="l" t="t" r="r" b="b"/>
+            <a:pathLst>
+              <a:path w="3291840" h="18288" fill="none" extrusionOk="0">
+                <a:moveTo>
+                  <a:pt x="0" y="0"/>
+                </a:moveTo>
+                <a:cubicBezTo>
+                  <a:pt x="173077" y="-20031"/>
+                  <a:pt x="443104" y="6424"/>
+                  <a:pt x="658368" y="0"/>
+                </a:cubicBezTo>
+                <a:cubicBezTo>
+                  <a:pt x="873632" y="-6424"/>
+                  <a:pt x="1034028" y="11764"/>
+                  <a:pt x="1283818" y="0"/>
+                </a:cubicBezTo>
+                <a:cubicBezTo>
+                  <a:pt x="1533608" y="-11764"/>
+                  <a:pt x="1691227" y="-30112"/>
+                  <a:pt x="1909267" y="0"/>
+                </a:cubicBezTo>
+                <a:cubicBezTo>
+                  <a:pt x="2127307" y="30112"/>
+                  <a:pt x="2272465" y="-18735"/>
+                  <a:pt x="2633472" y="0"/>
+                </a:cubicBezTo>
+                <a:cubicBezTo>
+                  <a:pt x="2994479" y="18735"/>
+                  <a:pt x="3023324" y="-32030"/>
+                  <a:pt x="3291840" y="0"/>
+                </a:cubicBezTo>
+                <a:cubicBezTo>
+                  <a:pt x="3291406" y="7551"/>
+                  <a:pt x="3291373" y="9822"/>
+                  <a:pt x="3291840" y="18288"/>
+                </a:cubicBezTo>
+                <a:cubicBezTo>
+                  <a:pt x="3048445" y="38989"/>
+                  <a:pt x="2846548" y="-14400"/>
+                  <a:pt x="2633472" y="18288"/>
+                </a:cubicBezTo>
+                <a:cubicBezTo>
+                  <a:pt x="2420396" y="50976"/>
+                  <a:pt x="2304099" y="6336"/>
+                  <a:pt x="2073859" y="18288"/>
+                </a:cubicBezTo>
+                <a:cubicBezTo>
+                  <a:pt x="1843619" y="30240"/>
+                  <a:pt x="1706926" y="10778"/>
+                  <a:pt x="1448410" y="18288"/>
+                </a:cubicBezTo>
+                <a:cubicBezTo>
+                  <a:pt x="1189894" y="25798"/>
+                  <a:pt x="1002278" y="8992"/>
+                  <a:pt x="822960" y="18288"/>
+                </a:cubicBezTo>
+                <a:cubicBezTo>
+                  <a:pt x="643642" y="27585"/>
+                  <a:pt x="307039" y="38051"/>
+                  <a:pt x="0" y="18288"/>
+                </a:cubicBezTo>
+                <a:cubicBezTo>
+                  <a:pt x="60" y="11696"/>
+                  <a:pt x="66" y="3758"/>
+                  <a:pt x="0" y="0"/>
+                </a:cubicBezTo>
+                <a:close/>
+              </a:path>
+              <a:path w="3291840" h="18288" stroke="0" extrusionOk="0">
+                <a:moveTo>
+                  <a:pt x="0" y="0"/>
+                </a:moveTo>
+                <a:cubicBezTo>
+                  <a:pt x="195850" y="28018"/>
+                  <a:pt x="434891" y="17390"/>
+                  <a:pt x="592531" y="0"/>
+                </a:cubicBezTo>
+                <a:cubicBezTo>
+                  <a:pt x="750171" y="-17390"/>
+                  <a:pt x="1018709" y="32200"/>
+                  <a:pt x="1316736" y="0"/>
+                </a:cubicBezTo>
+                <a:cubicBezTo>
+                  <a:pt x="1614763" y="-32200"/>
+                  <a:pt x="1696480" y="-11367"/>
+                  <a:pt x="1876349" y="0"/>
+                </a:cubicBezTo>
+                <a:cubicBezTo>
+                  <a:pt x="2056218" y="11367"/>
+                  <a:pt x="2193364" y="13433"/>
+                  <a:pt x="2435962" y="0"/>
+                </a:cubicBezTo>
+                <a:cubicBezTo>
+                  <a:pt x="2678560" y="-13433"/>
+                  <a:pt x="3010901" y="-42367"/>
+                  <a:pt x="3291840" y="0"/>
+                </a:cubicBezTo>
+                <a:cubicBezTo>
+                  <a:pt x="3291758" y="4406"/>
+                  <a:pt x="3291751" y="9982"/>
+                  <a:pt x="3291840" y="18288"/>
+                </a:cubicBezTo>
+                <a:cubicBezTo>
+                  <a:pt x="3108993" y="14228"/>
+                  <a:pt x="2952658" y="46900"/>
+                  <a:pt x="2666390" y="18288"/>
+                </a:cubicBezTo>
+                <a:cubicBezTo>
+                  <a:pt x="2380122" y="-10324"/>
+                  <a:pt x="2263855" y="41055"/>
+                  <a:pt x="2040941" y="18288"/>
+                </a:cubicBezTo>
+                <a:cubicBezTo>
+                  <a:pt x="1818027" y="-4479"/>
+                  <a:pt x="1675097" y="6509"/>
+                  <a:pt x="1415491" y="18288"/>
+                </a:cubicBezTo>
+                <a:cubicBezTo>
+                  <a:pt x="1155885" y="30068"/>
+                  <a:pt x="852976" y="36210"/>
+                  <a:pt x="691286" y="18288"/>
+                </a:cubicBezTo>
+                <a:cubicBezTo>
+                  <a:pt x="529596" y="366"/>
+                  <a:pt x="187183" y="13912"/>
+                  <a:pt x="0" y="18288"/>
+                </a:cubicBezTo>
+                <a:cubicBezTo>
+                  <a:pt x="189" y="14288"/>
+                  <a:pt x="-703" y="3747"/>
+                  <a:pt x="0" y="0"/>
+                </a:cubicBezTo>
+                <a:close/>
+              </a:path>
+            </a:pathLst>
+          </a:custGeom>
+          <a:solidFill>
+            <a:schemeClr val="accent2"/>
+          </a:solidFill>
+          <a:ln w="41275" cap="rnd">
+            <a:solidFill>
+              <a:schemeClr val="accent2"/>
+            </a:solidFill>
+            <a:round/>
+            <a:extLst>
+              <a:ext uri="{C807C97D-BFC1-408E-A445-0C87EB9F89A2}">
+                <ask:lineSketchStyleProps xmlns:ask="http://schemas.microsoft.com/office/drawing/2018/sketchyshapes" sd="2863741219">
+                  <a:prstGeom prst="rect">
+                    <a:avLst/>
+                  </a:prstGeom>
+                  <ask:type>
+                    <ask:lineSketchFreehand/>
+                  </ask:type>
+                </ask:lineSketchStyleProps>
+              </a:ext>
+            </a:extLst>
+          </a:ln>
+        </p:spPr>
+        <p:style>
+          <a:lnRef idx="2">
+            <a:schemeClr val="accent1">
+              <a:shade val="50000"/>
+            </a:schemeClr>
+          </a:lnRef>
+          <a:fillRef idx="1">
+            <a:schemeClr val="accent1"/>
+          </a:fillRef>
+          <a:effectRef idx="0">
+            <a:schemeClr val="accent1"/>
+          </a:effectRef>
+          <a:fontRef idx="minor">
+            <a:schemeClr val="lt1"/>
+          </a:fontRef>
+        </p:style>
+        <p:txBody>
+          <a:bodyPr rtlCol="0" anchor="ctr"/>
+          <a:lstStyle/>
+          <a:p>
+            <a:pPr algn="ctr"/>
+            <a:endParaRPr lang="en-US"/>
+          </a:p>
+        </p:txBody>
+      </p:sp>
+      <p:pic>
+        <p:nvPicPr>
+          <p:cNvPr id="5" name="Picture 4" descr="A screenshot of a computer&#10;&#10;Description automatically generated with medium confidence">
+            <a:extLst>
+              <a:ext uri="{FF2B5EF4-FFF2-40B4-BE49-F238E27FC236}">
+                <a16:creationId xmlns:a16="http://schemas.microsoft.com/office/drawing/2014/main" id="{571944CF-5904-3AEB-39D3-2E057E4DDC9E}"/>
+              </a:ext>
+            </a:extLst>
+          </p:cNvPr>
+          <p:cNvPicPr>
+            <a:picLocks noChangeAspect="1"/>
+          </p:cNvPicPr>
+          <p:nvPr/>
+        </p:nvPicPr>
+        <p:blipFill>
+          <a:blip r:embed="rId3"/>
+          <a:stretch>
+            <a:fillRect/>
+          </a:stretch>
+        </p:blipFill>
+        <p:spPr>
+          <a:xfrm>
+            <a:off x="665962" y="2642616"/>
+            <a:ext cx="4922572" cy="3605784"/>
           </a:xfrm>
           <a:prstGeom prst="rect">
             <a:avLst/>
           </a:prstGeom>
+          <a:ln w="38100">
+            <a:solidFill>
+              <a:schemeClr val="tx1"/>
+            </a:solidFill>
+          </a:ln>
         </p:spPr>
-        <p:txBody>
-          <a:bodyPr wrap="square">
-            <a:spAutoFit/>
-          </a:bodyPr>
-          <a:lstStyle/>
-          <a:p>
-            <a:pPr>
-              <a:lnSpc>
-                <a:spcPct val="115000"/>
-              </a:lnSpc>
-              <a:spcAft>
-                <a:spcPts val="0"/>
-              </a:spcAft>
-            </a:pPr>
-            <a:r>
-              <a:rPr lang="en-NZ" i="1" dirty="0">
-                <a:latin typeface="Arial" panose="020B0604020202020204" pitchFamily="34" charset="0"/>
-                <a:ea typeface="Arial" panose="020B0604020202020204" pitchFamily="34" charset="0"/>
-              </a:rPr>
-              <a:t>Your version control evidence should go here.  This could be in the form of screenshots (both of your GitHub repository as well as your local project folder) as evidence of your incremental development.</a:t>
-            </a:r>
-            <a:endParaRPr lang="en-NZ" dirty="0">
-              <a:latin typeface="Arial" panose="020B0604020202020204" pitchFamily="34" charset="0"/>
-              <a:ea typeface="Arial" panose="020B0604020202020204" pitchFamily="34" charset="0"/>
-            </a:endParaRPr>
-          </a:p>
-        </p:txBody>
-      </p:sp>
+      </p:pic>
+      <p:pic>
+        <p:nvPicPr>
+          <p:cNvPr id="7" name="Picture 6" descr="A screenshot of a computer&#10;&#10;Description automatically generated with medium confidence">
+            <a:extLst>
+              <a:ext uri="{FF2B5EF4-FFF2-40B4-BE49-F238E27FC236}">
+                <a16:creationId xmlns:a16="http://schemas.microsoft.com/office/drawing/2014/main" id="{A9A2FEE6-B788-6C23-1772-7B35FCA289BE}"/>
+              </a:ext>
+            </a:extLst>
+          </p:cNvPr>
+          <p:cNvPicPr>
+            <a:picLocks noChangeAspect="1"/>
+          </p:cNvPicPr>
+          <p:nvPr/>
+        </p:nvPicPr>
+        <p:blipFill>
+          <a:blip r:embed="rId4"/>
+          <a:stretch>
+            <a:fillRect/>
+          </a:stretch>
+        </p:blipFill>
+        <p:spPr>
+          <a:xfrm>
+            <a:off x="6591989" y="2642616"/>
+            <a:ext cx="4939429" cy="3605784"/>
+          </a:xfrm>
+          <a:prstGeom prst="rect">
+            <a:avLst/>
+          </a:prstGeom>
+          <a:ln w="38100">
+            <a:solidFill>
+              <a:schemeClr val="tx1"/>
+            </a:solidFill>
+          </a:ln>
+        </p:spPr>
+      </p:pic>
     </p:spTree>
     <p:extLst>
       <p:ext uri="{BB962C8B-B14F-4D97-AF65-F5344CB8AC3E}">
@@ -13788,6 +18249,14 @@
 <file path=ppt/slides/slide29.xml><?xml version="1.0" encoding="utf-8"?>
 <p:sld xmlns:a="http://schemas.openxmlformats.org/drawingml/2006/main" xmlns:r="http://schemas.openxmlformats.org/officeDocument/2006/relationships" xmlns:p="http://schemas.openxmlformats.org/presentationml/2006/main">
   <p:cSld>
+    <p:bg>
+      <p:bgPr>
+        <a:solidFill>
+          <a:schemeClr val="bg1"/>
+        </a:solidFill>
+        <a:effectLst/>
+      </p:bgPr>
+    </p:bg>
     <p:spTree>
       <p:nvGrpSpPr>
         <p:cNvPr id="1" name=""/>
@@ -13802,12 +18271,72 @@
           <a:chExt cx="0" cy="0"/>
         </a:xfrm>
       </p:grpSpPr>
+      <p:sp useBgFill="1">
+        <p:nvSpPr>
+          <p:cNvPr id="17" name="Rectangle 16">
+            <a:extLst>
+              <a:ext uri="{FF2B5EF4-FFF2-40B4-BE49-F238E27FC236}">
+                <a16:creationId xmlns:a16="http://schemas.microsoft.com/office/drawing/2014/main" id="{C4879EFC-8E62-4E00-973C-C45EE9EC676D}"/>
+              </a:ext>
+              <a:ext uri="{C183D7F6-B498-43B3-948B-1728B52AA6E4}">
+                <adec:decorative xmlns:adec="http://schemas.microsoft.com/office/drawing/2017/decorative" val="1"/>
+              </a:ext>
+            </a:extLst>
+          </p:cNvPr>
+          <p:cNvSpPr>
+            <a:spLocks noGrp="1" noRot="1" noChangeAspect="1" noMove="1" noResize="1" noEditPoints="1" noAdjustHandles="1" noChangeArrowheads="1" noChangeShapeType="1" noTextEdit="1"/>
+          </p:cNvSpPr>
+          <p:nvPr>
+            <p:extLst>
+              <p:ext uri="{386F3935-93C4-4BCD-93E2-E3B085C9AB24}">
+                <p16:designElem xmlns:p16="http://schemas.microsoft.com/office/powerpoint/2015/main" val="1"/>
+              </p:ext>
+            </p:extLst>
+          </p:nvPr>
+        </p:nvSpPr>
+        <p:spPr>
+          <a:xfrm>
+            <a:off x="0" y="0"/>
+            <a:ext cx="12188952" cy="6858000"/>
+          </a:xfrm>
+          <a:prstGeom prst="rect">
+            <a:avLst/>
+          </a:prstGeom>
+          <a:ln>
+            <a:noFill/>
+          </a:ln>
+        </p:spPr>
+        <p:style>
+          <a:lnRef idx="2">
+            <a:schemeClr val="accent1">
+              <a:shade val="50000"/>
+            </a:schemeClr>
+          </a:lnRef>
+          <a:fillRef idx="1">
+            <a:schemeClr val="accent1"/>
+          </a:fillRef>
+          <a:effectRef idx="0">
+            <a:schemeClr val="accent1"/>
+          </a:effectRef>
+          <a:fontRef idx="minor">
+            <a:schemeClr val="lt1"/>
+          </a:fontRef>
+        </p:style>
+        <p:txBody>
+          <a:bodyPr rtlCol="0" anchor="ctr"/>
+          <a:lstStyle/>
+          <a:p>
+            <a:pPr algn="ctr"/>
+            <a:endParaRPr lang="en-US"/>
+          </a:p>
+        </p:txBody>
+      </p:sp>
       <p:sp>
         <p:nvSpPr>
           <p:cNvPr id="2" name="Title 1">
             <a:extLst>
               <a:ext uri="{FF2B5EF4-FFF2-40B4-BE49-F238E27FC236}">
-                <a16:creationId xmlns:a16="http://schemas.microsoft.com/office/drawing/2014/main" id="{0AC904DD-5A10-446B-A89E-8DA5AC00DE23}"/>
+                <a16:creationId xmlns:a16="http://schemas.microsoft.com/office/drawing/2014/main" id="{D62183D5-E1F8-4917-B0BA-FC2E62047445}"/>
               </a:ext>
             </a:extLst>
           </p:cNvPr>
@@ -13820,63 +18349,380 @@
         </p:nvSpPr>
         <p:spPr>
           <a:xfrm>
-            <a:off x="838200" y="365125"/>
-            <a:ext cx="10515600" cy="721995"/>
+            <a:off x="638881" y="457200"/>
+            <a:ext cx="10909640" cy="1368614"/>
           </a:xfrm>
         </p:spPr>
         <p:txBody>
-          <a:bodyPr>
+          <a:bodyPr vert="horz" lIns="91440" tIns="45720" rIns="91440" bIns="45720" rtlCol="0" anchor="ctr">
             <a:normAutofit/>
           </a:bodyPr>
           <a:lstStyle/>
           <a:p>
+            <a:pPr algn="ctr"/>
             <a:r>
-              <a:rPr lang="en-NZ" sz="4000" dirty="0"/>
-              <a:t>Final Discussion:</a:t>
+              <a:rPr lang="en-US" sz="6600" b="1"/>
+              <a:t>Version Control Evidence:</a:t>
             </a:r>
           </a:p>
         </p:txBody>
       </p:sp>
       <p:sp>
         <p:nvSpPr>
-          <p:cNvPr id="3" name="Rectangle 2">
+          <p:cNvPr id="19" name="sketch line">
             <a:extLst>
               <a:ext uri="{FF2B5EF4-FFF2-40B4-BE49-F238E27FC236}">
-                <a16:creationId xmlns:a16="http://schemas.microsoft.com/office/drawing/2014/main" id="{6385A117-1109-4CFD-B531-10565CC9D864}"/>
+                <a16:creationId xmlns:a16="http://schemas.microsoft.com/office/drawing/2014/main" id="{D6A9C53F-5F90-40A5-8C85-5412D39C8C68}"/>
+              </a:ext>
+              <a:ext uri="{C183D7F6-B498-43B3-948B-1728B52AA6E4}">
+                <adec:decorative xmlns:adec="http://schemas.microsoft.com/office/drawing/2017/decorative" val="1"/>
               </a:ext>
             </a:extLst>
           </p:cNvPr>
-          <p:cNvSpPr/>
-          <p:nvPr/>
+          <p:cNvSpPr>
+            <a:spLocks noGrp="1" noRot="1" noChangeAspect="1" noMove="1" noResize="1" noEditPoints="1" noAdjustHandles="1" noChangeArrowheads="1" noChangeShapeType="1" noTextEdit="1"/>
+          </p:cNvSpPr>
+          <p:nvPr>
+            <p:extLst>
+              <p:ext uri="{386F3935-93C4-4BCD-93E2-E3B085C9AB24}">
+                <p16:designElem xmlns:p16="http://schemas.microsoft.com/office/powerpoint/2015/main" val="1"/>
+              </p:ext>
+            </p:extLst>
+          </p:nvPr>
         </p:nvSpPr>
         <p:spPr>
           <a:xfrm>
-            <a:off x="838200" y="1087120"/>
-            <a:ext cx="8353926" cy="646331"/>
+            <a:off x="4450080" y="1850683"/>
+            <a:ext cx="3291840" cy="18288"/>
+          </a:xfrm>
+          <a:custGeom>
+            <a:avLst/>
+            <a:gdLst>
+              <a:gd name="connsiteX0" fmla="*/ 0 w 3291840"/>
+              <a:gd name="connsiteY0" fmla="*/ 0 h 18288"/>
+              <a:gd name="connsiteX1" fmla="*/ 658368 w 3291840"/>
+              <a:gd name="connsiteY1" fmla="*/ 0 h 18288"/>
+              <a:gd name="connsiteX2" fmla="*/ 1283818 w 3291840"/>
+              <a:gd name="connsiteY2" fmla="*/ 0 h 18288"/>
+              <a:gd name="connsiteX3" fmla="*/ 1909267 w 3291840"/>
+              <a:gd name="connsiteY3" fmla="*/ 0 h 18288"/>
+              <a:gd name="connsiteX4" fmla="*/ 2633472 w 3291840"/>
+              <a:gd name="connsiteY4" fmla="*/ 0 h 18288"/>
+              <a:gd name="connsiteX5" fmla="*/ 3291840 w 3291840"/>
+              <a:gd name="connsiteY5" fmla="*/ 0 h 18288"/>
+              <a:gd name="connsiteX6" fmla="*/ 3291840 w 3291840"/>
+              <a:gd name="connsiteY6" fmla="*/ 18288 h 18288"/>
+              <a:gd name="connsiteX7" fmla="*/ 2633472 w 3291840"/>
+              <a:gd name="connsiteY7" fmla="*/ 18288 h 18288"/>
+              <a:gd name="connsiteX8" fmla="*/ 2073859 w 3291840"/>
+              <a:gd name="connsiteY8" fmla="*/ 18288 h 18288"/>
+              <a:gd name="connsiteX9" fmla="*/ 1448410 w 3291840"/>
+              <a:gd name="connsiteY9" fmla="*/ 18288 h 18288"/>
+              <a:gd name="connsiteX10" fmla="*/ 822960 w 3291840"/>
+              <a:gd name="connsiteY10" fmla="*/ 18288 h 18288"/>
+              <a:gd name="connsiteX11" fmla="*/ 0 w 3291840"/>
+              <a:gd name="connsiteY11" fmla="*/ 18288 h 18288"/>
+              <a:gd name="connsiteX12" fmla="*/ 0 w 3291840"/>
+              <a:gd name="connsiteY12" fmla="*/ 0 h 18288"/>
+            </a:gdLst>
+            <a:ahLst/>
+            <a:cxnLst>
+              <a:cxn ang="0">
+                <a:pos x="connsiteX0" y="connsiteY0"/>
+              </a:cxn>
+              <a:cxn ang="0">
+                <a:pos x="connsiteX1" y="connsiteY1"/>
+              </a:cxn>
+              <a:cxn ang="0">
+                <a:pos x="connsiteX2" y="connsiteY2"/>
+              </a:cxn>
+              <a:cxn ang="0">
+                <a:pos x="connsiteX3" y="connsiteY3"/>
+              </a:cxn>
+              <a:cxn ang="0">
+                <a:pos x="connsiteX4" y="connsiteY4"/>
+              </a:cxn>
+              <a:cxn ang="0">
+                <a:pos x="connsiteX5" y="connsiteY5"/>
+              </a:cxn>
+              <a:cxn ang="0">
+                <a:pos x="connsiteX6" y="connsiteY6"/>
+              </a:cxn>
+              <a:cxn ang="0">
+                <a:pos x="connsiteX7" y="connsiteY7"/>
+              </a:cxn>
+              <a:cxn ang="0">
+                <a:pos x="connsiteX8" y="connsiteY8"/>
+              </a:cxn>
+              <a:cxn ang="0">
+                <a:pos x="connsiteX9" y="connsiteY9"/>
+              </a:cxn>
+              <a:cxn ang="0">
+                <a:pos x="connsiteX10" y="connsiteY10"/>
+              </a:cxn>
+              <a:cxn ang="0">
+                <a:pos x="connsiteX11" y="connsiteY11"/>
+              </a:cxn>
+              <a:cxn ang="0">
+                <a:pos x="connsiteX12" y="connsiteY12"/>
+              </a:cxn>
+            </a:cxnLst>
+            <a:rect l="l" t="t" r="r" b="b"/>
+            <a:pathLst>
+              <a:path w="3291840" h="18288" fill="none" extrusionOk="0">
+                <a:moveTo>
+                  <a:pt x="0" y="0"/>
+                </a:moveTo>
+                <a:cubicBezTo>
+                  <a:pt x="173077" y="-20031"/>
+                  <a:pt x="443104" y="6424"/>
+                  <a:pt x="658368" y="0"/>
+                </a:cubicBezTo>
+                <a:cubicBezTo>
+                  <a:pt x="873632" y="-6424"/>
+                  <a:pt x="1034028" y="11764"/>
+                  <a:pt x="1283818" y="0"/>
+                </a:cubicBezTo>
+                <a:cubicBezTo>
+                  <a:pt x="1533608" y="-11764"/>
+                  <a:pt x="1691227" y="-30112"/>
+                  <a:pt x="1909267" y="0"/>
+                </a:cubicBezTo>
+                <a:cubicBezTo>
+                  <a:pt x="2127307" y="30112"/>
+                  <a:pt x="2272465" y="-18735"/>
+                  <a:pt x="2633472" y="0"/>
+                </a:cubicBezTo>
+                <a:cubicBezTo>
+                  <a:pt x="2994479" y="18735"/>
+                  <a:pt x="3023324" y="-32030"/>
+                  <a:pt x="3291840" y="0"/>
+                </a:cubicBezTo>
+                <a:cubicBezTo>
+                  <a:pt x="3291406" y="7551"/>
+                  <a:pt x="3291373" y="9822"/>
+                  <a:pt x="3291840" y="18288"/>
+                </a:cubicBezTo>
+                <a:cubicBezTo>
+                  <a:pt x="3048445" y="38989"/>
+                  <a:pt x="2846548" y="-14400"/>
+                  <a:pt x="2633472" y="18288"/>
+                </a:cubicBezTo>
+                <a:cubicBezTo>
+                  <a:pt x="2420396" y="50976"/>
+                  <a:pt x="2304099" y="6336"/>
+                  <a:pt x="2073859" y="18288"/>
+                </a:cubicBezTo>
+                <a:cubicBezTo>
+                  <a:pt x="1843619" y="30240"/>
+                  <a:pt x="1706926" y="10778"/>
+                  <a:pt x="1448410" y="18288"/>
+                </a:cubicBezTo>
+                <a:cubicBezTo>
+                  <a:pt x="1189894" y="25798"/>
+                  <a:pt x="1002278" y="8992"/>
+                  <a:pt x="822960" y="18288"/>
+                </a:cubicBezTo>
+                <a:cubicBezTo>
+                  <a:pt x="643642" y="27585"/>
+                  <a:pt x="307039" y="38051"/>
+                  <a:pt x="0" y="18288"/>
+                </a:cubicBezTo>
+                <a:cubicBezTo>
+                  <a:pt x="60" y="11696"/>
+                  <a:pt x="66" y="3758"/>
+                  <a:pt x="0" y="0"/>
+                </a:cubicBezTo>
+                <a:close/>
+              </a:path>
+              <a:path w="3291840" h="18288" stroke="0" extrusionOk="0">
+                <a:moveTo>
+                  <a:pt x="0" y="0"/>
+                </a:moveTo>
+                <a:cubicBezTo>
+                  <a:pt x="195850" y="28018"/>
+                  <a:pt x="434891" y="17390"/>
+                  <a:pt x="592531" y="0"/>
+                </a:cubicBezTo>
+                <a:cubicBezTo>
+                  <a:pt x="750171" y="-17390"/>
+                  <a:pt x="1018709" y="32200"/>
+                  <a:pt x="1316736" y="0"/>
+                </a:cubicBezTo>
+                <a:cubicBezTo>
+                  <a:pt x="1614763" y="-32200"/>
+                  <a:pt x="1696480" y="-11367"/>
+                  <a:pt x="1876349" y="0"/>
+                </a:cubicBezTo>
+                <a:cubicBezTo>
+                  <a:pt x="2056218" y="11367"/>
+                  <a:pt x="2193364" y="13433"/>
+                  <a:pt x="2435962" y="0"/>
+                </a:cubicBezTo>
+                <a:cubicBezTo>
+                  <a:pt x="2678560" y="-13433"/>
+                  <a:pt x="3010901" y="-42367"/>
+                  <a:pt x="3291840" y="0"/>
+                </a:cubicBezTo>
+                <a:cubicBezTo>
+                  <a:pt x="3291758" y="4406"/>
+                  <a:pt x="3291751" y="9982"/>
+                  <a:pt x="3291840" y="18288"/>
+                </a:cubicBezTo>
+                <a:cubicBezTo>
+                  <a:pt x="3108993" y="14228"/>
+                  <a:pt x="2952658" y="46900"/>
+                  <a:pt x="2666390" y="18288"/>
+                </a:cubicBezTo>
+                <a:cubicBezTo>
+                  <a:pt x="2380122" y="-10324"/>
+                  <a:pt x="2263855" y="41055"/>
+                  <a:pt x="2040941" y="18288"/>
+                </a:cubicBezTo>
+                <a:cubicBezTo>
+                  <a:pt x="1818027" y="-4479"/>
+                  <a:pt x="1675097" y="6509"/>
+                  <a:pt x="1415491" y="18288"/>
+                </a:cubicBezTo>
+                <a:cubicBezTo>
+                  <a:pt x="1155885" y="30068"/>
+                  <a:pt x="852976" y="36210"/>
+                  <a:pt x="691286" y="18288"/>
+                </a:cubicBezTo>
+                <a:cubicBezTo>
+                  <a:pt x="529596" y="366"/>
+                  <a:pt x="187183" y="13912"/>
+                  <a:pt x="0" y="18288"/>
+                </a:cubicBezTo>
+                <a:cubicBezTo>
+                  <a:pt x="189" y="14288"/>
+                  <a:pt x="-703" y="3747"/>
+                  <a:pt x="0" y="0"/>
+                </a:cubicBezTo>
+                <a:close/>
+              </a:path>
+            </a:pathLst>
+          </a:custGeom>
+          <a:solidFill>
+            <a:schemeClr val="accent2"/>
+          </a:solidFill>
+          <a:ln w="41275" cap="rnd">
+            <a:solidFill>
+              <a:schemeClr val="accent2"/>
+            </a:solidFill>
+            <a:round/>
+            <a:extLst>
+              <a:ext uri="{C807C97D-BFC1-408E-A445-0C87EB9F89A2}">
+                <ask:lineSketchStyleProps xmlns:ask="http://schemas.microsoft.com/office/drawing/2018/sketchyshapes" sd="2863741219">
+                  <a:prstGeom prst="rect">
+                    <a:avLst/>
+                  </a:prstGeom>
+                  <ask:type>
+                    <ask:lineSketchFreehand/>
+                  </ask:type>
+                </ask:lineSketchStyleProps>
+              </a:ext>
+            </a:extLst>
+          </a:ln>
+        </p:spPr>
+        <p:style>
+          <a:lnRef idx="2">
+            <a:schemeClr val="accent1">
+              <a:shade val="50000"/>
+            </a:schemeClr>
+          </a:lnRef>
+          <a:fillRef idx="1">
+            <a:schemeClr val="accent1"/>
+          </a:fillRef>
+          <a:effectRef idx="0">
+            <a:schemeClr val="accent1"/>
+          </a:effectRef>
+          <a:fontRef idx="minor">
+            <a:schemeClr val="lt1"/>
+          </a:fontRef>
+        </p:style>
+        <p:txBody>
+          <a:bodyPr rtlCol="0" anchor="ctr"/>
+          <a:lstStyle/>
+          <a:p>
+            <a:pPr algn="ctr"/>
+            <a:endParaRPr lang="en-US"/>
+          </a:p>
+        </p:txBody>
+      </p:sp>
+      <p:pic>
+        <p:nvPicPr>
+          <p:cNvPr id="4" name="Picture 3" descr="A screenshot of a computer&#10;&#10;Description automatically generated with medium confidence">
+            <a:extLst>
+              <a:ext uri="{FF2B5EF4-FFF2-40B4-BE49-F238E27FC236}">
+                <a16:creationId xmlns:a16="http://schemas.microsoft.com/office/drawing/2014/main" id="{B044FF03-E204-A88B-ABEC-FD153C1FB707}"/>
+              </a:ext>
+            </a:extLst>
+          </p:cNvPr>
+          <p:cNvPicPr>
+            <a:picLocks noChangeAspect="1"/>
+          </p:cNvPicPr>
+          <p:nvPr/>
+        </p:nvPicPr>
+        <p:blipFill rotWithShape="1">
+          <a:blip r:embed="rId3"/>
+          <a:srcRect b="328"/>
+          <a:stretch/>
+        </p:blipFill>
+        <p:spPr>
+          <a:xfrm>
+            <a:off x="320040" y="2696758"/>
+            <a:ext cx="5614416" cy="3497500"/>
           </a:xfrm>
           <a:prstGeom prst="rect">
             <a:avLst/>
           </a:prstGeom>
+          <a:ln w="38100">
+            <a:solidFill>
+              <a:schemeClr val="tx1"/>
+            </a:solidFill>
+          </a:ln>
         </p:spPr>
-        <p:txBody>
-          <a:bodyPr wrap="square">
-            <a:spAutoFit/>
-          </a:bodyPr>
-          <a:lstStyle/>
-          <a:p>
-            <a:r>
-              <a:rPr lang="en-NZ" i="1" dirty="0">
-                <a:latin typeface="Arial" panose="020B0604020202020204" pitchFamily="34" charset="0"/>
-              </a:rPr>
-              <a:t>Discuss how the information from planning, testing and trialling of components assisted in the development of a high-quality outcome.</a:t>
-            </a:r>
-          </a:p>
-        </p:txBody>
-      </p:sp>
+      </p:pic>
+      <p:pic>
+        <p:nvPicPr>
+          <p:cNvPr id="12" name="Picture 11" descr="A screenshot of a computer&#10;&#10;Description automatically generated with medium confidence">
+            <a:extLst>
+              <a:ext uri="{FF2B5EF4-FFF2-40B4-BE49-F238E27FC236}">
+                <a16:creationId xmlns:a16="http://schemas.microsoft.com/office/drawing/2014/main" id="{895CC770-049D-CDBD-89FC-2BFFBAA0DE38}"/>
+              </a:ext>
+            </a:extLst>
+          </p:cNvPr>
+          <p:cNvPicPr>
+            <a:picLocks noChangeAspect="1"/>
+          </p:cNvPicPr>
+          <p:nvPr/>
+        </p:nvPicPr>
+        <p:blipFill>
+          <a:blip r:embed="rId4"/>
+          <a:stretch>
+            <a:fillRect/>
+          </a:stretch>
+        </p:blipFill>
+        <p:spPr>
+          <a:xfrm>
+            <a:off x="6254496" y="2894525"/>
+            <a:ext cx="5614416" cy="3101965"/>
+          </a:xfrm>
+          <a:prstGeom prst="rect">
+            <a:avLst/>
+          </a:prstGeom>
+          <a:ln w="38100">
+            <a:solidFill>
+              <a:schemeClr val="tx1"/>
+            </a:solidFill>
+          </a:ln>
+        </p:spPr>
+      </p:pic>
     </p:spTree>
     <p:extLst>
       <p:ext uri="{BB962C8B-B14F-4D97-AF65-F5344CB8AC3E}">
-        <p14:creationId xmlns:p14="http://schemas.microsoft.com/office/powerpoint/2010/main" val="2276153040"/>
+        <p14:creationId xmlns:p14="http://schemas.microsoft.com/office/powerpoint/2010/main" val="262829612"/>
       </p:ext>
     </p:extLst>
   </p:cSld>
@@ -14410,6 +19256,107 @@
     <p:extLst>
       <p:ext uri="{BB962C8B-B14F-4D97-AF65-F5344CB8AC3E}">
         <p14:creationId xmlns:p14="http://schemas.microsoft.com/office/powerpoint/2010/main" val="975627948"/>
+      </p:ext>
+    </p:extLst>
+  </p:cSld>
+  <p:clrMapOvr>
+    <a:masterClrMapping/>
+  </p:clrMapOvr>
+</p:sld>
+</file>
+
+<file path=ppt/slides/slide30.xml><?xml version="1.0" encoding="utf-8"?>
+<p:sld xmlns:a="http://schemas.openxmlformats.org/drawingml/2006/main" xmlns:r="http://schemas.openxmlformats.org/officeDocument/2006/relationships" xmlns:p="http://schemas.openxmlformats.org/presentationml/2006/main">
+  <p:cSld>
+    <p:spTree>
+      <p:nvGrpSpPr>
+        <p:cNvPr id="1" name=""/>
+        <p:cNvGrpSpPr/>
+        <p:nvPr/>
+      </p:nvGrpSpPr>
+      <p:grpSpPr>
+        <a:xfrm>
+          <a:off x="0" y="0"/>
+          <a:ext cx="0" cy="0"/>
+          <a:chOff x="0" y="0"/>
+          <a:chExt cx="0" cy="0"/>
+        </a:xfrm>
+      </p:grpSpPr>
+      <p:sp>
+        <p:nvSpPr>
+          <p:cNvPr id="2" name="Title 1">
+            <a:extLst>
+              <a:ext uri="{FF2B5EF4-FFF2-40B4-BE49-F238E27FC236}">
+                <a16:creationId xmlns:a16="http://schemas.microsoft.com/office/drawing/2014/main" id="{0AC904DD-5A10-446B-A89E-8DA5AC00DE23}"/>
+              </a:ext>
+            </a:extLst>
+          </p:cNvPr>
+          <p:cNvSpPr>
+            <a:spLocks noGrp="1"/>
+          </p:cNvSpPr>
+          <p:nvPr>
+            <p:ph type="title"/>
+          </p:nvPr>
+        </p:nvSpPr>
+        <p:spPr>
+          <a:xfrm>
+            <a:off x="838200" y="365125"/>
+            <a:ext cx="10515600" cy="721995"/>
+          </a:xfrm>
+        </p:spPr>
+        <p:txBody>
+          <a:bodyPr>
+            <a:normAutofit/>
+          </a:bodyPr>
+          <a:lstStyle/>
+          <a:p>
+            <a:r>
+              <a:rPr lang="en-NZ" sz="4000" dirty="0"/>
+              <a:t>Final Discussion:</a:t>
+            </a:r>
+          </a:p>
+        </p:txBody>
+      </p:sp>
+      <p:sp>
+        <p:nvSpPr>
+          <p:cNvPr id="3" name="Rectangle 2">
+            <a:extLst>
+              <a:ext uri="{FF2B5EF4-FFF2-40B4-BE49-F238E27FC236}">
+                <a16:creationId xmlns:a16="http://schemas.microsoft.com/office/drawing/2014/main" id="{6385A117-1109-4CFD-B531-10565CC9D864}"/>
+              </a:ext>
+            </a:extLst>
+          </p:cNvPr>
+          <p:cNvSpPr/>
+          <p:nvPr/>
+        </p:nvSpPr>
+        <p:spPr>
+          <a:xfrm>
+            <a:off x="838200" y="1087120"/>
+            <a:ext cx="8353926" cy="646331"/>
+          </a:xfrm>
+          <a:prstGeom prst="rect">
+            <a:avLst/>
+          </a:prstGeom>
+        </p:spPr>
+        <p:txBody>
+          <a:bodyPr wrap="square">
+            <a:spAutoFit/>
+          </a:bodyPr>
+          <a:lstStyle/>
+          <a:p>
+            <a:r>
+              <a:rPr lang="en-NZ" i="1" dirty="0">
+                <a:latin typeface="Arial" panose="020B0604020202020204" pitchFamily="34" charset="0"/>
+              </a:rPr>
+              <a:t>Discuss how the information from planning, testing and trialling of components assisted in the development of a high-quality outcome.</a:t>
+            </a:r>
+          </a:p>
+        </p:txBody>
+      </p:sp>
+    </p:spTree>
+    <p:extLst>
+      <p:ext uri="{BB962C8B-B14F-4D97-AF65-F5344CB8AC3E}">
+        <p14:creationId xmlns:p14="http://schemas.microsoft.com/office/powerpoint/2010/main" val="2276153040"/>
       </p:ext>
     </p:extLst>
   </p:cSld>
@@ -15825,7 +20772,7 @@
         </p:nvSpPr>
         <p:spPr>
           <a:xfrm>
-            <a:off x="4654295" y="502920"/>
+            <a:off x="4654295" y="514495"/>
             <a:ext cx="6894576" cy="1463040"/>
           </a:xfrm>
           <a:prstGeom prst="rect">
@@ -15864,19 +20811,25 @@
       </p:sp>
       <p:graphicFrame>
         <p:nvGraphicFramePr>
-          <p:cNvPr id="92" name="Google Shape;92;p19"/>
+          <p:cNvPr id="2" name="Google Shape;92;p19">
+            <a:extLst>
+              <a:ext uri="{FF2B5EF4-FFF2-40B4-BE49-F238E27FC236}">
+                <a16:creationId xmlns:a16="http://schemas.microsoft.com/office/drawing/2014/main" id="{5B2EDF07-3E53-F346-02B2-441FD7178060}"/>
+              </a:ext>
+            </a:extLst>
+          </p:cNvPr>
           <p:cNvGraphicFramePr/>
           <p:nvPr>
             <p:extLst>
               <p:ext uri="{D42A27DB-BD31-4B8C-83A1-F6EECF244321}">
-                <p14:modId xmlns:p14="http://schemas.microsoft.com/office/powerpoint/2010/main" val="2846866062"/>
+                <p14:modId xmlns:p14="http://schemas.microsoft.com/office/powerpoint/2010/main" val="2787094468"/>
               </p:ext>
             </p:extLst>
           </p:nvPr>
         </p:nvGraphicFramePr>
         <p:xfrm>
-          <a:off x="821231" y="2290936"/>
-          <a:ext cx="10537346" cy="3959354"/>
+          <a:off x="1203767" y="2514600"/>
+          <a:ext cx="9711159" cy="3840480"/>
         </p:xfrm>
         <a:graphic>
           <a:graphicData uri="http://schemas.openxmlformats.org/drawingml/2006/table">
@@ -15885,14 +20838,14 @@
                 <a:noFill/>
               </a:tblPr>
               <a:tblGrid>
-                <a:gridCol w="5526151">
+                <a:gridCol w="5092870">
                   <a:extLst>
                     <a:ext uri="{9D8B030D-6E8A-4147-A177-3AD203B41FA5}">
                       <a16:colId xmlns:a16="http://schemas.microsoft.com/office/drawing/2014/main" val="20000"/>
                     </a:ext>
                   </a:extLst>
                 </a:gridCol>
-                <a:gridCol w="5011195">
+                <a:gridCol w="4618289">
                   <a:extLst>
                     <a:ext uri="{9D8B030D-6E8A-4147-A177-3AD203B41FA5}">
                       <a16:colId xmlns:a16="http://schemas.microsoft.com/office/drawing/2014/main" val="20001"/>
@@ -15900,7 +20853,7 @@
                   </a:extLst>
                 </a:gridCol>
               </a:tblGrid>
-              <a:tr h="725235">
+              <a:tr h="737477">
                 <a:tc>
                   <a:txBody>
                     <a:bodyPr/>
@@ -15916,10 +20869,10 @@
                         <a:buNone/>
                       </a:pPr>
                       <a:r>
-                        <a:rPr lang="en" sz="2700" b="1" dirty="0"/>
+                        <a:rPr lang="en" sz="2400" b="1" dirty="0"/>
                         <a:t>Test Cases - input</a:t>
                       </a:r>
-                      <a:endParaRPr sz="2700" b="1" dirty="0"/>
+                      <a:endParaRPr sz="2400" b="1" dirty="0"/>
                     </a:p>
                   </a:txBody>
                   <a:tcPr marL="136823" marR="136823" marT="136823" marB="136823">
@@ -15943,10 +20896,10 @@
                         <a:buNone/>
                       </a:pPr>
                       <a:r>
-                        <a:rPr lang="en" sz="2700" b="1"/>
+                        <a:rPr lang="en" sz="2400" b="1" dirty="0"/>
                         <a:t>Expected output</a:t>
                       </a:r>
-                      <a:endParaRPr sz="2700" b="1"/>
+                      <a:endParaRPr sz="2400" b="1" dirty="0"/>
                     </a:p>
                   </a:txBody>
                   <a:tcPr marL="136823" marR="136823" marT="136823" marB="136823">
@@ -15961,7 +20914,7 @@
                   </a:ext>
                 </a:extLst>
               </a:tr>
-              <a:tr h="1306118">
+              <a:tr h="775753">
                 <a:tc>
                   <a:txBody>
                     <a:bodyPr/>
@@ -15980,13 +20933,13 @@
                         <a:buNone/>
                       </a:pPr>
                       <a:r>
-                        <a:rPr lang="en-US" sz="2700" b="1" i="0" u="none" strike="noStrike" noProof="0">
+                        <a:rPr lang="en-US" sz="1500" b="1" i="0" u="none" strike="noStrike" noProof="0" dirty="0">
                           <a:solidFill>
                             <a:srgbClr val="6A8759"/>
                           </a:solidFill>
                           <a:latin typeface="Consolas"/>
                         </a:rPr>
-                        <a:t>Add or Remove Monster Cards</a:t>
+                        <a:t>Add MONSTER</a:t>
                       </a:r>
                     </a:p>
                   </a:txBody>
@@ -16010,15 +20963,24 @@
                         <a:buNone/>
                       </a:pPr>
                       <a:r>
-                        <a:rPr lang="en-US" sz="1800" b="0" i="0" u="none" strike="noStrike" noProof="0">
+                        <a:rPr lang="en-US" sz="1100" b="0" i="0" u="none" strike="noStrike" noProof="0" dirty="0" err="1">
                           <a:solidFill>
                             <a:schemeClr val="tx1"/>
                           </a:solidFill>
                           <a:latin typeface="Consolas"/>
                         </a:rPr>
-                        <a:t>add_or_remove()</a:t>
+                        <a:t>add_monster</a:t>
                       </a:r>
-                      <a:endParaRPr lang="en-US" sz="3300">
+                      <a:r>
+                        <a:rPr lang="en-US" sz="1100" b="0" i="0" u="none" strike="noStrike" noProof="0" dirty="0">
+                          <a:solidFill>
+                            <a:schemeClr val="tx1"/>
+                          </a:solidFill>
+                          <a:latin typeface="Consolas"/>
+                        </a:rPr>
+                        <a:t>()</a:t>
+                      </a:r>
+                      <a:endParaRPr lang="en-US" sz="1100" dirty="0">
                         <a:solidFill>
                           <a:schemeClr val="tx1"/>
                         </a:solidFill>
@@ -16033,7 +20995,7 @@
                   </a:ext>
                 </a:extLst>
               </a:tr>
-              <a:tr h="895580">
+              <a:tr h="775753">
                 <a:tc>
                   <a:txBody>
                     <a:bodyPr/>
@@ -16052,15 +21014,140 @@
                         <a:buNone/>
                       </a:pPr>
                       <a:r>
-                        <a:rPr lang="en-US" sz="2700" b="1" i="0" u="none" strike="noStrike" noProof="0">
+                        <a:rPr kumimoji="0" lang="en-US" sz="1500" b="1" i="0" u="none" strike="noStrike" kern="1200" cap="none" spc="0" normalizeH="0" baseline="0" noProof="0" dirty="0">
+                          <a:ln>
+                            <a:noFill/>
+                          </a:ln>
+                          <a:solidFill>
+                            <a:srgbClr val="6A8759"/>
+                          </a:solidFill>
+                          <a:effectLst/>
+                          <a:uLnTx/>
+                          <a:uFillTx/>
+                          <a:latin typeface="Consolas"/>
+                          <a:ea typeface="+mn-ea"/>
+                          <a:cs typeface="+mn-cs"/>
+                        </a:rPr>
+                        <a:t>Remove MONSTER</a:t>
+                      </a:r>
+                      <a:endParaRPr lang="en-US" sz="1500" b="1" i="0" u="none" strike="noStrike" noProof="0" dirty="0">
+                        <a:solidFill>
+                          <a:srgbClr val="6A8759"/>
+                        </a:solidFill>
+                        <a:latin typeface="Consolas"/>
+                      </a:endParaRPr>
+                    </a:p>
+                  </a:txBody>
+                  <a:tcPr marL="221996" marR="221996" marT="221996" marB="221996"/>
+                </a:tc>
+                <a:tc>
+                  <a:txBody>
+                    <a:bodyPr/>
+                    <a:lstStyle/>
+                    <a:p>
+                      <a:pPr marL="0" marR="0" lvl="0" indent="0" algn="l" defTabSz="914400" rtl="0" eaLnBrk="1" fontAlgn="auto" latinLnBrk="0" hangingPunct="1">
+                        <a:lnSpc>
+                          <a:spcPct val="100000"/>
+                        </a:lnSpc>
+                        <a:spcBef>
+                          <a:spcPts val="0"/>
+                        </a:spcBef>
+                        <a:spcAft>
+                          <a:spcPts val="0"/>
+                        </a:spcAft>
+                        <a:buClrTx/>
+                        <a:buSzTx/>
+                        <a:buFontTx/>
+                        <a:buNone/>
+                        <a:tabLst/>
+                        <a:defRPr/>
+                      </a:pPr>
+                      <a:r>
+                        <a:rPr kumimoji="0" lang="en-US" sz="1100" b="0" i="0" u="none" strike="noStrike" kern="1200" cap="none" spc="0" normalizeH="0" baseline="0" noProof="0" dirty="0" err="1">
+                          <a:ln>
+                            <a:noFill/>
+                          </a:ln>
+                          <a:solidFill>
+                            <a:prstClr val="black"/>
+                          </a:solidFill>
+                          <a:effectLst/>
+                          <a:uLnTx/>
+                          <a:uFillTx/>
+                          <a:latin typeface="Consolas"/>
+                          <a:ea typeface="+mn-ea"/>
+                          <a:cs typeface="+mn-cs"/>
+                        </a:rPr>
+                        <a:t>remove_monster</a:t>
+                      </a:r>
+                      <a:r>
+                        <a:rPr kumimoji="0" lang="en-US" sz="1100" b="0" i="0" u="none" strike="noStrike" kern="1200" cap="none" spc="0" normalizeH="0" baseline="0" noProof="0" dirty="0">
+                          <a:ln>
+                            <a:noFill/>
+                          </a:ln>
+                          <a:solidFill>
+                            <a:prstClr val="black"/>
+                          </a:solidFill>
+                          <a:effectLst/>
+                          <a:uLnTx/>
+                          <a:uFillTx/>
+                          <a:latin typeface="Consolas"/>
+                          <a:ea typeface="+mn-ea"/>
+                          <a:cs typeface="+mn-cs"/>
+                        </a:rPr>
+                        <a:t>()</a:t>
+                      </a:r>
+                      <a:endParaRPr kumimoji="0" lang="en-US" sz="1100" b="0" i="0" u="none" strike="noStrike" kern="1200" cap="none" spc="0" normalizeH="0" baseline="0" noProof="0" dirty="0">
+                        <a:ln>
+                          <a:noFill/>
+                        </a:ln>
+                        <a:solidFill>
+                          <a:prstClr val="black"/>
+                        </a:solidFill>
+                        <a:effectLst/>
+                        <a:uLnTx/>
+                        <a:uFillTx/>
+                        <a:latin typeface="+mn-lt"/>
+                        <a:ea typeface="+mn-ea"/>
+                        <a:cs typeface="+mn-cs"/>
+                      </a:endParaRPr>
+                    </a:p>
+                  </a:txBody>
+                  <a:tcPr marL="221996" marR="221996" marT="221996" marB="221996"/>
+                </a:tc>
+                <a:extLst>
+                  <a:ext uri="{0D108BD9-81ED-4DB2-BD59-A6C34878D82A}">
+                    <a16:rowId xmlns:a16="http://schemas.microsoft.com/office/drawing/2014/main" val="1603092495"/>
+                  </a:ext>
+                </a:extLst>
+              </a:tr>
+              <a:tr h="775751">
+                <a:tc>
+                  <a:txBody>
+                    <a:bodyPr/>
+                    <a:lstStyle/>
+                    <a:p>
+                      <a:pPr lvl="0" algn="l">
+                        <a:lnSpc>
+                          <a:spcPct val="100000"/>
+                        </a:lnSpc>
+                        <a:spcBef>
+                          <a:spcPts val="0"/>
+                        </a:spcBef>
+                        <a:spcAft>
+                          <a:spcPts val="0"/>
+                        </a:spcAft>
+                        <a:buNone/>
+                      </a:pPr>
+                      <a:r>
+                        <a:rPr lang="en-US" sz="1500" b="1" i="0" u="none" strike="noStrike" noProof="0" dirty="0">
                           <a:solidFill>
                             <a:srgbClr val="6A8759"/>
                           </a:solidFill>
                           <a:latin typeface="Consolas"/>
                         </a:rPr>
-                        <a:t>Find or Show Monster Cards</a:t>
+                        <a:t>Find Show</a:t>
                       </a:r>
-                      <a:endParaRPr lang="en-US" sz="2700" b="1"/>
+                      <a:endParaRPr lang="en-US" sz="1500" b="1" dirty="0"/>
                     </a:p>
                   </a:txBody>
                   <a:tcPr marL="221995" marR="221995" marT="221995" marB="221995"/>
@@ -16083,15 +21170,24 @@
                         <a:buNone/>
                       </a:pPr>
                       <a:r>
-                        <a:rPr lang="en-US" sz="1800" b="0" i="0" u="none" strike="noStrike" noProof="0">
+                        <a:rPr lang="en-US" sz="1100" b="0" i="0" u="none" strike="noStrike" noProof="0" dirty="0" err="1">
                           <a:solidFill>
                             <a:schemeClr val="tx1"/>
                           </a:solidFill>
                           <a:latin typeface="Consolas"/>
                         </a:rPr>
-                        <a:t>find combo()</a:t>
+                        <a:t>Find_show</a:t>
                       </a:r>
-                      <a:endParaRPr lang="en-US" sz="3300">
+                      <a:r>
+                        <a:rPr lang="en-US" sz="1100" b="0" i="0" u="none" strike="noStrike" noProof="0" dirty="0">
+                          <a:solidFill>
+                            <a:schemeClr val="tx1"/>
+                          </a:solidFill>
+                          <a:latin typeface="Consolas"/>
+                        </a:rPr>
+                        <a:t>()</a:t>
+                      </a:r>
+                      <a:endParaRPr lang="en-US" sz="1100" dirty="0">
                         <a:solidFill>
                           <a:schemeClr val="tx1"/>
                         </a:solidFill>
@@ -16106,7 +21202,7 @@
                   </a:ext>
                 </a:extLst>
               </a:tr>
-              <a:tr h="1032421">
+              <a:tr h="775746">
                 <a:tc>
                   <a:txBody>
                     <a:bodyPr/>
@@ -16125,7 +21221,7 @@
                         <a:buNone/>
                       </a:pPr>
                       <a:r>
-                        <a:rPr lang="en-US" sz="2700" b="1" i="0" u="none" strike="noStrike" noProof="0">
+                        <a:rPr lang="en-US" sz="1500" b="1" i="0" u="none" strike="noStrike" noProof="0" dirty="0">
                           <a:solidFill>
                             <a:srgbClr val="6A8759"/>
                           </a:solidFill>
@@ -16142,32 +21238,18 @@
                     <a:bodyPr/>
                     <a:lstStyle/>
                     <a:p>
-                      <a:pPr lvl="0" algn="l">
-                        <a:lnSpc>
-                          <a:spcPct val="100000"/>
-                        </a:lnSpc>
-                        <a:spcBef>
-                          <a:spcPts val="0"/>
-                        </a:spcBef>
-                        <a:spcAft>
-                          <a:spcPts val="0"/>
-                        </a:spcAft>
-                        <a:buNone/>
-                      </a:pPr>
                       <a:r>
-                        <a:rPr lang="en-US" sz="1800" b="0" i="0" u="none" strike="noStrike" noProof="0" dirty="0">
+                        <a:rPr lang="en-US" sz="1100" kern="1200" dirty="0">
                           <a:solidFill>
                             <a:schemeClr val="tx1"/>
                           </a:solidFill>
-                          <a:latin typeface="Consolas"/>
+                          <a:effectLst/>
+                          <a:latin typeface="+mn-lt"/>
+                          <a:ea typeface="+mn-ea"/>
+                          <a:cs typeface="+mn-cs"/>
                         </a:rPr>
-                        <a:t>Thanks for playing with The Monster Cards</a:t>
+                        <a:t>Exit()</a:t>
                       </a:r>
-                      <a:endParaRPr lang="en-US" sz="3300" b="0" dirty="0">
-                        <a:solidFill>
-                          <a:schemeClr val="tx1"/>
-                        </a:solidFill>
-                      </a:endParaRPr>
                     </a:p>
                   </a:txBody>
                   <a:tcPr marL="221993" marR="221993" marT="221993" marB="221993"/>
@@ -16272,10 +21354,9 @@
           <a:lstStyle/>
           <a:p>
             <a:r>
-              <a:rPr lang="en-NZ" i="1"/>
+              <a:rPr lang="en-NZ" i="1" dirty="0"/>
               <a:t>You must show the results of testing. For each component, include a screenshot proving it works.  You can also include notes about each test. </a:t>
             </a:r>
-            <a:endParaRPr lang="en-NZ" i="1" dirty="0"/>
           </a:p>
         </p:txBody>
       </p:sp>
@@ -16736,10 +21817,10 @@
       </p:graphicFrame>
       <p:pic>
         <p:nvPicPr>
-          <p:cNvPr id="8" name="Picture 7">
+          <p:cNvPr id="14" name="Picture 13">
             <a:extLst>
               <a:ext uri="{FF2B5EF4-FFF2-40B4-BE49-F238E27FC236}">
-                <a16:creationId xmlns:a16="http://schemas.microsoft.com/office/drawing/2014/main" id="{59061B2E-CB54-5CE2-423D-735C85E99F7E}"/>
+                <a16:creationId xmlns:a16="http://schemas.microsoft.com/office/drawing/2014/main" id="{DB2C35B1-3E50-6683-B112-400C0ACF6884}"/>
               </a:ext>
             </a:extLst>
           </p:cNvPr>
@@ -16750,41 +21831,6 @@
         </p:nvPicPr>
         <p:blipFill>
           <a:blip r:embed="rId3"/>
-          <a:stretch>
-            <a:fillRect/>
-          </a:stretch>
-        </p:blipFill>
-        <p:spPr>
-          <a:xfrm>
-            <a:off x="231493" y="1891547"/>
-            <a:ext cx="3772227" cy="1265030"/>
-          </a:xfrm>
-          <a:prstGeom prst="rect">
-            <a:avLst/>
-          </a:prstGeom>
-          <a:ln w="38100">
-            <a:solidFill>
-              <a:schemeClr val="tx1"/>
-            </a:solidFill>
-          </a:ln>
-        </p:spPr>
-      </p:pic>
-      <p:pic>
-        <p:nvPicPr>
-          <p:cNvPr id="14" name="Picture 13">
-            <a:extLst>
-              <a:ext uri="{FF2B5EF4-FFF2-40B4-BE49-F238E27FC236}">
-                <a16:creationId xmlns:a16="http://schemas.microsoft.com/office/drawing/2014/main" id="{DB2C35B1-3E50-6683-B112-400C0ACF6884}"/>
-              </a:ext>
-            </a:extLst>
-          </p:cNvPr>
-          <p:cNvPicPr>
-            <a:picLocks noChangeAspect="1"/>
-          </p:cNvPicPr>
-          <p:nvPr/>
-        </p:nvPicPr>
-        <p:blipFill>
-          <a:blip r:embed="rId4"/>
           <a:stretch>
             <a:fillRect/>
           </a:stretch>
@@ -16819,7 +21865,7 @@
           <p:nvPr/>
         </p:nvPicPr>
         <p:blipFill>
-          <a:blip r:embed="rId5"/>
+          <a:blip r:embed="rId4"/>
           <a:stretch>
             <a:fillRect/>
           </a:stretch>
@@ -16854,7 +21900,7 @@
           <p:nvPr/>
         </p:nvPicPr>
         <p:blipFill>
-          <a:blip r:embed="rId6"/>
+          <a:blip r:embed="rId5"/>
           <a:stretch>
             <a:fillRect/>
           </a:stretch>
@@ -16889,7 +21935,7 @@
           <p:nvPr/>
         </p:nvPicPr>
         <p:blipFill>
-          <a:blip r:embed="rId7"/>
+          <a:blip r:embed="rId6"/>
           <a:stretch>
             <a:fillRect/>
           </a:stretch>
@@ -17128,6 +22174,279 @@
                 <a:srgbClr val="FFC000"/>
               </a:solidFill>
             </a:endParaRPr>
+          </a:p>
+        </p:txBody>
+      </p:sp>
+      <p:sp>
+        <p:nvSpPr>
+          <p:cNvPr id="5" name="TextBox 4">
+            <a:extLst>
+              <a:ext uri="{FF2B5EF4-FFF2-40B4-BE49-F238E27FC236}">
+                <a16:creationId xmlns:a16="http://schemas.microsoft.com/office/drawing/2014/main" id="{843E468E-03F1-5074-4280-79803E829DA3}"/>
+              </a:ext>
+            </a:extLst>
+          </p:cNvPr>
+          <p:cNvSpPr txBox="1"/>
+          <p:nvPr/>
+        </p:nvSpPr>
+        <p:spPr>
+          <a:xfrm>
+            <a:off x="7882359" y="2447028"/>
+            <a:ext cx="4078148" cy="646331"/>
+          </a:xfrm>
+          <a:prstGeom prst="rect">
+            <a:avLst/>
+          </a:prstGeom>
+          <a:noFill/>
+        </p:spPr>
+        <p:txBody>
+          <a:bodyPr wrap="square" rtlCol="0">
+            <a:spAutoFit/>
+          </a:bodyPr>
+          <a:lstStyle/>
+          <a:p>
+            <a:r>
+              <a:rPr lang="en-NZ" dirty="0"/>
+              <a:t>Placeholders just to test that it was working</a:t>
+            </a:r>
+          </a:p>
+        </p:txBody>
+      </p:sp>
+      <p:pic>
+        <p:nvPicPr>
+          <p:cNvPr id="7" name="Picture 6">
+            <a:extLst>
+              <a:ext uri="{FF2B5EF4-FFF2-40B4-BE49-F238E27FC236}">
+                <a16:creationId xmlns:a16="http://schemas.microsoft.com/office/drawing/2014/main" id="{6EDDC825-7A09-25B3-071A-7220BDBBCA8D}"/>
+              </a:ext>
+            </a:extLst>
+          </p:cNvPr>
+          <p:cNvPicPr>
+            <a:picLocks noChangeAspect="1"/>
+          </p:cNvPicPr>
+          <p:nvPr/>
+        </p:nvPicPr>
+        <p:blipFill>
+          <a:blip r:embed="rId7"/>
+          <a:stretch>
+            <a:fillRect/>
+          </a:stretch>
+        </p:blipFill>
+        <p:spPr>
+          <a:xfrm>
+            <a:off x="227498" y="1965543"/>
+            <a:ext cx="3734124" cy="1226926"/>
+          </a:xfrm>
+          <a:prstGeom prst="rect">
+            <a:avLst/>
+          </a:prstGeom>
+        </p:spPr>
+      </p:pic>
+      <p:sp>
+        <p:nvSpPr>
+          <p:cNvPr id="9" name="Rectangle 8">
+            <a:extLst>
+              <a:ext uri="{FF2B5EF4-FFF2-40B4-BE49-F238E27FC236}">
+                <a16:creationId xmlns:a16="http://schemas.microsoft.com/office/drawing/2014/main" id="{CBFE2EEF-C35E-A124-460B-3C842845DDF4}"/>
+              </a:ext>
+            </a:extLst>
+          </p:cNvPr>
+          <p:cNvSpPr/>
+          <p:nvPr/>
+        </p:nvSpPr>
+        <p:spPr>
+          <a:xfrm>
+            <a:off x="273799" y="2905246"/>
+            <a:ext cx="913488" cy="266132"/>
+          </a:xfrm>
+          <a:prstGeom prst="rect">
+            <a:avLst/>
+          </a:prstGeom>
+          <a:noFill/>
+          <a:ln w="38100">
+            <a:solidFill>
+              <a:srgbClr val="C00000"/>
+            </a:solidFill>
+          </a:ln>
+        </p:spPr>
+        <p:style>
+          <a:lnRef idx="2">
+            <a:schemeClr val="accent1">
+              <a:shade val="50000"/>
+            </a:schemeClr>
+          </a:lnRef>
+          <a:fillRef idx="1">
+            <a:schemeClr val="accent1"/>
+          </a:fillRef>
+          <a:effectRef idx="0">
+            <a:schemeClr val="accent1"/>
+          </a:effectRef>
+          <a:fontRef idx="minor">
+            <a:schemeClr val="lt1"/>
+          </a:fontRef>
+        </p:style>
+        <p:txBody>
+          <a:bodyPr rtlCol="0" anchor="ctr"/>
+          <a:lstStyle/>
+          <a:p>
+            <a:pPr algn="ctr"/>
+            <a:endParaRPr lang="en-NZ"/>
+          </a:p>
+        </p:txBody>
+      </p:sp>
+      <p:sp>
+        <p:nvSpPr>
+          <p:cNvPr id="10" name="Rectangle 9">
+            <a:extLst>
+              <a:ext uri="{FF2B5EF4-FFF2-40B4-BE49-F238E27FC236}">
+                <a16:creationId xmlns:a16="http://schemas.microsoft.com/office/drawing/2014/main" id="{15D12298-D2DD-1CE1-1A66-6CD6545F1E61}"/>
+              </a:ext>
+            </a:extLst>
+          </p:cNvPr>
+          <p:cNvSpPr/>
+          <p:nvPr/>
+        </p:nvSpPr>
+        <p:spPr>
+          <a:xfrm>
+            <a:off x="1331090" y="2907174"/>
+            <a:ext cx="1194122" cy="266132"/>
+          </a:xfrm>
+          <a:prstGeom prst="rect">
+            <a:avLst/>
+          </a:prstGeom>
+          <a:noFill/>
+          <a:ln w="38100">
+            <a:solidFill>
+              <a:srgbClr val="FFC000"/>
+            </a:solidFill>
+          </a:ln>
+        </p:spPr>
+        <p:style>
+          <a:lnRef idx="2">
+            <a:schemeClr val="accent1">
+              <a:shade val="50000"/>
+            </a:schemeClr>
+          </a:lnRef>
+          <a:fillRef idx="1">
+            <a:schemeClr val="accent1"/>
+          </a:fillRef>
+          <a:effectRef idx="0">
+            <a:schemeClr val="accent1"/>
+          </a:effectRef>
+          <a:fontRef idx="minor">
+            <a:schemeClr val="lt1"/>
+          </a:fontRef>
+        </p:style>
+        <p:txBody>
+          <a:bodyPr rtlCol="0" anchor="ctr"/>
+          <a:lstStyle/>
+          <a:p>
+            <a:pPr algn="ctr"/>
+            <a:endParaRPr lang="en-NZ"/>
+          </a:p>
+        </p:txBody>
+      </p:sp>
+      <p:sp>
+        <p:nvSpPr>
+          <p:cNvPr id="11" name="Rectangle 10">
+            <a:extLst>
+              <a:ext uri="{FF2B5EF4-FFF2-40B4-BE49-F238E27FC236}">
+                <a16:creationId xmlns:a16="http://schemas.microsoft.com/office/drawing/2014/main" id="{1DB374A9-F5F2-76CD-37B4-8D0EF743006F}"/>
+              </a:ext>
+            </a:extLst>
+          </p:cNvPr>
+          <p:cNvSpPr/>
+          <p:nvPr/>
+        </p:nvSpPr>
+        <p:spPr>
+          <a:xfrm>
+            <a:off x="2657439" y="2905246"/>
+            <a:ext cx="714655" cy="269987"/>
+          </a:xfrm>
+          <a:prstGeom prst="rect">
+            <a:avLst/>
+          </a:prstGeom>
+          <a:noFill/>
+          <a:ln w="38100">
+            <a:solidFill>
+              <a:srgbClr val="92D050"/>
+            </a:solidFill>
+          </a:ln>
+        </p:spPr>
+        <p:style>
+          <a:lnRef idx="2">
+            <a:schemeClr val="accent1">
+              <a:shade val="50000"/>
+            </a:schemeClr>
+          </a:lnRef>
+          <a:fillRef idx="1">
+            <a:schemeClr val="accent1"/>
+          </a:fillRef>
+          <a:effectRef idx="0">
+            <a:schemeClr val="accent1"/>
+          </a:effectRef>
+          <a:fontRef idx="minor">
+            <a:schemeClr val="lt1"/>
+          </a:fontRef>
+        </p:style>
+        <p:txBody>
+          <a:bodyPr rtlCol="0" anchor="ctr"/>
+          <a:lstStyle/>
+          <a:p>
+            <a:pPr algn="ctr"/>
+            <a:endParaRPr lang="en-NZ"/>
+          </a:p>
+        </p:txBody>
+      </p:sp>
+      <p:sp>
+        <p:nvSpPr>
+          <p:cNvPr id="12" name="Rectangle 11">
+            <a:extLst>
+              <a:ext uri="{FF2B5EF4-FFF2-40B4-BE49-F238E27FC236}">
+                <a16:creationId xmlns:a16="http://schemas.microsoft.com/office/drawing/2014/main" id="{58CC27B4-D283-AC5A-6E91-3ADCE12914CB}"/>
+              </a:ext>
+            </a:extLst>
+          </p:cNvPr>
+          <p:cNvSpPr/>
+          <p:nvPr/>
+        </p:nvSpPr>
+        <p:spPr>
+          <a:xfrm>
+            <a:off x="3481172" y="2893672"/>
+            <a:ext cx="468875" cy="271914"/>
+          </a:xfrm>
+          <a:prstGeom prst="rect">
+            <a:avLst/>
+          </a:prstGeom>
+          <a:noFill/>
+          <a:ln w="38100">
+            <a:solidFill>
+              <a:srgbClr val="00B0F0"/>
+            </a:solidFill>
+          </a:ln>
+        </p:spPr>
+        <p:style>
+          <a:lnRef idx="2">
+            <a:schemeClr val="accent1">
+              <a:shade val="50000"/>
+            </a:schemeClr>
+          </a:lnRef>
+          <a:fillRef idx="1">
+            <a:schemeClr val="accent1"/>
+          </a:fillRef>
+          <a:effectRef idx="0">
+            <a:schemeClr val="accent1"/>
+          </a:effectRef>
+          <a:fontRef idx="minor">
+            <a:schemeClr val="lt1"/>
+          </a:fontRef>
+        </p:style>
+        <p:txBody>
+          <a:bodyPr rtlCol="0" anchor="ctr"/>
+          <a:lstStyle/>
+          <a:p>
+            <a:pPr algn="ctr"/>
+            <a:endParaRPr lang="en-NZ"/>
           </a:p>
         </p:txBody>
       </p:sp>
